--- a/Lectures/Lesson 06 - Generics, Comparator, Comparable.pptx
+++ b/Lectures/Lesson 06 - Generics, Comparator, Comparable.pptx
@@ -5,7 +5,7 @@
     <p:sldMasterId id="2147483648" r:id="rId1"/>
   </p:sldMasterIdLst>
   <p:notesMasterIdLst>
-    <p:notesMasterId r:id="rId36"/>
+    <p:notesMasterId r:id="rId33"/>
   </p:notesMasterIdLst>
   <p:sldIdLst>
     <p:sldId id="257" r:id="rId2"/>
@@ -28,20 +28,17 @@
     <p:sldId id="308" r:id="rId19"/>
     <p:sldId id="309" r:id="rId20"/>
     <p:sldId id="259" r:id="rId21"/>
-    <p:sldId id="293" r:id="rId22"/>
-    <p:sldId id="294" r:id="rId23"/>
-    <p:sldId id="265" r:id="rId24"/>
-    <p:sldId id="267" r:id="rId25"/>
-    <p:sldId id="266" r:id="rId26"/>
-    <p:sldId id="268" r:id="rId27"/>
-    <p:sldId id="269" r:id="rId28"/>
-    <p:sldId id="270" r:id="rId29"/>
-    <p:sldId id="271" r:id="rId30"/>
-    <p:sldId id="272" r:id="rId31"/>
-    <p:sldId id="288" r:id="rId32"/>
-    <p:sldId id="311" r:id="rId33"/>
-    <p:sldId id="290" r:id="rId34"/>
-    <p:sldId id="291" r:id="rId35"/>
+    <p:sldId id="267" r:id="rId22"/>
+    <p:sldId id="266" r:id="rId23"/>
+    <p:sldId id="268" r:id="rId24"/>
+    <p:sldId id="269" r:id="rId25"/>
+    <p:sldId id="270" r:id="rId26"/>
+    <p:sldId id="271" r:id="rId27"/>
+    <p:sldId id="272" r:id="rId28"/>
+    <p:sldId id="288" r:id="rId29"/>
+    <p:sldId id="311" r:id="rId30"/>
+    <p:sldId id="290" r:id="rId31"/>
+    <p:sldId id="291" r:id="rId32"/>
   </p:sldIdLst>
   <p:sldSz cx="12192000" cy="6858000"/>
   <p:notesSz cx="6858000" cy="9144000"/>
@@ -230,7 +227,7 @@
           <a:p>
             <a:fld id="{106CB395-4971-4CDB-9CE0-91B29A4E8DEB}" type="datetimeFigureOut">
               <a:rPr lang="en-US" smtClean="0"/>
-              <a:t>11/11/2018</a:t>
+              <a:t>11/15/2018</a:t>
             </a:fld>
             <a:endParaRPr lang="en-US"/>
           </a:p>
@@ -626,90 +623,6 @@
           <a:bodyPr/>
           <a:lstStyle/>
           <a:p>
-            <a:endParaRPr lang="ru-RU" dirty="0"/>
-          </a:p>
-        </p:txBody>
-      </p:sp>
-      <p:sp>
-        <p:nvSpPr>
-          <p:cNvPr id="4" name="Номер слайда 3"/>
-          <p:cNvSpPr>
-            <a:spLocks noGrp="1"/>
-          </p:cNvSpPr>
-          <p:nvPr>
-            <p:ph type="sldNum" sz="quarter" idx="10"/>
-          </p:nvPr>
-        </p:nvSpPr>
-        <p:spPr/>
-        <p:txBody>
-          <a:bodyPr/>
-          <a:lstStyle/>
-          <a:p>
-            <a:fld id="{812D7E2C-03C1-4B92-BBE3-2FB5C5D5BF8B}" type="slidenum">
-              <a:rPr lang="ru-RU" smtClean="0"/>
-              <a:t>31</a:t>
-            </a:fld>
-            <a:endParaRPr lang="ru-RU"/>
-          </a:p>
-        </p:txBody>
-      </p:sp>
-    </p:spTree>
-    <p:extLst>
-      <p:ext uri="{BB962C8B-B14F-4D97-AF65-F5344CB8AC3E}">
-        <p14:creationId xmlns:p14="http://schemas.microsoft.com/office/powerpoint/2010/main" val="1616605270"/>
-      </p:ext>
-    </p:extLst>
-  </p:cSld>
-  <p:clrMapOvr>
-    <a:masterClrMapping/>
-  </p:clrMapOvr>
-</p:notes>
-</file>
-
-<file path=ppt/notesSlides/notesSlide11.xml><?xml version="1.0" encoding="utf-8"?>
-<p:notes xmlns:a="http://schemas.openxmlformats.org/drawingml/2006/main" xmlns:r="http://schemas.openxmlformats.org/officeDocument/2006/relationships" xmlns:p="http://schemas.openxmlformats.org/presentationml/2006/main">
-  <p:cSld>
-    <p:spTree>
-      <p:nvGrpSpPr>
-        <p:cNvPr id="1" name=""/>
-        <p:cNvGrpSpPr/>
-        <p:nvPr/>
-      </p:nvGrpSpPr>
-      <p:grpSpPr>
-        <a:xfrm>
-          <a:off x="0" y="0"/>
-          <a:ext cx="0" cy="0"/>
-          <a:chOff x="0" y="0"/>
-          <a:chExt cx="0" cy="0"/>
-        </a:xfrm>
-      </p:grpSpPr>
-      <p:sp>
-        <p:nvSpPr>
-          <p:cNvPr id="2" name="Образ слайда 1"/>
-          <p:cNvSpPr>
-            <a:spLocks noGrp="1" noRot="1" noChangeAspect="1"/>
-          </p:cNvSpPr>
-          <p:nvPr>
-            <p:ph type="sldImg"/>
-          </p:nvPr>
-        </p:nvSpPr>
-        <p:spPr/>
-      </p:sp>
-      <p:sp>
-        <p:nvSpPr>
-          <p:cNvPr id="3" name="Заметки 2"/>
-          <p:cNvSpPr>
-            <a:spLocks noGrp="1"/>
-          </p:cNvSpPr>
-          <p:nvPr>
-            <p:ph type="body" idx="1"/>
-          </p:nvPr>
-        </p:nvSpPr>
-        <p:spPr/>
-        <p:txBody>
-          <a:bodyPr/>
-          <a:lstStyle/>
-          <a:p>
             <a:endParaRPr lang="uk-UA" dirty="0"/>
           </a:p>
         </p:txBody>
@@ -731,91 +644,7 @@
           <a:p>
             <a:fld id="{812D7E2C-03C1-4B92-BBE3-2FB5C5D5BF8B}" type="slidenum">
               <a:rPr lang="ru-RU" smtClean="0"/>
-              <a:t>32</a:t>
-            </a:fld>
-            <a:endParaRPr lang="ru-RU"/>
-          </a:p>
-        </p:txBody>
-      </p:sp>
-    </p:spTree>
-    <p:extLst>
-      <p:ext uri="{BB962C8B-B14F-4D97-AF65-F5344CB8AC3E}">
-        <p14:creationId xmlns:p14="http://schemas.microsoft.com/office/powerpoint/2010/main" val="2136353761"/>
-      </p:ext>
-    </p:extLst>
-  </p:cSld>
-  <p:clrMapOvr>
-    <a:masterClrMapping/>
-  </p:clrMapOvr>
-</p:notes>
-</file>
-
-<file path=ppt/notesSlides/notesSlide12.xml><?xml version="1.0" encoding="utf-8"?>
-<p:notes xmlns:a="http://schemas.openxmlformats.org/drawingml/2006/main" xmlns:r="http://schemas.openxmlformats.org/officeDocument/2006/relationships" xmlns:p="http://schemas.openxmlformats.org/presentationml/2006/main">
-  <p:cSld>
-    <p:spTree>
-      <p:nvGrpSpPr>
-        <p:cNvPr id="1" name=""/>
-        <p:cNvGrpSpPr/>
-        <p:nvPr/>
-      </p:nvGrpSpPr>
-      <p:grpSpPr>
-        <a:xfrm>
-          <a:off x="0" y="0"/>
-          <a:ext cx="0" cy="0"/>
-          <a:chOff x="0" y="0"/>
-          <a:chExt cx="0" cy="0"/>
-        </a:xfrm>
-      </p:grpSpPr>
-      <p:sp>
-        <p:nvSpPr>
-          <p:cNvPr id="2" name="Образ слайда 1"/>
-          <p:cNvSpPr>
-            <a:spLocks noGrp="1" noRot="1" noChangeAspect="1"/>
-          </p:cNvSpPr>
-          <p:nvPr>
-            <p:ph type="sldImg"/>
-          </p:nvPr>
-        </p:nvSpPr>
-        <p:spPr/>
-      </p:sp>
-      <p:sp>
-        <p:nvSpPr>
-          <p:cNvPr id="3" name="Заметки 2"/>
-          <p:cNvSpPr>
-            <a:spLocks noGrp="1"/>
-          </p:cNvSpPr>
-          <p:nvPr>
-            <p:ph type="body" idx="1"/>
-          </p:nvPr>
-        </p:nvSpPr>
-        <p:spPr/>
-        <p:txBody>
-          <a:bodyPr/>
-          <a:lstStyle/>
-          <a:p>
-            <a:endParaRPr lang="uk-UA" dirty="0"/>
-          </a:p>
-        </p:txBody>
-      </p:sp>
-      <p:sp>
-        <p:nvSpPr>
-          <p:cNvPr id="4" name="Номер слайда 3"/>
-          <p:cNvSpPr>
-            <a:spLocks noGrp="1"/>
-          </p:cNvSpPr>
-          <p:nvPr>
-            <p:ph type="sldNum" sz="quarter" idx="10"/>
-          </p:nvPr>
-        </p:nvSpPr>
-        <p:spPr/>
-        <p:txBody>
-          <a:bodyPr/>
-          <a:lstStyle/>
-          <a:p>
-            <a:fld id="{812D7E2C-03C1-4B92-BBE3-2FB5C5D5BF8B}" type="slidenum">
-              <a:rPr lang="ru-RU" smtClean="0"/>
-              <a:t>33</a:t>
+              <a:t>30</a:t>
             </a:fld>
             <a:endParaRPr lang="ru-RU"/>
           </a:p>
@@ -1442,198 +1271,7 @@
           <a:bodyPr/>
           <a:lstStyle/>
           <a:p>
-            <a:r>
-              <a:rPr lang="en-US" b="1" dirty="0" smtClean="0"/>
-              <a:t>Reflexive</a:t>
-            </a:r>
-            <a:r>
-              <a:rPr lang="en-US" dirty="0" smtClean="0"/>
-              <a:t>: For any non‐null reference value x, </a:t>
-            </a:r>
-            <a:r>
-              <a:rPr lang="en-US" dirty="0" err="1" smtClean="0">
-                <a:latin typeface="Courier New" panose="02070309020205020404" pitchFamily="49" charset="0"/>
-                <a:cs typeface="Courier New" panose="02070309020205020404" pitchFamily="49" charset="0"/>
-              </a:rPr>
-              <a:t>x.equals</a:t>
-            </a:r>
-            <a:r>
-              <a:rPr lang="en-US" dirty="0" smtClean="0">
-                <a:latin typeface="Courier New" panose="02070309020205020404" pitchFamily="49" charset="0"/>
-                <a:cs typeface="Courier New" panose="02070309020205020404" pitchFamily="49" charset="0"/>
-              </a:rPr>
-              <a:t>(x)</a:t>
-            </a:r>
-            <a:r>
-              <a:rPr lang="en-US" dirty="0" smtClean="0"/>
-              <a:t> should return true;</a:t>
-            </a:r>
-          </a:p>
-          <a:p>
-            <a:r>
-              <a:rPr lang="en-US" b="1" dirty="0" smtClean="0"/>
-              <a:t>Symmetric</a:t>
-            </a:r>
-            <a:r>
-              <a:rPr lang="en-US" dirty="0" smtClean="0"/>
-              <a:t>: For any non‐null reference values x and y, </a:t>
-            </a:r>
-            <a:r>
-              <a:rPr lang="en-US" dirty="0" err="1" smtClean="0">
-                <a:latin typeface="Courier New" panose="02070309020205020404" pitchFamily="49" charset="0"/>
-                <a:cs typeface="Courier New" panose="02070309020205020404" pitchFamily="49" charset="0"/>
-              </a:rPr>
-              <a:t>x.equals</a:t>
-            </a:r>
-            <a:r>
-              <a:rPr lang="en-US" dirty="0" smtClean="0">
-                <a:latin typeface="Courier New" panose="02070309020205020404" pitchFamily="49" charset="0"/>
-                <a:cs typeface="Courier New" panose="02070309020205020404" pitchFamily="49" charset="0"/>
-              </a:rPr>
-              <a:t>(y)</a:t>
-            </a:r>
-            <a:r>
-              <a:rPr lang="en-US" dirty="0" smtClean="0"/>
-              <a:t> should return true if and only if </a:t>
-            </a:r>
-            <a:r>
-              <a:rPr lang="en-US" dirty="0" err="1" smtClean="0">
-                <a:latin typeface="Courier New" panose="02070309020205020404" pitchFamily="49" charset="0"/>
-                <a:cs typeface="Courier New" panose="02070309020205020404" pitchFamily="49" charset="0"/>
-              </a:rPr>
-              <a:t>y.equals</a:t>
-            </a:r>
-            <a:r>
-              <a:rPr lang="en-US" dirty="0" smtClean="0">
-                <a:latin typeface="Courier New" panose="02070309020205020404" pitchFamily="49" charset="0"/>
-                <a:cs typeface="Courier New" panose="02070309020205020404" pitchFamily="49" charset="0"/>
-              </a:rPr>
-              <a:t>(x)</a:t>
-            </a:r>
-            <a:r>
-              <a:rPr lang="en-US" dirty="0" smtClean="0"/>
-              <a:t> returns true;</a:t>
-            </a:r>
-          </a:p>
-          <a:p>
-            <a:r>
-              <a:rPr lang="en-US" b="1" dirty="0" smtClean="0"/>
-              <a:t>Transitive</a:t>
-            </a:r>
-            <a:r>
-              <a:rPr lang="en-US" dirty="0" smtClean="0"/>
-              <a:t>: For any non‐null reference values x, y, and z, if </a:t>
-            </a:r>
-            <a:r>
-              <a:rPr lang="en-US" dirty="0" err="1" smtClean="0">
-                <a:latin typeface="Courier New" panose="02070309020205020404" pitchFamily="49" charset="0"/>
-                <a:cs typeface="Courier New" panose="02070309020205020404" pitchFamily="49" charset="0"/>
-              </a:rPr>
-              <a:t>x.equals</a:t>
-            </a:r>
-            <a:r>
-              <a:rPr lang="en-US" dirty="0" smtClean="0">
-                <a:latin typeface="Courier New" panose="02070309020205020404" pitchFamily="49" charset="0"/>
-                <a:cs typeface="Courier New" panose="02070309020205020404" pitchFamily="49" charset="0"/>
-              </a:rPr>
-              <a:t>(y)</a:t>
-            </a:r>
-            <a:r>
-              <a:rPr lang="en-US" dirty="0" smtClean="0"/>
-              <a:t> returns true and </a:t>
-            </a:r>
-            <a:r>
-              <a:rPr lang="en-US" dirty="0" err="1" smtClean="0">
-                <a:latin typeface="Courier New" panose="02070309020205020404" pitchFamily="49" charset="0"/>
-                <a:cs typeface="Courier New" panose="02070309020205020404" pitchFamily="49" charset="0"/>
-              </a:rPr>
-              <a:t>y.equals</a:t>
-            </a:r>
-            <a:r>
-              <a:rPr lang="en-US" dirty="0" smtClean="0">
-                <a:latin typeface="Courier New" panose="02070309020205020404" pitchFamily="49" charset="0"/>
-                <a:cs typeface="Courier New" panose="02070309020205020404" pitchFamily="49" charset="0"/>
-              </a:rPr>
-              <a:t>(z)</a:t>
-            </a:r>
-            <a:r>
-              <a:rPr lang="en-US" dirty="0" smtClean="0"/>
-              <a:t> returns true, then </a:t>
-            </a:r>
-            <a:r>
-              <a:rPr lang="en-US" dirty="0" err="1" smtClean="0">
-                <a:latin typeface="Courier New" panose="02070309020205020404" pitchFamily="49" charset="0"/>
-                <a:cs typeface="Courier New" panose="02070309020205020404" pitchFamily="49" charset="0"/>
-              </a:rPr>
-              <a:t>x.equals</a:t>
-            </a:r>
-            <a:r>
-              <a:rPr lang="en-US" dirty="0" smtClean="0">
-                <a:latin typeface="Courier New" panose="02070309020205020404" pitchFamily="49" charset="0"/>
-                <a:cs typeface="Courier New" panose="02070309020205020404" pitchFamily="49" charset="0"/>
-              </a:rPr>
-              <a:t>(z)</a:t>
-            </a:r>
-            <a:r>
-              <a:rPr lang="en-US" dirty="0" smtClean="0"/>
-              <a:t> should return true;</a:t>
-            </a:r>
-          </a:p>
-          <a:p>
-            <a:r>
-              <a:rPr lang="en-US" b="1" dirty="0" smtClean="0"/>
-              <a:t>Consistent</a:t>
-            </a:r>
-            <a:r>
-              <a:rPr lang="en-US" dirty="0" smtClean="0"/>
-              <a:t>: For any non‐null reference values x and y, multiple invocations of </a:t>
-            </a:r>
-            <a:r>
-              <a:rPr lang="en-US" dirty="0" err="1" smtClean="0">
-                <a:latin typeface="Courier New" panose="02070309020205020404" pitchFamily="49" charset="0"/>
-                <a:cs typeface="Courier New" panose="02070309020205020404" pitchFamily="49" charset="0"/>
-              </a:rPr>
-              <a:t>x.equals</a:t>
-            </a:r>
-            <a:r>
-              <a:rPr lang="en-US" dirty="0" smtClean="0">
-                <a:latin typeface="Courier New" panose="02070309020205020404" pitchFamily="49" charset="0"/>
-                <a:cs typeface="Courier New" panose="02070309020205020404" pitchFamily="49" charset="0"/>
-              </a:rPr>
-              <a:t>(y)</a:t>
-            </a:r>
-            <a:r>
-              <a:rPr lang="en-US" dirty="0" smtClean="0"/>
-              <a:t> consistently return true or consistently return false, provided no information used in equals comparisons on the objects is modified;</a:t>
-            </a:r>
-          </a:p>
-          <a:p>
-            <a:r>
-              <a:rPr lang="en-US" dirty="0" smtClean="0"/>
-              <a:t>For any non‐null reference value x, </a:t>
-            </a:r>
-            <a:r>
-              <a:rPr lang="en-US" dirty="0" err="1" smtClean="0">
-                <a:latin typeface="Courier New" panose="02070309020205020404" pitchFamily="49" charset="0"/>
-                <a:cs typeface="Courier New" panose="02070309020205020404" pitchFamily="49" charset="0"/>
-              </a:rPr>
-              <a:t>x.equals</a:t>
-            </a:r>
-            <a:r>
-              <a:rPr lang="en-US" dirty="0" smtClean="0">
-                <a:latin typeface="Courier New" panose="02070309020205020404" pitchFamily="49" charset="0"/>
-                <a:cs typeface="Courier New" panose="02070309020205020404" pitchFamily="49" charset="0"/>
-              </a:rPr>
-              <a:t>(null)</a:t>
-            </a:r>
-            <a:r>
-              <a:rPr lang="en-US" dirty="0" smtClean="0"/>
-              <a:t> should return false</a:t>
-            </a:r>
-            <a:endParaRPr lang="ru-RU" dirty="0" smtClean="0"/>
-          </a:p>
-          <a:p>
-            <a:endParaRPr lang="ru-RU" b="0" dirty="0"/>
+            <a:endParaRPr lang="ru-RU" dirty="0"/>
           </a:p>
         </p:txBody>
       </p:sp>
@@ -1654,7 +1292,7 @@
           <a:p>
             <a:fld id="{812D7E2C-03C1-4B92-BBE3-2FB5C5D5BF8B}" type="slidenum">
               <a:rPr lang="ru-RU" smtClean="0"/>
-              <a:t>21</a:t>
+              <a:t>28</a:t>
             </a:fld>
             <a:endParaRPr lang="ru-RU"/>
           </a:p>
@@ -1663,7 +1301,7 @@
     </p:spTree>
     <p:extLst>
       <p:ext uri="{BB962C8B-B14F-4D97-AF65-F5344CB8AC3E}">
-        <p14:creationId xmlns:p14="http://schemas.microsoft.com/office/powerpoint/2010/main" val="670407592"/>
+        <p14:creationId xmlns:p14="http://schemas.microsoft.com/office/powerpoint/2010/main" val="1616605270"/>
       </p:ext>
     </p:extLst>
   </p:cSld>
@@ -1717,7 +1355,7 @@
           <a:bodyPr/>
           <a:lstStyle/>
           <a:p>
-            <a:endParaRPr lang="ru-RU" dirty="0"/>
+            <a:endParaRPr lang="uk-UA" dirty="0"/>
           </a:p>
         </p:txBody>
       </p:sp>
@@ -1738,7 +1376,7 @@
           <a:p>
             <a:fld id="{812D7E2C-03C1-4B92-BBE3-2FB5C5D5BF8B}" type="slidenum">
               <a:rPr lang="ru-RU" smtClean="0"/>
-              <a:t>22</a:t>
+              <a:t>29</a:t>
             </a:fld>
             <a:endParaRPr lang="ru-RU"/>
           </a:p>
@@ -1747,7 +1385,7 @@
     </p:spTree>
     <p:extLst>
       <p:ext uri="{BB962C8B-B14F-4D97-AF65-F5344CB8AC3E}">
-        <p14:creationId xmlns:p14="http://schemas.microsoft.com/office/powerpoint/2010/main" val="2413945366"/>
+        <p14:creationId xmlns:p14="http://schemas.microsoft.com/office/powerpoint/2010/main" val="2136353761"/>
       </p:ext>
     </p:extLst>
   </p:cSld>
@@ -1888,7 +1526,7 @@
           <a:p>
             <a:fld id="{395F628A-72C6-4C90-85B8-644403430F2D}" type="datetimeFigureOut">
               <a:rPr lang="en-US" smtClean="0"/>
-              <a:t>11/11/2018</a:t>
+              <a:t>11/15/2018</a:t>
             </a:fld>
             <a:endParaRPr lang="en-US"/>
           </a:p>
@@ -2058,7 +1696,7 @@
           <a:p>
             <a:fld id="{395F628A-72C6-4C90-85B8-644403430F2D}" type="datetimeFigureOut">
               <a:rPr lang="en-US" smtClean="0"/>
-              <a:t>11/11/2018</a:t>
+              <a:t>11/15/2018</a:t>
             </a:fld>
             <a:endParaRPr lang="en-US"/>
           </a:p>
@@ -2238,7 +1876,7 @@
           <a:p>
             <a:fld id="{395F628A-72C6-4C90-85B8-644403430F2D}" type="datetimeFigureOut">
               <a:rPr lang="en-US" smtClean="0"/>
-              <a:t>11/11/2018</a:t>
+              <a:t>11/15/2018</a:t>
             </a:fld>
             <a:endParaRPr lang="en-US"/>
           </a:p>
@@ -2408,7 +2046,7 @@
           <a:p>
             <a:fld id="{395F628A-72C6-4C90-85B8-644403430F2D}" type="datetimeFigureOut">
               <a:rPr lang="en-US" smtClean="0"/>
-              <a:t>11/11/2018</a:t>
+              <a:t>11/15/2018</a:t>
             </a:fld>
             <a:endParaRPr lang="en-US"/>
           </a:p>
@@ -2654,7 +2292,7 @@
           <a:p>
             <a:fld id="{395F628A-72C6-4C90-85B8-644403430F2D}" type="datetimeFigureOut">
               <a:rPr lang="en-US" smtClean="0"/>
-              <a:t>11/11/2018</a:t>
+              <a:t>11/15/2018</a:t>
             </a:fld>
             <a:endParaRPr lang="en-US"/>
           </a:p>
@@ -2886,7 +2524,7 @@
           <a:p>
             <a:fld id="{395F628A-72C6-4C90-85B8-644403430F2D}" type="datetimeFigureOut">
               <a:rPr lang="en-US" smtClean="0"/>
-              <a:t>11/11/2018</a:t>
+              <a:t>11/15/2018</a:t>
             </a:fld>
             <a:endParaRPr lang="en-US"/>
           </a:p>
@@ -3253,7 +2891,7 @@
           <a:p>
             <a:fld id="{395F628A-72C6-4C90-85B8-644403430F2D}" type="datetimeFigureOut">
               <a:rPr lang="en-US" smtClean="0"/>
-              <a:t>11/11/2018</a:t>
+              <a:t>11/15/2018</a:t>
             </a:fld>
             <a:endParaRPr lang="en-US"/>
           </a:p>
@@ -3371,7 +3009,7 @@
           <a:p>
             <a:fld id="{395F628A-72C6-4C90-85B8-644403430F2D}" type="datetimeFigureOut">
               <a:rPr lang="en-US" smtClean="0"/>
-              <a:t>11/11/2018</a:t>
+              <a:t>11/15/2018</a:t>
             </a:fld>
             <a:endParaRPr lang="en-US"/>
           </a:p>
@@ -3466,7 +3104,7 @@
           <a:p>
             <a:fld id="{395F628A-72C6-4C90-85B8-644403430F2D}" type="datetimeFigureOut">
               <a:rPr lang="en-US" smtClean="0"/>
-              <a:t>11/11/2018</a:t>
+              <a:t>11/15/2018</a:t>
             </a:fld>
             <a:endParaRPr lang="en-US"/>
           </a:p>
@@ -3743,7 +3381,7 @@
           <a:p>
             <a:fld id="{395F628A-72C6-4C90-85B8-644403430F2D}" type="datetimeFigureOut">
               <a:rPr lang="en-US" smtClean="0"/>
-              <a:t>11/11/2018</a:t>
+              <a:t>11/15/2018</a:t>
             </a:fld>
             <a:endParaRPr lang="en-US"/>
           </a:p>
@@ -3996,7 +3634,7 @@
           <a:p>
             <a:fld id="{395F628A-72C6-4C90-85B8-644403430F2D}" type="datetimeFigureOut">
               <a:rPr lang="en-US" smtClean="0"/>
-              <a:t>11/11/2018</a:t>
+              <a:t>11/15/2018</a:t>
             </a:fld>
             <a:endParaRPr lang="en-US"/>
           </a:p>
@@ -4209,7 +3847,7 @@
           <a:p>
             <a:fld id="{395F628A-72C6-4C90-85B8-644403430F2D}" type="datetimeFigureOut">
               <a:rPr lang="en-US" smtClean="0"/>
-              <a:t>11/11/2018</a:t>
+              <a:t>11/15/2018</a:t>
             </a:fld>
             <a:endParaRPr lang="en-US"/>
           </a:p>
@@ -16151,2627 +15789,6 @@
           <a:lstStyle/>
           <a:p>
             <a:r>
-              <a:rPr lang="en-US" dirty="0" smtClean="0"/>
-              <a:t>equals</a:t>
-            </a:r>
-            <a:endParaRPr lang="ru-RU" dirty="0"/>
-          </a:p>
-        </p:txBody>
-      </p:sp>
-      <p:sp>
-        <p:nvSpPr>
-          <p:cNvPr id="3" name="Объект 2"/>
-          <p:cNvSpPr>
-            <a:spLocks noGrp="1"/>
-          </p:cNvSpPr>
-          <p:nvPr>
-            <p:ph idx="1"/>
-          </p:nvPr>
-        </p:nvSpPr>
-        <p:spPr>
-          <a:xfrm>
-            <a:off x="838200" y="1825624"/>
-            <a:ext cx="10515600" cy="5032376"/>
-          </a:xfrm>
-        </p:spPr>
-        <p:txBody>
-          <a:bodyPr>
-            <a:normAutofit/>
-          </a:bodyPr>
-          <a:lstStyle/>
-          <a:p>
-            <a:r>
-              <a:rPr lang="en-US" dirty="0"/>
-              <a:t>Reflexive</a:t>
-            </a:r>
-            <a:endParaRPr lang="uk-UA" dirty="0"/>
-          </a:p>
-          <a:p>
-            <a:r>
-              <a:rPr lang="en-US" dirty="0"/>
-              <a:t>Symmetric</a:t>
-            </a:r>
-            <a:endParaRPr lang="uk-UA" dirty="0"/>
-          </a:p>
-          <a:p>
-            <a:r>
-              <a:rPr lang="en-US" dirty="0"/>
-              <a:t>Transitive</a:t>
-            </a:r>
-            <a:endParaRPr lang="uk-UA" dirty="0"/>
-          </a:p>
-          <a:p>
-            <a:r>
-              <a:rPr lang="en-US" dirty="0" smtClean="0"/>
-              <a:t>Consistent</a:t>
-            </a:r>
-            <a:endParaRPr lang="uk-UA" dirty="0"/>
-          </a:p>
-          <a:p>
-            <a:r>
-              <a:rPr lang="en-US" dirty="0"/>
-              <a:t>Null-safe</a:t>
-            </a:r>
-            <a:endParaRPr lang="ru-RU" dirty="0"/>
-          </a:p>
-        </p:txBody>
-      </p:sp>
-      <p:sp>
-        <p:nvSpPr>
-          <p:cNvPr id="5" name="Rectangle 1"/>
-          <p:cNvSpPr>
-            <a:spLocks noChangeArrowheads="1"/>
-          </p:cNvSpPr>
-          <p:nvPr/>
-        </p:nvSpPr>
-        <p:spPr bwMode="auto">
-          <a:xfrm>
-            <a:off x="0" y="4240403"/>
-            <a:ext cx="184731" cy="369332"/>
-          </a:xfrm>
-          <a:prstGeom prst="rect">
-            <a:avLst/>
-          </a:prstGeom>
-          <a:solidFill>
-            <a:srgbClr val="FFFFFF"/>
-          </a:solidFill>
-          <a:ln>
-            <a:noFill/>
-          </a:ln>
-          <a:effectLst/>
-          <a:extLst>
-            <a:ext uri="{91240B29-F687-4F45-9708-019B960494DF}">
-              <a14:hiddenLine xmlns:a14="http://schemas.microsoft.com/office/drawing/2010/main" w="9525">
-                <a:solidFill>
-                  <a:schemeClr val="tx1"/>
-                </a:solidFill>
-                <a:miter lim="800000"/>
-                <a:headEnd/>
-                <a:tailEnd/>
-              </a14:hiddenLine>
-            </a:ext>
-            <a:ext uri="{AF507438-7753-43E0-B8FC-AC1667EBCBE1}">
-              <a14:hiddenEffects xmlns:a14="http://schemas.microsoft.com/office/drawing/2010/main">
-                <a:effectLst>
-                  <a:outerShdw dist="35921" dir="2700000" algn="ctr" rotWithShape="0">
-                    <a:schemeClr val="bg2"/>
-                  </a:outerShdw>
-                </a:effectLst>
-              </a14:hiddenEffects>
-            </a:ext>
-          </a:extLst>
-        </p:spPr>
-        <p:txBody>
-          <a:bodyPr vert="horz" wrap="none" lIns="91440" tIns="45720" rIns="91440" bIns="45720" numCol="1" anchor="ctr" anchorCtr="0" compatLnSpc="1">
-            <a:prstTxWarp prst="textNoShape">
-              <a:avLst/>
-            </a:prstTxWarp>
-            <a:spAutoFit/>
-          </a:bodyPr>
-          <a:lstStyle/>
-          <a:p>
-            <a:pPr marL="0" marR="0" lvl="0" indent="0" algn="l" defTabSz="914400" rtl="0" eaLnBrk="0" fontAlgn="base" latinLnBrk="0" hangingPunct="0">
-              <a:lnSpc>
-                <a:spcPct val="100000"/>
-              </a:lnSpc>
-              <a:spcBef>
-                <a:spcPct val="0"/>
-              </a:spcBef>
-              <a:spcAft>
-                <a:spcPct val="0"/>
-              </a:spcAft>
-              <a:buClrTx/>
-              <a:buSzTx/>
-              <a:buFontTx/>
-              <a:buNone/>
-              <a:tabLst/>
-            </a:pPr>
-            <a:endParaRPr kumimoji="0" lang="ru-RU" altLang="ru-RU" sz="1800" b="0" i="0" u="none" strike="noStrike" cap="none" normalizeH="0" baseline="0" dirty="0">
-              <a:ln>
-                <a:noFill/>
-              </a:ln>
-              <a:solidFill>
-                <a:schemeClr val="tx1"/>
-              </a:solidFill>
-              <a:effectLst/>
-              <a:latin typeface="Arial" panose="020B0604020202020204" pitchFamily="34" charset="0"/>
-            </a:endParaRPr>
-          </a:p>
-        </p:txBody>
-      </p:sp>
-      <p:sp>
-        <p:nvSpPr>
-          <p:cNvPr id="6" name="Rectangle 2"/>
-          <p:cNvSpPr>
-            <a:spLocks noChangeArrowheads="1"/>
-          </p:cNvSpPr>
-          <p:nvPr/>
-        </p:nvSpPr>
-        <p:spPr bwMode="auto">
-          <a:xfrm>
-            <a:off x="0" y="43934"/>
-            <a:ext cx="184731" cy="369332"/>
-          </a:xfrm>
-          <a:prstGeom prst="rect">
-            <a:avLst/>
-          </a:prstGeom>
-          <a:solidFill>
-            <a:srgbClr val="FFFFFF"/>
-          </a:solidFill>
-          <a:ln>
-            <a:noFill/>
-          </a:ln>
-          <a:effectLst/>
-          <a:extLst>
-            <a:ext uri="{91240B29-F687-4F45-9708-019B960494DF}">
-              <a14:hiddenLine xmlns:a14="http://schemas.microsoft.com/office/drawing/2010/main" w="9525">
-                <a:solidFill>
-                  <a:schemeClr val="tx1"/>
-                </a:solidFill>
-                <a:miter lim="800000"/>
-                <a:headEnd/>
-                <a:tailEnd/>
-              </a14:hiddenLine>
-            </a:ext>
-            <a:ext uri="{AF507438-7753-43E0-B8FC-AC1667EBCBE1}">
-              <a14:hiddenEffects xmlns:a14="http://schemas.microsoft.com/office/drawing/2010/main">
-                <a:effectLst>
-                  <a:outerShdw dist="35921" dir="2700000" algn="ctr" rotWithShape="0">
-                    <a:schemeClr val="bg2"/>
-                  </a:outerShdw>
-                </a:effectLst>
-              </a14:hiddenEffects>
-            </a:ext>
-          </a:extLst>
-        </p:spPr>
-        <p:txBody>
-          <a:bodyPr vert="horz" wrap="none" lIns="91440" tIns="45720" rIns="91440" bIns="45720" numCol="1" anchor="ctr" anchorCtr="0" compatLnSpc="1">
-            <a:prstTxWarp prst="textNoShape">
-              <a:avLst/>
-            </a:prstTxWarp>
-            <a:spAutoFit/>
-          </a:bodyPr>
-          <a:lstStyle/>
-          <a:p>
-            <a:pPr marL="0" marR="0" lvl="0" indent="0" algn="l" defTabSz="914400" rtl="0" eaLnBrk="0" fontAlgn="base" latinLnBrk="0" hangingPunct="0">
-              <a:lnSpc>
-                <a:spcPct val="100000"/>
-              </a:lnSpc>
-              <a:spcBef>
-                <a:spcPct val="0"/>
-              </a:spcBef>
-              <a:spcAft>
-                <a:spcPct val="0"/>
-              </a:spcAft>
-              <a:buClrTx/>
-              <a:buSzTx/>
-              <a:buFontTx/>
-              <a:buNone/>
-              <a:tabLst/>
-            </a:pPr>
-            <a:endParaRPr kumimoji="0" lang="ru-RU" altLang="ru-RU" sz="1800" b="0" i="0" u="none" strike="noStrike" cap="none" normalizeH="0" baseline="0" dirty="0">
-              <a:ln>
-                <a:noFill/>
-              </a:ln>
-              <a:solidFill>
-                <a:schemeClr val="tx1"/>
-              </a:solidFill>
-              <a:effectLst/>
-              <a:latin typeface="Arial" panose="020B0604020202020204" pitchFamily="34" charset="0"/>
-            </a:endParaRPr>
-          </a:p>
-        </p:txBody>
-      </p:sp>
-      <p:sp>
-        <p:nvSpPr>
-          <p:cNvPr id="7" name="Rectangle 1"/>
-          <p:cNvSpPr>
-            <a:spLocks noChangeArrowheads="1"/>
-          </p:cNvSpPr>
-          <p:nvPr/>
-        </p:nvSpPr>
-        <p:spPr bwMode="auto">
-          <a:xfrm>
-            <a:off x="0" y="43934"/>
-            <a:ext cx="184731" cy="369332"/>
-          </a:xfrm>
-          <a:prstGeom prst="rect">
-            <a:avLst/>
-          </a:prstGeom>
-          <a:solidFill>
-            <a:srgbClr val="FFFFFF"/>
-          </a:solidFill>
-          <a:ln>
-            <a:noFill/>
-          </a:ln>
-          <a:effectLst/>
-          <a:extLst>
-            <a:ext uri="{91240B29-F687-4F45-9708-019B960494DF}">
-              <a14:hiddenLine xmlns:a14="http://schemas.microsoft.com/office/drawing/2010/main" w="9525">
-                <a:solidFill>
-                  <a:schemeClr val="tx1"/>
-                </a:solidFill>
-                <a:miter lim="800000"/>
-                <a:headEnd/>
-                <a:tailEnd/>
-              </a14:hiddenLine>
-            </a:ext>
-            <a:ext uri="{AF507438-7753-43E0-B8FC-AC1667EBCBE1}">
-              <a14:hiddenEffects xmlns:a14="http://schemas.microsoft.com/office/drawing/2010/main">
-                <a:effectLst>
-                  <a:outerShdw dist="35921" dir="2700000" algn="ctr" rotWithShape="0">
-                    <a:schemeClr val="bg2"/>
-                  </a:outerShdw>
-                </a:effectLst>
-              </a14:hiddenEffects>
-            </a:ext>
-          </a:extLst>
-        </p:spPr>
-        <p:txBody>
-          <a:bodyPr vert="horz" wrap="none" lIns="91440" tIns="45720" rIns="91440" bIns="45720" numCol="1" anchor="ctr" anchorCtr="0" compatLnSpc="1">
-            <a:prstTxWarp prst="textNoShape">
-              <a:avLst/>
-            </a:prstTxWarp>
-            <a:spAutoFit/>
-          </a:bodyPr>
-          <a:lstStyle/>
-          <a:p>
-            <a:pPr marL="0" marR="0" lvl="0" indent="0" algn="l" defTabSz="914400" rtl="0" eaLnBrk="0" fontAlgn="base" latinLnBrk="0" hangingPunct="0">
-              <a:lnSpc>
-                <a:spcPct val="100000"/>
-              </a:lnSpc>
-              <a:spcBef>
-                <a:spcPct val="0"/>
-              </a:spcBef>
-              <a:spcAft>
-                <a:spcPct val="0"/>
-              </a:spcAft>
-              <a:buClrTx/>
-              <a:buSzTx/>
-              <a:buFontTx/>
-              <a:buNone/>
-              <a:tabLst/>
-            </a:pPr>
-            <a:endParaRPr kumimoji="0" lang="ru-RU" altLang="ru-RU" sz="1800" b="0" i="0" u="none" strike="noStrike" cap="none" normalizeH="0" baseline="0" dirty="0">
-              <a:ln>
-                <a:noFill/>
-              </a:ln>
-              <a:solidFill>
-                <a:schemeClr val="tx1"/>
-              </a:solidFill>
-              <a:effectLst/>
-              <a:latin typeface="Arial" panose="020B0604020202020204" pitchFamily="34" charset="0"/>
-            </a:endParaRPr>
-          </a:p>
-        </p:txBody>
-      </p:sp>
-      <p:sp>
-        <p:nvSpPr>
-          <p:cNvPr id="9" name="Rectangle 2"/>
-          <p:cNvSpPr>
-            <a:spLocks noChangeArrowheads="1"/>
-          </p:cNvSpPr>
-          <p:nvPr/>
-        </p:nvSpPr>
-        <p:spPr bwMode="auto">
-          <a:xfrm>
-            <a:off x="0" y="43934"/>
-            <a:ext cx="184731" cy="369332"/>
-          </a:xfrm>
-          <a:prstGeom prst="rect">
-            <a:avLst/>
-          </a:prstGeom>
-          <a:solidFill>
-            <a:srgbClr val="FFFFFF"/>
-          </a:solidFill>
-          <a:ln>
-            <a:noFill/>
-          </a:ln>
-          <a:effectLst/>
-          <a:extLst>
-            <a:ext uri="{91240B29-F687-4F45-9708-019B960494DF}">
-              <a14:hiddenLine xmlns:a14="http://schemas.microsoft.com/office/drawing/2010/main" w="9525">
-                <a:solidFill>
-                  <a:schemeClr val="tx1"/>
-                </a:solidFill>
-                <a:miter lim="800000"/>
-                <a:headEnd/>
-                <a:tailEnd/>
-              </a14:hiddenLine>
-            </a:ext>
-            <a:ext uri="{AF507438-7753-43E0-B8FC-AC1667EBCBE1}">
-              <a14:hiddenEffects xmlns:a14="http://schemas.microsoft.com/office/drawing/2010/main">
-                <a:effectLst>
-                  <a:outerShdw dist="35921" dir="2700000" algn="ctr" rotWithShape="0">
-                    <a:schemeClr val="bg2"/>
-                  </a:outerShdw>
-                </a:effectLst>
-              </a14:hiddenEffects>
-            </a:ext>
-          </a:extLst>
-        </p:spPr>
-        <p:txBody>
-          <a:bodyPr vert="horz" wrap="none" lIns="91440" tIns="45720" rIns="91440" bIns="45720" numCol="1" anchor="ctr" anchorCtr="0" compatLnSpc="1">
-            <a:prstTxWarp prst="textNoShape">
-              <a:avLst/>
-            </a:prstTxWarp>
-            <a:spAutoFit/>
-          </a:bodyPr>
-          <a:lstStyle/>
-          <a:p>
-            <a:pPr marL="0" marR="0" lvl="0" indent="0" algn="l" defTabSz="914400" rtl="0" eaLnBrk="0" fontAlgn="base" latinLnBrk="0" hangingPunct="0">
-              <a:lnSpc>
-                <a:spcPct val="100000"/>
-              </a:lnSpc>
-              <a:spcBef>
-                <a:spcPct val="0"/>
-              </a:spcBef>
-              <a:spcAft>
-                <a:spcPct val="0"/>
-              </a:spcAft>
-              <a:buClrTx/>
-              <a:buSzTx/>
-              <a:buFontTx/>
-              <a:buNone/>
-              <a:tabLst/>
-            </a:pPr>
-            <a:endParaRPr kumimoji="0" lang="ru-RU" altLang="ru-RU" sz="1800" b="0" i="0" u="none" strike="noStrike" cap="none" normalizeH="0" baseline="0" dirty="0">
-              <a:ln>
-                <a:noFill/>
-              </a:ln>
-              <a:solidFill>
-                <a:schemeClr val="tx1"/>
-              </a:solidFill>
-              <a:effectLst/>
-              <a:latin typeface="Arial" panose="020B0604020202020204" pitchFamily="34" charset="0"/>
-            </a:endParaRPr>
-          </a:p>
-        </p:txBody>
-      </p:sp>
-    </p:spTree>
-    <p:extLst>
-      <p:ext uri="{BB962C8B-B14F-4D97-AF65-F5344CB8AC3E}">
-        <p14:creationId xmlns:p14="http://schemas.microsoft.com/office/powerpoint/2010/main" val="3599158070"/>
-      </p:ext>
-    </p:extLst>
-  </p:cSld>
-  <p:clrMapOvr>
-    <a:masterClrMapping/>
-  </p:clrMapOvr>
-</p:sld>
-</file>
-
-<file path=ppt/slides/slide22.xml><?xml version="1.0" encoding="utf-8"?>
-<p:sld xmlns:a="http://schemas.openxmlformats.org/drawingml/2006/main" xmlns:r="http://schemas.openxmlformats.org/officeDocument/2006/relationships" xmlns:p="http://schemas.openxmlformats.org/presentationml/2006/main">
-  <p:cSld>
-    <p:spTree>
-      <p:nvGrpSpPr>
-        <p:cNvPr id="1" name=""/>
-        <p:cNvGrpSpPr/>
-        <p:nvPr/>
-      </p:nvGrpSpPr>
-      <p:grpSpPr>
-        <a:xfrm>
-          <a:off x="0" y="0"/>
-          <a:ext cx="0" cy="0"/>
-          <a:chOff x="0" y="0"/>
-          <a:chExt cx="0" cy="0"/>
-        </a:xfrm>
-      </p:grpSpPr>
-      <p:sp>
-        <p:nvSpPr>
-          <p:cNvPr id="2" name="Заголовок 1"/>
-          <p:cNvSpPr>
-            <a:spLocks noGrp="1"/>
-          </p:cNvSpPr>
-          <p:nvPr>
-            <p:ph type="title"/>
-          </p:nvPr>
-        </p:nvSpPr>
-        <p:spPr/>
-        <p:txBody>
-          <a:bodyPr/>
-          <a:lstStyle/>
-          <a:p>
-            <a:r>
-              <a:rPr lang="en-US" dirty="0" smtClean="0"/>
-              <a:t>hashCode</a:t>
-            </a:r>
-            <a:endParaRPr lang="ru-RU" dirty="0"/>
-          </a:p>
-        </p:txBody>
-      </p:sp>
-      <p:sp>
-        <p:nvSpPr>
-          <p:cNvPr id="3" name="Объект 2"/>
-          <p:cNvSpPr>
-            <a:spLocks noGrp="1"/>
-          </p:cNvSpPr>
-          <p:nvPr>
-            <p:ph idx="1"/>
-          </p:nvPr>
-        </p:nvSpPr>
-        <p:spPr>
-          <a:xfrm>
-            <a:off x="838200" y="1690688"/>
-            <a:ext cx="11137900" cy="4867275"/>
-          </a:xfrm>
-        </p:spPr>
-        <p:txBody>
-          <a:bodyPr>
-            <a:normAutofit/>
-          </a:bodyPr>
-          <a:lstStyle/>
-          <a:p>
-            <a:pPr marL="0" lvl="0" indent="0" eaLnBrk="0" fontAlgn="base" hangingPunct="0">
-              <a:lnSpc>
-                <a:spcPct val="100000"/>
-              </a:lnSpc>
-              <a:spcBef>
-                <a:spcPct val="0"/>
-              </a:spcBef>
-              <a:spcAft>
-                <a:spcPct val="0"/>
-              </a:spcAft>
-              <a:buNone/>
-            </a:pPr>
-            <a:r>
-              <a:rPr lang="en-US" dirty="0"/>
-              <a:t>Whenever you override equals(), you are also override </a:t>
-            </a:r>
-            <a:r>
-              <a:rPr lang="en-US" dirty="0" err="1"/>
-              <a:t>hashCode</a:t>
-            </a:r>
-            <a:r>
-              <a:rPr lang="en-US" dirty="0"/>
-              <a:t>()</a:t>
-            </a:r>
-          </a:p>
-          <a:p>
-            <a:pPr marL="0" indent="0" eaLnBrk="0" fontAlgn="base" hangingPunct="0">
-              <a:lnSpc>
-                <a:spcPct val="100000"/>
-              </a:lnSpc>
-              <a:spcBef>
-                <a:spcPct val="0"/>
-              </a:spcBef>
-              <a:spcAft>
-                <a:spcPct val="0"/>
-              </a:spcAft>
-              <a:buNone/>
-            </a:pPr>
-            <a:endParaRPr lang="en-US" dirty="0" smtClean="0"/>
-          </a:p>
-          <a:p>
-            <a:pPr eaLnBrk="0" fontAlgn="base" hangingPunct="0">
-              <a:lnSpc>
-                <a:spcPct val="100000"/>
-              </a:lnSpc>
-              <a:spcBef>
-                <a:spcPct val="0"/>
-              </a:spcBef>
-              <a:spcAft>
-                <a:spcPct val="0"/>
-              </a:spcAft>
-            </a:pPr>
-            <a:r>
-              <a:rPr lang="en-US" dirty="0" smtClean="0">
-                <a:latin typeface="Courier New" panose="02070309020205020404" pitchFamily="49" charset="0"/>
-                <a:cs typeface="Courier New" panose="02070309020205020404" pitchFamily="49" charset="0"/>
-              </a:rPr>
-              <a:t>o1.equals(o1)   -&gt; o1.hashCode() == o1.hashCode()</a:t>
-            </a:r>
-          </a:p>
-          <a:p>
-            <a:pPr eaLnBrk="0" fontAlgn="base" hangingPunct="0">
-              <a:lnSpc>
-                <a:spcPct val="100000"/>
-              </a:lnSpc>
-              <a:spcBef>
-                <a:spcPct val="0"/>
-              </a:spcBef>
-              <a:spcAft>
-                <a:spcPct val="0"/>
-              </a:spcAft>
-            </a:pPr>
-            <a:r>
-              <a:rPr lang="en-US" dirty="0" smtClean="0">
-                <a:latin typeface="Courier New" panose="02070309020205020404" pitchFamily="49" charset="0"/>
-                <a:cs typeface="Courier New" panose="02070309020205020404" pitchFamily="49" charset="0"/>
-              </a:rPr>
-              <a:t>o1.equals(o2)   -&gt; o1.hashCode() == o2.hashCode()</a:t>
-            </a:r>
-          </a:p>
-          <a:p>
-            <a:pPr eaLnBrk="0" fontAlgn="base" hangingPunct="0">
-              <a:lnSpc>
-                <a:spcPct val="100000"/>
-              </a:lnSpc>
-              <a:spcBef>
-                <a:spcPct val="0"/>
-              </a:spcBef>
-              <a:spcAft>
-                <a:spcPct val="0"/>
-              </a:spcAft>
-            </a:pPr>
-            <a:r>
-              <a:rPr lang="en-US" dirty="0" smtClean="0">
-                <a:latin typeface="Courier New" panose="02070309020205020404" pitchFamily="49" charset="0"/>
-                <a:cs typeface="Courier New" panose="02070309020205020404" pitchFamily="49" charset="0"/>
-              </a:rPr>
-              <a:t>!o1.equals(o2) !-&gt; o1.hashCode() != o2.hashCode()</a:t>
-            </a:r>
-          </a:p>
-        </p:txBody>
-      </p:sp>
-    </p:spTree>
-    <p:extLst>
-      <p:ext uri="{BB962C8B-B14F-4D97-AF65-F5344CB8AC3E}">
-        <p14:creationId xmlns:p14="http://schemas.microsoft.com/office/powerpoint/2010/main" val="3312379414"/>
-      </p:ext>
-    </p:extLst>
-  </p:cSld>
-  <p:clrMapOvr>
-    <a:masterClrMapping/>
-  </p:clrMapOvr>
-</p:sld>
-</file>
-
-<file path=ppt/slides/slide23.xml><?xml version="1.0" encoding="utf-8"?>
-<p:sld xmlns:a="http://schemas.openxmlformats.org/drawingml/2006/main" xmlns:r="http://schemas.openxmlformats.org/officeDocument/2006/relationships" xmlns:p="http://schemas.openxmlformats.org/presentationml/2006/main">
-  <p:cSld>
-    <p:spTree>
-      <p:nvGrpSpPr>
-        <p:cNvPr id="1" name=""/>
-        <p:cNvGrpSpPr/>
-        <p:nvPr/>
-      </p:nvGrpSpPr>
-      <p:grpSpPr>
-        <a:xfrm>
-          <a:off x="0" y="0"/>
-          <a:ext cx="0" cy="0"/>
-          <a:chOff x="0" y="0"/>
-          <a:chExt cx="0" cy="0"/>
-        </a:xfrm>
-      </p:grpSpPr>
-      <p:sp>
-        <p:nvSpPr>
-          <p:cNvPr id="2" name="Заголовок 1"/>
-          <p:cNvSpPr>
-            <a:spLocks noGrp="1"/>
-          </p:cNvSpPr>
-          <p:nvPr>
-            <p:ph type="title"/>
-          </p:nvPr>
-        </p:nvSpPr>
-        <p:spPr>
-          <a:xfrm>
-            <a:off x="838199" y="365125"/>
-            <a:ext cx="11036121" cy="1325563"/>
-          </a:xfrm>
-        </p:spPr>
-        <p:txBody>
-          <a:bodyPr/>
-          <a:lstStyle/>
-          <a:p>
-            <a:r>
-              <a:rPr lang="en-US" dirty="0"/>
-              <a:t>Coding equals, hashCode and </a:t>
-            </a:r>
-            <a:r>
-              <a:rPr lang="en-US" dirty="0" err="1" smtClean="0"/>
-              <a:t>toString</a:t>
-            </a:r>
-            <a:endParaRPr lang="ru-RU" dirty="0"/>
-          </a:p>
-        </p:txBody>
-      </p:sp>
-      <p:sp>
-        <p:nvSpPr>
-          <p:cNvPr id="4" name="Rectangle 1"/>
-          <p:cNvSpPr>
-            <a:spLocks noGrp="1" noChangeArrowheads="1"/>
-          </p:cNvSpPr>
-          <p:nvPr>
-            <p:ph idx="1"/>
-          </p:nvPr>
-        </p:nvSpPr>
-        <p:spPr bwMode="auto">
-          <a:xfrm>
-            <a:off x="838199" y="1379577"/>
-            <a:ext cx="8293100" cy="5262979"/>
-          </a:xfrm>
-          <a:prstGeom prst="rect">
-            <a:avLst/>
-          </a:prstGeom>
-          <a:solidFill>
-            <a:srgbClr val="FFFFFF"/>
-          </a:solidFill>
-          <a:ln>
-            <a:noFill/>
-          </a:ln>
-          <a:effectLst/>
-          <a:extLst>
-            <a:ext uri="{91240B29-F687-4F45-9708-019B960494DF}">
-              <a14:hiddenLine xmlns:a14="http://schemas.microsoft.com/office/drawing/2010/main" w="9525">
-                <a:solidFill>
-                  <a:schemeClr val="tx1"/>
-                </a:solidFill>
-                <a:miter lim="800000"/>
-                <a:headEnd/>
-                <a:tailEnd/>
-              </a14:hiddenLine>
-            </a:ext>
-            <a:ext uri="{AF507438-7753-43E0-B8FC-AC1667EBCBE1}">
-              <a14:hiddenEffects xmlns:a14="http://schemas.microsoft.com/office/drawing/2010/main">
-                <a:effectLst>
-                  <a:outerShdw dist="35921" dir="2700000" algn="ctr" rotWithShape="0">
-                    <a:schemeClr val="bg2"/>
-                  </a:outerShdw>
-                </a:effectLst>
-              </a14:hiddenEffects>
-            </a:ext>
-          </a:extLst>
-        </p:spPr>
-        <p:txBody>
-          <a:bodyPr vert="horz" wrap="square" lIns="91440" tIns="45720" rIns="91440" bIns="45720" numCol="1" anchor="ctr" anchorCtr="0" compatLnSpc="1">
-            <a:prstTxWarp prst="textNoShape">
-              <a:avLst/>
-            </a:prstTxWarp>
-            <a:spAutoFit/>
-          </a:bodyPr>
-          <a:lstStyle/>
-          <a:p>
-            <a:pPr marL="0" indent="0" eaLnBrk="0" fontAlgn="base" hangingPunct="0">
-              <a:lnSpc>
-                <a:spcPct val="100000"/>
-              </a:lnSpc>
-              <a:spcBef>
-                <a:spcPct val="0"/>
-              </a:spcBef>
-              <a:spcAft>
-                <a:spcPct val="0"/>
-              </a:spcAft>
-              <a:buNone/>
-            </a:pPr>
-            <a:r>
-              <a:rPr kumimoji="0" lang="ru-RU" altLang="ru-RU" sz="1400" b="1" i="0" u="none" strike="noStrike" cap="none" normalizeH="0" baseline="0" dirty="0">
-                <a:ln>
-                  <a:noFill/>
-                </a:ln>
-                <a:solidFill>
-                  <a:srgbClr val="000080"/>
-                </a:solidFill>
-                <a:effectLst/>
-                <a:latin typeface="Courier New" panose="02070309020205020404" pitchFamily="49" charset="0"/>
-                <a:cs typeface="Courier New" panose="02070309020205020404" pitchFamily="49" charset="0"/>
-              </a:rPr>
-              <a:t>class </a:t>
-            </a:r>
-            <a:r>
-              <a:rPr kumimoji="0" lang="ru-RU" altLang="ru-RU" sz="1400" b="0" i="0" u="none" strike="noStrike" cap="none" normalizeH="0" baseline="0" dirty="0" err="1">
-                <a:ln>
-                  <a:noFill/>
-                </a:ln>
-                <a:solidFill>
-                  <a:srgbClr val="000000"/>
-                </a:solidFill>
-                <a:effectLst/>
-                <a:latin typeface="Courier New" panose="02070309020205020404" pitchFamily="49" charset="0"/>
-                <a:cs typeface="Courier New" panose="02070309020205020404" pitchFamily="49" charset="0"/>
-              </a:rPr>
-              <a:t>Bird</a:t>
-            </a:r>
-            <a:r>
-              <a:rPr kumimoji="0" lang="ru-RU" altLang="ru-RU" sz="1400" b="0" i="0" u="none" strike="noStrike" cap="none" normalizeH="0" baseline="0" dirty="0">
-                <a:ln>
-                  <a:noFill/>
-                </a:ln>
-                <a:solidFill>
-                  <a:srgbClr val="000000"/>
-                </a:solidFill>
-                <a:effectLst/>
-                <a:latin typeface="Courier New" panose="02070309020205020404" pitchFamily="49" charset="0"/>
-                <a:cs typeface="Courier New" panose="02070309020205020404" pitchFamily="49" charset="0"/>
-              </a:rPr>
-              <a:t> {</a:t>
-            </a:r>
-            <a:br>
-              <a:rPr kumimoji="0" lang="ru-RU" altLang="ru-RU" sz="1400" b="0" i="0" u="none" strike="noStrike" cap="none" normalizeH="0" baseline="0" dirty="0">
-                <a:ln>
-                  <a:noFill/>
-                </a:ln>
-                <a:solidFill>
-                  <a:srgbClr val="000000"/>
-                </a:solidFill>
-                <a:effectLst/>
-                <a:latin typeface="Courier New" panose="02070309020205020404" pitchFamily="49" charset="0"/>
-                <a:cs typeface="Courier New" panose="02070309020205020404" pitchFamily="49" charset="0"/>
-              </a:rPr>
-            </a:br>
-            <a:r>
-              <a:rPr kumimoji="0" lang="en-US" altLang="ru-RU" sz="1400" b="0" i="0" u="none" strike="noStrike" cap="none" normalizeH="0" baseline="0" dirty="0" smtClean="0">
-                <a:ln>
-                  <a:noFill/>
-                </a:ln>
-                <a:solidFill>
-                  <a:srgbClr val="000000"/>
-                </a:solidFill>
-                <a:effectLst/>
-                <a:latin typeface="Courier New" panose="02070309020205020404" pitchFamily="49" charset="0"/>
-                <a:cs typeface="Courier New" panose="02070309020205020404" pitchFamily="49" charset="0"/>
-              </a:rPr>
-              <a:t>    </a:t>
-            </a:r>
-            <a:r>
-              <a:rPr lang="en-US" altLang="en-US" sz="1400" b="1" dirty="0" smtClean="0">
-                <a:solidFill>
-                  <a:srgbClr val="000080"/>
-                </a:solidFill>
-                <a:latin typeface="Courier New" panose="02070309020205020404" pitchFamily="49" charset="0"/>
-                <a:cs typeface="Courier New" panose="02070309020205020404" pitchFamily="49" charset="0"/>
-              </a:rPr>
-              <a:t>private </a:t>
-            </a:r>
-            <a:r>
-              <a:rPr lang="en-US" altLang="en-US" sz="1400" b="1" dirty="0">
-                <a:solidFill>
-                  <a:srgbClr val="000080"/>
-                </a:solidFill>
-                <a:latin typeface="Courier New" panose="02070309020205020404" pitchFamily="49" charset="0"/>
-                <a:cs typeface="Courier New" panose="02070309020205020404" pitchFamily="49" charset="0"/>
-              </a:rPr>
-              <a:t>final </a:t>
-            </a:r>
-            <a:r>
-              <a:rPr lang="en-US" altLang="en-US" sz="1400" dirty="0">
-                <a:solidFill>
-                  <a:srgbClr val="000000"/>
-                </a:solidFill>
-                <a:latin typeface="Courier New" panose="02070309020205020404" pitchFamily="49" charset="0"/>
-                <a:cs typeface="Courier New" panose="02070309020205020404" pitchFamily="49" charset="0"/>
-              </a:rPr>
-              <a:t>String </a:t>
-            </a:r>
-            <a:r>
-              <a:rPr lang="en-US" altLang="en-US" sz="1400" b="1" dirty="0">
-                <a:solidFill>
-                  <a:srgbClr val="660E7A"/>
-                </a:solidFill>
-                <a:latin typeface="Courier New" panose="02070309020205020404" pitchFamily="49" charset="0"/>
-                <a:cs typeface="Courier New" panose="02070309020205020404" pitchFamily="49" charset="0"/>
-              </a:rPr>
-              <a:t>name</a:t>
-            </a:r>
-            <a:r>
-              <a:rPr lang="en-US" altLang="en-US" sz="1400" dirty="0">
-                <a:solidFill>
-                  <a:srgbClr val="000000"/>
-                </a:solidFill>
-                <a:latin typeface="Courier New" panose="02070309020205020404" pitchFamily="49" charset="0"/>
-                <a:cs typeface="Courier New" panose="02070309020205020404" pitchFamily="49" charset="0"/>
-              </a:rPr>
-              <a:t>;</a:t>
-            </a:r>
-            <a:endParaRPr lang="en-US" altLang="en-US" sz="3600" dirty="0">
-              <a:latin typeface="Arial" panose="020B0604020202020204" pitchFamily="34" charset="0"/>
-            </a:endParaRPr>
-          </a:p>
-          <a:p>
-            <a:pPr marL="0" marR="0" lvl="0" indent="0" algn="l" defTabSz="914400" rtl="0" eaLnBrk="0" fontAlgn="base" latinLnBrk="0" hangingPunct="0">
-              <a:lnSpc>
-                <a:spcPct val="100000"/>
-              </a:lnSpc>
-              <a:spcBef>
-                <a:spcPct val="0"/>
-              </a:spcBef>
-              <a:spcAft>
-                <a:spcPct val="0"/>
-              </a:spcAft>
-              <a:buClrTx/>
-              <a:buSzTx/>
-              <a:buFontTx/>
-              <a:buNone/>
-              <a:tabLst/>
-            </a:pPr>
-            <a:r>
-              <a:rPr kumimoji="0" lang="ru-RU" altLang="ru-RU" sz="1400" b="0" i="0" u="none" strike="noStrike" cap="none" normalizeH="0" baseline="0" dirty="0">
-                <a:ln>
-                  <a:noFill/>
-                </a:ln>
-                <a:solidFill>
-                  <a:srgbClr val="000000"/>
-                </a:solidFill>
-                <a:effectLst/>
-                <a:latin typeface="Courier New" panose="02070309020205020404" pitchFamily="49" charset="0"/>
-                <a:cs typeface="Courier New" panose="02070309020205020404" pitchFamily="49" charset="0"/>
-              </a:rPr>
-              <a:t/>
-            </a:r>
-            <a:br>
-              <a:rPr kumimoji="0" lang="ru-RU" altLang="ru-RU" sz="1400" b="0" i="0" u="none" strike="noStrike" cap="none" normalizeH="0" baseline="0" dirty="0">
-                <a:ln>
-                  <a:noFill/>
-                </a:ln>
-                <a:solidFill>
-                  <a:srgbClr val="000000"/>
-                </a:solidFill>
-                <a:effectLst/>
-                <a:latin typeface="Courier New" panose="02070309020205020404" pitchFamily="49" charset="0"/>
-                <a:cs typeface="Courier New" panose="02070309020205020404" pitchFamily="49" charset="0"/>
-              </a:rPr>
-            </a:br>
-            <a:r>
-              <a:rPr kumimoji="0" lang="ru-RU" altLang="ru-RU" sz="1400" b="0" i="0" u="none" strike="noStrike" cap="none" normalizeH="0" baseline="0" dirty="0">
-                <a:ln>
-                  <a:noFill/>
-                </a:ln>
-                <a:solidFill>
-                  <a:srgbClr val="000000"/>
-                </a:solidFill>
-                <a:effectLst/>
-                <a:latin typeface="Courier New" panose="02070309020205020404" pitchFamily="49" charset="0"/>
-                <a:cs typeface="Courier New" panose="02070309020205020404" pitchFamily="49" charset="0"/>
-              </a:rPr>
-              <a:t>    </a:t>
-            </a:r>
-            <a:r>
-              <a:rPr kumimoji="0" lang="ru-RU" altLang="ru-RU" sz="1400" b="1" i="0" u="none" strike="noStrike" cap="none" normalizeH="0" baseline="0" dirty="0">
-                <a:ln>
-                  <a:noFill/>
-                </a:ln>
-                <a:solidFill>
-                  <a:srgbClr val="000080"/>
-                </a:solidFill>
-                <a:effectLst/>
-                <a:latin typeface="Courier New" panose="02070309020205020404" pitchFamily="49" charset="0"/>
-                <a:cs typeface="Courier New" panose="02070309020205020404" pitchFamily="49" charset="0"/>
-              </a:rPr>
-              <a:t>public </a:t>
-            </a:r>
-            <a:r>
-              <a:rPr kumimoji="0" lang="ru-RU" altLang="ru-RU" sz="1400" b="0" i="0" u="none" strike="noStrike" cap="none" normalizeH="0" baseline="0" dirty="0" err="1">
-                <a:ln>
-                  <a:noFill/>
-                </a:ln>
-                <a:solidFill>
-                  <a:srgbClr val="000000"/>
-                </a:solidFill>
-                <a:effectLst/>
-                <a:latin typeface="Courier New" panose="02070309020205020404" pitchFamily="49" charset="0"/>
-                <a:cs typeface="Courier New" panose="02070309020205020404" pitchFamily="49" charset="0"/>
-              </a:rPr>
-              <a:t>Bird</a:t>
-            </a:r>
-            <a:r>
-              <a:rPr kumimoji="0" lang="ru-RU" altLang="ru-RU" sz="1400" b="0" i="0" u="none" strike="noStrike" cap="none" normalizeH="0" baseline="0" dirty="0">
-                <a:ln>
-                  <a:noFill/>
-                </a:ln>
-                <a:solidFill>
-                  <a:srgbClr val="000000"/>
-                </a:solidFill>
-                <a:effectLst/>
-                <a:latin typeface="Courier New" panose="02070309020205020404" pitchFamily="49" charset="0"/>
-                <a:cs typeface="Courier New" panose="02070309020205020404" pitchFamily="49" charset="0"/>
-              </a:rPr>
-              <a:t>(String </a:t>
-            </a:r>
-            <a:r>
-              <a:rPr kumimoji="0" lang="ru-RU" altLang="ru-RU" sz="1400" b="0" i="0" u="none" strike="noStrike" cap="none" normalizeH="0" baseline="0" dirty="0" err="1">
-                <a:ln>
-                  <a:noFill/>
-                </a:ln>
-                <a:solidFill>
-                  <a:srgbClr val="000000"/>
-                </a:solidFill>
-                <a:effectLst/>
-                <a:latin typeface="Courier New" panose="02070309020205020404" pitchFamily="49" charset="0"/>
-                <a:cs typeface="Courier New" panose="02070309020205020404" pitchFamily="49" charset="0"/>
-              </a:rPr>
-              <a:t>name</a:t>
-            </a:r>
-            <a:r>
-              <a:rPr kumimoji="0" lang="ru-RU" altLang="ru-RU" sz="1400" b="0" i="0" u="none" strike="noStrike" cap="none" normalizeH="0" baseline="0" dirty="0">
-                <a:ln>
-                  <a:noFill/>
-                </a:ln>
-                <a:solidFill>
-                  <a:srgbClr val="000000"/>
-                </a:solidFill>
-                <a:effectLst/>
-                <a:latin typeface="Courier New" panose="02070309020205020404" pitchFamily="49" charset="0"/>
-                <a:cs typeface="Courier New" panose="02070309020205020404" pitchFamily="49" charset="0"/>
-              </a:rPr>
-              <a:t>) {</a:t>
-            </a:r>
-            <a:br>
-              <a:rPr kumimoji="0" lang="ru-RU" altLang="ru-RU" sz="1400" b="0" i="0" u="none" strike="noStrike" cap="none" normalizeH="0" baseline="0" dirty="0">
-                <a:ln>
-                  <a:noFill/>
-                </a:ln>
-                <a:solidFill>
-                  <a:srgbClr val="000000"/>
-                </a:solidFill>
-                <a:effectLst/>
-                <a:latin typeface="Courier New" panose="02070309020205020404" pitchFamily="49" charset="0"/>
-                <a:cs typeface="Courier New" panose="02070309020205020404" pitchFamily="49" charset="0"/>
-              </a:rPr>
-            </a:br>
-            <a:r>
-              <a:rPr kumimoji="0" lang="ru-RU" altLang="ru-RU" sz="1400" b="0" i="0" u="none" strike="noStrike" cap="none" normalizeH="0" baseline="0" dirty="0">
-                <a:ln>
-                  <a:noFill/>
-                </a:ln>
-                <a:solidFill>
-                  <a:srgbClr val="000000"/>
-                </a:solidFill>
-                <a:effectLst/>
-                <a:latin typeface="Courier New" panose="02070309020205020404" pitchFamily="49" charset="0"/>
-                <a:cs typeface="Courier New" panose="02070309020205020404" pitchFamily="49" charset="0"/>
-              </a:rPr>
-              <a:t>        </a:t>
-            </a:r>
-            <a:r>
-              <a:rPr kumimoji="0" lang="ru-RU" altLang="ru-RU" sz="1400" b="1" i="0" u="none" strike="noStrike" cap="none" normalizeH="0" baseline="0" dirty="0">
-                <a:ln>
-                  <a:noFill/>
-                </a:ln>
-                <a:solidFill>
-                  <a:srgbClr val="000080"/>
-                </a:solidFill>
-                <a:effectLst/>
-                <a:latin typeface="Courier New" panose="02070309020205020404" pitchFamily="49" charset="0"/>
-                <a:cs typeface="Courier New" panose="02070309020205020404" pitchFamily="49" charset="0"/>
-              </a:rPr>
-              <a:t>this</a:t>
-            </a:r>
-            <a:r>
-              <a:rPr kumimoji="0" lang="ru-RU" altLang="ru-RU" sz="1400" b="0" i="0" u="none" strike="noStrike" cap="none" normalizeH="0" baseline="0" dirty="0">
-                <a:ln>
-                  <a:noFill/>
-                </a:ln>
-                <a:solidFill>
-                  <a:srgbClr val="000000"/>
-                </a:solidFill>
-                <a:effectLst/>
-                <a:latin typeface="Courier New" panose="02070309020205020404" pitchFamily="49" charset="0"/>
-                <a:cs typeface="Courier New" panose="02070309020205020404" pitchFamily="49" charset="0"/>
-              </a:rPr>
-              <a:t>.</a:t>
-            </a:r>
-            <a:r>
-              <a:rPr kumimoji="0" lang="ru-RU" altLang="ru-RU" sz="1400" b="1" i="0" u="none" strike="noStrike" cap="none" normalizeH="0" baseline="0" dirty="0">
-                <a:ln>
-                  <a:noFill/>
-                </a:ln>
-                <a:solidFill>
-                  <a:srgbClr val="660E7A"/>
-                </a:solidFill>
-                <a:effectLst/>
-                <a:latin typeface="Courier New" panose="02070309020205020404" pitchFamily="49" charset="0"/>
-                <a:cs typeface="Courier New" panose="02070309020205020404" pitchFamily="49" charset="0"/>
-              </a:rPr>
-              <a:t>name </a:t>
-            </a:r>
-            <a:r>
-              <a:rPr kumimoji="0" lang="ru-RU" altLang="ru-RU" sz="1400" b="0" i="0" u="none" strike="noStrike" cap="none" normalizeH="0" baseline="0" dirty="0">
-                <a:ln>
-                  <a:noFill/>
-                </a:ln>
-                <a:solidFill>
-                  <a:srgbClr val="000000"/>
-                </a:solidFill>
-                <a:effectLst/>
-                <a:latin typeface="Courier New" panose="02070309020205020404" pitchFamily="49" charset="0"/>
-                <a:cs typeface="Courier New" panose="02070309020205020404" pitchFamily="49" charset="0"/>
-              </a:rPr>
-              <a:t>= </a:t>
-            </a:r>
-            <a:r>
-              <a:rPr kumimoji="0" lang="ru-RU" altLang="ru-RU" sz="1400" b="0" i="0" u="none" strike="noStrike" cap="none" normalizeH="0" baseline="0" dirty="0" err="1">
-                <a:ln>
-                  <a:noFill/>
-                </a:ln>
-                <a:solidFill>
-                  <a:srgbClr val="000000"/>
-                </a:solidFill>
-                <a:effectLst/>
-                <a:latin typeface="Courier New" panose="02070309020205020404" pitchFamily="49" charset="0"/>
-                <a:cs typeface="Courier New" panose="02070309020205020404" pitchFamily="49" charset="0"/>
-              </a:rPr>
-              <a:t>name</a:t>
-            </a:r>
-            <a:r>
-              <a:rPr kumimoji="0" lang="ru-RU" altLang="ru-RU" sz="1400" b="0" i="0" u="none" strike="noStrike" cap="none" normalizeH="0" baseline="0" dirty="0">
-                <a:ln>
-                  <a:noFill/>
-                </a:ln>
-                <a:solidFill>
-                  <a:srgbClr val="000000"/>
-                </a:solidFill>
-                <a:effectLst/>
-                <a:latin typeface="Courier New" panose="02070309020205020404" pitchFamily="49" charset="0"/>
-                <a:cs typeface="Courier New" panose="02070309020205020404" pitchFamily="49" charset="0"/>
-              </a:rPr>
-              <a:t>;</a:t>
-            </a:r>
-            <a:br>
-              <a:rPr kumimoji="0" lang="ru-RU" altLang="ru-RU" sz="1400" b="0" i="0" u="none" strike="noStrike" cap="none" normalizeH="0" baseline="0" dirty="0">
-                <a:ln>
-                  <a:noFill/>
-                </a:ln>
-                <a:solidFill>
-                  <a:srgbClr val="000000"/>
-                </a:solidFill>
-                <a:effectLst/>
-                <a:latin typeface="Courier New" panose="02070309020205020404" pitchFamily="49" charset="0"/>
-                <a:cs typeface="Courier New" panose="02070309020205020404" pitchFamily="49" charset="0"/>
-              </a:rPr>
-            </a:br>
-            <a:r>
-              <a:rPr kumimoji="0" lang="ru-RU" altLang="ru-RU" sz="1400" b="0" i="0" u="none" strike="noStrike" cap="none" normalizeH="0" baseline="0" dirty="0">
-                <a:ln>
-                  <a:noFill/>
-                </a:ln>
-                <a:solidFill>
-                  <a:srgbClr val="000000"/>
-                </a:solidFill>
-                <a:effectLst/>
-                <a:latin typeface="Courier New" panose="02070309020205020404" pitchFamily="49" charset="0"/>
-                <a:cs typeface="Courier New" panose="02070309020205020404" pitchFamily="49" charset="0"/>
-              </a:rPr>
-              <a:t>    }</a:t>
-            </a:r>
-            <a:br>
-              <a:rPr kumimoji="0" lang="ru-RU" altLang="ru-RU" sz="1400" b="0" i="0" u="none" strike="noStrike" cap="none" normalizeH="0" baseline="0" dirty="0">
-                <a:ln>
-                  <a:noFill/>
-                </a:ln>
-                <a:solidFill>
-                  <a:srgbClr val="000000"/>
-                </a:solidFill>
-                <a:effectLst/>
-                <a:latin typeface="Courier New" panose="02070309020205020404" pitchFamily="49" charset="0"/>
-                <a:cs typeface="Courier New" panose="02070309020205020404" pitchFamily="49" charset="0"/>
-              </a:rPr>
-            </a:br>
-            <a:r>
-              <a:rPr kumimoji="0" lang="ru-RU" altLang="ru-RU" sz="1400" b="0" i="0" u="none" strike="noStrike" cap="none" normalizeH="0" baseline="0" dirty="0">
-                <a:ln>
-                  <a:noFill/>
-                </a:ln>
-                <a:solidFill>
-                  <a:srgbClr val="000000"/>
-                </a:solidFill>
-                <a:effectLst/>
-                <a:latin typeface="Courier New" panose="02070309020205020404" pitchFamily="49" charset="0"/>
-                <a:cs typeface="Courier New" panose="02070309020205020404" pitchFamily="49" charset="0"/>
-              </a:rPr>
-              <a:t/>
-            </a:r>
-            <a:br>
-              <a:rPr kumimoji="0" lang="ru-RU" altLang="ru-RU" sz="1400" b="0" i="0" u="none" strike="noStrike" cap="none" normalizeH="0" baseline="0" dirty="0">
-                <a:ln>
-                  <a:noFill/>
-                </a:ln>
-                <a:solidFill>
-                  <a:srgbClr val="000000"/>
-                </a:solidFill>
-                <a:effectLst/>
-                <a:latin typeface="Courier New" panose="02070309020205020404" pitchFamily="49" charset="0"/>
-                <a:cs typeface="Courier New" panose="02070309020205020404" pitchFamily="49" charset="0"/>
-              </a:rPr>
-            </a:br>
-            <a:r>
-              <a:rPr lang="en-US" altLang="ru-RU" sz="1400" dirty="0" smtClean="0">
-                <a:solidFill>
-                  <a:srgbClr val="000000"/>
-                </a:solidFill>
-                <a:latin typeface="Courier New" panose="02070309020205020404" pitchFamily="49" charset="0"/>
-                <a:cs typeface="Courier New" panose="02070309020205020404" pitchFamily="49" charset="0"/>
-              </a:rPr>
-              <a:t>    </a:t>
-            </a:r>
-            <a:r>
-              <a:rPr kumimoji="0" lang="ru-RU" altLang="ru-RU" sz="1400" b="0" i="0" u="none" strike="noStrike" cap="none" normalizeH="0" baseline="0" dirty="0" smtClean="0">
-                <a:ln>
-                  <a:noFill/>
-                </a:ln>
-                <a:solidFill>
-                  <a:srgbClr val="808000"/>
-                </a:solidFill>
-                <a:effectLst/>
-                <a:latin typeface="Courier New" panose="02070309020205020404" pitchFamily="49" charset="0"/>
-                <a:cs typeface="Courier New" panose="02070309020205020404" pitchFamily="49" charset="0"/>
-              </a:rPr>
-              <a:t>@</a:t>
-            </a:r>
-            <a:r>
-              <a:rPr kumimoji="0" lang="ru-RU" altLang="ru-RU" sz="1400" b="0" i="0" u="none" strike="noStrike" cap="none" normalizeH="0" baseline="0" dirty="0" err="1">
-                <a:ln>
-                  <a:noFill/>
-                </a:ln>
-                <a:solidFill>
-                  <a:srgbClr val="808000"/>
-                </a:solidFill>
-                <a:effectLst/>
-                <a:latin typeface="Courier New" panose="02070309020205020404" pitchFamily="49" charset="0"/>
-                <a:cs typeface="Courier New" panose="02070309020205020404" pitchFamily="49" charset="0"/>
-              </a:rPr>
-              <a:t>Override</a:t>
-            </a:r>
-            <a:r>
-              <a:rPr kumimoji="0" lang="ru-RU" altLang="ru-RU" sz="1400" b="0" i="0" u="none" strike="noStrike" cap="none" normalizeH="0" baseline="0" dirty="0">
-                <a:ln>
-                  <a:noFill/>
-                </a:ln>
-                <a:solidFill>
-                  <a:srgbClr val="808000"/>
-                </a:solidFill>
-                <a:effectLst/>
-                <a:latin typeface="Courier New" panose="02070309020205020404" pitchFamily="49" charset="0"/>
-                <a:cs typeface="Courier New" panose="02070309020205020404" pitchFamily="49" charset="0"/>
-              </a:rPr>
-              <a:t/>
-            </a:r>
-            <a:br>
-              <a:rPr kumimoji="0" lang="ru-RU" altLang="ru-RU" sz="1400" b="0" i="0" u="none" strike="noStrike" cap="none" normalizeH="0" baseline="0" dirty="0">
-                <a:ln>
-                  <a:noFill/>
-                </a:ln>
-                <a:solidFill>
-                  <a:srgbClr val="808000"/>
-                </a:solidFill>
-                <a:effectLst/>
-                <a:latin typeface="Courier New" panose="02070309020205020404" pitchFamily="49" charset="0"/>
-                <a:cs typeface="Courier New" panose="02070309020205020404" pitchFamily="49" charset="0"/>
-              </a:rPr>
-            </a:br>
-            <a:r>
-              <a:rPr kumimoji="0" lang="ru-RU" altLang="ru-RU" sz="1400" b="0" i="0" u="none" strike="noStrike" cap="none" normalizeH="0" baseline="0" dirty="0">
-                <a:ln>
-                  <a:noFill/>
-                </a:ln>
-                <a:solidFill>
-                  <a:srgbClr val="808000"/>
-                </a:solidFill>
-                <a:effectLst/>
-                <a:latin typeface="Courier New" panose="02070309020205020404" pitchFamily="49" charset="0"/>
-                <a:cs typeface="Courier New" panose="02070309020205020404" pitchFamily="49" charset="0"/>
-              </a:rPr>
-              <a:t>    </a:t>
-            </a:r>
-            <a:r>
-              <a:rPr kumimoji="0" lang="ru-RU" altLang="ru-RU" sz="1400" b="1" i="0" u="none" strike="noStrike" cap="none" normalizeH="0" baseline="0" dirty="0" err="1">
-                <a:ln>
-                  <a:noFill/>
-                </a:ln>
-                <a:solidFill>
-                  <a:srgbClr val="000080"/>
-                </a:solidFill>
-                <a:effectLst/>
-                <a:latin typeface="Courier New" panose="02070309020205020404" pitchFamily="49" charset="0"/>
-                <a:cs typeface="Courier New" panose="02070309020205020404" pitchFamily="49" charset="0"/>
-              </a:rPr>
-              <a:t>public</a:t>
-            </a:r>
-            <a:r>
-              <a:rPr kumimoji="0" lang="ru-RU" altLang="ru-RU" sz="1400" b="1" i="0" u="none" strike="noStrike" cap="none" normalizeH="0" baseline="0" dirty="0">
-                <a:ln>
-                  <a:noFill/>
-                </a:ln>
-                <a:solidFill>
-                  <a:srgbClr val="000080"/>
-                </a:solidFill>
-                <a:effectLst/>
-                <a:latin typeface="Courier New" panose="02070309020205020404" pitchFamily="49" charset="0"/>
-                <a:cs typeface="Courier New" panose="02070309020205020404" pitchFamily="49" charset="0"/>
-              </a:rPr>
-              <a:t> </a:t>
-            </a:r>
-            <a:r>
-              <a:rPr kumimoji="0" lang="ru-RU" altLang="ru-RU" sz="1400" b="1" i="0" u="none" strike="noStrike" cap="none" normalizeH="0" baseline="0" dirty="0" err="1">
-                <a:ln>
-                  <a:noFill/>
-                </a:ln>
-                <a:solidFill>
-                  <a:srgbClr val="000080"/>
-                </a:solidFill>
-                <a:effectLst/>
-                <a:latin typeface="Courier New" panose="02070309020205020404" pitchFamily="49" charset="0"/>
-                <a:cs typeface="Courier New" panose="02070309020205020404" pitchFamily="49" charset="0"/>
-              </a:rPr>
-              <a:t>boolean</a:t>
-            </a:r>
-            <a:r>
-              <a:rPr kumimoji="0" lang="ru-RU" altLang="ru-RU" sz="1400" b="1" i="0" u="none" strike="noStrike" cap="none" normalizeH="0" baseline="0" dirty="0">
-                <a:ln>
-                  <a:noFill/>
-                </a:ln>
-                <a:solidFill>
-                  <a:srgbClr val="000080"/>
-                </a:solidFill>
-                <a:effectLst/>
-                <a:latin typeface="Courier New" panose="02070309020205020404" pitchFamily="49" charset="0"/>
-                <a:cs typeface="Courier New" panose="02070309020205020404" pitchFamily="49" charset="0"/>
-              </a:rPr>
-              <a:t> </a:t>
-            </a:r>
-            <a:r>
-              <a:rPr kumimoji="0" lang="ru-RU" altLang="ru-RU" sz="1400" b="0" i="0" u="none" strike="noStrike" cap="none" normalizeH="0" baseline="0" dirty="0" err="1">
-                <a:ln>
-                  <a:noFill/>
-                </a:ln>
-                <a:solidFill>
-                  <a:srgbClr val="000000"/>
-                </a:solidFill>
-                <a:effectLst/>
-                <a:latin typeface="Courier New" panose="02070309020205020404" pitchFamily="49" charset="0"/>
-                <a:cs typeface="Courier New" panose="02070309020205020404" pitchFamily="49" charset="0"/>
-              </a:rPr>
-              <a:t>equals</a:t>
-            </a:r>
-            <a:r>
-              <a:rPr kumimoji="0" lang="ru-RU" altLang="ru-RU" sz="1400" b="0" i="0" u="none" strike="noStrike" cap="none" normalizeH="0" baseline="0" dirty="0">
-                <a:ln>
-                  <a:noFill/>
-                </a:ln>
-                <a:solidFill>
-                  <a:srgbClr val="000000"/>
-                </a:solidFill>
-                <a:effectLst/>
-                <a:latin typeface="Courier New" panose="02070309020205020404" pitchFamily="49" charset="0"/>
-                <a:cs typeface="Courier New" panose="02070309020205020404" pitchFamily="49" charset="0"/>
-              </a:rPr>
-              <a:t>(</a:t>
-            </a:r>
-            <a:r>
-              <a:rPr kumimoji="0" lang="ru-RU" altLang="ru-RU" sz="1400" b="0" i="0" u="none" strike="noStrike" cap="none" normalizeH="0" baseline="0" dirty="0" err="1">
-                <a:ln>
-                  <a:noFill/>
-                </a:ln>
-                <a:solidFill>
-                  <a:srgbClr val="000000"/>
-                </a:solidFill>
-                <a:effectLst/>
-                <a:latin typeface="Courier New" panose="02070309020205020404" pitchFamily="49" charset="0"/>
-                <a:cs typeface="Courier New" panose="02070309020205020404" pitchFamily="49" charset="0"/>
-              </a:rPr>
-              <a:t>Object</a:t>
-            </a:r>
-            <a:r>
-              <a:rPr kumimoji="0" lang="ru-RU" altLang="ru-RU" sz="1400" b="0" i="0" u="none" strike="noStrike" cap="none" normalizeH="0" baseline="0" dirty="0">
-                <a:ln>
-                  <a:noFill/>
-                </a:ln>
-                <a:solidFill>
-                  <a:srgbClr val="000000"/>
-                </a:solidFill>
-                <a:effectLst/>
-                <a:latin typeface="Courier New" panose="02070309020205020404" pitchFamily="49" charset="0"/>
-                <a:cs typeface="Courier New" panose="02070309020205020404" pitchFamily="49" charset="0"/>
-              </a:rPr>
-              <a:t> o) {</a:t>
-            </a:r>
-            <a:br>
-              <a:rPr kumimoji="0" lang="ru-RU" altLang="ru-RU" sz="1400" b="0" i="0" u="none" strike="noStrike" cap="none" normalizeH="0" baseline="0" dirty="0">
-                <a:ln>
-                  <a:noFill/>
-                </a:ln>
-                <a:solidFill>
-                  <a:srgbClr val="000000"/>
-                </a:solidFill>
-                <a:effectLst/>
-                <a:latin typeface="Courier New" panose="02070309020205020404" pitchFamily="49" charset="0"/>
-                <a:cs typeface="Courier New" panose="02070309020205020404" pitchFamily="49" charset="0"/>
-              </a:rPr>
-            </a:br>
-            <a:r>
-              <a:rPr kumimoji="0" lang="ru-RU" altLang="ru-RU" sz="1400" b="0" i="0" u="none" strike="noStrike" cap="none" normalizeH="0" baseline="0" dirty="0">
-                <a:ln>
-                  <a:noFill/>
-                </a:ln>
-                <a:solidFill>
-                  <a:srgbClr val="000000"/>
-                </a:solidFill>
-                <a:effectLst/>
-                <a:latin typeface="Courier New" panose="02070309020205020404" pitchFamily="49" charset="0"/>
-                <a:cs typeface="Courier New" panose="02070309020205020404" pitchFamily="49" charset="0"/>
-              </a:rPr>
-              <a:t>        </a:t>
-            </a:r>
-            <a:r>
-              <a:rPr kumimoji="0" lang="ru-RU" altLang="ru-RU" sz="1400" b="1" i="0" u="none" strike="noStrike" cap="none" normalizeH="0" baseline="0" dirty="0" err="1">
-                <a:ln>
-                  <a:noFill/>
-                </a:ln>
-                <a:solidFill>
-                  <a:srgbClr val="000080"/>
-                </a:solidFill>
-                <a:effectLst/>
-                <a:latin typeface="Courier New" panose="02070309020205020404" pitchFamily="49" charset="0"/>
-                <a:cs typeface="Courier New" panose="02070309020205020404" pitchFamily="49" charset="0"/>
-              </a:rPr>
-              <a:t>if</a:t>
-            </a:r>
-            <a:r>
-              <a:rPr kumimoji="0" lang="ru-RU" altLang="ru-RU" sz="1400" b="1" i="0" u="none" strike="noStrike" cap="none" normalizeH="0" baseline="0" dirty="0">
-                <a:ln>
-                  <a:noFill/>
-                </a:ln>
-                <a:solidFill>
-                  <a:srgbClr val="000080"/>
-                </a:solidFill>
-                <a:effectLst/>
-                <a:latin typeface="Courier New" panose="02070309020205020404" pitchFamily="49" charset="0"/>
-                <a:cs typeface="Courier New" panose="02070309020205020404" pitchFamily="49" charset="0"/>
-              </a:rPr>
-              <a:t> </a:t>
-            </a:r>
-            <a:r>
-              <a:rPr kumimoji="0" lang="ru-RU" altLang="ru-RU" sz="1400" b="0" i="0" u="none" strike="noStrike" cap="none" normalizeH="0" baseline="0" dirty="0">
-                <a:ln>
-                  <a:noFill/>
-                </a:ln>
-                <a:solidFill>
-                  <a:srgbClr val="000000"/>
-                </a:solidFill>
-                <a:effectLst/>
-                <a:latin typeface="Courier New" panose="02070309020205020404" pitchFamily="49" charset="0"/>
-                <a:cs typeface="Courier New" panose="02070309020205020404" pitchFamily="49" charset="0"/>
-              </a:rPr>
-              <a:t>(</a:t>
-            </a:r>
-            <a:r>
-              <a:rPr kumimoji="0" lang="ru-RU" altLang="ru-RU" sz="1400" b="1" i="0" u="none" strike="noStrike" cap="none" normalizeH="0" baseline="0" dirty="0" err="1">
-                <a:ln>
-                  <a:noFill/>
-                </a:ln>
-                <a:solidFill>
-                  <a:srgbClr val="000080"/>
-                </a:solidFill>
-                <a:effectLst/>
-                <a:latin typeface="Courier New" panose="02070309020205020404" pitchFamily="49" charset="0"/>
-                <a:cs typeface="Courier New" panose="02070309020205020404" pitchFamily="49" charset="0"/>
-              </a:rPr>
-              <a:t>this</a:t>
-            </a:r>
-            <a:r>
-              <a:rPr kumimoji="0" lang="ru-RU" altLang="ru-RU" sz="1400" b="1" i="0" u="none" strike="noStrike" cap="none" normalizeH="0" baseline="0" dirty="0">
-                <a:ln>
-                  <a:noFill/>
-                </a:ln>
-                <a:solidFill>
-                  <a:srgbClr val="000080"/>
-                </a:solidFill>
-                <a:effectLst/>
-                <a:latin typeface="Courier New" panose="02070309020205020404" pitchFamily="49" charset="0"/>
-                <a:cs typeface="Courier New" panose="02070309020205020404" pitchFamily="49" charset="0"/>
-              </a:rPr>
-              <a:t> </a:t>
-            </a:r>
-            <a:r>
-              <a:rPr kumimoji="0" lang="ru-RU" altLang="ru-RU" sz="1400" b="0" i="0" u="none" strike="noStrike" cap="none" normalizeH="0" baseline="0" dirty="0">
-                <a:ln>
-                  <a:noFill/>
-                </a:ln>
-                <a:solidFill>
-                  <a:srgbClr val="000000"/>
-                </a:solidFill>
-                <a:effectLst/>
-                <a:latin typeface="Courier New" panose="02070309020205020404" pitchFamily="49" charset="0"/>
-                <a:cs typeface="Courier New" panose="02070309020205020404" pitchFamily="49" charset="0"/>
-              </a:rPr>
-              <a:t>== o) {</a:t>
-            </a:r>
-            <a:br>
-              <a:rPr kumimoji="0" lang="ru-RU" altLang="ru-RU" sz="1400" b="0" i="0" u="none" strike="noStrike" cap="none" normalizeH="0" baseline="0" dirty="0">
-                <a:ln>
-                  <a:noFill/>
-                </a:ln>
-                <a:solidFill>
-                  <a:srgbClr val="000000"/>
-                </a:solidFill>
-                <a:effectLst/>
-                <a:latin typeface="Courier New" panose="02070309020205020404" pitchFamily="49" charset="0"/>
-                <a:cs typeface="Courier New" panose="02070309020205020404" pitchFamily="49" charset="0"/>
-              </a:rPr>
-            </a:br>
-            <a:r>
-              <a:rPr kumimoji="0" lang="ru-RU" altLang="ru-RU" sz="1400" b="0" i="0" u="none" strike="noStrike" cap="none" normalizeH="0" baseline="0" dirty="0">
-                <a:ln>
-                  <a:noFill/>
-                </a:ln>
-                <a:solidFill>
-                  <a:srgbClr val="000000"/>
-                </a:solidFill>
-                <a:effectLst/>
-                <a:latin typeface="Courier New" panose="02070309020205020404" pitchFamily="49" charset="0"/>
-                <a:cs typeface="Courier New" panose="02070309020205020404" pitchFamily="49" charset="0"/>
-              </a:rPr>
-              <a:t>            </a:t>
-            </a:r>
-            <a:r>
-              <a:rPr kumimoji="0" lang="ru-RU" altLang="ru-RU" sz="1400" b="1" i="0" u="none" strike="noStrike" cap="none" normalizeH="0" baseline="0" dirty="0" err="1">
-                <a:ln>
-                  <a:noFill/>
-                </a:ln>
-                <a:solidFill>
-                  <a:srgbClr val="000080"/>
-                </a:solidFill>
-                <a:effectLst/>
-                <a:latin typeface="Courier New" panose="02070309020205020404" pitchFamily="49" charset="0"/>
-                <a:cs typeface="Courier New" panose="02070309020205020404" pitchFamily="49" charset="0"/>
-              </a:rPr>
-              <a:t>return</a:t>
-            </a:r>
-            <a:r>
-              <a:rPr kumimoji="0" lang="ru-RU" altLang="ru-RU" sz="1400" b="1" i="0" u="none" strike="noStrike" cap="none" normalizeH="0" baseline="0" dirty="0">
-                <a:ln>
-                  <a:noFill/>
-                </a:ln>
-                <a:solidFill>
-                  <a:srgbClr val="000080"/>
-                </a:solidFill>
-                <a:effectLst/>
-                <a:latin typeface="Courier New" panose="02070309020205020404" pitchFamily="49" charset="0"/>
-                <a:cs typeface="Courier New" panose="02070309020205020404" pitchFamily="49" charset="0"/>
-              </a:rPr>
-              <a:t> </a:t>
-            </a:r>
-            <a:r>
-              <a:rPr kumimoji="0" lang="ru-RU" altLang="ru-RU" sz="1400" b="1" i="0" u="none" strike="noStrike" cap="none" normalizeH="0" baseline="0" dirty="0" err="1">
-                <a:ln>
-                  <a:noFill/>
-                </a:ln>
-                <a:solidFill>
-                  <a:srgbClr val="000080"/>
-                </a:solidFill>
-                <a:effectLst/>
-                <a:latin typeface="Courier New" panose="02070309020205020404" pitchFamily="49" charset="0"/>
-                <a:cs typeface="Courier New" panose="02070309020205020404" pitchFamily="49" charset="0"/>
-              </a:rPr>
-              <a:t>true</a:t>
-            </a:r>
-            <a:r>
-              <a:rPr kumimoji="0" lang="ru-RU" altLang="ru-RU" sz="1400" b="0" i="0" u="none" strike="noStrike" cap="none" normalizeH="0" baseline="0" dirty="0">
-                <a:ln>
-                  <a:noFill/>
-                </a:ln>
-                <a:solidFill>
-                  <a:srgbClr val="000000"/>
-                </a:solidFill>
-                <a:effectLst/>
-                <a:latin typeface="Courier New" panose="02070309020205020404" pitchFamily="49" charset="0"/>
-                <a:cs typeface="Courier New" panose="02070309020205020404" pitchFamily="49" charset="0"/>
-              </a:rPr>
-              <a:t>;</a:t>
-            </a:r>
-            <a:br>
-              <a:rPr kumimoji="0" lang="ru-RU" altLang="ru-RU" sz="1400" b="0" i="0" u="none" strike="noStrike" cap="none" normalizeH="0" baseline="0" dirty="0">
-                <a:ln>
-                  <a:noFill/>
-                </a:ln>
-                <a:solidFill>
-                  <a:srgbClr val="000000"/>
-                </a:solidFill>
-                <a:effectLst/>
-                <a:latin typeface="Courier New" panose="02070309020205020404" pitchFamily="49" charset="0"/>
-                <a:cs typeface="Courier New" panose="02070309020205020404" pitchFamily="49" charset="0"/>
-              </a:rPr>
-            </a:br>
-            <a:r>
-              <a:rPr kumimoji="0" lang="ru-RU" altLang="ru-RU" sz="1400" b="0" i="0" u="none" strike="noStrike" cap="none" normalizeH="0" baseline="0" dirty="0">
-                <a:ln>
-                  <a:noFill/>
-                </a:ln>
-                <a:solidFill>
-                  <a:srgbClr val="000000"/>
-                </a:solidFill>
-                <a:effectLst/>
-                <a:latin typeface="Courier New" panose="02070309020205020404" pitchFamily="49" charset="0"/>
-                <a:cs typeface="Courier New" panose="02070309020205020404" pitchFamily="49" charset="0"/>
-              </a:rPr>
-              <a:t>        </a:t>
-            </a:r>
-            <a:r>
-              <a:rPr kumimoji="0" lang="ru-RU" altLang="ru-RU" sz="1400" b="0" i="0" u="none" strike="noStrike" cap="none" normalizeH="0" baseline="0" dirty="0" smtClean="0">
-                <a:ln>
-                  <a:noFill/>
-                </a:ln>
-                <a:solidFill>
-                  <a:srgbClr val="000000"/>
-                </a:solidFill>
-                <a:effectLst/>
-                <a:latin typeface="Courier New" panose="02070309020205020404" pitchFamily="49" charset="0"/>
-                <a:cs typeface="Courier New" panose="02070309020205020404" pitchFamily="49" charset="0"/>
-              </a:rPr>
-              <a:t>}</a:t>
-            </a:r>
-            <a:r>
-              <a:rPr kumimoji="0" lang="ru-RU" altLang="ru-RU" sz="1400" b="0" i="0" u="none" strike="noStrike" cap="none" normalizeH="0" baseline="0" dirty="0">
-                <a:ln>
-                  <a:noFill/>
-                </a:ln>
-                <a:solidFill>
-                  <a:srgbClr val="000000"/>
-                </a:solidFill>
-                <a:effectLst/>
-                <a:latin typeface="Courier New" panose="02070309020205020404" pitchFamily="49" charset="0"/>
-                <a:cs typeface="Courier New" panose="02070309020205020404" pitchFamily="49" charset="0"/>
-              </a:rPr>
-              <a:t/>
-            </a:r>
-            <a:br>
-              <a:rPr kumimoji="0" lang="ru-RU" altLang="ru-RU" sz="1400" b="0" i="0" u="none" strike="noStrike" cap="none" normalizeH="0" baseline="0" dirty="0">
-                <a:ln>
-                  <a:noFill/>
-                </a:ln>
-                <a:solidFill>
-                  <a:srgbClr val="000000"/>
-                </a:solidFill>
-                <a:effectLst/>
-                <a:latin typeface="Courier New" panose="02070309020205020404" pitchFamily="49" charset="0"/>
-                <a:cs typeface="Courier New" panose="02070309020205020404" pitchFamily="49" charset="0"/>
-              </a:rPr>
-            </a:br>
-            <a:r>
-              <a:rPr kumimoji="0" lang="ru-RU" altLang="ru-RU" sz="1400" b="0" i="0" u="none" strike="noStrike" cap="none" normalizeH="0" baseline="0" dirty="0">
-                <a:ln>
-                  <a:noFill/>
-                </a:ln>
-                <a:solidFill>
-                  <a:srgbClr val="000000"/>
-                </a:solidFill>
-                <a:effectLst/>
-                <a:latin typeface="Courier New" panose="02070309020205020404" pitchFamily="49" charset="0"/>
-                <a:cs typeface="Courier New" panose="02070309020205020404" pitchFamily="49" charset="0"/>
-              </a:rPr>
-              <a:t>        </a:t>
-            </a:r>
-            <a:r>
-              <a:rPr kumimoji="0" lang="ru-RU" altLang="ru-RU" sz="1400" b="1" i="0" u="none" strike="noStrike" cap="none" normalizeH="0" baseline="0" dirty="0" err="1">
-                <a:ln>
-                  <a:noFill/>
-                </a:ln>
-                <a:solidFill>
-                  <a:srgbClr val="000080"/>
-                </a:solidFill>
-                <a:effectLst/>
-                <a:latin typeface="Courier New" panose="02070309020205020404" pitchFamily="49" charset="0"/>
-                <a:cs typeface="Courier New" panose="02070309020205020404" pitchFamily="49" charset="0"/>
-              </a:rPr>
-              <a:t>if</a:t>
-            </a:r>
-            <a:r>
-              <a:rPr kumimoji="0" lang="ru-RU" altLang="ru-RU" sz="1400" b="1" i="0" u="none" strike="noStrike" cap="none" normalizeH="0" baseline="0" dirty="0">
-                <a:ln>
-                  <a:noFill/>
-                </a:ln>
-                <a:solidFill>
-                  <a:srgbClr val="000080"/>
-                </a:solidFill>
-                <a:effectLst/>
-                <a:latin typeface="Courier New" panose="02070309020205020404" pitchFamily="49" charset="0"/>
-                <a:cs typeface="Courier New" panose="02070309020205020404" pitchFamily="49" charset="0"/>
-              </a:rPr>
-              <a:t> </a:t>
-            </a:r>
-            <a:r>
-              <a:rPr kumimoji="0" lang="ru-RU" altLang="ru-RU" sz="1400" b="0" i="0" u="none" strike="noStrike" cap="none" normalizeH="0" baseline="0" dirty="0">
-                <a:ln>
-                  <a:noFill/>
-                </a:ln>
-                <a:solidFill>
-                  <a:srgbClr val="000000"/>
-                </a:solidFill>
-                <a:effectLst/>
-                <a:latin typeface="Courier New" panose="02070309020205020404" pitchFamily="49" charset="0"/>
-                <a:cs typeface="Courier New" panose="02070309020205020404" pitchFamily="49" charset="0"/>
-              </a:rPr>
-              <a:t>(o == </a:t>
-            </a:r>
-            <a:r>
-              <a:rPr kumimoji="0" lang="ru-RU" altLang="ru-RU" sz="1400" b="1" i="0" u="none" strike="noStrike" cap="none" normalizeH="0" baseline="0" dirty="0" err="1">
-                <a:ln>
-                  <a:noFill/>
-                </a:ln>
-                <a:solidFill>
-                  <a:srgbClr val="000080"/>
-                </a:solidFill>
-                <a:effectLst/>
-                <a:latin typeface="Courier New" panose="02070309020205020404" pitchFamily="49" charset="0"/>
-                <a:cs typeface="Courier New" panose="02070309020205020404" pitchFamily="49" charset="0"/>
-              </a:rPr>
-              <a:t>null</a:t>
-            </a:r>
-            <a:r>
-              <a:rPr kumimoji="0" lang="ru-RU" altLang="ru-RU" sz="1400" b="1" i="0" u="none" strike="noStrike" cap="none" normalizeH="0" baseline="0" dirty="0">
-                <a:ln>
-                  <a:noFill/>
-                </a:ln>
-                <a:solidFill>
-                  <a:srgbClr val="000080"/>
-                </a:solidFill>
-                <a:effectLst/>
-                <a:latin typeface="Courier New" panose="02070309020205020404" pitchFamily="49" charset="0"/>
-                <a:cs typeface="Courier New" panose="02070309020205020404" pitchFamily="49" charset="0"/>
-              </a:rPr>
-              <a:t> </a:t>
-            </a:r>
-            <a:r>
-              <a:rPr kumimoji="0" lang="ru-RU" altLang="ru-RU" sz="1400" b="0" i="0" u="none" strike="noStrike" cap="none" normalizeH="0" baseline="0" dirty="0">
-                <a:ln>
-                  <a:noFill/>
-                </a:ln>
-                <a:solidFill>
-                  <a:srgbClr val="000000"/>
-                </a:solidFill>
-                <a:effectLst/>
-                <a:latin typeface="Courier New" panose="02070309020205020404" pitchFamily="49" charset="0"/>
-                <a:cs typeface="Courier New" panose="02070309020205020404" pitchFamily="49" charset="0"/>
-              </a:rPr>
-              <a:t>|| </a:t>
-            </a:r>
-            <a:r>
-              <a:rPr kumimoji="0" lang="ru-RU" altLang="ru-RU" sz="1400" b="0" i="0" u="none" strike="noStrike" cap="none" normalizeH="0" baseline="0" dirty="0" err="1">
-                <a:ln>
-                  <a:noFill/>
-                </a:ln>
-                <a:solidFill>
-                  <a:srgbClr val="000000"/>
-                </a:solidFill>
-                <a:effectLst/>
-                <a:latin typeface="Courier New" panose="02070309020205020404" pitchFamily="49" charset="0"/>
-                <a:cs typeface="Courier New" panose="02070309020205020404" pitchFamily="49" charset="0"/>
-              </a:rPr>
-              <a:t>getClass</a:t>
-            </a:r>
-            <a:r>
-              <a:rPr kumimoji="0" lang="ru-RU" altLang="ru-RU" sz="1400" b="0" i="0" u="none" strike="noStrike" cap="none" normalizeH="0" baseline="0" dirty="0">
-                <a:ln>
-                  <a:noFill/>
-                </a:ln>
-                <a:solidFill>
-                  <a:srgbClr val="000000"/>
-                </a:solidFill>
-                <a:effectLst/>
-                <a:latin typeface="Courier New" panose="02070309020205020404" pitchFamily="49" charset="0"/>
-                <a:cs typeface="Courier New" panose="02070309020205020404" pitchFamily="49" charset="0"/>
-              </a:rPr>
-              <a:t>() != </a:t>
-            </a:r>
-            <a:r>
-              <a:rPr kumimoji="0" lang="ru-RU" altLang="ru-RU" sz="1400" b="0" i="0" u="none" strike="noStrike" cap="none" normalizeH="0" baseline="0" dirty="0" err="1">
-                <a:ln>
-                  <a:noFill/>
-                </a:ln>
-                <a:solidFill>
-                  <a:srgbClr val="000000"/>
-                </a:solidFill>
-                <a:effectLst/>
-                <a:latin typeface="Courier New" panose="02070309020205020404" pitchFamily="49" charset="0"/>
-                <a:cs typeface="Courier New" panose="02070309020205020404" pitchFamily="49" charset="0"/>
-              </a:rPr>
-              <a:t>o.getClass</a:t>
-            </a:r>
-            <a:r>
-              <a:rPr kumimoji="0" lang="ru-RU" altLang="ru-RU" sz="1400" b="0" i="0" u="none" strike="noStrike" cap="none" normalizeH="0" baseline="0" dirty="0">
-                <a:ln>
-                  <a:noFill/>
-                </a:ln>
-                <a:solidFill>
-                  <a:srgbClr val="000000"/>
-                </a:solidFill>
-                <a:effectLst/>
-                <a:latin typeface="Courier New" panose="02070309020205020404" pitchFamily="49" charset="0"/>
-                <a:cs typeface="Courier New" panose="02070309020205020404" pitchFamily="49" charset="0"/>
-              </a:rPr>
-              <a:t>()){</a:t>
-            </a:r>
-            <a:br>
-              <a:rPr kumimoji="0" lang="ru-RU" altLang="ru-RU" sz="1400" b="0" i="0" u="none" strike="noStrike" cap="none" normalizeH="0" baseline="0" dirty="0">
-                <a:ln>
-                  <a:noFill/>
-                </a:ln>
-                <a:solidFill>
-                  <a:srgbClr val="000000"/>
-                </a:solidFill>
-                <a:effectLst/>
-                <a:latin typeface="Courier New" panose="02070309020205020404" pitchFamily="49" charset="0"/>
-                <a:cs typeface="Courier New" panose="02070309020205020404" pitchFamily="49" charset="0"/>
-              </a:rPr>
-            </a:br>
-            <a:r>
-              <a:rPr kumimoji="0" lang="ru-RU" altLang="ru-RU" sz="1400" b="0" i="0" u="none" strike="noStrike" cap="none" normalizeH="0" baseline="0" dirty="0">
-                <a:ln>
-                  <a:noFill/>
-                </a:ln>
-                <a:solidFill>
-                  <a:srgbClr val="000000"/>
-                </a:solidFill>
-                <a:effectLst/>
-                <a:latin typeface="Courier New" panose="02070309020205020404" pitchFamily="49" charset="0"/>
-                <a:cs typeface="Courier New" panose="02070309020205020404" pitchFamily="49" charset="0"/>
-              </a:rPr>
-              <a:t>            </a:t>
-            </a:r>
-            <a:r>
-              <a:rPr kumimoji="0" lang="ru-RU" altLang="ru-RU" sz="1400" b="1" i="0" u="none" strike="noStrike" cap="none" normalizeH="0" baseline="0" dirty="0" err="1">
-                <a:ln>
-                  <a:noFill/>
-                </a:ln>
-                <a:solidFill>
-                  <a:srgbClr val="000080"/>
-                </a:solidFill>
-                <a:effectLst/>
-                <a:latin typeface="Courier New" panose="02070309020205020404" pitchFamily="49" charset="0"/>
-                <a:cs typeface="Courier New" panose="02070309020205020404" pitchFamily="49" charset="0"/>
-              </a:rPr>
-              <a:t>return</a:t>
-            </a:r>
-            <a:r>
-              <a:rPr kumimoji="0" lang="ru-RU" altLang="ru-RU" sz="1400" b="1" i="0" u="none" strike="noStrike" cap="none" normalizeH="0" baseline="0" dirty="0">
-                <a:ln>
-                  <a:noFill/>
-                </a:ln>
-                <a:solidFill>
-                  <a:srgbClr val="000080"/>
-                </a:solidFill>
-                <a:effectLst/>
-                <a:latin typeface="Courier New" panose="02070309020205020404" pitchFamily="49" charset="0"/>
-                <a:cs typeface="Courier New" panose="02070309020205020404" pitchFamily="49" charset="0"/>
-              </a:rPr>
-              <a:t> </a:t>
-            </a:r>
-            <a:r>
-              <a:rPr kumimoji="0" lang="ru-RU" altLang="ru-RU" sz="1400" b="1" i="0" u="none" strike="noStrike" cap="none" normalizeH="0" baseline="0" dirty="0" err="1">
-                <a:ln>
-                  <a:noFill/>
-                </a:ln>
-                <a:solidFill>
-                  <a:srgbClr val="000080"/>
-                </a:solidFill>
-                <a:effectLst/>
-                <a:latin typeface="Courier New" panose="02070309020205020404" pitchFamily="49" charset="0"/>
-                <a:cs typeface="Courier New" panose="02070309020205020404" pitchFamily="49" charset="0"/>
-              </a:rPr>
-              <a:t>false</a:t>
-            </a:r>
-            <a:r>
-              <a:rPr kumimoji="0" lang="ru-RU" altLang="ru-RU" sz="1400" b="0" i="0" u="none" strike="noStrike" cap="none" normalizeH="0" baseline="0" dirty="0">
-                <a:ln>
-                  <a:noFill/>
-                </a:ln>
-                <a:solidFill>
-                  <a:srgbClr val="000000"/>
-                </a:solidFill>
-                <a:effectLst/>
-                <a:latin typeface="Courier New" panose="02070309020205020404" pitchFamily="49" charset="0"/>
-                <a:cs typeface="Courier New" panose="02070309020205020404" pitchFamily="49" charset="0"/>
-              </a:rPr>
-              <a:t>;</a:t>
-            </a:r>
-            <a:br>
-              <a:rPr kumimoji="0" lang="ru-RU" altLang="ru-RU" sz="1400" b="0" i="0" u="none" strike="noStrike" cap="none" normalizeH="0" baseline="0" dirty="0">
-                <a:ln>
-                  <a:noFill/>
-                </a:ln>
-                <a:solidFill>
-                  <a:srgbClr val="000000"/>
-                </a:solidFill>
-                <a:effectLst/>
-                <a:latin typeface="Courier New" panose="02070309020205020404" pitchFamily="49" charset="0"/>
-                <a:cs typeface="Courier New" panose="02070309020205020404" pitchFamily="49" charset="0"/>
-              </a:rPr>
-            </a:br>
-            <a:r>
-              <a:rPr kumimoji="0" lang="ru-RU" altLang="ru-RU" sz="1400" b="0" i="0" u="none" strike="noStrike" cap="none" normalizeH="0" baseline="0" dirty="0">
-                <a:ln>
-                  <a:noFill/>
-                </a:ln>
-                <a:solidFill>
-                  <a:srgbClr val="000000"/>
-                </a:solidFill>
-                <a:effectLst/>
-                <a:latin typeface="Courier New" panose="02070309020205020404" pitchFamily="49" charset="0"/>
-                <a:cs typeface="Courier New" panose="02070309020205020404" pitchFamily="49" charset="0"/>
-              </a:rPr>
-              <a:t>        </a:t>
-            </a:r>
-            <a:r>
-              <a:rPr kumimoji="0" lang="ru-RU" altLang="ru-RU" sz="1400" b="0" i="0" u="none" strike="noStrike" cap="none" normalizeH="0" baseline="0" dirty="0" smtClean="0">
-                <a:ln>
-                  <a:noFill/>
-                </a:ln>
-                <a:solidFill>
-                  <a:srgbClr val="000000"/>
-                </a:solidFill>
-                <a:effectLst/>
-                <a:latin typeface="Courier New" panose="02070309020205020404" pitchFamily="49" charset="0"/>
-                <a:cs typeface="Courier New" panose="02070309020205020404" pitchFamily="49" charset="0"/>
-              </a:rPr>
-              <a:t>}</a:t>
-            </a:r>
-            <a:r>
-              <a:rPr kumimoji="0" lang="ru-RU" altLang="ru-RU" sz="1400" b="0" i="0" u="none" strike="noStrike" cap="none" normalizeH="0" baseline="0" dirty="0">
-                <a:ln>
-                  <a:noFill/>
-                </a:ln>
-                <a:solidFill>
-                  <a:srgbClr val="000000"/>
-                </a:solidFill>
-                <a:effectLst/>
-                <a:latin typeface="Courier New" panose="02070309020205020404" pitchFamily="49" charset="0"/>
-                <a:cs typeface="Courier New" panose="02070309020205020404" pitchFamily="49" charset="0"/>
-              </a:rPr>
-              <a:t/>
-            </a:r>
-            <a:br>
-              <a:rPr kumimoji="0" lang="ru-RU" altLang="ru-RU" sz="1400" b="0" i="0" u="none" strike="noStrike" cap="none" normalizeH="0" baseline="0" dirty="0">
-                <a:ln>
-                  <a:noFill/>
-                </a:ln>
-                <a:solidFill>
-                  <a:srgbClr val="000000"/>
-                </a:solidFill>
-                <a:effectLst/>
-                <a:latin typeface="Courier New" panose="02070309020205020404" pitchFamily="49" charset="0"/>
-                <a:cs typeface="Courier New" panose="02070309020205020404" pitchFamily="49" charset="0"/>
-              </a:rPr>
-            </a:br>
-            <a:r>
-              <a:rPr kumimoji="0" lang="ru-RU" altLang="ru-RU" sz="1400" b="0" i="0" u="none" strike="noStrike" cap="none" normalizeH="0" baseline="0" dirty="0">
-                <a:ln>
-                  <a:noFill/>
-                </a:ln>
-                <a:solidFill>
-                  <a:srgbClr val="000000"/>
-                </a:solidFill>
-                <a:effectLst/>
-                <a:latin typeface="Courier New" panose="02070309020205020404" pitchFamily="49" charset="0"/>
-                <a:cs typeface="Courier New" panose="02070309020205020404" pitchFamily="49" charset="0"/>
-              </a:rPr>
-              <a:t>        </a:t>
-            </a:r>
-            <a:r>
-              <a:rPr kumimoji="0" lang="ru-RU" altLang="ru-RU" sz="1400" b="0" i="0" u="none" strike="noStrike" cap="none" normalizeH="0" baseline="0" dirty="0" err="1">
-                <a:ln>
-                  <a:noFill/>
-                </a:ln>
-                <a:solidFill>
-                  <a:srgbClr val="000000"/>
-                </a:solidFill>
-                <a:effectLst/>
-                <a:latin typeface="Courier New" panose="02070309020205020404" pitchFamily="49" charset="0"/>
-                <a:cs typeface="Courier New" panose="02070309020205020404" pitchFamily="49" charset="0"/>
-              </a:rPr>
-              <a:t>Bird</a:t>
-            </a:r>
-            <a:r>
-              <a:rPr kumimoji="0" lang="ru-RU" altLang="ru-RU" sz="1400" b="0" i="0" u="none" strike="noStrike" cap="none" normalizeH="0" baseline="0" dirty="0">
-                <a:ln>
-                  <a:noFill/>
-                </a:ln>
-                <a:solidFill>
-                  <a:srgbClr val="000000"/>
-                </a:solidFill>
-                <a:effectLst/>
-                <a:latin typeface="Courier New" panose="02070309020205020404" pitchFamily="49" charset="0"/>
-                <a:cs typeface="Courier New" panose="02070309020205020404" pitchFamily="49" charset="0"/>
-              </a:rPr>
-              <a:t> </a:t>
-            </a:r>
-            <a:r>
-              <a:rPr kumimoji="0" lang="ru-RU" altLang="ru-RU" sz="1400" b="0" i="0" u="none" strike="noStrike" cap="none" normalizeH="0" baseline="0" dirty="0" err="1">
-                <a:ln>
-                  <a:noFill/>
-                </a:ln>
-                <a:solidFill>
-                  <a:srgbClr val="000000"/>
-                </a:solidFill>
-                <a:effectLst/>
-                <a:latin typeface="Courier New" panose="02070309020205020404" pitchFamily="49" charset="0"/>
-                <a:cs typeface="Courier New" panose="02070309020205020404" pitchFamily="49" charset="0"/>
-              </a:rPr>
-              <a:t>bird</a:t>
-            </a:r>
-            <a:r>
-              <a:rPr kumimoji="0" lang="ru-RU" altLang="ru-RU" sz="1400" b="0" i="0" u="none" strike="noStrike" cap="none" normalizeH="0" baseline="0" dirty="0">
-                <a:ln>
-                  <a:noFill/>
-                </a:ln>
-                <a:solidFill>
-                  <a:srgbClr val="000000"/>
-                </a:solidFill>
-                <a:effectLst/>
-                <a:latin typeface="Courier New" panose="02070309020205020404" pitchFamily="49" charset="0"/>
-                <a:cs typeface="Courier New" panose="02070309020205020404" pitchFamily="49" charset="0"/>
-              </a:rPr>
-              <a:t> = (</a:t>
-            </a:r>
-            <a:r>
-              <a:rPr kumimoji="0" lang="ru-RU" altLang="ru-RU" sz="1400" b="0" i="0" u="none" strike="noStrike" cap="none" normalizeH="0" baseline="0" dirty="0" err="1">
-                <a:ln>
-                  <a:noFill/>
-                </a:ln>
-                <a:solidFill>
-                  <a:srgbClr val="000000"/>
-                </a:solidFill>
-                <a:effectLst/>
-                <a:latin typeface="Courier New" panose="02070309020205020404" pitchFamily="49" charset="0"/>
-                <a:cs typeface="Courier New" panose="02070309020205020404" pitchFamily="49" charset="0"/>
-              </a:rPr>
-              <a:t>Bird</a:t>
-            </a:r>
-            <a:r>
-              <a:rPr kumimoji="0" lang="ru-RU" altLang="ru-RU" sz="1400" b="0" i="0" u="none" strike="noStrike" cap="none" normalizeH="0" baseline="0" dirty="0">
-                <a:ln>
-                  <a:noFill/>
-                </a:ln>
-                <a:solidFill>
-                  <a:srgbClr val="000000"/>
-                </a:solidFill>
-                <a:effectLst/>
-                <a:latin typeface="Courier New" panose="02070309020205020404" pitchFamily="49" charset="0"/>
-                <a:cs typeface="Courier New" panose="02070309020205020404" pitchFamily="49" charset="0"/>
-              </a:rPr>
-              <a:t>) o;</a:t>
-            </a:r>
-            <a:br>
-              <a:rPr kumimoji="0" lang="ru-RU" altLang="ru-RU" sz="1400" b="0" i="0" u="none" strike="noStrike" cap="none" normalizeH="0" baseline="0" dirty="0">
-                <a:ln>
-                  <a:noFill/>
-                </a:ln>
-                <a:solidFill>
-                  <a:srgbClr val="000000"/>
-                </a:solidFill>
-                <a:effectLst/>
-                <a:latin typeface="Courier New" panose="02070309020205020404" pitchFamily="49" charset="0"/>
-                <a:cs typeface="Courier New" panose="02070309020205020404" pitchFamily="49" charset="0"/>
-              </a:rPr>
-            </a:br>
-            <a:r>
-              <a:rPr kumimoji="0" lang="ru-RU" altLang="ru-RU" sz="1400" b="0" i="0" u="none" strike="noStrike" cap="none" normalizeH="0" baseline="0" dirty="0">
-                <a:ln>
-                  <a:noFill/>
-                </a:ln>
-                <a:solidFill>
-                  <a:srgbClr val="000000"/>
-                </a:solidFill>
-                <a:effectLst/>
-                <a:latin typeface="Courier New" panose="02070309020205020404" pitchFamily="49" charset="0"/>
-                <a:cs typeface="Courier New" panose="02070309020205020404" pitchFamily="49" charset="0"/>
-              </a:rPr>
-              <a:t>        </a:t>
-            </a:r>
-            <a:r>
-              <a:rPr kumimoji="0" lang="ru-RU" altLang="ru-RU" sz="1400" b="1" i="0" u="none" strike="noStrike" cap="none" normalizeH="0" baseline="0" dirty="0" err="1">
-                <a:ln>
-                  <a:noFill/>
-                </a:ln>
-                <a:solidFill>
-                  <a:srgbClr val="000080"/>
-                </a:solidFill>
-                <a:effectLst/>
-                <a:latin typeface="Courier New" panose="02070309020205020404" pitchFamily="49" charset="0"/>
-                <a:cs typeface="Courier New" panose="02070309020205020404" pitchFamily="49" charset="0"/>
-              </a:rPr>
-              <a:t>return</a:t>
-            </a:r>
-            <a:r>
-              <a:rPr kumimoji="0" lang="ru-RU" altLang="ru-RU" sz="1400" b="1" i="0" u="none" strike="noStrike" cap="none" normalizeH="0" baseline="0" dirty="0">
-                <a:ln>
-                  <a:noFill/>
-                </a:ln>
-                <a:solidFill>
-                  <a:srgbClr val="000080"/>
-                </a:solidFill>
-                <a:effectLst/>
-                <a:latin typeface="Courier New" panose="02070309020205020404" pitchFamily="49" charset="0"/>
-                <a:cs typeface="Courier New" panose="02070309020205020404" pitchFamily="49" charset="0"/>
-              </a:rPr>
-              <a:t> </a:t>
-            </a:r>
-            <a:r>
-              <a:rPr kumimoji="0" lang="ru-RU" altLang="ru-RU" sz="1400" b="0" i="0" u="none" strike="noStrike" cap="none" normalizeH="0" baseline="0" dirty="0" err="1">
-                <a:ln>
-                  <a:noFill/>
-                </a:ln>
-                <a:solidFill>
-                  <a:srgbClr val="000000"/>
-                </a:solidFill>
-                <a:effectLst/>
-                <a:latin typeface="Courier New" panose="02070309020205020404" pitchFamily="49" charset="0"/>
-                <a:cs typeface="Courier New" panose="02070309020205020404" pitchFamily="49" charset="0"/>
-              </a:rPr>
-              <a:t>Objects.</a:t>
-            </a:r>
-            <a:r>
-              <a:rPr kumimoji="0" lang="ru-RU" altLang="ru-RU" sz="1400" b="0" i="1" u="none" strike="noStrike" cap="none" normalizeH="0" baseline="0" dirty="0" err="1">
-                <a:ln>
-                  <a:noFill/>
-                </a:ln>
-                <a:solidFill>
-                  <a:srgbClr val="000000"/>
-                </a:solidFill>
-                <a:effectLst/>
-                <a:latin typeface="Courier New" panose="02070309020205020404" pitchFamily="49" charset="0"/>
-                <a:cs typeface="Courier New" panose="02070309020205020404" pitchFamily="49" charset="0"/>
-              </a:rPr>
-              <a:t>equals</a:t>
-            </a:r>
-            <a:r>
-              <a:rPr kumimoji="0" lang="ru-RU" altLang="ru-RU" sz="1400" b="0" i="0" u="none" strike="noStrike" cap="none" normalizeH="0" baseline="0" dirty="0">
-                <a:ln>
-                  <a:noFill/>
-                </a:ln>
-                <a:solidFill>
-                  <a:srgbClr val="000000"/>
-                </a:solidFill>
-                <a:effectLst/>
-                <a:latin typeface="Courier New" panose="02070309020205020404" pitchFamily="49" charset="0"/>
-                <a:cs typeface="Courier New" panose="02070309020205020404" pitchFamily="49" charset="0"/>
-              </a:rPr>
-              <a:t>(</a:t>
-            </a:r>
-            <a:r>
-              <a:rPr kumimoji="0" lang="ru-RU" altLang="ru-RU" sz="1400" b="1" i="0" u="none" strike="noStrike" cap="none" normalizeH="0" baseline="0" dirty="0" err="1">
-                <a:ln>
-                  <a:noFill/>
-                </a:ln>
-                <a:solidFill>
-                  <a:srgbClr val="660E7A"/>
-                </a:solidFill>
-                <a:effectLst/>
-                <a:latin typeface="Courier New" panose="02070309020205020404" pitchFamily="49" charset="0"/>
-                <a:cs typeface="Courier New" panose="02070309020205020404" pitchFamily="49" charset="0"/>
-              </a:rPr>
-              <a:t>name</a:t>
-            </a:r>
-            <a:r>
-              <a:rPr kumimoji="0" lang="ru-RU" altLang="ru-RU" sz="1400" b="0" i="0" u="none" strike="noStrike" cap="none" normalizeH="0" baseline="0" dirty="0">
-                <a:ln>
-                  <a:noFill/>
-                </a:ln>
-                <a:solidFill>
-                  <a:srgbClr val="000000"/>
-                </a:solidFill>
-                <a:effectLst/>
-                <a:latin typeface="Courier New" panose="02070309020205020404" pitchFamily="49" charset="0"/>
-                <a:cs typeface="Courier New" panose="02070309020205020404" pitchFamily="49" charset="0"/>
-              </a:rPr>
-              <a:t>, bird.</a:t>
-            </a:r>
-            <a:r>
-              <a:rPr kumimoji="0" lang="ru-RU" altLang="ru-RU" sz="1400" b="1" i="0" u="none" strike="noStrike" cap="none" normalizeH="0" baseline="0" dirty="0">
-                <a:ln>
-                  <a:noFill/>
-                </a:ln>
-                <a:solidFill>
-                  <a:srgbClr val="660E7A"/>
-                </a:solidFill>
-                <a:effectLst/>
-                <a:latin typeface="Courier New" panose="02070309020205020404" pitchFamily="49" charset="0"/>
-                <a:cs typeface="Courier New" panose="02070309020205020404" pitchFamily="49" charset="0"/>
-              </a:rPr>
-              <a:t>name</a:t>
-            </a:r>
-            <a:r>
-              <a:rPr kumimoji="0" lang="ru-RU" altLang="ru-RU" sz="1400" b="0" i="0" u="none" strike="noStrike" cap="none" normalizeH="0" baseline="0" dirty="0">
-                <a:ln>
-                  <a:noFill/>
-                </a:ln>
-                <a:solidFill>
-                  <a:srgbClr val="000000"/>
-                </a:solidFill>
-                <a:effectLst/>
-                <a:latin typeface="Courier New" panose="02070309020205020404" pitchFamily="49" charset="0"/>
-                <a:cs typeface="Courier New" panose="02070309020205020404" pitchFamily="49" charset="0"/>
-              </a:rPr>
-              <a:t>);</a:t>
-            </a:r>
-            <a:br>
-              <a:rPr kumimoji="0" lang="ru-RU" altLang="ru-RU" sz="1400" b="0" i="0" u="none" strike="noStrike" cap="none" normalizeH="0" baseline="0" dirty="0">
-                <a:ln>
-                  <a:noFill/>
-                </a:ln>
-                <a:solidFill>
-                  <a:srgbClr val="000000"/>
-                </a:solidFill>
-                <a:effectLst/>
-                <a:latin typeface="Courier New" panose="02070309020205020404" pitchFamily="49" charset="0"/>
-                <a:cs typeface="Courier New" panose="02070309020205020404" pitchFamily="49" charset="0"/>
-              </a:rPr>
-            </a:br>
-            <a:r>
-              <a:rPr kumimoji="0" lang="ru-RU" altLang="ru-RU" sz="1400" b="0" i="0" u="none" strike="noStrike" cap="none" normalizeH="0" baseline="0" dirty="0">
-                <a:ln>
-                  <a:noFill/>
-                </a:ln>
-                <a:solidFill>
-                  <a:srgbClr val="000000"/>
-                </a:solidFill>
-                <a:effectLst/>
-                <a:latin typeface="Courier New" panose="02070309020205020404" pitchFamily="49" charset="0"/>
-                <a:cs typeface="Courier New" panose="02070309020205020404" pitchFamily="49" charset="0"/>
-              </a:rPr>
-              <a:t>    }</a:t>
-            </a:r>
-            <a:br>
-              <a:rPr kumimoji="0" lang="ru-RU" altLang="ru-RU" sz="1400" b="0" i="0" u="none" strike="noStrike" cap="none" normalizeH="0" baseline="0" dirty="0">
-                <a:ln>
-                  <a:noFill/>
-                </a:ln>
-                <a:solidFill>
-                  <a:srgbClr val="000000"/>
-                </a:solidFill>
-                <a:effectLst/>
-                <a:latin typeface="Courier New" panose="02070309020205020404" pitchFamily="49" charset="0"/>
-                <a:cs typeface="Courier New" panose="02070309020205020404" pitchFamily="49" charset="0"/>
-              </a:rPr>
-            </a:br>
-            <a:r>
-              <a:rPr kumimoji="0" lang="ru-RU" altLang="ru-RU" sz="1400" b="0" i="0" u="none" strike="noStrike" cap="none" normalizeH="0" baseline="0" dirty="0">
-                <a:ln>
-                  <a:noFill/>
-                </a:ln>
-                <a:solidFill>
-                  <a:srgbClr val="000000"/>
-                </a:solidFill>
-                <a:effectLst/>
-                <a:latin typeface="Courier New" panose="02070309020205020404" pitchFamily="49" charset="0"/>
-                <a:cs typeface="Courier New" panose="02070309020205020404" pitchFamily="49" charset="0"/>
-              </a:rPr>
-              <a:t/>
-            </a:r>
-            <a:br>
-              <a:rPr kumimoji="0" lang="ru-RU" altLang="ru-RU" sz="1400" b="0" i="0" u="none" strike="noStrike" cap="none" normalizeH="0" baseline="0" dirty="0">
-                <a:ln>
-                  <a:noFill/>
-                </a:ln>
-                <a:solidFill>
-                  <a:srgbClr val="000000"/>
-                </a:solidFill>
-                <a:effectLst/>
-                <a:latin typeface="Courier New" panose="02070309020205020404" pitchFamily="49" charset="0"/>
-                <a:cs typeface="Courier New" panose="02070309020205020404" pitchFamily="49" charset="0"/>
-              </a:rPr>
-            </a:br>
-            <a:r>
-              <a:rPr kumimoji="0" lang="ru-RU" altLang="ru-RU" sz="1400" b="0" i="0" u="none" strike="noStrike" cap="none" normalizeH="0" baseline="0" dirty="0">
-                <a:ln>
-                  <a:noFill/>
-                </a:ln>
-                <a:solidFill>
-                  <a:srgbClr val="000000"/>
-                </a:solidFill>
-                <a:effectLst/>
-                <a:latin typeface="Courier New" panose="02070309020205020404" pitchFamily="49" charset="0"/>
-                <a:cs typeface="Courier New" panose="02070309020205020404" pitchFamily="49" charset="0"/>
-              </a:rPr>
-              <a:t>    </a:t>
-            </a:r>
-            <a:r>
-              <a:rPr kumimoji="0" lang="ru-RU" altLang="ru-RU" sz="1400" b="0" i="0" u="none" strike="noStrike" cap="none" normalizeH="0" baseline="0" dirty="0">
-                <a:ln>
-                  <a:noFill/>
-                </a:ln>
-                <a:solidFill>
-                  <a:srgbClr val="808000"/>
-                </a:solidFill>
-                <a:effectLst/>
-                <a:latin typeface="Courier New" panose="02070309020205020404" pitchFamily="49" charset="0"/>
-                <a:cs typeface="Courier New" panose="02070309020205020404" pitchFamily="49" charset="0"/>
-              </a:rPr>
-              <a:t>@</a:t>
-            </a:r>
-            <a:r>
-              <a:rPr kumimoji="0" lang="ru-RU" altLang="ru-RU" sz="1400" b="0" i="0" u="none" strike="noStrike" cap="none" normalizeH="0" baseline="0" dirty="0" err="1">
-                <a:ln>
-                  <a:noFill/>
-                </a:ln>
-                <a:solidFill>
-                  <a:srgbClr val="808000"/>
-                </a:solidFill>
-                <a:effectLst/>
-                <a:latin typeface="Courier New" panose="02070309020205020404" pitchFamily="49" charset="0"/>
-                <a:cs typeface="Courier New" panose="02070309020205020404" pitchFamily="49" charset="0"/>
-              </a:rPr>
-              <a:t>Override</a:t>
-            </a:r>
-            <a:r>
-              <a:rPr kumimoji="0" lang="ru-RU" altLang="ru-RU" sz="1400" b="0" i="0" u="none" strike="noStrike" cap="none" normalizeH="0" baseline="0" dirty="0">
-                <a:ln>
-                  <a:noFill/>
-                </a:ln>
-                <a:solidFill>
-                  <a:srgbClr val="808000"/>
-                </a:solidFill>
-                <a:effectLst/>
-                <a:latin typeface="Courier New" panose="02070309020205020404" pitchFamily="49" charset="0"/>
-                <a:cs typeface="Courier New" panose="02070309020205020404" pitchFamily="49" charset="0"/>
-              </a:rPr>
-              <a:t/>
-            </a:r>
-            <a:br>
-              <a:rPr kumimoji="0" lang="ru-RU" altLang="ru-RU" sz="1400" b="0" i="0" u="none" strike="noStrike" cap="none" normalizeH="0" baseline="0" dirty="0">
-                <a:ln>
-                  <a:noFill/>
-                </a:ln>
-                <a:solidFill>
-                  <a:srgbClr val="808000"/>
-                </a:solidFill>
-                <a:effectLst/>
-                <a:latin typeface="Courier New" panose="02070309020205020404" pitchFamily="49" charset="0"/>
-                <a:cs typeface="Courier New" panose="02070309020205020404" pitchFamily="49" charset="0"/>
-              </a:rPr>
-            </a:br>
-            <a:r>
-              <a:rPr kumimoji="0" lang="ru-RU" altLang="ru-RU" sz="1400" b="0" i="0" u="none" strike="noStrike" cap="none" normalizeH="0" baseline="0" dirty="0">
-                <a:ln>
-                  <a:noFill/>
-                </a:ln>
-                <a:solidFill>
-                  <a:srgbClr val="808000"/>
-                </a:solidFill>
-                <a:effectLst/>
-                <a:latin typeface="Courier New" panose="02070309020205020404" pitchFamily="49" charset="0"/>
-                <a:cs typeface="Courier New" panose="02070309020205020404" pitchFamily="49" charset="0"/>
-              </a:rPr>
-              <a:t>    </a:t>
-            </a:r>
-            <a:r>
-              <a:rPr kumimoji="0" lang="ru-RU" altLang="ru-RU" sz="1400" b="1" i="0" u="none" strike="noStrike" cap="none" normalizeH="0" baseline="0" dirty="0" err="1">
-                <a:ln>
-                  <a:noFill/>
-                </a:ln>
-                <a:solidFill>
-                  <a:srgbClr val="000080"/>
-                </a:solidFill>
-                <a:effectLst/>
-                <a:latin typeface="Courier New" panose="02070309020205020404" pitchFamily="49" charset="0"/>
-                <a:cs typeface="Courier New" panose="02070309020205020404" pitchFamily="49" charset="0"/>
-              </a:rPr>
-              <a:t>public</a:t>
-            </a:r>
-            <a:r>
-              <a:rPr kumimoji="0" lang="ru-RU" altLang="ru-RU" sz="1400" b="1" i="0" u="none" strike="noStrike" cap="none" normalizeH="0" baseline="0" dirty="0">
-                <a:ln>
-                  <a:noFill/>
-                </a:ln>
-                <a:solidFill>
-                  <a:srgbClr val="000080"/>
-                </a:solidFill>
-                <a:effectLst/>
-                <a:latin typeface="Courier New" panose="02070309020205020404" pitchFamily="49" charset="0"/>
-                <a:cs typeface="Courier New" panose="02070309020205020404" pitchFamily="49" charset="0"/>
-              </a:rPr>
-              <a:t> </a:t>
-            </a:r>
-            <a:r>
-              <a:rPr kumimoji="0" lang="ru-RU" altLang="ru-RU" sz="1400" b="1" i="0" u="none" strike="noStrike" cap="none" normalizeH="0" baseline="0" dirty="0" err="1">
-                <a:ln>
-                  <a:noFill/>
-                </a:ln>
-                <a:solidFill>
-                  <a:srgbClr val="000080"/>
-                </a:solidFill>
-                <a:effectLst/>
-                <a:latin typeface="Courier New" panose="02070309020205020404" pitchFamily="49" charset="0"/>
-                <a:cs typeface="Courier New" panose="02070309020205020404" pitchFamily="49" charset="0"/>
-              </a:rPr>
-              <a:t>int</a:t>
-            </a:r>
-            <a:r>
-              <a:rPr kumimoji="0" lang="ru-RU" altLang="ru-RU" sz="1400" b="1" i="0" u="none" strike="noStrike" cap="none" normalizeH="0" baseline="0" dirty="0">
-                <a:ln>
-                  <a:noFill/>
-                </a:ln>
-                <a:solidFill>
-                  <a:srgbClr val="000080"/>
-                </a:solidFill>
-                <a:effectLst/>
-                <a:latin typeface="Courier New" panose="02070309020205020404" pitchFamily="49" charset="0"/>
-                <a:cs typeface="Courier New" panose="02070309020205020404" pitchFamily="49" charset="0"/>
-              </a:rPr>
-              <a:t> </a:t>
-            </a:r>
-            <a:r>
-              <a:rPr kumimoji="0" lang="ru-RU" altLang="ru-RU" sz="1400" b="0" i="0" u="none" strike="noStrike" cap="none" normalizeH="0" baseline="0" dirty="0" err="1">
-                <a:ln>
-                  <a:noFill/>
-                </a:ln>
-                <a:solidFill>
-                  <a:srgbClr val="000000"/>
-                </a:solidFill>
-                <a:effectLst/>
-                <a:latin typeface="Courier New" panose="02070309020205020404" pitchFamily="49" charset="0"/>
-                <a:cs typeface="Courier New" panose="02070309020205020404" pitchFamily="49" charset="0"/>
-              </a:rPr>
-              <a:t>hashCode</a:t>
-            </a:r>
-            <a:r>
-              <a:rPr kumimoji="0" lang="ru-RU" altLang="ru-RU" sz="1400" b="0" i="0" u="none" strike="noStrike" cap="none" normalizeH="0" baseline="0" dirty="0">
-                <a:ln>
-                  <a:noFill/>
-                </a:ln>
-                <a:solidFill>
-                  <a:srgbClr val="000000"/>
-                </a:solidFill>
-                <a:effectLst/>
-                <a:latin typeface="Courier New" panose="02070309020205020404" pitchFamily="49" charset="0"/>
-                <a:cs typeface="Courier New" panose="02070309020205020404" pitchFamily="49" charset="0"/>
-              </a:rPr>
-              <a:t>() {</a:t>
-            </a:r>
-            <a:br>
-              <a:rPr kumimoji="0" lang="ru-RU" altLang="ru-RU" sz="1400" b="0" i="0" u="none" strike="noStrike" cap="none" normalizeH="0" baseline="0" dirty="0">
-                <a:ln>
-                  <a:noFill/>
-                </a:ln>
-                <a:solidFill>
-                  <a:srgbClr val="000000"/>
-                </a:solidFill>
-                <a:effectLst/>
-                <a:latin typeface="Courier New" panose="02070309020205020404" pitchFamily="49" charset="0"/>
-                <a:cs typeface="Courier New" panose="02070309020205020404" pitchFamily="49" charset="0"/>
-              </a:rPr>
-            </a:br>
-            <a:r>
-              <a:rPr kumimoji="0" lang="ru-RU" altLang="ru-RU" sz="1400" b="0" i="0" u="none" strike="noStrike" cap="none" normalizeH="0" baseline="0" dirty="0">
-                <a:ln>
-                  <a:noFill/>
-                </a:ln>
-                <a:solidFill>
-                  <a:srgbClr val="000000"/>
-                </a:solidFill>
-                <a:effectLst/>
-                <a:latin typeface="Courier New" panose="02070309020205020404" pitchFamily="49" charset="0"/>
-                <a:cs typeface="Courier New" panose="02070309020205020404" pitchFamily="49" charset="0"/>
-              </a:rPr>
-              <a:t>        </a:t>
-            </a:r>
-            <a:r>
-              <a:rPr kumimoji="0" lang="ru-RU" altLang="ru-RU" sz="1400" b="1" i="0" u="none" strike="noStrike" cap="none" normalizeH="0" baseline="0" dirty="0" err="1">
-                <a:ln>
-                  <a:noFill/>
-                </a:ln>
-                <a:solidFill>
-                  <a:srgbClr val="000080"/>
-                </a:solidFill>
-                <a:effectLst/>
-                <a:latin typeface="Courier New" panose="02070309020205020404" pitchFamily="49" charset="0"/>
-                <a:cs typeface="Courier New" panose="02070309020205020404" pitchFamily="49" charset="0"/>
-              </a:rPr>
-              <a:t>return</a:t>
-            </a:r>
-            <a:r>
-              <a:rPr kumimoji="0" lang="ru-RU" altLang="ru-RU" sz="1400" b="1" i="0" u="none" strike="noStrike" cap="none" normalizeH="0" baseline="0" dirty="0">
-                <a:ln>
-                  <a:noFill/>
-                </a:ln>
-                <a:solidFill>
-                  <a:srgbClr val="000080"/>
-                </a:solidFill>
-                <a:effectLst/>
-                <a:latin typeface="Courier New" panose="02070309020205020404" pitchFamily="49" charset="0"/>
-                <a:cs typeface="Courier New" panose="02070309020205020404" pitchFamily="49" charset="0"/>
-              </a:rPr>
-              <a:t> </a:t>
-            </a:r>
-            <a:r>
-              <a:rPr kumimoji="0" lang="ru-RU" altLang="ru-RU" sz="1400" b="0" i="0" u="none" strike="noStrike" cap="none" normalizeH="0" baseline="0" dirty="0" err="1">
-                <a:ln>
-                  <a:noFill/>
-                </a:ln>
-                <a:solidFill>
-                  <a:srgbClr val="000000"/>
-                </a:solidFill>
-                <a:effectLst/>
-                <a:latin typeface="Courier New" panose="02070309020205020404" pitchFamily="49" charset="0"/>
-                <a:cs typeface="Courier New" panose="02070309020205020404" pitchFamily="49" charset="0"/>
-              </a:rPr>
-              <a:t>Objects.</a:t>
-            </a:r>
-            <a:r>
-              <a:rPr kumimoji="0" lang="ru-RU" altLang="ru-RU" sz="1400" b="0" i="1" u="none" strike="noStrike" cap="none" normalizeH="0" baseline="0" dirty="0" err="1">
-                <a:ln>
-                  <a:noFill/>
-                </a:ln>
-                <a:solidFill>
-                  <a:srgbClr val="000000"/>
-                </a:solidFill>
-                <a:effectLst/>
-                <a:latin typeface="Courier New" panose="02070309020205020404" pitchFamily="49" charset="0"/>
-                <a:cs typeface="Courier New" panose="02070309020205020404" pitchFamily="49" charset="0"/>
-              </a:rPr>
-              <a:t>hash</a:t>
-            </a:r>
-            <a:r>
-              <a:rPr kumimoji="0" lang="ru-RU" altLang="ru-RU" sz="1400" b="0" i="0" u="none" strike="noStrike" cap="none" normalizeH="0" baseline="0" dirty="0">
-                <a:ln>
-                  <a:noFill/>
-                </a:ln>
-                <a:solidFill>
-                  <a:srgbClr val="000000"/>
-                </a:solidFill>
-                <a:effectLst/>
-                <a:latin typeface="Courier New" panose="02070309020205020404" pitchFamily="49" charset="0"/>
-                <a:cs typeface="Courier New" panose="02070309020205020404" pitchFamily="49" charset="0"/>
-              </a:rPr>
-              <a:t>(</a:t>
-            </a:r>
-            <a:r>
-              <a:rPr kumimoji="0" lang="ru-RU" altLang="ru-RU" sz="1400" b="1" i="0" u="none" strike="noStrike" cap="none" normalizeH="0" baseline="0" dirty="0" err="1">
-                <a:ln>
-                  <a:noFill/>
-                </a:ln>
-                <a:solidFill>
-                  <a:srgbClr val="660E7A"/>
-                </a:solidFill>
-                <a:effectLst/>
-                <a:latin typeface="Courier New" panose="02070309020205020404" pitchFamily="49" charset="0"/>
-                <a:cs typeface="Courier New" panose="02070309020205020404" pitchFamily="49" charset="0"/>
-              </a:rPr>
-              <a:t>name</a:t>
-            </a:r>
-            <a:r>
-              <a:rPr kumimoji="0" lang="ru-RU" altLang="ru-RU" sz="1400" b="0" i="0" u="none" strike="noStrike" cap="none" normalizeH="0" baseline="0" dirty="0">
-                <a:ln>
-                  <a:noFill/>
-                </a:ln>
-                <a:solidFill>
-                  <a:srgbClr val="000000"/>
-                </a:solidFill>
-                <a:effectLst/>
-                <a:latin typeface="Courier New" panose="02070309020205020404" pitchFamily="49" charset="0"/>
-                <a:cs typeface="Courier New" panose="02070309020205020404" pitchFamily="49" charset="0"/>
-              </a:rPr>
-              <a:t>);</a:t>
-            </a:r>
-            <a:br>
-              <a:rPr kumimoji="0" lang="ru-RU" altLang="ru-RU" sz="1400" b="0" i="0" u="none" strike="noStrike" cap="none" normalizeH="0" baseline="0" dirty="0">
-                <a:ln>
-                  <a:noFill/>
-                </a:ln>
-                <a:solidFill>
-                  <a:srgbClr val="000000"/>
-                </a:solidFill>
-                <a:effectLst/>
-                <a:latin typeface="Courier New" panose="02070309020205020404" pitchFamily="49" charset="0"/>
-                <a:cs typeface="Courier New" panose="02070309020205020404" pitchFamily="49" charset="0"/>
-              </a:rPr>
-            </a:br>
-            <a:r>
-              <a:rPr kumimoji="0" lang="ru-RU" altLang="ru-RU" sz="1400" b="0" i="0" u="none" strike="noStrike" cap="none" normalizeH="0" baseline="0" dirty="0">
-                <a:ln>
-                  <a:noFill/>
-                </a:ln>
-                <a:solidFill>
-                  <a:srgbClr val="000000"/>
-                </a:solidFill>
-                <a:effectLst/>
-                <a:latin typeface="Courier New" panose="02070309020205020404" pitchFamily="49" charset="0"/>
-                <a:cs typeface="Courier New" panose="02070309020205020404" pitchFamily="49" charset="0"/>
-              </a:rPr>
-              <a:t>    }</a:t>
-            </a:r>
-            <a:br>
-              <a:rPr kumimoji="0" lang="ru-RU" altLang="ru-RU" sz="1400" b="0" i="0" u="none" strike="noStrike" cap="none" normalizeH="0" baseline="0" dirty="0">
-                <a:ln>
-                  <a:noFill/>
-                </a:ln>
-                <a:solidFill>
-                  <a:srgbClr val="000000"/>
-                </a:solidFill>
-                <a:effectLst/>
-                <a:latin typeface="Courier New" panose="02070309020205020404" pitchFamily="49" charset="0"/>
-                <a:cs typeface="Courier New" panose="02070309020205020404" pitchFamily="49" charset="0"/>
-              </a:rPr>
-            </a:br>
-            <a:r>
-              <a:rPr kumimoji="0" lang="ru-RU" altLang="ru-RU" sz="1400" b="0" i="0" u="none" strike="noStrike" cap="none" normalizeH="0" baseline="0" dirty="0">
-                <a:ln>
-                  <a:noFill/>
-                </a:ln>
-                <a:solidFill>
-                  <a:srgbClr val="000000"/>
-                </a:solidFill>
-                <a:effectLst/>
-                <a:latin typeface="Courier New" panose="02070309020205020404" pitchFamily="49" charset="0"/>
-                <a:cs typeface="Courier New" panose="02070309020205020404" pitchFamily="49" charset="0"/>
-              </a:rPr>
-              <a:t>}</a:t>
-            </a:r>
-            <a:endParaRPr kumimoji="0" lang="ru-RU" altLang="ru-RU" sz="3200" b="0" i="0" u="none" strike="noStrike" cap="none" normalizeH="0" baseline="0" dirty="0">
-              <a:ln>
-                <a:noFill/>
-              </a:ln>
-              <a:solidFill>
-                <a:schemeClr val="tx1"/>
-              </a:solidFill>
-              <a:effectLst/>
-              <a:latin typeface="Arial" panose="020B0604020202020204" pitchFamily="34" charset="0"/>
-            </a:endParaRPr>
-          </a:p>
-        </p:txBody>
-      </p:sp>
-    </p:spTree>
-    <p:extLst>
-      <p:ext uri="{BB962C8B-B14F-4D97-AF65-F5344CB8AC3E}">
-        <p14:creationId xmlns:p14="http://schemas.microsoft.com/office/powerpoint/2010/main" val="653084582"/>
-      </p:ext>
-    </p:extLst>
-  </p:cSld>
-  <p:clrMapOvr>
-    <a:masterClrMapping/>
-  </p:clrMapOvr>
-  <p:timing>
-    <p:tnLst>
-      <p:par>
-        <p:cTn id="1" dur="indefinite" restart="never" nodeType="tmRoot"/>
-      </p:par>
-    </p:tnLst>
-  </p:timing>
-</p:sld>
-</file>
-
-<file path=ppt/slides/slide24.xml><?xml version="1.0" encoding="utf-8"?>
-<p:sld xmlns:a="http://schemas.openxmlformats.org/drawingml/2006/main" xmlns:r="http://schemas.openxmlformats.org/officeDocument/2006/relationships" xmlns:p="http://schemas.openxmlformats.org/presentationml/2006/main">
-  <p:cSld>
-    <p:spTree>
-      <p:nvGrpSpPr>
-        <p:cNvPr id="1" name=""/>
-        <p:cNvGrpSpPr/>
-        <p:nvPr/>
-      </p:nvGrpSpPr>
-      <p:grpSpPr>
-        <a:xfrm>
-          <a:off x="0" y="0"/>
-          <a:ext cx="0" cy="0"/>
-          <a:chOff x="0" y="0"/>
-          <a:chExt cx="0" cy="0"/>
-        </a:xfrm>
-      </p:grpSpPr>
-      <p:sp>
-        <p:nvSpPr>
-          <p:cNvPr id="2" name="Заголовок 1"/>
-          <p:cNvSpPr>
-            <a:spLocks noGrp="1"/>
-          </p:cNvSpPr>
-          <p:nvPr>
-            <p:ph type="title"/>
-          </p:nvPr>
-        </p:nvSpPr>
-        <p:spPr/>
-        <p:txBody>
-          <a:bodyPr/>
-          <a:lstStyle/>
-          <a:p>
-            <a:r>
               <a:rPr lang="en-US" dirty="0"/>
               <a:t>Collections class</a:t>
             </a:r>
@@ -19091,7 +16108,7 @@
 </p:sld>
 </file>
 
-<file path=ppt/slides/slide25.xml><?xml version="1.0" encoding="utf-8"?>
+<file path=ppt/slides/slide22.xml><?xml version="1.0" encoding="utf-8"?>
 <p:sld xmlns:a="http://schemas.openxmlformats.org/drawingml/2006/main" xmlns:r="http://schemas.openxmlformats.org/officeDocument/2006/relationships" xmlns:p="http://schemas.openxmlformats.org/presentationml/2006/main">
   <p:cSld>
     <p:spTree>
@@ -21054,7 +18071,7 @@
 </p:sld>
 </file>
 
-<file path=ppt/slides/slide26.xml><?xml version="1.0" encoding="utf-8"?>
+<file path=ppt/slides/slide23.xml><?xml version="1.0" encoding="utf-8"?>
 <p:sld xmlns:a="http://schemas.openxmlformats.org/drawingml/2006/main" xmlns:r="http://schemas.openxmlformats.org/officeDocument/2006/relationships" xmlns:p="http://schemas.openxmlformats.org/presentationml/2006/main">
   <p:cSld>
     <p:spTree>
@@ -22861,7 +19878,7 @@
 </p:sld>
 </file>
 
-<file path=ppt/slides/slide27.xml><?xml version="1.0" encoding="utf-8"?>
+<file path=ppt/slides/slide24.xml><?xml version="1.0" encoding="utf-8"?>
 <p:sld xmlns:a="http://schemas.openxmlformats.org/drawingml/2006/main" xmlns:r="http://schemas.openxmlformats.org/officeDocument/2006/relationships" xmlns:p="http://schemas.openxmlformats.org/presentationml/2006/main">
   <p:cSld>
     <p:spTree>
@@ -23361,7 +20378,7 @@
 </p:sld>
 </file>
 
-<file path=ppt/slides/slide28.xml><?xml version="1.0" encoding="utf-8"?>
+<file path=ppt/slides/slide25.xml><?xml version="1.0" encoding="utf-8"?>
 <p:sld xmlns:a="http://schemas.openxmlformats.org/drawingml/2006/main" xmlns:r="http://schemas.openxmlformats.org/officeDocument/2006/relationships" xmlns:p="http://schemas.openxmlformats.org/presentationml/2006/main">
   <p:cSld>
     <p:spTree>
@@ -25365,7 +22382,7 @@
 </p:sld>
 </file>
 
-<file path=ppt/slides/slide29.xml><?xml version="1.0" encoding="utf-8"?>
+<file path=ppt/slides/slide26.xml><?xml version="1.0" encoding="utf-8"?>
 <p:sld xmlns:a="http://schemas.openxmlformats.org/drawingml/2006/main" xmlns:r="http://schemas.openxmlformats.org/officeDocument/2006/relationships" xmlns:p="http://schemas.openxmlformats.org/presentationml/2006/main">
   <p:cSld>
     <p:spTree>
@@ -26001,6 +23018,2865 @@
       </p:par>
     </p:tnLst>
   </p:timing>
+</p:sld>
+</file>
+
+<file path=ppt/slides/slide27.xml><?xml version="1.0" encoding="utf-8"?>
+<p:sld xmlns:a="http://schemas.openxmlformats.org/drawingml/2006/main" xmlns:r="http://schemas.openxmlformats.org/officeDocument/2006/relationships" xmlns:p="http://schemas.openxmlformats.org/presentationml/2006/main">
+  <p:cSld>
+    <p:spTree>
+      <p:nvGrpSpPr>
+        <p:cNvPr id="1" name=""/>
+        <p:cNvGrpSpPr/>
+        <p:nvPr/>
+      </p:nvGrpSpPr>
+      <p:grpSpPr>
+        <a:xfrm>
+          <a:off x="0" y="0"/>
+          <a:ext cx="0" cy="0"/>
+          <a:chOff x="0" y="0"/>
+          <a:chExt cx="0" cy="0"/>
+        </a:xfrm>
+      </p:grpSpPr>
+      <p:sp>
+        <p:nvSpPr>
+          <p:cNvPr id="2" name="Заголовок 1"/>
+          <p:cNvSpPr>
+            <a:spLocks noGrp="1"/>
+          </p:cNvSpPr>
+          <p:nvPr>
+            <p:ph type="title"/>
+          </p:nvPr>
+        </p:nvSpPr>
+        <p:spPr>
+          <a:xfrm>
+            <a:off x="838199" y="365125"/>
+            <a:ext cx="11036121" cy="1325563"/>
+          </a:xfrm>
+        </p:spPr>
+        <p:txBody>
+          <a:bodyPr/>
+          <a:lstStyle/>
+          <a:p>
+            <a:r>
+              <a:rPr lang="en-US" dirty="0" smtClean="0"/>
+              <a:t>Comparator</a:t>
+            </a:r>
+            <a:endParaRPr lang="ru-RU" dirty="0"/>
+          </a:p>
+        </p:txBody>
+      </p:sp>
+      <p:sp>
+        <p:nvSpPr>
+          <p:cNvPr id="4" name="Rectangle 1"/>
+          <p:cNvSpPr>
+            <a:spLocks noGrp="1" noChangeArrowheads="1"/>
+          </p:cNvSpPr>
+          <p:nvPr>
+            <p:ph idx="1"/>
+          </p:nvPr>
+        </p:nvSpPr>
+        <p:spPr bwMode="auto">
+          <a:xfrm>
+            <a:off x="838199" y="1690688"/>
+            <a:ext cx="10883748" cy="5016758"/>
+          </a:xfrm>
+          <a:prstGeom prst="rect">
+            <a:avLst/>
+          </a:prstGeom>
+          <a:solidFill>
+            <a:srgbClr val="FFFFFF"/>
+          </a:solidFill>
+          <a:ln>
+            <a:noFill/>
+          </a:ln>
+          <a:effectLst/>
+          <a:extLst>
+            <a:ext uri="{91240B29-F687-4F45-9708-019B960494DF}">
+              <a14:hiddenLine xmlns:a14="http://schemas.microsoft.com/office/drawing/2010/main" w="9525">
+                <a:solidFill>
+                  <a:schemeClr val="tx1"/>
+                </a:solidFill>
+                <a:miter lim="800000"/>
+                <a:headEnd/>
+                <a:tailEnd/>
+              </a14:hiddenLine>
+            </a:ext>
+            <a:ext uri="{AF507438-7753-43E0-B8FC-AC1667EBCBE1}">
+              <a14:hiddenEffects xmlns:a14="http://schemas.microsoft.com/office/drawing/2010/main">
+                <a:effectLst>
+                  <a:outerShdw dist="35921" dir="2700000" algn="ctr" rotWithShape="0">
+                    <a:schemeClr val="bg2"/>
+                  </a:outerShdw>
+                </a:effectLst>
+              </a14:hiddenEffects>
+            </a:ext>
+          </a:extLst>
+        </p:spPr>
+        <p:txBody>
+          <a:bodyPr vert="horz" wrap="square" lIns="91440" tIns="45720" rIns="91440" bIns="45720" numCol="1" anchor="ctr" anchorCtr="0" compatLnSpc="1">
+            <a:prstTxWarp prst="textNoShape">
+              <a:avLst/>
+            </a:prstTxWarp>
+            <a:spAutoFit/>
+          </a:bodyPr>
+          <a:lstStyle/>
+          <a:p>
+            <a:pPr marL="0" lvl="0" indent="0" eaLnBrk="0" fontAlgn="base" hangingPunct="0">
+              <a:lnSpc>
+                <a:spcPct val="100000"/>
+              </a:lnSpc>
+              <a:spcBef>
+                <a:spcPct val="0"/>
+              </a:spcBef>
+              <a:spcAft>
+                <a:spcPct val="0"/>
+              </a:spcAft>
+              <a:buNone/>
+            </a:pPr>
+            <a:r>
+              <a:rPr lang="ru-RU" altLang="ru-RU" sz="1600" b="1" dirty="0">
+                <a:solidFill>
+                  <a:srgbClr val="000080"/>
+                </a:solidFill>
+                <a:latin typeface="Courier New" panose="02070309020205020404" pitchFamily="49" charset="0"/>
+                <a:cs typeface="Courier New" panose="02070309020205020404" pitchFamily="49" charset="0"/>
+              </a:rPr>
+              <a:t>class </a:t>
+            </a:r>
+            <a:r>
+              <a:rPr lang="ru-RU" altLang="ru-RU" sz="1600" dirty="0" err="1">
+                <a:solidFill>
+                  <a:srgbClr val="000000"/>
+                </a:solidFill>
+                <a:latin typeface="Courier New" panose="02070309020205020404" pitchFamily="49" charset="0"/>
+                <a:cs typeface="Courier New" panose="02070309020205020404" pitchFamily="49" charset="0"/>
+              </a:rPr>
+              <a:t>Animal</a:t>
+            </a:r>
+            <a:r>
+              <a:rPr lang="ru-RU" altLang="ru-RU" sz="1600" dirty="0">
+                <a:solidFill>
+                  <a:srgbClr val="000000"/>
+                </a:solidFill>
+                <a:latin typeface="Courier New" panose="02070309020205020404" pitchFamily="49" charset="0"/>
+                <a:cs typeface="Courier New" panose="02070309020205020404" pitchFamily="49" charset="0"/>
+              </a:rPr>
+              <a:t> </a:t>
+            </a:r>
+            <a:r>
+              <a:rPr lang="ru-RU" altLang="ru-RU" sz="1600" dirty="0" smtClean="0">
+                <a:solidFill>
+                  <a:srgbClr val="000000"/>
+                </a:solidFill>
+                <a:latin typeface="Courier New" panose="02070309020205020404" pitchFamily="49" charset="0"/>
+                <a:cs typeface="Courier New" panose="02070309020205020404" pitchFamily="49" charset="0"/>
+              </a:rPr>
+              <a:t>{</a:t>
+            </a:r>
+            <a:r>
+              <a:rPr lang="ru-RU" altLang="ru-RU" sz="1600" dirty="0">
+                <a:solidFill>
+                  <a:srgbClr val="000000"/>
+                </a:solidFill>
+                <a:latin typeface="Courier New" panose="02070309020205020404" pitchFamily="49" charset="0"/>
+                <a:cs typeface="Courier New" panose="02070309020205020404" pitchFamily="49" charset="0"/>
+              </a:rPr>
+              <a:t/>
+            </a:r>
+            <a:br>
+              <a:rPr lang="ru-RU" altLang="ru-RU" sz="1600" dirty="0">
+                <a:solidFill>
+                  <a:srgbClr val="000000"/>
+                </a:solidFill>
+                <a:latin typeface="Courier New" panose="02070309020205020404" pitchFamily="49" charset="0"/>
+                <a:cs typeface="Courier New" panose="02070309020205020404" pitchFamily="49" charset="0"/>
+              </a:rPr>
+            </a:br>
+            <a:r>
+              <a:rPr lang="ru-RU" altLang="ru-RU" sz="1600" dirty="0">
+                <a:solidFill>
+                  <a:srgbClr val="000000"/>
+                </a:solidFill>
+                <a:latin typeface="Courier New" panose="02070309020205020404" pitchFamily="49" charset="0"/>
+                <a:cs typeface="Courier New" panose="02070309020205020404" pitchFamily="49" charset="0"/>
+              </a:rPr>
+              <a:t>    String </a:t>
+            </a:r>
+            <a:r>
+              <a:rPr lang="ru-RU" altLang="ru-RU" sz="1600" b="1" dirty="0" err="1">
+                <a:solidFill>
+                  <a:srgbClr val="660E7A"/>
+                </a:solidFill>
+                <a:latin typeface="Courier New" panose="02070309020205020404" pitchFamily="49" charset="0"/>
+                <a:cs typeface="Courier New" panose="02070309020205020404" pitchFamily="49" charset="0"/>
+              </a:rPr>
+              <a:t>name</a:t>
+            </a:r>
+            <a:r>
+              <a:rPr lang="ru-RU" altLang="ru-RU" sz="1600" dirty="0">
+                <a:solidFill>
+                  <a:srgbClr val="000000"/>
+                </a:solidFill>
+                <a:latin typeface="Courier New" panose="02070309020205020404" pitchFamily="49" charset="0"/>
+                <a:cs typeface="Courier New" panose="02070309020205020404" pitchFamily="49" charset="0"/>
+              </a:rPr>
+              <a:t>;</a:t>
+            </a:r>
+            <a:br>
+              <a:rPr lang="ru-RU" altLang="ru-RU" sz="1600" dirty="0">
+                <a:solidFill>
+                  <a:srgbClr val="000000"/>
+                </a:solidFill>
+                <a:latin typeface="Courier New" panose="02070309020205020404" pitchFamily="49" charset="0"/>
+                <a:cs typeface="Courier New" panose="02070309020205020404" pitchFamily="49" charset="0"/>
+              </a:rPr>
+            </a:br>
+            <a:r>
+              <a:rPr lang="ru-RU" altLang="ru-RU" sz="1600" dirty="0">
+                <a:solidFill>
+                  <a:srgbClr val="000000"/>
+                </a:solidFill>
+                <a:latin typeface="Courier New" panose="02070309020205020404" pitchFamily="49" charset="0"/>
+                <a:cs typeface="Courier New" panose="02070309020205020404" pitchFamily="49" charset="0"/>
+              </a:rPr>
+              <a:t>    </a:t>
+            </a:r>
+            <a:r>
+              <a:rPr lang="ru-RU" altLang="ru-RU" sz="1600" dirty="0" err="1">
+                <a:solidFill>
+                  <a:srgbClr val="000000"/>
+                </a:solidFill>
+                <a:latin typeface="Courier New" panose="02070309020205020404" pitchFamily="49" charset="0"/>
+                <a:cs typeface="Courier New" panose="02070309020205020404" pitchFamily="49" charset="0"/>
+              </a:rPr>
+              <a:t>Integer</a:t>
+            </a:r>
+            <a:r>
+              <a:rPr lang="ru-RU" altLang="ru-RU" sz="1600" dirty="0">
+                <a:solidFill>
+                  <a:srgbClr val="000000"/>
+                </a:solidFill>
+                <a:latin typeface="Courier New" panose="02070309020205020404" pitchFamily="49" charset="0"/>
+                <a:cs typeface="Courier New" panose="02070309020205020404" pitchFamily="49" charset="0"/>
+              </a:rPr>
+              <a:t> </a:t>
+            </a:r>
+            <a:r>
+              <a:rPr lang="ru-RU" altLang="ru-RU" sz="1600" b="1" dirty="0" err="1">
+                <a:solidFill>
+                  <a:srgbClr val="660E7A"/>
+                </a:solidFill>
+                <a:latin typeface="Courier New" panose="02070309020205020404" pitchFamily="49" charset="0"/>
+                <a:cs typeface="Courier New" panose="02070309020205020404" pitchFamily="49" charset="0"/>
+              </a:rPr>
+              <a:t>strength</a:t>
+            </a:r>
+            <a:r>
+              <a:rPr lang="ru-RU" altLang="ru-RU" sz="1600" dirty="0">
+                <a:solidFill>
+                  <a:srgbClr val="000000"/>
+                </a:solidFill>
+                <a:latin typeface="Courier New" panose="02070309020205020404" pitchFamily="49" charset="0"/>
+                <a:cs typeface="Courier New" panose="02070309020205020404" pitchFamily="49" charset="0"/>
+              </a:rPr>
+              <a:t>;</a:t>
+            </a:r>
+            <a:br>
+              <a:rPr lang="ru-RU" altLang="ru-RU" sz="1600" dirty="0">
+                <a:solidFill>
+                  <a:srgbClr val="000000"/>
+                </a:solidFill>
+                <a:latin typeface="Courier New" panose="02070309020205020404" pitchFamily="49" charset="0"/>
+                <a:cs typeface="Courier New" panose="02070309020205020404" pitchFamily="49" charset="0"/>
+              </a:rPr>
+            </a:br>
+            <a:r>
+              <a:rPr lang="en-US" altLang="ru-RU" sz="1600" dirty="0" smtClean="0">
+                <a:solidFill>
+                  <a:schemeClr val="accent3"/>
+                </a:solidFill>
+                <a:latin typeface="Courier New" panose="02070309020205020404" pitchFamily="49" charset="0"/>
+                <a:cs typeface="Courier New" panose="02070309020205020404" pitchFamily="49" charset="0"/>
+              </a:rPr>
+              <a:t>   </a:t>
+            </a:r>
+            <a:r>
+              <a:rPr lang="ru-RU" altLang="ru-RU" sz="1600" dirty="0" smtClean="0">
+                <a:solidFill>
+                  <a:schemeClr val="accent3"/>
+                </a:solidFill>
+                <a:latin typeface="Courier New" panose="02070309020205020404" pitchFamily="49" charset="0"/>
+                <a:cs typeface="Courier New" panose="02070309020205020404" pitchFamily="49" charset="0"/>
+              </a:rPr>
+              <a:t> </a:t>
+            </a:r>
+            <a:r>
+              <a:rPr lang="en-US" altLang="ru-RU" sz="1600" dirty="0" smtClean="0">
+                <a:solidFill>
+                  <a:schemeClr val="accent3"/>
+                </a:solidFill>
+                <a:latin typeface="Courier New" panose="02070309020205020404" pitchFamily="49" charset="0"/>
+                <a:cs typeface="Courier New" panose="02070309020205020404" pitchFamily="49" charset="0"/>
+              </a:rPr>
+              <a:t>// constructor</a:t>
+            </a:r>
+            <a:r>
+              <a:rPr lang="ru-RU" altLang="ru-RU" sz="1600" dirty="0">
+                <a:solidFill>
+                  <a:srgbClr val="000000"/>
+                </a:solidFill>
+                <a:latin typeface="Courier New" panose="02070309020205020404" pitchFamily="49" charset="0"/>
+                <a:cs typeface="Courier New" panose="02070309020205020404" pitchFamily="49" charset="0"/>
+              </a:rPr>
+              <a:t/>
+            </a:r>
+            <a:br>
+              <a:rPr lang="ru-RU" altLang="ru-RU" sz="1600" dirty="0">
+                <a:solidFill>
+                  <a:srgbClr val="000000"/>
+                </a:solidFill>
+                <a:latin typeface="Courier New" panose="02070309020205020404" pitchFamily="49" charset="0"/>
+                <a:cs typeface="Courier New" panose="02070309020205020404" pitchFamily="49" charset="0"/>
+              </a:rPr>
+            </a:br>
+            <a:r>
+              <a:rPr lang="ru-RU" altLang="ru-RU" sz="1600" dirty="0" smtClean="0">
+                <a:solidFill>
+                  <a:srgbClr val="000000"/>
+                </a:solidFill>
+                <a:latin typeface="Courier New" panose="02070309020205020404" pitchFamily="49" charset="0"/>
+                <a:cs typeface="Courier New" panose="02070309020205020404" pitchFamily="49" charset="0"/>
+              </a:rPr>
+              <a:t>}</a:t>
+            </a:r>
+            <a:endParaRPr lang="en-US" altLang="ru-RU" sz="1600" dirty="0" smtClean="0">
+              <a:solidFill>
+                <a:srgbClr val="000000"/>
+              </a:solidFill>
+              <a:latin typeface="Courier New" panose="02070309020205020404" pitchFamily="49" charset="0"/>
+              <a:cs typeface="Courier New" panose="02070309020205020404" pitchFamily="49" charset="0"/>
+            </a:endParaRPr>
+          </a:p>
+          <a:p>
+            <a:pPr marL="0" lvl="0" indent="0" eaLnBrk="0" fontAlgn="base" hangingPunct="0">
+              <a:lnSpc>
+                <a:spcPct val="100000"/>
+              </a:lnSpc>
+              <a:spcBef>
+                <a:spcPct val="0"/>
+              </a:spcBef>
+              <a:spcAft>
+                <a:spcPct val="0"/>
+              </a:spcAft>
+              <a:buNone/>
+            </a:pPr>
+            <a:endParaRPr lang="en-US" altLang="ru-RU" sz="1600" dirty="0" smtClean="0">
+              <a:solidFill>
+                <a:srgbClr val="000000"/>
+              </a:solidFill>
+              <a:latin typeface="Courier New" panose="02070309020205020404" pitchFamily="49" charset="0"/>
+              <a:cs typeface="Courier New" panose="02070309020205020404" pitchFamily="49" charset="0"/>
+            </a:endParaRPr>
+          </a:p>
+          <a:p>
+            <a:pPr marL="0" indent="0" eaLnBrk="0" fontAlgn="base" hangingPunct="0">
+              <a:lnSpc>
+                <a:spcPct val="100000"/>
+              </a:lnSpc>
+              <a:spcBef>
+                <a:spcPct val="0"/>
+              </a:spcBef>
+              <a:spcAft>
+                <a:spcPct val="0"/>
+              </a:spcAft>
+              <a:buNone/>
+            </a:pPr>
+            <a:r>
+              <a:rPr lang="ru-RU" altLang="ru-RU" sz="1600" dirty="0" err="1" smtClean="0">
+                <a:solidFill>
+                  <a:srgbClr val="000000"/>
+                </a:solidFill>
+                <a:latin typeface="Courier New" panose="02070309020205020404" pitchFamily="49" charset="0"/>
+                <a:cs typeface="Courier New" panose="02070309020205020404" pitchFamily="49" charset="0"/>
+              </a:rPr>
+              <a:t>Comparator</a:t>
+            </a:r>
+            <a:r>
+              <a:rPr lang="ru-RU" altLang="ru-RU" sz="1600" dirty="0" smtClean="0">
+                <a:solidFill>
+                  <a:srgbClr val="000000"/>
+                </a:solidFill>
+                <a:latin typeface="Courier New" panose="02070309020205020404" pitchFamily="49" charset="0"/>
+                <a:cs typeface="Courier New" panose="02070309020205020404" pitchFamily="49" charset="0"/>
+              </a:rPr>
+              <a:t>&lt;</a:t>
+            </a:r>
+            <a:r>
+              <a:rPr lang="ru-RU" altLang="ru-RU" sz="1600" dirty="0" err="1" smtClean="0">
+                <a:solidFill>
+                  <a:srgbClr val="000000"/>
+                </a:solidFill>
+                <a:latin typeface="Courier New" panose="02070309020205020404" pitchFamily="49" charset="0"/>
+                <a:cs typeface="Courier New" panose="02070309020205020404" pitchFamily="49" charset="0"/>
+              </a:rPr>
+              <a:t>Animal</a:t>
+            </a:r>
+            <a:r>
+              <a:rPr lang="ru-RU" altLang="ru-RU" sz="1600" dirty="0" smtClean="0">
+                <a:solidFill>
+                  <a:srgbClr val="000000"/>
+                </a:solidFill>
+                <a:latin typeface="Courier New" panose="02070309020205020404" pitchFamily="49" charset="0"/>
+                <a:cs typeface="Courier New" panose="02070309020205020404" pitchFamily="49" charset="0"/>
+              </a:rPr>
+              <a:t>&gt; </a:t>
+            </a:r>
+            <a:r>
+              <a:rPr lang="ru-RU" altLang="ru-RU" sz="1600" dirty="0" err="1" smtClean="0">
+                <a:solidFill>
+                  <a:srgbClr val="000000"/>
+                </a:solidFill>
+                <a:latin typeface="Courier New" panose="02070309020205020404" pitchFamily="49" charset="0"/>
+                <a:cs typeface="Courier New" panose="02070309020205020404" pitchFamily="49" charset="0"/>
+              </a:rPr>
+              <a:t>animalComparatorByStrength</a:t>
+            </a:r>
+            <a:r>
+              <a:rPr lang="ru-RU" altLang="ru-RU" sz="1600" dirty="0" smtClean="0">
+                <a:solidFill>
+                  <a:srgbClr val="000000"/>
+                </a:solidFill>
+                <a:latin typeface="Courier New" panose="02070309020205020404" pitchFamily="49" charset="0"/>
+                <a:cs typeface="Courier New" panose="02070309020205020404" pitchFamily="49" charset="0"/>
+              </a:rPr>
+              <a:t> = </a:t>
+            </a:r>
+            <a:r>
+              <a:rPr lang="ru-RU" altLang="ru-RU" sz="1600" b="1" dirty="0" err="1" smtClean="0">
+                <a:solidFill>
+                  <a:srgbClr val="000080"/>
+                </a:solidFill>
+                <a:latin typeface="Courier New" panose="02070309020205020404" pitchFamily="49" charset="0"/>
+                <a:cs typeface="Courier New" panose="02070309020205020404" pitchFamily="49" charset="0"/>
+              </a:rPr>
+              <a:t>new</a:t>
+            </a:r>
+            <a:r>
+              <a:rPr lang="ru-RU" altLang="ru-RU" sz="1600" b="1" dirty="0" smtClean="0">
+                <a:solidFill>
+                  <a:srgbClr val="000080"/>
+                </a:solidFill>
+                <a:latin typeface="Courier New" panose="02070309020205020404" pitchFamily="49" charset="0"/>
+                <a:cs typeface="Courier New" panose="02070309020205020404" pitchFamily="49" charset="0"/>
+              </a:rPr>
+              <a:t> </a:t>
+            </a:r>
+            <a:r>
+              <a:rPr lang="ru-RU" altLang="ru-RU" sz="1600" dirty="0" err="1" smtClean="0">
+                <a:solidFill>
+                  <a:srgbClr val="000000"/>
+                </a:solidFill>
+                <a:latin typeface="Courier New" panose="02070309020205020404" pitchFamily="49" charset="0"/>
+                <a:cs typeface="Courier New" panose="02070309020205020404" pitchFamily="49" charset="0"/>
+              </a:rPr>
+              <a:t>Comparator</a:t>
+            </a:r>
+            <a:r>
+              <a:rPr lang="ru-RU" altLang="ru-RU" sz="1600" dirty="0" smtClean="0">
+                <a:solidFill>
+                  <a:srgbClr val="000000"/>
+                </a:solidFill>
+                <a:latin typeface="Courier New" panose="02070309020205020404" pitchFamily="49" charset="0"/>
+                <a:cs typeface="Courier New" panose="02070309020205020404" pitchFamily="49" charset="0"/>
+              </a:rPr>
+              <a:t>&lt;&gt;() {</a:t>
+            </a:r>
+            <a:br>
+              <a:rPr lang="ru-RU" altLang="ru-RU" sz="1600" dirty="0" smtClean="0">
+                <a:solidFill>
+                  <a:srgbClr val="000000"/>
+                </a:solidFill>
+                <a:latin typeface="Courier New" panose="02070309020205020404" pitchFamily="49" charset="0"/>
+                <a:cs typeface="Courier New" panose="02070309020205020404" pitchFamily="49" charset="0"/>
+              </a:rPr>
+            </a:br>
+            <a:r>
+              <a:rPr lang="ru-RU" altLang="ru-RU" sz="1600" dirty="0" smtClean="0">
+                <a:solidFill>
+                  <a:srgbClr val="000000"/>
+                </a:solidFill>
+                <a:latin typeface="Courier New" panose="02070309020205020404" pitchFamily="49" charset="0"/>
+                <a:cs typeface="Courier New" panose="02070309020205020404" pitchFamily="49" charset="0"/>
+              </a:rPr>
+              <a:t>    </a:t>
+            </a:r>
+            <a:r>
+              <a:rPr lang="ru-RU" altLang="ru-RU" sz="1600" dirty="0" smtClean="0">
+                <a:solidFill>
+                  <a:srgbClr val="808000"/>
+                </a:solidFill>
+                <a:latin typeface="Courier New" panose="02070309020205020404" pitchFamily="49" charset="0"/>
+                <a:cs typeface="Courier New" panose="02070309020205020404" pitchFamily="49" charset="0"/>
+              </a:rPr>
+              <a:t>@</a:t>
+            </a:r>
+            <a:r>
+              <a:rPr lang="ru-RU" altLang="ru-RU" sz="1600" dirty="0" err="1" smtClean="0">
+                <a:solidFill>
+                  <a:srgbClr val="808000"/>
+                </a:solidFill>
+                <a:latin typeface="Courier New" panose="02070309020205020404" pitchFamily="49" charset="0"/>
+                <a:cs typeface="Courier New" panose="02070309020205020404" pitchFamily="49" charset="0"/>
+              </a:rPr>
+              <a:t>Override</a:t>
+            </a:r>
+            <a:r>
+              <a:rPr lang="ru-RU" altLang="ru-RU" sz="1600" dirty="0" smtClean="0">
+                <a:solidFill>
+                  <a:srgbClr val="808000"/>
+                </a:solidFill>
+                <a:latin typeface="Courier New" panose="02070309020205020404" pitchFamily="49" charset="0"/>
+                <a:cs typeface="Courier New" panose="02070309020205020404" pitchFamily="49" charset="0"/>
+              </a:rPr>
+              <a:t/>
+            </a:r>
+            <a:br>
+              <a:rPr lang="ru-RU" altLang="ru-RU" sz="1600" dirty="0" smtClean="0">
+                <a:solidFill>
+                  <a:srgbClr val="808000"/>
+                </a:solidFill>
+                <a:latin typeface="Courier New" panose="02070309020205020404" pitchFamily="49" charset="0"/>
+                <a:cs typeface="Courier New" panose="02070309020205020404" pitchFamily="49" charset="0"/>
+              </a:rPr>
+            </a:br>
+            <a:r>
+              <a:rPr lang="ru-RU" altLang="ru-RU" sz="1600" dirty="0" smtClean="0">
+                <a:solidFill>
+                  <a:srgbClr val="808000"/>
+                </a:solidFill>
+                <a:latin typeface="Courier New" panose="02070309020205020404" pitchFamily="49" charset="0"/>
+                <a:cs typeface="Courier New" panose="02070309020205020404" pitchFamily="49" charset="0"/>
+              </a:rPr>
+              <a:t>    </a:t>
+            </a:r>
+            <a:r>
+              <a:rPr lang="ru-RU" altLang="ru-RU" sz="1600" b="1" dirty="0" smtClean="0">
+                <a:solidFill>
+                  <a:srgbClr val="000080"/>
+                </a:solidFill>
+                <a:latin typeface="Courier New" panose="02070309020205020404" pitchFamily="49" charset="0"/>
+                <a:cs typeface="Courier New" panose="02070309020205020404" pitchFamily="49" charset="0"/>
+              </a:rPr>
+              <a:t>public </a:t>
+            </a:r>
+            <a:r>
+              <a:rPr lang="ru-RU" altLang="ru-RU" sz="1600" b="1" dirty="0" err="1" smtClean="0">
+                <a:solidFill>
+                  <a:srgbClr val="000080"/>
+                </a:solidFill>
+                <a:latin typeface="Courier New" panose="02070309020205020404" pitchFamily="49" charset="0"/>
+                <a:cs typeface="Courier New" panose="02070309020205020404" pitchFamily="49" charset="0"/>
+              </a:rPr>
+              <a:t>int</a:t>
+            </a:r>
+            <a:r>
+              <a:rPr lang="ru-RU" altLang="ru-RU" sz="1600" b="1" dirty="0" smtClean="0">
+                <a:solidFill>
+                  <a:srgbClr val="000080"/>
+                </a:solidFill>
+                <a:latin typeface="Courier New" panose="02070309020205020404" pitchFamily="49" charset="0"/>
+                <a:cs typeface="Courier New" panose="02070309020205020404" pitchFamily="49" charset="0"/>
+              </a:rPr>
+              <a:t> </a:t>
+            </a:r>
+            <a:r>
+              <a:rPr lang="ru-RU" altLang="ru-RU" sz="1600" dirty="0" err="1" smtClean="0">
+                <a:solidFill>
+                  <a:srgbClr val="000000"/>
+                </a:solidFill>
+                <a:latin typeface="Courier New" panose="02070309020205020404" pitchFamily="49" charset="0"/>
+                <a:cs typeface="Courier New" panose="02070309020205020404" pitchFamily="49" charset="0"/>
+              </a:rPr>
+              <a:t>compare</a:t>
+            </a:r>
+            <a:r>
+              <a:rPr lang="ru-RU" altLang="ru-RU" sz="1600" dirty="0" smtClean="0">
+                <a:solidFill>
+                  <a:srgbClr val="000000"/>
+                </a:solidFill>
+                <a:latin typeface="Courier New" panose="02070309020205020404" pitchFamily="49" charset="0"/>
+                <a:cs typeface="Courier New" panose="02070309020205020404" pitchFamily="49" charset="0"/>
+              </a:rPr>
+              <a:t>(</a:t>
+            </a:r>
+            <a:r>
+              <a:rPr lang="ru-RU" altLang="ru-RU" sz="1600" dirty="0" err="1" smtClean="0">
+                <a:solidFill>
+                  <a:srgbClr val="000000"/>
+                </a:solidFill>
+                <a:latin typeface="Courier New" panose="02070309020205020404" pitchFamily="49" charset="0"/>
+                <a:cs typeface="Courier New" panose="02070309020205020404" pitchFamily="49" charset="0"/>
+              </a:rPr>
+              <a:t>Animal</a:t>
+            </a:r>
+            <a:r>
+              <a:rPr lang="ru-RU" altLang="ru-RU" sz="1600" dirty="0" smtClean="0">
+                <a:solidFill>
+                  <a:srgbClr val="000000"/>
+                </a:solidFill>
+                <a:latin typeface="Courier New" panose="02070309020205020404" pitchFamily="49" charset="0"/>
+                <a:cs typeface="Courier New" panose="02070309020205020404" pitchFamily="49" charset="0"/>
+              </a:rPr>
+              <a:t> o1, </a:t>
+            </a:r>
+            <a:r>
+              <a:rPr lang="ru-RU" altLang="ru-RU" sz="1600" dirty="0" err="1" smtClean="0">
+                <a:solidFill>
+                  <a:srgbClr val="000000"/>
+                </a:solidFill>
+                <a:latin typeface="Courier New" panose="02070309020205020404" pitchFamily="49" charset="0"/>
+                <a:cs typeface="Courier New" panose="02070309020205020404" pitchFamily="49" charset="0"/>
+              </a:rPr>
+              <a:t>Animal</a:t>
+            </a:r>
+            <a:r>
+              <a:rPr lang="ru-RU" altLang="ru-RU" sz="1600" dirty="0" smtClean="0">
+                <a:solidFill>
+                  <a:srgbClr val="000000"/>
+                </a:solidFill>
+                <a:latin typeface="Courier New" panose="02070309020205020404" pitchFamily="49" charset="0"/>
+                <a:cs typeface="Courier New" panose="02070309020205020404" pitchFamily="49" charset="0"/>
+              </a:rPr>
+              <a:t> o2) {</a:t>
+            </a:r>
+            <a:br>
+              <a:rPr lang="ru-RU" altLang="ru-RU" sz="1600" dirty="0" smtClean="0">
+                <a:solidFill>
+                  <a:srgbClr val="000000"/>
+                </a:solidFill>
+                <a:latin typeface="Courier New" panose="02070309020205020404" pitchFamily="49" charset="0"/>
+                <a:cs typeface="Courier New" panose="02070309020205020404" pitchFamily="49" charset="0"/>
+              </a:rPr>
+            </a:br>
+            <a:r>
+              <a:rPr lang="ru-RU" altLang="ru-RU" sz="1600" dirty="0" smtClean="0">
+                <a:solidFill>
+                  <a:srgbClr val="000000"/>
+                </a:solidFill>
+                <a:latin typeface="Courier New" panose="02070309020205020404" pitchFamily="49" charset="0"/>
+                <a:cs typeface="Courier New" panose="02070309020205020404" pitchFamily="49" charset="0"/>
+              </a:rPr>
+              <a:t>        </a:t>
+            </a:r>
+            <a:r>
+              <a:rPr lang="ru-RU" altLang="ru-RU" sz="1600" b="1" dirty="0" err="1" smtClean="0">
+                <a:solidFill>
+                  <a:srgbClr val="000080"/>
+                </a:solidFill>
+                <a:latin typeface="Courier New" panose="02070309020205020404" pitchFamily="49" charset="0"/>
+                <a:cs typeface="Courier New" panose="02070309020205020404" pitchFamily="49" charset="0"/>
+              </a:rPr>
+              <a:t>return</a:t>
+            </a:r>
+            <a:r>
+              <a:rPr lang="ru-RU" altLang="ru-RU" sz="1600" b="1" dirty="0" smtClean="0">
+                <a:solidFill>
+                  <a:srgbClr val="000080"/>
+                </a:solidFill>
+                <a:latin typeface="Courier New" panose="02070309020205020404" pitchFamily="49" charset="0"/>
+                <a:cs typeface="Courier New" panose="02070309020205020404" pitchFamily="49" charset="0"/>
+              </a:rPr>
+              <a:t> </a:t>
+            </a:r>
+            <a:r>
+              <a:rPr lang="ru-RU" altLang="ru-RU" sz="1600" dirty="0" smtClean="0">
+                <a:solidFill>
+                  <a:srgbClr val="000000"/>
+                </a:solidFill>
+                <a:latin typeface="Courier New" panose="02070309020205020404" pitchFamily="49" charset="0"/>
+                <a:cs typeface="Courier New" panose="02070309020205020404" pitchFamily="49" charset="0"/>
+              </a:rPr>
+              <a:t>o1.</a:t>
+            </a:r>
+            <a:r>
+              <a:rPr lang="ru-RU" altLang="ru-RU" sz="1600" b="1" dirty="0" smtClean="0">
+                <a:solidFill>
+                  <a:srgbClr val="660E7A"/>
+                </a:solidFill>
+                <a:latin typeface="Courier New" panose="02070309020205020404" pitchFamily="49" charset="0"/>
+                <a:cs typeface="Courier New" panose="02070309020205020404" pitchFamily="49" charset="0"/>
+              </a:rPr>
+              <a:t>strength</a:t>
+            </a:r>
+            <a:r>
+              <a:rPr lang="ru-RU" altLang="ru-RU" sz="1600" dirty="0" smtClean="0">
+                <a:solidFill>
+                  <a:srgbClr val="000000"/>
+                </a:solidFill>
+                <a:latin typeface="Courier New" panose="02070309020205020404" pitchFamily="49" charset="0"/>
+                <a:cs typeface="Courier New" panose="02070309020205020404" pitchFamily="49" charset="0"/>
+              </a:rPr>
+              <a:t>.compareTo(o2.</a:t>
+            </a:r>
+            <a:r>
+              <a:rPr lang="ru-RU" altLang="ru-RU" sz="1600" b="1" dirty="0" smtClean="0">
+                <a:solidFill>
+                  <a:srgbClr val="660E7A"/>
+                </a:solidFill>
+                <a:latin typeface="Courier New" panose="02070309020205020404" pitchFamily="49" charset="0"/>
+                <a:cs typeface="Courier New" panose="02070309020205020404" pitchFamily="49" charset="0"/>
+              </a:rPr>
+              <a:t>strength</a:t>
+            </a:r>
+            <a:r>
+              <a:rPr lang="ru-RU" altLang="ru-RU" sz="1600" dirty="0" smtClean="0">
+                <a:solidFill>
+                  <a:srgbClr val="000000"/>
+                </a:solidFill>
+                <a:latin typeface="Courier New" panose="02070309020205020404" pitchFamily="49" charset="0"/>
+                <a:cs typeface="Courier New" panose="02070309020205020404" pitchFamily="49" charset="0"/>
+              </a:rPr>
+              <a:t>);</a:t>
+            </a:r>
+            <a:br>
+              <a:rPr lang="ru-RU" altLang="ru-RU" sz="1600" dirty="0" smtClean="0">
+                <a:solidFill>
+                  <a:srgbClr val="000000"/>
+                </a:solidFill>
+                <a:latin typeface="Courier New" panose="02070309020205020404" pitchFamily="49" charset="0"/>
+                <a:cs typeface="Courier New" panose="02070309020205020404" pitchFamily="49" charset="0"/>
+              </a:rPr>
+            </a:br>
+            <a:r>
+              <a:rPr lang="ru-RU" altLang="ru-RU" sz="1600" dirty="0" smtClean="0">
+                <a:solidFill>
+                  <a:srgbClr val="000000"/>
+                </a:solidFill>
+                <a:latin typeface="Courier New" panose="02070309020205020404" pitchFamily="49" charset="0"/>
+                <a:cs typeface="Courier New" panose="02070309020205020404" pitchFamily="49" charset="0"/>
+              </a:rPr>
+              <a:t>    }</a:t>
+            </a:r>
+            <a:br>
+              <a:rPr lang="ru-RU" altLang="ru-RU" sz="1600" dirty="0" smtClean="0">
+                <a:solidFill>
+                  <a:srgbClr val="000000"/>
+                </a:solidFill>
+                <a:latin typeface="Courier New" panose="02070309020205020404" pitchFamily="49" charset="0"/>
+                <a:cs typeface="Courier New" panose="02070309020205020404" pitchFamily="49" charset="0"/>
+              </a:rPr>
+            </a:br>
+            <a:r>
+              <a:rPr lang="ru-RU" altLang="ru-RU" sz="1600" dirty="0" smtClean="0">
+                <a:solidFill>
+                  <a:srgbClr val="000000"/>
+                </a:solidFill>
+                <a:latin typeface="Courier New" panose="02070309020205020404" pitchFamily="49" charset="0"/>
+                <a:cs typeface="Courier New" panose="02070309020205020404" pitchFamily="49" charset="0"/>
+              </a:rPr>
+              <a:t>}</a:t>
+            </a:r>
+            <a:endParaRPr lang="ru-RU" altLang="ru-RU" sz="3600" dirty="0" smtClean="0">
+              <a:latin typeface="Courier New" panose="02070309020205020404" pitchFamily="49" charset="0"/>
+              <a:cs typeface="Courier New" panose="02070309020205020404" pitchFamily="49" charset="0"/>
+            </a:endParaRPr>
+          </a:p>
+          <a:p>
+            <a:pPr marL="0" lvl="0" indent="0" eaLnBrk="0" fontAlgn="base" hangingPunct="0">
+              <a:lnSpc>
+                <a:spcPct val="100000"/>
+              </a:lnSpc>
+              <a:spcBef>
+                <a:spcPct val="0"/>
+              </a:spcBef>
+              <a:spcAft>
+                <a:spcPct val="0"/>
+              </a:spcAft>
+              <a:buNone/>
+            </a:pPr>
+            <a:r>
+              <a:rPr kumimoji="0" lang="ru-RU" altLang="ru-RU" sz="1600" b="0" i="0" u="none" strike="noStrike" cap="none" normalizeH="0" baseline="0" dirty="0" err="1" smtClean="0">
+                <a:ln>
+                  <a:noFill/>
+                </a:ln>
+                <a:solidFill>
+                  <a:srgbClr val="000000"/>
+                </a:solidFill>
+                <a:effectLst/>
+                <a:latin typeface="Courier New" panose="02070309020205020404" pitchFamily="49" charset="0"/>
+                <a:cs typeface="Courier New" panose="02070309020205020404" pitchFamily="49" charset="0"/>
+              </a:rPr>
+              <a:t>List</a:t>
+            </a:r>
+            <a:r>
+              <a:rPr kumimoji="0" lang="ru-RU" altLang="ru-RU" sz="1600" b="0" i="0" u="none" strike="noStrike" cap="none" normalizeH="0" baseline="0" dirty="0" smtClean="0">
+                <a:ln>
+                  <a:noFill/>
+                </a:ln>
+                <a:solidFill>
+                  <a:srgbClr val="000000"/>
+                </a:solidFill>
+                <a:effectLst/>
+                <a:latin typeface="Courier New" panose="02070309020205020404" pitchFamily="49" charset="0"/>
+                <a:cs typeface="Courier New" panose="02070309020205020404" pitchFamily="49" charset="0"/>
+              </a:rPr>
+              <a:t>&lt;</a:t>
+            </a:r>
+            <a:r>
+              <a:rPr kumimoji="0" lang="ru-RU" altLang="ru-RU" sz="1600" b="0" i="0" u="none" strike="noStrike" cap="none" normalizeH="0" baseline="0" dirty="0" err="1" smtClean="0">
+                <a:ln>
+                  <a:noFill/>
+                </a:ln>
+                <a:solidFill>
+                  <a:srgbClr val="000000"/>
+                </a:solidFill>
+                <a:effectLst/>
+                <a:latin typeface="Courier New" panose="02070309020205020404" pitchFamily="49" charset="0"/>
+                <a:cs typeface="Courier New" panose="02070309020205020404" pitchFamily="49" charset="0"/>
+              </a:rPr>
+              <a:t>Animal</a:t>
+            </a:r>
+            <a:r>
+              <a:rPr kumimoji="0" lang="ru-RU" altLang="ru-RU" sz="1600" b="0" i="0" u="none" strike="noStrike" cap="none" normalizeH="0" baseline="0" dirty="0" smtClean="0">
+                <a:ln>
+                  <a:noFill/>
+                </a:ln>
+                <a:solidFill>
+                  <a:srgbClr val="000000"/>
+                </a:solidFill>
+                <a:effectLst/>
+                <a:latin typeface="Courier New" panose="02070309020205020404" pitchFamily="49" charset="0"/>
+                <a:cs typeface="Courier New" panose="02070309020205020404" pitchFamily="49" charset="0"/>
+              </a:rPr>
+              <a:t>&gt; </a:t>
+            </a:r>
+            <a:r>
+              <a:rPr kumimoji="0" lang="ru-RU" altLang="ru-RU" sz="1600" b="0" i="0" u="none" strike="noStrike" cap="none" normalizeH="0" baseline="0" dirty="0" err="1" smtClean="0">
+                <a:ln>
+                  <a:noFill/>
+                </a:ln>
+                <a:solidFill>
+                  <a:srgbClr val="000000"/>
+                </a:solidFill>
+                <a:effectLst/>
+                <a:latin typeface="Courier New" panose="02070309020205020404" pitchFamily="49" charset="0"/>
+                <a:cs typeface="Courier New" panose="02070309020205020404" pitchFamily="49" charset="0"/>
+              </a:rPr>
+              <a:t>animals</a:t>
+            </a:r>
+            <a:r>
+              <a:rPr kumimoji="0" lang="ru-RU" altLang="ru-RU" sz="1600" b="0" i="0" u="none" strike="noStrike" cap="none" normalizeH="0" baseline="0" dirty="0" smtClean="0">
+                <a:ln>
+                  <a:noFill/>
+                </a:ln>
+                <a:solidFill>
+                  <a:srgbClr val="000000"/>
+                </a:solidFill>
+                <a:effectLst/>
+                <a:latin typeface="Courier New" panose="02070309020205020404" pitchFamily="49" charset="0"/>
+                <a:cs typeface="Courier New" panose="02070309020205020404" pitchFamily="49" charset="0"/>
+              </a:rPr>
+              <a:t> = </a:t>
+            </a:r>
+            <a:r>
+              <a:rPr kumimoji="0" lang="ru-RU" altLang="ru-RU" sz="1600" b="1" i="0" u="none" strike="noStrike" cap="none" normalizeH="0" baseline="0" dirty="0" err="1" smtClean="0">
+                <a:ln>
+                  <a:noFill/>
+                </a:ln>
+                <a:solidFill>
+                  <a:srgbClr val="000080"/>
+                </a:solidFill>
+                <a:effectLst/>
+                <a:latin typeface="Courier New" panose="02070309020205020404" pitchFamily="49" charset="0"/>
+                <a:cs typeface="Courier New" panose="02070309020205020404" pitchFamily="49" charset="0"/>
+              </a:rPr>
+              <a:t>new</a:t>
+            </a:r>
+            <a:r>
+              <a:rPr kumimoji="0" lang="ru-RU" altLang="ru-RU" sz="1600" b="1" i="0" u="none" strike="noStrike" cap="none" normalizeH="0" baseline="0" dirty="0" smtClean="0">
+                <a:ln>
+                  <a:noFill/>
+                </a:ln>
+                <a:solidFill>
+                  <a:srgbClr val="000080"/>
+                </a:solidFill>
+                <a:effectLst/>
+                <a:latin typeface="Courier New" panose="02070309020205020404" pitchFamily="49" charset="0"/>
+                <a:cs typeface="Courier New" panose="02070309020205020404" pitchFamily="49" charset="0"/>
+              </a:rPr>
+              <a:t> </a:t>
+            </a:r>
+            <a:r>
+              <a:rPr kumimoji="0" lang="ru-RU" altLang="ru-RU" sz="1600" b="0" i="0" u="none" strike="noStrike" cap="none" normalizeH="0" baseline="0" dirty="0" err="1" smtClean="0">
+                <a:ln>
+                  <a:noFill/>
+                </a:ln>
+                <a:solidFill>
+                  <a:srgbClr val="000000"/>
+                </a:solidFill>
+                <a:effectLst/>
+                <a:latin typeface="Courier New" panose="02070309020205020404" pitchFamily="49" charset="0"/>
+                <a:cs typeface="Courier New" panose="02070309020205020404" pitchFamily="49" charset="0"/>
+              </a:rPr>
+              <a:t>ArrayList</a:t>
+            </a:r>
+            <a:r>
+              <a:rPr kumimoji="0" lang="ru-RU" altLang="ru-RU" sz="1600" b="0" i="0" u="none" strike="noStrike" cap="none" normalizeH="0" baseline="0" dirty="0" smtClean="0">
+                <a:ln>
+                  <a:noFill/>
+                </a:ln>
+                <a:solidFill>
+                  <a:srgbClr val="000000"/>
+                </a:solidFill>
+                <a:effectLst/>
+                <a:latin typeface="Courier New" panose="02070309020205020404" pitchFamily="49" charset="0"/>
+                <a:cs typeface="Courier New" panose="02070309020205020404" pitchFamily="49" charset="0"/>
+              </a:rPr>
+              <a:t>&lt;&gt;();</a:t>
+            </a:r>
+            <a:br>
+              <a:rPr kumimoji="0" lang="ru-RU" altLang="ru-RU" sz="1600" b="0" i="0" u="none" strike="noStrike" cap="none" normalizeH="0" baseline="0" dirty="0" smtClean="0">
+                <a:ln>
+                  <a:noFill/>
+                </a:ln>
+                <a:solidFill>
+                  <a:srgbClr val="000000"/>
+                </a:solidFill>
+                <a:effectLst/>
+                <a:latin typeface="Courier New" panose="02070309020205020404" pitchFamily="49" charset="0"/>
+                <a:cs typeface="Courier New" panose="02070309020205020404" pitchFamily="49" charset="0"/>
+              </a:rPr>
+            </a:br>
+            <a:r>
+              <a:rPr kumimoji="0" lang="ru-RU" altLang="ru-RU" sz="1600" b="0" i="0" u="none" strike="noStrike" cap="none" normalizeH="0" baseline="0" dirty="0" err="1" smtClean="0">
+                <a:ln>
+                  <a:noFill/>
+                </a:ln>
+                <a:solidFill>
+                  <a:srgbClr val="000000"/>
+                </a:solidFill>
+                <a:effectLst/>
+                <a:latin typeface="Courier New" panose="02070309020205020404" pitchFamily="49" charset="0"/>
+                <a:cs typeface="Courier New" panose="02070309020205020404" pitchFamily="49" charset="0"/>
+              </a:rPr>
+              <a:t>animals.add</a:t>
+            </a:r>
+            <a:r>
+              <a:rPr kumimoji="0" lang="ru-RU" altLang="ru-RU" sz="1600" b="0" i="0" u="none" strike="noStrike" cap="none" normalizeH="0" baseline="0" dirty="0" smtClean="0">
+                <a:ln>
+                  <a:noFill/>
+                </a:ln>
+                <a:solidFill>
+                  <a:srgbClr val="000000"/>
+                </a:solidFill>
+                <a:effectLst/>
+                <a:latin typeface="Courier New" panose="02070309020205020404" pitchFamily="49" charset="0"/>
+                <a:cs typeface="Courier New" panose="02070309020205020404" pitchFamily="49" charset="0"/>
+              </a:rPr>
+              <a:t>(</a:t>
+            </a:r>
+            <a:r>
+              <a:rPr kumimoji="0" lang="ru-RU" altLang="ru-RU" sz="1600" b="1" i="0" u="none" strike="noStrike" cap="none" normalizeH="0" baseline="0" dirty="0" err="1" smtClean="0">
+                <a:ln>
+                  <a:noFill/>
+                </a:ln>
+                <a:solidFill>
+                  <a:srgbClr val="000080"/>
+                </a:solidFill>
+                <a:effectLst/>
+                <a:latin typeface="Courier New" panose="02070309020205020404" pitchFamily="49" charset="0"/>
+                <a:cs typeface="Courier New" panose="02070309020205020404" pitchFamily="49" charset="0"/>
+              </a:rPr>
+              <a:t>new</a:t>
+            </a:r>
+            <a:r>
+              <a:rPr kumimoji="0" lang="ru-RU" altLang="ru-RU" sz="1600" b="1" i="0" u="none" strike="noStrike" cap="none" normalizeH="0" baseline="0" dirty="0" smtClean="0">
+                <a:ln>
+                  <a:noFill/>
+                </a:ln>
+                <a:solidFill>
+                  <a:srgbClr val="000080"/>
+                </a:solidFill>
+                <a:effectLst/>
+                <a:latin typeface="Courier New" panose="02070309020205020404" pitchFamily="49" charset="0"/>
+                <a:cs typeface="Courier New" panose="02070309020205020404" pitchFamily="49" charset="0"/>
+              </a:rPr>
+              <a:t> </a:t>
+            </a:r>
+            <a:r>
+              <a:rPr kumimoji="0" lang="ru-RU" altLang="ru-RU" sz="1600" b="0" i="0" u="none" strike="noStrike" cap="none" normalizeH="0" baseline="0" dirty="0" err="1" smtClean="0">
+                <a:ln>
+                  <a:noFill/>
+                </a:ln>
+                <a:solidFill>
+                  <a:srgbClr val="000000"/>
+                </a:solidFill>
+                <a:effectLst/>
+                <a:latin typeface="Courier New" panose="02070309020205020404" pitchFamily="49" charset="0"/>
+                <a:cs typeface="Courier New" panose="02070309020205020404" pitchFamily="49" charset="0"/>
+              </a:rPr>
+              <a:t>Animal</a:t>
+            </a:r>
+            <a:r>
+              <a:rPr kumimoji="0" lang="ru-RU" altLang="ru-RU" sz="1600" b="0" i="0" u="none" strike="noStrike" cap="none" normalizeH="0" baseline="0" dirty="0" smtClean="0">
+                <a:ln>
+                  <a:noFill/>
+                </a:ln>
+                <a:solidFill>
+                  <a:srgbClr val="000000"/>
+                </a:solidFill>
+                <a:effectLst/>
+                <a:latin typeface="Courier New" panose="02070309020205020404" pitchFamily="49" charset="0"/>
+                <a:cs typeface="Courier New" panose="02070309020205020404" pitchFamily="49" charset="0"/>
+              </a:rPr>
+              <a:t>(</a:t>
+            </a:r>
+            <a:r>
+              <a:rPr kumimoji="0" lang="ru-RU" altLang="ru-RU" sz="1600" b="1" i="0" u="none" strike="noStrike" cap="none" normalizeH="0" baseline="0" dirty="0" smtClean="0">
+                <a:ln>
+                  <a:noFill/>
+                </a:ln>
+                <a:solidFill>
+                  <a:srgbClr val="008000"/>
+                </a:solidFill>
+                <a:effectLst/>
+                <a:latin typeface="Courier New" panose="02070309020205020404" pitchFamily="49" charset="0"/>
+                <a:cs typeface="Courier New" panose="02070309020205020404" pitchFamily="49" charset="0"/>
+              </a:rPr>
+              <a:t>"</a:t>
+            </a:r>
+            <a:r>
+              <a:rPr kumimoji="0" lang="ru-RU" altLang="ru-RU" sz="1600" b="1" i="0" u="none" strike="noStrike" cap="none" normalizeH="0" baseline="0" dirty="0" err="1" smtClean="0">
+                <a:ln>
+                  <a:noFill/>
+                </a:ln>
+                <a:solidFill>
+                  <a:srgbClr val="008000"/>
+                </a:solidFill>
+                <a:effectLst/>
+                <a:latin typeface="Courier New" panose="02070309020205020404" pitchFamily="49" charset="0"/>
+                <a:cs typeface="Courier New" panose="02070309020205020404" pitchFamily="49" charset="0"/>
+              </a:rPr>
+              <a:t>cat</a:t>
+            </a:r>
+            <a:r>
+              <a:rPr kumimoji="0" lang="ru-RU" altLang="ru-RU" sz="1600" b="1" i="0" u="none" strike="noStrike" cap="none" normalizeH="0" baseline="0" dirty="0" smtClean="0">
+                <a:ln>
+                  <a:noFill/>
+                </a:ln>
+                <a:solidFill>
+                  <a:srgbClr val="008000"/>
+                </a:solidFill>
+                <a:effectLst/>
+                <a:latin typeface="Courier New" panose="02070309020205020404" pitchFamily="49" charset="0"/>
+                <a:cs typeface="Courier New" panose="02070309020205020404" pitchFamily="49" charset="0"/>
+              </a:rPr>
+              <a:t>"</a:t>
+            </a:r>
+            <a:r>
+              <a:rPr kumimoji="0" lang="ru-RU" altLang="ru-RU" sz="1600" b="0" i="0" u="none" strike="noStrike" cap="none" normalizeH="0" baseline="0" dirty="0" smtClean="0">
+                <a:ln>
+                  <a:noFill/>
+                </a:ln>
+                <a:solidFill>
+                  <a:srgbClr val="000000"/>
+                </a:solidFill>
+                <a:effectLst/>
+                <a:latin typeface="Courier New" panose="02070309020205020404" pitchFamily="49" charset="0"/>
+                <a:cs typeface="Courier New" panose="02070309020205020404" pitchFamily="49" charset="0"/>
+              </a:rPr>
+              <a:t>, </a:t>
+            </a:r>
+            <a:r>
+              <a:rPr kumimoji="0" lang="ru-RU" altLang="ru-RU" sz="1600" b="0" i="0" u="none" strike="noStrike" cap="none" normalizeH="0" baseline="0" dirty="0" smtClean="0">
+                <a:ln>
+                  <a:noFill/>
+                </a:ln>
+                <a:solidFill>
+                  <a:srgbClr val="0000FF"/>
+                </a:solidFill>
+                <a:effectLst/>
+                <a:latin typeface="Courier New" panose="02070309020205020404" pitchFamily="49" charset="0"/>
+                <a:cs typeface="Courier New" panose="02070309020205020404" pitchFamily="49" charset="0"/>
+              </a:rPr>
+              <a:t>3</a:t>
+            </a:r>
+            <a:r>
+              <a:rPr kumimoji="0" lang="ru-RU" altLang="ru-RU" sz="1600" b="0" i="0" u="none" strike="noStrike" cap="none" normalizeH="0" baseline="0" dirty="0" smtClean="0">
+                <a:ln>
+                  <a:noFill/>
+                </a:ln>
+                <a:solidFill>
+                  <a:srgbClr val="000000"/>
+                </a:solidFill>
+                <a:effectLst/>
+                <a:latin typeface="Courier New" panose="02070309020205020404" pitchFamily="49" charset="0"/>
+                <a:cs typeface="Courier New" panose="02070309020205020404" pitchFamily="49" charset="0"/>
+              </a:rPr>
+              <a:t>));</a:t>
+            </a:r>
+            <a:br>
+              <a:rPr kumimoji="0" lang="ru-RU" altLang="ru-RU" sz="1600" b="0" i="0" u="none" strike="noStrike" cap="none" normalizeH="0" baseline="0" dirty="0" smtClean="0">
+                <a:ln>
+                  <a:noFill/>
+                </a:ln>
+                <a:solidFill>
+                  <a:srgbClr val="000000"/>
+                </a:solidFill>
+                <a:effectLst/>
+                <a:latin typeface="Courier New" panose="02070309020205020404" pitchFamily="49" charset="0"/>
+                <a:cs typeface="Courier New" panose="02070309020205020404" pitchFamily="49" charset="0"/>
+              </a:rPr>
+            </a:br>
+            <a:r>
+              <a:rPr kumimoji="0" lang="ru-RU" altLang="ru-RU" sz="1600" b="0" i="0" u="none" strike="noStrike" cap="none" normalizeH="0" baseline="0" dirty="0" err="1" smtClean="0">
+                <a:ln>
+                  <a:noFill/>
+                </a:ln>
+                <a:solidFill>
+                  <a:srgbClr val="000000"/>
+                </a:solidFill>
+                <a:effectLst/>
+                <a:latin typeface="Courier New" panose="02070309020205020404" pitchFamily="49" charset="0"/>
+                <a:cs typeface="Courier New" panose="02070309020205020404" pitchFamily="49" charset="0"/>
+              </a:rPr>
+              <a:t>animals.add</a:t>
+            </a:r>
+            <a:r>
+              <a:rPr kumimoji="0" lang="ru-RU" altLang="ru-RU" sz="1600" b="0" i="0" u="none" strike="noStrike" cap="none" normalizeH="0" baseline="0" dirty="0" smtClean="0">
+                <a:ln>
+                  <a:noFill/>
+                </a:ln>
+                <a:solidFill>
+                  <a:srgbClr val="000000"/>
+                </a:solidFill>
+                <a:effectLst/>
+                <a:latin typeface="Courier New" panose="02070309020205020404" pitchFamily="49" charset="0"/>
+                <a:cs typeface="Courier New" panose="02070309020205020404" pitchFamily="49" charset="0"/>
+              </a:rPr>
+              <a:t>(</a:t>
+            </a:r>
+            <a:r>
+              <a:rPr kumimoji="0" lang="ru-RU" altLang="ru-RU" sz="1600" b="1" i="0" u="none" strike="noStrike" cap="none" normalizeH="0" baseline="0" dirty="0" err="1" smtClean="0">
+                <a:ln>
+                  <a:noFill/>
+                </a:ln>
+                <a:solidFill>
+                  <a:srgbClr val="000080"/>
+                </a:solidFill>
+                <a:effectLst/>
+                <a:latin typeface="Courier New" panose="02070309020205020404" pitchFamily="49" charset="0"/>
+                <a:cs typeface="Courier New" panose="02070309020205020404" pitchFamily="49" charset="0"/>
+              </a:rPr>
+              <a:t>new</a:t>
+            </a:r>
+            <a:r>
+              <a:rPr kumimoji="0" lang="ru-RU" altLang="ru-RU" sz="1600" b="1" i="0" u="none" strike="noStrike" cap="none" normalizeH="0" baseline="0" dirty="0" smtClean="0">
+                <a:ln>
+                  <a:noFill/>
+                </a:ln>
+                <a:solidFill>
+                  <a:srgbClr val="000080"/>
+                </a:solidFill>
+                <a:effectLst/>
+                <a:latin typeface="Courier New" panose="02070309020205020404" pitchFamily="49" charset="0"/>
+                <a:cs typeface="Courier New" panose="02070309020205020404" pitchFamily="49" charset="0"/>
+              </a:rPr>
+              <a:t> </a:t>
+            </a:r>
+            <a:r>
+              <a:rPr kumimoji="0" lang="ru-RU" altLang="ru-RU" sz="1600" b="0" i="0" u="none" strike="noStrike" cap="none" normalizeH="0" baseline="0" dirty="0" err="1" smtClean="0">
+                <a:ln>
+                  <a:noFill/>
+                </a:ln>
+                <a:solidFill>
+                  <a:srgbClr val="000000"/>
+                </a:solidFill>
+                <a:effectLst/>
+                <a:latin typeface="Courier New" panose="02070309020205020404" pitchFamily="49" charset="0"/>
+                <a:cs typeface="Courier New" panose="02070309020205020404" pitchFamily="49" charset="0"/>
+              </a:rPr>
+              <a:t>Animal</a:t>
+            </a:r>
+            <a:r>
+              <a:rPr kumimoji="0" lang="ru-RU" altLang="ru-RU" sz="1600" b="0" i="0" u="none" strike="noStrike" cap="none" normalizeH="0" baseline="0" dirty="0" smtClean="0">
+                <a:ln>
+                  <a:noFill/>
+                </a:ln>
+                <a:solidFill>
+                  <a:srgbClr val="000000"/>
+                </a:solidFill>
+                <a:effectLst/>
+                <a:latin typeface="Courier New" panose="02070309020205020404" pitchFamily="49" charset="0"/>
+                <a:cs typeface="Courier New" panose="02070309020205020404" pitchFamily="49" charset="0"/>
+              </a:rPr>
+              <a:t>(</a:t>
+            </a:r>
+            <a:r>
+              <a:rPr kumimoji="0" lang="ru-RU" altLang="ru-RU" sz="1600" b="1" i="0" u="none" strike="noStrike" cap="none" normalizeH="0" baseline="0" dirty="0" smtClean="0">
+                <a:ln>
+                  <a:noFill/>
+                </a:ln>
+                <a:solidFill>
+                  <a:srgbClr val="008000"/>
+                </a:solidFill>
+                <a:effectLst/>
+                <a:latin typeface="Courier New" panose="02070309020205020404" pitchFamily="49" charset="0"/>
+                <a:cs typeface="Courier New" panose="02070309020205020404" pitchFamily="49" charset="0"/>
+              </a:rPr>
+              <a:t>"</a:t>
+            </a:r>
+            <a:r>
+              <a:rPr kumimoji="0" lang="ru-RU" altLang="ru-RU" sz="1600" b="1" i="0" u="none" strike="noStrike" cap="none" normalizeH="0" baseline="0" dirty="0" err="1" smtClean="0">
+                <a:ln>
+                  <a:noFill/>
+                </a:ln>
+                <a:solidFill>
+                  <a:srgbClr val="008000"/>
+                </a:solidFill>
+                <a:effectLst/>
+                <a:latin typeface="Courier New" panose="02070309020205020404" pitchFamily="49" charset="0"/>
+                <a:cs typeface="Courier New" panose="02070309020205020404" pitchFamily="49" charset="0"/>
+              </a:rPr>
+              <a:t>dog</a:t>
+            </a:r>
+            <a:r>
+              <a:rPr kumimoji="0" lang="ru-RU" altLang="ru-RU" sz="1600" b="1" i="0" u="none" strike="noStrike" cap="none" normalizeH="0" baseline="0" dirty="0" smtClean="0">
+                <a:ln>
+                  <a:noFill/>
+                </a:ln>
+                <a:solidFill>
+                  <a:srgbClr val="008000"/>
+                </a:solidFill>
+                <a:effectLst/>
+                <a:latin typeface="Courier New" panose="02070309020205020404" pitchFamily="49" charset="0"/>
+                <a:cs typeface="Courier New" panose="02070309020205020404" pitchFamily="49" charset="0"/>
+              </a:rPr>
+              <a:t>"</a:t>
+            </a:r>
+            <a:r>
+              <a:rPr kumimoji="0" lang="ru-RU" altLang="ru-RU" sz="1600" b="0" i="0" u="none" strike="noStrike" cap="none" normalizeH="0" baseline="0" dirty="0" smtClean="0">
+                <a:ln>
+                  <a:noFill/>
+                </a:ln>
+                <a:solidFill>
+                  <a:srgbClr val="000000"/>
+                </a:solidFill>
+                <a:effectLst/>
+                <a:latin typeface="Courier New" panose="02070309020205020404" pitchFamily="49" charset="0"/>
+                <a:cs typeface="Courier New" panose="02070309020205020404" pitchFamily="49" charset="0"/>
+              </a:rPr>
+              <a:t>, </a:t>
+            </a:r>
+            <a:r>
+              <a:rPr kumimoji="0" lang="ru-RU" altLang="ru-RU" sz="1600" b="0" i="0" u="none" strike="noStrike" cap="none" normalizeH="0" baseline="0" dirty="0" smtClean="0">
+                <a:ln>
+                  <a:noFill/>
+                </a:ln>
+                <a:solidFill>
+                  <a:srgbClr val="0000FF"/>
+                </a:solidFill>
+                <a:effectLst/>
+                <a:latin typeface="Courier New" panose="02070309020205020404" pitchFamily="49" charset="0"/>
+                <a:cs typeface="Courier New" panose="02070309020205020404" pitchFamily="49" charset="0"/>
+              </a:rPr>
+              <a:t>2</a:t>
+            </a:r>
+            <a:r>
+              <a:rPr kumimoji="0" lang="ru-RU" altLang="ru-RU" sz="1600" b="0" i="0" u="none" strike="noStrike" cap="none" normalizeH="0" baseline="0" dirty="0" smtClean="0">
+                <a:ln>
+                  <a:noFill/>
+                </a:ln>
+                <a:solidFill>
+                  <a:srgbClr val="000000"/>
+                </a:solidFill>
+                <a:effectLst/>
+                <a:latin typeface="Courier New" panose="02070309020205020404" pitchFamily="49" charset="0"/>
+                <a:cs typeface="Courier New" panose="02070309020205020404" pitchFamily="49" charset="0"/>
+              </a:rPr>
+              <a:t>));</a:t>
+            </a:r>
+            <a:br>
+              <a:rPr kumimoji="0" lang="ru-RU" altLang="ru-RU" sz="1600" b="0" i="0" u="none" strike="noStrike" cap="none" normalizeH="0" baseline="0" dirty="0" smtClean="0">
+                <a:ln>
+                  <a:noFill/>
+                </a:ln>
+                <a:solidFill>
+                  <a:srgbClr val="000000"/>
+                </a:solidFill>
+                <a:effectLst/>
+                <a:latin typeface="Courier New" panose="02070309020205020404" pitchFamily="49" charset="0"/>
+                <a:cs typeface="Courier New" panose="02070309020205020404" pitchFamily="49" charset="0"/>
+              </a:rPr>
+            </a:br>
+            <a:r>
+              <a:rPr kumimoji="0" lang="ru-RU" altLang="ru-RU" sz="1600" b="0" i="0" u="none" strike="noStrike" cap="none" normalizeH="0" baseline="0" dirty="0" err="1" smtClean="0">
+                <a:ln>
+                  <a:noFill/>
+                </a:ln>
+                <a:solidFill>
+                  <a:srgbClr val="000000"/>
+                </a:solidFill>
+                <a:effectLst/>
+                <a:latin typeface="Courier New" panose="02070309020205020404" pitchFamily="49" charset="0"/>
+                <a:cs typeface="Courier New" panose="02070309020205020404" pitchFamily="49" charset="0"/>
+              </a:rPr>
+              <a:t>animals.add</a:t>
+            </a:r>
+            <a:r>
+              <a:rPr kumimoji="0" lang="ru-RU" altLang="ru-RU" sz="1600" b="0" i="0" u="none" strike="noStrike" cap="none" normalizeH="0" baseline="0" dirty="0" smtClean="0">
+                <a:ln>
+                  <a:noFill/>
+                </a:ln>
+                <a:solidFill>
+                  <a:srgbClr val="000000"/>
+                </a:solidFill>
+                <a:effectLst/>
+                <a:latin typeface="Courier New" panose="02070309020205020404" pitchFamily="49" charset="0"/>
+                <a:cs typeface="Courier New" panose="02070309020205020404" pitchFamily="49" charset="0"/>
+              </a:rPr>
+              <a:t>(</a:t>
+            </a:r>
+            <a:r>
+              <a:rPr kumimoji="0" lang="ru-RU" altLang="ru-RU" sz="1600" b="1" i="0" u="none" strike="noStrike" cap="none" normalizeH="0" baseline="0" dirty="0" err="1" smtClean="0">
+                <a:ln>
+                  <a:noFill/>
+                </a:ln>
+                <a:solidFill>
+                  <a:srgbClr val="000080"/>
+                </a:solidFill>
+                <a:effectLst/>
+                <a:latin typeface="Courier New" panose="02070309020205020404" pitchFamily="49" charset="0"/>
+                <a:cs typeface="Courier New" panose="02070309020205020404" pitchFamily="49" charset="0"/>
+              </a:rPr>
+              <a:t>new</a:t>
+            </a:r>
+            <a:r>
+              <a:rPr kumimoji="0" lang="ru-RU" altLang="ru-RU" sz="1600" b="1" i="0" u="none" strike="noStrike" cap="none" normalizeH="0" baseline="0" dirty="0" smtClean="0">
+                <a:ln>
+                  <a:noFill/>
+                </a:ln>
+                <a:solidFill>
+                  <a:srgbClr val="000080"/>
+                </a:solidFill>
+                <a:effectLst/>
+                <a:latin typeface="Courier New" panose="02070309020205020404" pitchFamily="49" charset="0"/>
+                <a:cs typeface="Courier New" panose="02070309020205020404" pitchFamily="49" charset="0"/>
+              </a:rPr>
+              <a:t> </a:t>
+            </a:r>
+            <a:r>
+              <a:rPr kumimoji="0" lang="ru-RU" altLang="ru-RU" sz="1600" b="0" i="0" u="none" strike="noStrike" cap="none" normalizeH="0" baseline="0" dirty="0" err="1" smtClean="0">
+                <a:ln>
+                  <a:noFill/>
+                </a:ln>
+                <a:solidFill>
+                  <a:srgbClr val="000000"/>
+                </a:solidFill>
+                <a:effectLst/>
+                <a:latin typeface="Courier New" panose="02070309020205020404" pitchFamily="49" charset="0"/>
+                <a:cs typeface="Courier New" panose="02070309020205020404" pitchFamily="49" charset="0"/>
+              </a:rPr>
+              <a:t>Animal</a:t>
+            </a:r>
+            <a:r>
+              <a:rPr kumimoji="0" lang="ru-RU" altLang="ru-RU" sz="1600" b="0" i="0" u="none" strike="noStrike" cap="none" normalizeH="0" baseline="0" dirty="0" smtClean="0">
+                <a:ln>
+                  <a:noFill/>
+                </a:ln>
+                <a:solidFill>
+                  <a:srgbClr val="000000"/>
+                </a:solidFill>
+                <a:effectLst/>
+                <a:latin typeface="Courier New" panose="02070309020205020404" pitchFamily="49" charset="0"/>
+                <a:cs typeface="Courier New" panose="02070309020205020404" pitchFamily="49" charset="0"/>
+              </a:rPr>
+              <a:t>(</a:t>
+            </a:r>
+            <a:r>
+              <a:rPr kumimoji="0" lang="ru-RU" altLang="ru-RU" sz="1600" b="1" i="0" u="none" strike="noStrike" cap="none" normalizeH="0" baseline="0" dirty="0" smtClean="0">
+                <a:ln>
+                  <a:noFill/>
+                </a:ln>
+                <a:solidFill>
+                  <a:srgbClr val="008000"/>
+                </a:solidFill>
+                <a:effectLst/>
+                <a:latin typeface="Courier New" panose="02070309020205020404" pitchFamily="49" charset="0"/>
+                <a:cs typeface="Courier New" panose="02070309020205020404" pitchFamily="49" charset="0"/>
+              </a:rPr>
+              <a:t>"</a:t>
+            </a:r>
+            <a:r>
+              <a:rPr kumimoji="0" lang="ru-RU" altLang="ru-RU" sz="1600" b="1" i="0" u="none" strike="noStrike" cap="none" normalizeH="0" baseline="0" dirty="0" err="1" smtClean="0">
+                <a:ln>
+                  <a:noFill/>
+                </a:ln>
+                <a:solidFill>
+                  <a:srgbClr val="008000"/>
+                </a:solidFill>
+                <a:effectLst/>
+                <a:latin typeface="Courier New" panose="02070309020205020404" pitchFamily="49" charset="0"/>
+                <a:cs typeface="Courier New" panose="02070309020205020404" pitchFamily="49" charset="0"/>
+              </a:rPr>
+              <a:t>elephant</a:t>
+            </a:r>
+            <a:r>
+              <a:rPr kumimoji="0" lang="ru-RU" altLang="ru-RU" sz="1600" b="1" i="0" u="none" strike="noStrike" cap="none" normalizeH="0" baseline="0" dirty="0" smtClean="0">
+                <a:ln>
+                  <a:noFill/>
+                </a:ln>
+                <a:solidFill>
+                  <a:srgbClr val="008000"/>
+                </a:solidFill>
+                <a:effectLst/>
+                <a:latin typeface="Courier New" panose="02070309020205020404" pitchFamily="49" charset="0"/>
+                <a:cs typeface="Courier New" panose="02070309020205020404" pitchFamily="49" charset="0"/>
+              </a:rPr>
+              <a:t>"</a:t>
+            </a:r>
+            <a:r>
+              <a:rPr kumimoji="0" lang="ru-RU" altLang="ru-RU" sz="1600" b="0" i="0" u="none" strike="noStrike" cap="none" normalizeH="0" baseline="0" dirty="0" smtClean="0">
+                <a:ln>
+                  <a:noFill/>
+                </a:ln>
+                <a:solidFill>
+                  <a:srgbClr val="000000"/>
+                </a:solidFill>
+                <a:effectLst/>
+                <a:latin typeface="Courier New" panose="02070309020205020404" pitchFamily="49" charset="0"/>
+                <a:cs typeface="Courier New" panose="02070309020205020404" pitchFamily="49" charset="0"/>
+              </a:rPr>
+              <a:t>, </a:t>
+            </a:r>
+            <a:r>
+              <a:rPr kumimoji="0" lang="ru-RU" altLang="ru-RU" sz="1600" b="0" i="0" u="none" strike="noStrike" cap="none" normalizeH="0" baseline="0" dirty="0" smtClean="0">
+                <a:ln>
+                  <a:noFill/>
+                </a:ln>
+                <a:solidFill>
+                  <a:srgbClr val="0000FF"/>
+                </a:solidFill>
+                <a:effectLst/>
+                <a:latin typeface="Courier New" panose="02070309020205020404" pitchFamily="49" charset="0"/>
+                <a:cs typeface="Courier New" panose="02070309020205020404" pitchFamily="49" charset="0"/>
+              </a:rPr>
+              <a:t>45</a:t>
+            </a:r>
+            <a:r>
+              <a:rPr kumimoji="0" lang="ru-RU" altLang="ru-RU" sz="1600" b="0" i="0" u="none" strike="noStrike" cap="none" normalizeH="0" baseline="0" dirty="0" smtClean="0">
+                <a:ln>
+                  <a:noFill/>
+                </a:ln>
+                <a:solidFill>
+                  <a:srgbClr val="000000"/>
+                </a:solidFill>
+                <a:effectLst/>
+                <a:latin typeface="Courier New" panose="02070309020205020404" pitchFamily="49" charset="0"/>
+                <a:cs typeface="Courier New" panose="02070309020205020404" pitchFamily="49" charset="0"/>
+              </a:rPr>
+              <a:t>));</a:t>
+            </a:r>
+            <a:br>
+              <a:rPr kumimoji="0" lang="ru-RU" altLang="ru-RU" sz="1600" b="0" i="0" u="none" strike="noStrike" cap="none" normalizeH="0" baseline="0" dirty="0" smtClean="0">
+                <a:ln>
+                  <a:noFill/>
+                </a:ln>
+                <a:solidFill>
+                  <a:srgbClr val="000000"/>
+                </a:solidFill>
+                <a:effectLst/>
+                <a:latin typeface="Courier New" panose="02070309020205020404" pitchFamily="49" charset="0"/>
+                <a:cs typeface="Courier New" panose="02070309020205020404" pitchFamily="49" charset="0"/>
+              </a:rPr>
+            </a:br>
+            <a:endParaRPr kumimoji="0" lang="en-US" altLang="ru-RU" sz="1600" b="0" i="0" u="none" strike="noStrike" cap="none" normalizeH="0" baseline="0" dirty="0" smtClean="0">
+              <a:ln>
+                <a:noFill/>
+              </a:ln>
+              <a:solidFill>
+                <a:srgbClr val="000000"/>
+              </a:solidFill>
+              <a:effectLst/>
+              <a:latin typeface="Courier New" panose="02070309020205020404" pitchFamily="49" charset="0"/>
+              <a:cs typeface="Courier New" panose="02070309020205020404" pitchFamily="49" charset="0"/>
+            </a:endParaRPr>
+          </a:p>
+          <a:p>
+            <a:pPr marL="0" indent="0" eaLnBrk="0" fontAlgn="base" hangingPunct="0">
+              <a:lnSpc>
+                <a:spcPct val="100000"/>
+              </a:lnSpc>
+              <a:spcBef>
+                <a:spcPct val="0"/>
+              </a:spcBef>
+              <a:spcAft>
+                <a:spcPct val="0"/>
+              </a:spcAft>
+              <a:buNone/>
+            </a:pPr>
+            <a:r>
+              <a:rPr kumimoji="0" lang="en-US" altLang="en-US" sz="1600" b="0" i="0" u="none" strike="noStrike" cap="none" normalizeH="0" baseline="0" dirty="0" err="1" smtClean="0">
+                <a:ln>
+                  <a:noFill/>
+                </a:ln>
+                <a:solidFill>
+                  <a:srgbClr val="000000"/>
+                </a:solidFill>
+                <a:effectLst/>
+                <a:latin typeface="Courier New" panose="02070309020205020404" pitchFamily="49" charset="0"/>
+                <a:cs typeface="Courier New" panose="02070309020205020404" pitchFamily="49" charset="0"/>
+              </a:rPr>
+              <a:t>Collections.</a:t>
+            </a:r>
+            <a:r>
+              <a:rPr kumimoji="0" lang="en-US" altLang="en-US" sz="1600" b="0" i="1" u="none" strike="noStrike" cap="none" normalizeH="0" baseline="0" dirty="0" err="1" smtClean="0">
+                <a:ln>
+                  <a:noFill/>
+                </a:ln>
+                <a:solidFill>
+                  <a:srgbClr val="000000"/>
+                </a:solidFill>
+                <a:effectLst/>
+                <a:latin typeface="Courier New" panose="02070309020205020404" pitchFamily="49" charset="0"/>
+                <a:cs typeface="Courier New" panose="02070309020205020404" pitchFamily="49" charset="0"/>
+              </a:rPr>
+              <a:t>sort</a:t>
+            </a:r>
+            <a:r>
+              <a:rPr kumimoji="0" lang="en-US" altLang="en-US" sz="1600" b="0" i="0" u="none" strike="noStrike" cap="none" normalizeH="0" baseline="0" dirty="0" smtClean="0">
+                <a:ln>
+                  <a:noFill/>
+                </a:ln>
+                <a:solidFill>
+                  <a:srgbClr val="000000"/>
+                </a:solidFill>
+                <a:effectLst/>
+                <a:latin typeface="Courier New" panose="02070309020205020404" pitchFamily="49" charset="0"/>
+                <a:cs typeface="Courier New" panose="02070309020205020404" pitchFamily="49" charset="0"/>
+              </a:rPr>
+              <a:t>(animals, </a:t>
+            </a:r>
+            <a:r>
+              <a:rPr kumimoji="0" lang="en-US" altLang="en-US" sz="1600" b="0" i="0" u="none" strike="noStrike" cap="none" normalizeH="0" baseline="0" dirty="0" err="1" smtClean="0">
+                <a:ln>
+                  <a:noFill/>
+                </a:ln>
+                <a:solidFill>
+                  <a:srgbClr val="000000"/>
+                </a:solidFill>
+                <a:effectLst/>
+                <a:latin typeface="Courier New" panose="02070309020205020404" pitchFamily="49" charset="0"/>
+                <a:cs typeface="Courier New" panose="02070309020205020404" pitchFamily="49" charset="0"/>
+              </a:rPr>
+              <a:t>animalComparatorByStrength</a:t>
+            </a:r>
+            <a:r>
+              <a:rPr kumimoji="0" lang="en-US" altLang="en-US" sz="1600" b="0" i="0" u="none" strike="noStrike" cap="none" normalizeH="0" baseline="0" dirty="0" smtClean="0">
+                <a:ln>
+                  <a:noFill/>
+                </a:ln>
+                <a:solidFill>
+                  <a:srgbClr val="000000"/>
+                </a:solidFill>
+                <a:effectLst/>
+                <a:latin typeface="Courier New" panose="02070309020205020404" pitchFamily="49" charset="0"/>
+                <a:cs typeface="Courier New" panose="02070309020205020404" pitchFamily="49" charset="0"/>
+              </a:rPr>
+              <a:t>);</a:t>
+            </a:r>
+            <a:endParaRPr kumimoji="0" lang="en-US" altLang="en-US" sz="4000" b="0" i="0" u="none" strike="noStrike" cap="none" normalizeH="0" baseline="0" dirty="0" smtClean="0">
+              <a:ln>
+                <a:noFill/>
+              </a:ln>
+              <a:solidFill>
+                <a:schemeClr val="tx1"/>
+              </a:solidFill>
+              <a:effectLst/>
+              <a:latin typeface="Arial" panose="020B0604020202020204" pitchFamily="34" charset="0"/>
+            </a:endParaRPr>
+          </a:p>
+          <a:p>
+            <a:pPr marL="0" lvl="0" indent="0" eaLnBrk="0" fontAlgn="base" hangingPunct="0">
+              <a:lnSpc>
+                <a:spcPct val="100000"/>
+              </a:lnSpc>
+              <a:spcBef>
+                <a:spcPct val="0"/>
+              </a:spcBef>
+              <a:spcAft>
+                <a:spcPct val="0"/>
+              </a:spcAft>
+              <a:buNone/>
+            </a:pPr>
+            <a:endParaRPr kumimoji="0" lang="en-US" altLang="ru-RU" sz="1600" b="0" i="0" u="none" strike="noStrike" cap="none" normalizeH="0" baseline="0" dirty="0" smtClean="0">
+              <a:ln>
+                <a:noFill/>
+              </a:ln>
+              <a:solidFill>
+                <a:srgbClr val="000000"/>
+              </a:solidFill>
+              <a:effectLst/>
+              <a:latin typeface="Courier New" panose="02070309020205020404" pitchFamily="49" charset="0"/>
+              <a:cs typeface="Courier New" panose="02070309020205020404" pitchFamily="49" charset="0"/>
+            </a:endParaRPr>
+          </a:p>
+          <a:p>
+            <a:pPr marL="0" lvl="0" indent="0" eaLnBrk="0" fontAlgn="base" hangingPunct="0">
+              <a:lnSpc>
+                <a:spcPct val="100000"/>
+              </a:lnSpc>
+              <a:spcBef>
+                <a:spcPct val="0"/>
+              </a:spcBef>
+              <a:spcAft>
+                <a:spcPct val="0"/>
+              </a:spcAft>
+              <a:buNone/>
+            </a:pPr>
+            <a:r>
+              <a:rPr kumimoji="0" lang="en-US" altLang="en-US" sz="1600" b="0" i="0" u="none" strike="noStrike" cap="none" normalizeH="0" baseline="0" dirty="0" err="1" smtClean="0">
+                <a:ln>
+                  <a:noFill/>
+                </a:ln>
+                <a:solidFill>
+                  <a:srgbClr val="000000"/>
+                </a:solidFill>
+                <a:effectLst/>
+                <a:latin typeface="Courier New" panose="02070309020205020404" pitchFamily="49" charset="0"/>
+                <a:cs typeface="Courier New" panose="02070309020205020404" pitchFamily="49" charset="0"/>
+              </a:rPr>
+              <a:t>animals.forEach</a:t>
+            </a:r>
+            <a:r>
+              <a:rPr kumimoji="0" lang="en-US" altLang="en-US" sz="1600" b="0" i="0" u="none" strike="noStrike" cap="none" normalizeH="0" baseline="0" dirty="0" smtClean="0">
+                <a:ln>
+                  <a:noFill/>
+                </a:ln>
+                <a:solidFill>
+                  <a:srgbClr val="000000"/>
+                </a:solidFill>
+                <a:effectLst/>
+                <a:latin typeface="Courier New" panose="02070309020205020404" pitchFamily="49" charset="0"/>
+                <a:cs typeface="Courier New" panose="02070309020205020404" pitchFamily="49" charset="0"/>
+              </a:rPr>
+              <a:t>(</a:t>
+            </a:r>
+            <a:r>
+              <a:rPr kumimoji="0" lang="en-US" altLang="en-US" sz="1600" b="0" i="0" u="none" strike="noStrike" cap="none" normalizeH="0" baseline="0" dirty="0" err="1" smtClean="0">
+                <a:ln>
+                  <a:noFill/>
+                </a:ln>
+                <a:solidFill>
+                  <a:srgbClr val="000000"/>
+                </a:solidFill>
+                <a:effectLst/>
+                <a:latin typeface="Courier New" panose="02070309020205020404" pitchFamily="49" charset="0"/>
+                <a:cs typeface="Courier New" panose="02070309020205020404" pitchFamily="49" charset="0"/>
+              </a:rPr>
+              <a:t>System.</a:t>
+            </a:r>
+            <a:r>
+              <a:rPr kumimoji="0" lang="en-US" altLang="en-US" sz="1600" b="1" i="1" u="none" strike="noStrike" cap="none" normalizeH="0" baseline="0" dirty="0" err="1" smtClean="0">
+                <a:ln>
+                  <a:noFill/>
+                </a:ln>
+                <a:solidFill>
+                  <a:srgbClr val="660E7A"/>
+                </a:solidFill>
+                <a:effectLst/>
+                <a:latin typeface="Courier New" panose="02070309020205020404" pitchFamily="49" charset="0"/>
+                <a:cs typeface="Courier New" panose="02070309020205020404" pitchFamily="49" charset="0"/>
+              </a:rPr>
+              <a:t>out</a:t>
+            </a:r>
+            <a:r>
+              <a:rPr kumimoji="0" lang="en-US" altLang="en-US" sz="1600" b="0" i="0" u="none" strike="noStrike" cap="none" normalizeH="0" baseline="0" dirty="0" smtClean="0">
+                <a:ln>
+                  <a:noFill/>
+                </a:ln>
+                <a:solidFill>
+                  <a:srgbClr val="000000"/>
+                </a:solidFill>
+                <a:effectLst/>
+                <a:latin typeface="Courier New" panose="02070309020205020404" pitchFamily="49" charset="0"/>
+                <a:cs typeface="Courier New" panose="02070309020205020404" pitchFamily="49" charset="0"/>
+              </a:rPr>
+              <a:t>::print);</a:t>
+            </a:r>
+            <a:r>
+              <a:rPr kumimoji="0" lang="en-US" altLang="en-US" sz="1600" b="0" i="0" u="none" strike="noStrike" cap="none" normalizeH="0" baseline="0" dirty="0" smtClean="0">
+                <a:ln>
+                  <a:noFill/>
+                </a:ln>
+                <a:solidFill>
+                  <a:schemeClr val="accent3"/>
+                </a:solidFill>
+                <a:effectLst/>
+                <a:latin typeface="Courier New" panose="02070309020205020404" pitchFamily="49" charset="0"/>
+                <a:cs typeface="Courier New" panose="02070309020205020404" pitchFamily="49" charset="0"/>
+              </a:rPr>
+              <a:t> // dog cat elephant</a:t>
+            </a:r>
+            <a:endParaRPr kumimoji="0" lang="en-US" altLang="en-US" sz="4000" b="0" i="0" u="none" strike="noStrike" cap="none" normalizeH="0" baseline="0" dirty="0" smtClean="0">
+              <a:ln>
+                <a:noFill/>
+              </a:ln>
+              <a:solidFill>
+                <a:schemeClr val="accent3"/>
+              </a:solidFill>
+              <a:effectLst/>
+              <a:latin typeface="Courier New" panose="02070309020205020404" pitchFamily="49" charset="0"/>
+              <a:cs typeface="Courier New" panose="02070309020205020404" pitchFamily="49" charset="0"/>
+            </a:endParaRPr>
+          </a:p>
+        </p:txBody>
+      </p:sp>
+      <p:sp>
+        <p:nvSpPr>
+          <p:cNvPr id="3" name="Rectangle 1"/>
+          <p:cNvSpPr>
+            <a:spLocks noChangeArrowheads="1"/>
+          </p:cNvSpPr>
+          <p:nvPr/>
+        </p:nvSpPr>
+        <p:spPr bwMode="auto">
+          <a:xfrm>
+            <a:off x="0" y="43934"/>
+            <a:ext cx="184731" cy="369332"/>
+          </a:xfrm>
+          <a:prstGeom prst="rect">
+            <a:avLst/>
+          </a:prstGeom>
+          <a:solidFill>
+            <a:srgbClr val="FFFFFF"/>
+          </a:solidFill>
+          <a:ln>
+            <a:noFill/>
+          </a:ln>
+          <a:effectLst/>
+          <a:extLst>
+            <a:ext uri="{91240B29-F687-4F45-9708-019B960494DF}">
+              <a14:hiddenLine xmlns:a14="http://schemas.microsoft.com/office/drawing/2010/main" w="9525">
+                <a:solidFill>
+                  <a:schemeClr val="tx1"/>
+                </a:solidFill>
+                <a:miter lim="800000"/>
+                <a:headEnd/>
+                <a:tailEnd/>
+              </a14:hiddenLine>
+            </a:ext>
+            <a:ext uri="{AF507438-7753-43E0-B8FC-AC1667EBCBE1}">
+              <a14:hiddenEffects xmlns:a14="http://schemas.microsoft.com/office/drawing/2010/main">
+                <a:effectLst>
+                  <a:outerShdw dist="35921" dir="2700000" algn="ctr" rotWithShape="0">
+                    <a:schemeClr val="bg2"/>
+                  </a:outerShdw>
+                </a:effectLst>
+              </a14:hiddenEffects>
+            </a:ext>
+          </a:extLst>
+        </p:spPr>
+        <p:txBody>
+          <a:bodyPr vert="horz" wrap="none" lIns="91440" tIns="45720" rIns="91440" bIns="45720" numCol="1" anchor="ctr" anchorCtr="0" compatLnSpc="1">
+            <a:prstTxWarp prst="textNoShape">
+              <a:avLst/>
+            </a:prstTxWarp>
+            <a:spAutoFit/>
+          </a:bodyPr>
+          <a:lstStyle/>
+          <a:p>
+            <a:pPr marL="0" marR="0" lvl="0" indent="0" algn="l" defTabSz="914400" rtl="0" eaLnBrk="0" fontAlgn="base" latinLnBrk="0" hangingPunct="0">
+              <a:lnSpc>
+                <a:spcPct val="100000"/>
+              </a:lnSpc>
+              <a:spcBef>
+                <a:spcPct val="0"/>
+              </a:spcBef>
+              <a:spcAft>
+                <a:spcPct val="0"/>
+              </a:spcAft>
+              <a:buClrTx/>
+              <a:buSzTx/>
+              <a:buFontTx/>
+              <a:buNone/>
+              <a:tabLst/>
+            </a:pPr>
+            <a:endParaRPr kumimoji="0" lang="ru-RU" altLang="ru-RU" sz="1800" b="0" i="0" u="none" strike="noStrike" cap="none" normalizeH="0" baseline="0" dirty="0" smtClean="0">
+              <a:ln>
+                <a:noFill/>
+              </a:ln>
+              <a:solidFill>
+                <a:schemeClr val="tx1"/>
+              </a:solidFill>
+              <a:effectLst/>
+              <a:latin typeface="Arial" panose="020B0604020202020204" pitchFamily="34" charset="0"/>
+            </a:endParaRPr>
+          </a:p>
+        </p:txBody>
+      </p:sp>
+      <p:sp>
+        <p:nvSpPr>
+          <p:cNvPr id="5" name="Rectangle 1"/>
+          <p:cNvSpPr>
+            <a:spLocks noChangeArrowheads="1"/>
+          </p:cNvSpPr>
+          <p:nvPr/>
+        </p:nvSpPr>
+        <p:spPr bwMode="auto">
+          <a:xfrm>
+            <a:off x="0" y="43934"/>
+            <a:ext cx="184731" cy="369332"/>
+          </a:xfrm>
+          <a:prstGeom prst="rect">
+            <a:avLst/>
+          </a:prstGeom>
+          <a:solidFill>
+            <a:srgbClr val="FFFFFF"/>
+          </a:solidFill>
+          <a:ln>
+            <a:noFill/>
+          </a:ln>
+          <a:effectLst/>
+          <a:extLst>
+            <a:ext uri="{91240B29-F687-4F45-9708-019B960494DF}">
+              <a14:hiddenLine xmlns:a14="http://schemas.microsoft.com/office/drawing/2010/main" w="9525">
+                <a:solidFill>
+                  <a:schemeClr val="tx1"/>
+                </a:solidFill>
+                <a:miter lim="800000"/>
+                <a:headEnd/>
+                <a:tailEnd/>
+              </a14:hiddenLine>
+            </a:ext>
+            <a:ext uri="{AF507438-7753-43E0-B8FC-AC1667EBCBE1}">
+              <a14:hiddenEffects xmlns:a14="http://schemas.microsoft.com/office/drawing/2010/main">
+                <a:effectLst>
+                  <a:outerShdw dist="35921" dir="2700000" algn="ctr" rotWithShape="0">
+                    <a:schemeClr val="bg2"/>
+                  </a:outerShdw>
+                </a:effectLst>
+              </a14:hiddenEffects>
+            </a:ext>
+          </a:extLst>
+        </p:spPr>
+        <p:txBody>
+          <a:bodyPr vert="horz" wrap="none" lIns="91440" tIns="45720" rIns="91440" bIns="45720" numCol="1" anchor="ctr" anchorCtr="0" compatLnSpc="1">
+            <a:prstTxWarp prst="textNoShape">
+              <a:avLst/>
+            </a:prstTxWarp>
+            <a:spAutoFit/>
+          </a:bodyPr>
+          <a:lstStyle/>
+          <a:p>
+            <a:pPr marL="0" marR="0" lvl="0" indent="0" algn="l" defTabSz="914400" rtl="0" eaLnBrk="0" fontAlgn="base" latinLnBrk="0" hangingPunct="0">
+              <a:lnSpc>
+                <a:spcPct val="100000"/>
+              </a:lnSpc>
+              <a:spcBef>
+                <a:spcPct val="0"/>
+              </a:spcBef>
+              <a:spcAft>
+                <a:spcPct val="0"/>
+              </a:spcAft>
+              <a:buClrTx/>
+              <a:buSzTx/>
+              <a:buFontTx/>
+              <a:buNone/>
+              <a:tabLst/>
+            </a:pPr>
+            <a:endParaRPr kumimoji="0" lang="ru-RU" altLang="ru-RU" sz="1800" b="0" i="0" u="none" strike="noStrike" cap="none" normalizeH="0" baseline="0" dirty="0" smtClean="0">
+              <a:ln>
+                <a:noFill/>
+              </a:ln>
+              <a:solidFill>
+                <a:schemeClr val="tx1"/>
+              </a:solidFill>
+              <a:effectLst/>
+              <a:latin typeface="Arial" panose="020B0604020202020204" pitchFamily="34" charset="0"/>
+            </a:endParaRPr>
+          </a:p>
+        </p:txBody>
+      </p:sp>
+      <p:sp>
+        <p:nvSpPr>
+          <p:cNvPr id="6" name="Rectangle 1"/>
+          <p:cNvSpPr>
+            <a:spLocks noChangeArrowheads="1"/>
+          </p:cNvSpPr>
+          <p:nvPr/>
+        </p:nvSpPr>
+        <p:spPr bwMode="auto">
+          <a:xfrm>
+            <a:off x="0" y="43934"/>
+            <a:ext cx="184731" cy="369332"/>
+          </a:xfrm>
+          <a:prstGeom prst="rect">
+            <a:avLst/>
+          </a:prstGeom>
+          <a:solidFill>
+            <a:srgbClr val="FFFFFF"/>
+          </a:solidFill>
+          <a:ln>
+            <a:noFill/>
+          </a:ln>
+          <a:effectLst/>
+          <a:extLst>
+            <a:ext uri="{91240B29-F687-4F45-9708-019B960494DF}">
+              <a14:hiddenLine xmlns:a14="http://schemas.microsoft.com/office/drawing/2010/main" w="9525">
+                <a:solidFill>
+                  <a:schemeClr val="tx1"/>
+                </a:solidFill>
+                <a:miter lim="800000"/>
+                <a:headEnd/>
+                <a:tailEnd/>
+              </a14:hiddenLine>
+            </a:ext>
+            <a:ext uri="{AF507438-7753-43E0-B8FC-AC1667EBCBE1}">
+              <a14:hiddenEffects xmlns:a14="http://schemas.microsoft.com/office/drawing/2010/main">
+                <a:effectLst>
+                  <a:outerShdw dist="35921" dir="2700000" algn="ctr" rotWithShape="0">
+                    <a:schemeClr val="bg2"/>
+                  </a:outerShdw>
+                </a:effectLst>
+              </a14:hiddenEffects>
+            </a:ext>
+          </a:extLst>
+        </p:spPr>
+        <p:txBody>
+          <a:bodyPr vert="horz" wrap="none" lIns="91440" tIns="45720" rIns="91440" bIns="45720" numCol="1" anchor="ctr" anchorCtr="0" compatLnSpc="1">
+            <a:prstTxWarp prst="textNoShape">
+              <a:avLst/>
+            </a:prstTxWarp>
+            <a:spAutoFit/>
+          </a:bodyPr>
+          <a:lstStyle/>
+          <a:p>
+            <a:pPr marL="0" marR="0" lvl="0" indent="0" algn="l" defTabSz="914400" rtl="0" eaLnBrk="0" fontAlgn="base" latinLnBrk="0" hangingPunct="0">
+              <a:lnSpc>
+                <a:spcPct val="100000"/>
+              </a:lnSpc>
+              <a:spcBef>
+                <a:spcPct val="0"/>
+              </a:spcBef>
+              <a:spcAft>
+                <a:spcPct val="0"/>
+              </a:spcAft>
+              <a:buClrTx/>
+              <a:buSzTx/>
+              <a:buFontTx/>
+              <a:buNone/>
+              <a:tabLst/>
+            </a:pPr>
+            <a:endParaRPr kumimoji="0" lang="ru-RU" altLang="ru-RU" sz="1800" b="0" i="0" u="none" strike="noStrike" cap="none" normalizeH="0" baseline="0" dirty="0" smtClean="0">
+              <a:ln>
+                <a:noFill/>
+              </a:ln>
+              <a:solidFill>
+                <a:schemeClr val="tx1"/>
+              </a:solidFill>
+              <a:effectLst/>
+              <a:latin typeface="Arial" panose="020B0604020202020204" pitchFamily="34" charset="0"/>
+            </a:endParaRPr>
+          </a:p>
+        </p:txBody>
+      </p:sp>
+      <p:sp>
+        <p:nvSpPr>
+          <p:cNvPr id="8" name="Rectangle 1"/>
+          <p:cNvSpPr>
+            <a:spLocks noChangeArrowheads="1"/>
+          </p:cNvSpPr>
+          <p:nvPr/>
+        </p:nvSpPr>
+        <p:spPr bwMode="auto">
+          <a:xfrm>
+            <a:off x="0" y="43934"/>
+            <a:ext cx="184731" cy="369332"/>
+          </a:xfrm>
+          <a:prstGeom prst="rect">
+            <a:avLst/>
+          </a:prstGeom>
+          <a:solidFill>
+            <a:srgbClr val="FFFFFF"/>
+          </a:solidFill>
+          <a:ln>
+            <a:noFill/>
+          </a:ln>
+          <a:effectLst/>
+          <a:extLst>
+            <a:ext uri="{91240B29-F687-4F45-9708-019B960494DF}">
+              <a14:hiddenLine xmlns:a14="http://schemas.microsoft.com/office/drawing/2010/main" w="9525">
+                <a:solidFill>
+                  <a:schemeClr val="tx1"/>
+                </a:solidFill>
+                <a:miter lim="800000"/>
+                <a:headEnd/>
+                <a:tailEnd/>
+              </a14:hiddenLine>
+            </a:ext>
+            <a:ext uri="{AF507438-7753-43E0-B8FC-AC1667EBCBE1}">
+              <a14:hiddenEffects xmlns:a14="http://schemas.microsoft.com/office/drawing/2010/main">
+                <a:effectLst>
+                  <a:outerShdw dist="35921" dir="2700000" algn="ctr" rotWithShape="0">
+                    <a:schemeClr val="bg2"/>
+                  </a:outerShdw>
+                </a:effectLst>
+              </a14:hiddenEffects>
+            </a:ext>
+          </a:extLst>
+        </p:spPr>
+        <p:txBody>
+          <a:bodyPr vert="horz" wrap="none" lIns="91440" tIns="45720" rIns="91440" bIns="45720" numCol="1" anchor="ctr" anchorCtr="0" compatLnSpc="1">
+            <a:prstTxWarp prst="textNoShape">
+              <a:avLst/>
+            </a:prstTxWarp>
+            <a:spAutoFit/>
+          </a:bodyPr>
+          <a:lstStyle/>
+          <a:p>
+            <a:pPr marL="0" marR="0" lvl="0" indent="0" algn="l" defTabSz="914400" rtl="0" eaLnBrk="0" fontAlgn="base" latinLnBrk="0" hangingPunct="0">
+              <a:lnSpc>
+                <a:spcPct val="100000"/>
+              </a:lnSpc>
+              <a:spcBef>
+                <a:spcPct val="0"/>
+              </a:spcBef>
+              <a:spcAft>
+                <a:spcPct val="0"/>
+              </a:spcAft>
+              <a:buClrTx/>
+              <a:buSzTx/>
+              <a:buFontTx/>
+              <a:buNone/>
+              <a:tabLst/>
+            </a:pPr>
+            <a:endParaRPr kumimoji="0" lang="ru-RU" altLang="ru-RU" sz="1800" b="0" i="0" u="none" strike="noStrike" cap="none" normalizeH="0" baseline="0" dirty="0" smtClean="0">
+              <a:ln>
+                <a:noFill/>
+              </a:ln>
+              <a:solidFill>
+                <a:schemeClr val="tx1"/>
+              </a:solidFill>
+              <a:effectLst/>
+              <a:latin typeface="Arial" panose="020B0604020202020204" pitchFamily="34" charset="0"/>
+            </a:endParaRPr>
+          </a:p>
+        </p:txBody>
+      </p:sp>
+      <p:sp>
+        <p:nvSpPr>
+          <p:cNvPr id="9" name="Rectangle 1"/>
+          <p:cNvSpPr>
+            <a:spLocks noChangeArrowheads="1"/>
+          </p:cNvSpPr>
+          <p:nvPr/>
+        </p:nvSpPr>
+        <p:spPr bwMode="auto">
+          <a:xfrm>
+            <a:off x="0" y="43934"/>
+            <a:ext cx="184731" cy="369332"/>
+          </a:xfrm>
+          <a:prstGeom prst="rect">
+            <a:avLst/>
+          </a:prstGeom>
+          <a:solidFill>
+            <a:srgbClr val="FFFFFF"/>
+          </a:solidFill>
+          <a:ln>
+            <a:noFill/>
+          </a:ln>
+          <a:effectLst/>
+          <a:extLst>
+            <a:ext uri="{91240B29-F687-4F45-9708-019B960494DF}">
+              <a14:hiddenLine xmlns:a14="http://schemas.microsoft.com/office/drawing/2010/main" w="9525">
+                <a:solidFill>
+                  <a:schemeClr val="tx1"/>
+                </a:solidFill>
+                <a:miter lim="800000"/>
+                <a:headEnd/>
+                <a:tailEnd/>
+              </a14:hiddenLine>
+            </a:ext>
+            <a:ext uri="{AF507438-7753-43E0-B8FC-AC1667EBCBE1}">
+              <a14:hiddenEffects xmlns:a14="http://schemas.microsoft.com/office/drawing/2010/main">
+                <a:effectLst>
+                  <a:outerShdw dist="35921" dir="2700000" algn="ctr" rotWithShape="0">
+                    <a:schemeClr val="bg2"/>
+                  </a:outerShdw>
+                </a:effectLst>
+              </a14:hiddenEffects>
+            </a:ext>
+          </a:extLst>
+        </p:spPr>
+        <p:txBody>
+          <a:bodyPr vert="horz" wrap="none" lIns="91440" tIns="45720" rIns="91440" bIns="45720" numCol="1" anchor="ctr" anchorCtr="0" compatLnSpc="1">
+            <a:prstTxWarp prst="textNoShape">
+              <a:avLst/>
+            </a:prstTxWarp>
+            <a:spAutoFit/>
+          </a:bodyPr>
+          <a:lstStyle/>
+          <a:p>
+            <a:pPr marL="0" marR="0" lvl="0" indent="0" algn="l" defTabSz="914400" rtl="0" eaLnBrk="0" fontAlgn="base" latinLnBrk="0" hangingPunct="0">
+              <a:lnSpc>
+                <a:spcPct val="100000"/>
+              </a:lnSpc>
+              <a:spcBef>
+                <a:spcPct val="0"/>
+              </a:spcBef>
+              <a:spcAft>
+                <a:spcPct val="0"/>
+              </a:spcAft>
+              <a:buClrTx/>
+              <a:buSzTx/>
+              <a:buFontTx/>
+              <a:buNone/>
+              <a:tabLst/>
+            </a:pPr>
+            <a:endParaRPr kumimoji="0" lang="ru-RU" altLang="ru-RU" sz="1800" b="0" i="0" u="none" strike="noStrike" cap="none" normalizeH="0" baseline="0" dirty="0" smtClean="0">
+              <a:ln>
+                <a:noFill/>
+              </a:ln>
+              <a:solidFill>
+                <a:schemeClr val="tx1"/>
+              </a:solidFill>
+              <a:effectLst/>
+              <a:latin typeface="Arial" panose="020B0604020202020204" pitchFamily="34" charset="0"/>
+            </a:endParaRPr>
+          </a:p>
+        </p:txBody>
+      </p:sp>
+    </p:spTree>
+    <p:extLst>
+      <p:ext uri="{BB962C8B-B14F-4D97-AF65-F5344CB8AC3E}">
+        <p14:creationId xmlns:p14="http://schemas.microsoft.com/office/powerpoint/2010/main" val="2304686602"/>
+      </p:ext>
+    </p:extLst>
+  </p:cSld>
+  <p:clrMapOvr>
+    <a:masterClrMapping/>
+  </p:clrMapOvr>
+  <p:timing>
+    <p:tnLst>
+      <p:par>
+        <p:cTn id="1" dur="indefinite" restart="never" nodeType="tmRoot"/>
+      </p:par>
+    </p:tnLst>
+  </p:timing>
+</p:sld>
+</file>
+
+<file path=ppt/slides/slide28.xml><?xml version="1.0" encoding="utf-8"?>
+<p:sld xmlns:a="http://schemas.openxmlformats.org/drawingml/2006/main" xmlns:r="http://schemas.openxmlformats.org/officeDocument/2006/relationships" xmlns:p="http://schemas.openxmlformats.org/presentationml/2006/main">
+  <p:cSld>
+    <p:spTree>
+      <p:nvGrpSpPr>
+        <p:cNvPr id="1" name=""/>
+        <p:cNvGrpSpPr/>
+        <p:nvPr/>
+      </p:nvGrpSpPr>
+      <p:grpSpPr>
+        <a:xfrm>
+          <a:off x="0" y="0"/>
+          <a:ext cx="0" cy="0"/>
+          <a:chOff x="0" y="0"/>
+          <a:chExt cx="0" cy="0"/>
+        </a:xfrm>
+      </p:grpSpPr>
+      <p:sp>
+        <p:nvSpPr>
+          <p:cNvPr id="2" name="Заголовок 1"/>
+          <p:cNvSpPr>
+            <a:spLocks noGrp="1"/>
+          </p:cNvSpPr>
+          <p:nvPr>
+            <p:ph type="title"/>
+          </p:nvPr>
+        </p:nvSpPr>
+        <p:spPr/>
+        <p:txBody>
+          <a:bodyPr/>
+          <a:lstStyle/>
+          <a:p>
+            <a:r>
+              <a:rPr lang="en-US" dirty="0"/>
+              <a:t>Literature</a:t>
+            </a:r>
+            <a:endParaRPr lang="ru-RU" dirty="0"/>
+          </a:p>
+        </p:txBody>
+      </p:sp>
+      <p:sp>
+        <p:nvSpPr>
+          <p:cNvPr id="3" name="Объект 2"/>
+          <p:cNvSpPr>
+            <a:spLocks noGrp="1"/>
+          </p:cNvSpPr>
+          <p:nvPr>
+            <p:ph idx="1"/>
+          </p:nvPr>
+        </p:nvSpPr>
+        <p:spPr/>
+        <p:txBody>
+          <a:bodyPr>
+            <a:normAutofit/>
+          </a:bodyPr>
+          <a:lstStyle/>
+          <a:p>
+            <a:r>
+              <a:rPr lang="en-US" dirty="0" smtClean="0">
+                <a:hlinkClick r:id="rId3"/>
+              </a:rPr>
+              <a:t>Generics</a:t>
+            </a:r>
+            <a:endParaRPr lang="en-US" dirty="0"/>
+          </a:p>
+          <a:p>
+            <a:r>
+              <a:rPr lang="en-US" dirty="0" smtClean="0">
+                <a:hlinkClick r:id="rId4"/>
+              </a:rPr>
+              <a:t>Collections Cheat sheet</a:t>
+            </a:r>
+            <a:endParaRPr lang="en-US" dirty="0" smtClean="0"/>
+          </a:p>
+          <a:p>
+            <a:r>
+              <a:rPr lang="en-US" b="1" dirty="0"/>
+              <a:t>Clean Code: A Handbook of Agile Software </a:t>
+            </a:r>
+            <a:r>
+              <a:rPr lang="en-US" b="1" dirty="0" smtClean="0"/>
+              <a:t>Craftsmanship</a:t>
+            </a:r>
+            <a:r>
+              <a:rPr lang="en-US" dirty="0" smtClean="0"/>
+              <a:t> by</a:t>
+            </a:r>
+            <a:r>
+              <a:rPr lang="en-US" dirty="0"/>
+              <a:t> Robert C. </a:t>
+            </a:r>
+            <a:r>
+              <a:rPr lang="en-US" dirty="0" smtClean="0"/>
+              <a:t>Martin : Chapter 1-3</a:t>
+            </a:r>
+            <a:endParaRPr lang="en-US" dirty="0"/>
+          </a:p>
+        </p:txBody>
+      </p:sp>
+    </p:spTree>
+    <p:extLst>
+      <p:ext uri="{BB962C8B-B14F-4D97-AF65-F5344CB8AC3E}">
+        <p14:creationId xmlns:p14="http://schemas.microsoft.com/office/powerpoint/2010/main" val="182556696"/>
+      </p:ext>
+    </p:extLst>
+  </p:cSld>
+  <p:clrMapOvr>
+    <a:masterClrMapping/>
+  </p:clrMapOvr>
+  <p:timing>
+    <p:tnLst>
+      <p:par>
+        <p:cTn id="1" dur="indefinite" restart="never" nodeType="tmRoot"/>
+      </p:par>
+    </p:tnLst>
+  </p:timing>
+</p:sld>
+</file>
+
+<file path=ppt/slides/slide29.xml><?xml version="1.0" encoding="utf-8"?>
+<p:sld xmlns:a="http://schemas.openxmlformats.org/drawingml/2006/main" xmlns:r="http://schemas.openxmlformats.org/officeDocument/2006/relationships" xmlns:p="http://schemas.openxmlformats.org/presentationml/2006/main">
+  <p:cSld>
+    <p:spTree>
+      <p:nvGrpSpPr>
+        <p:cNvPr id="1" name=""/>
+        <p:cNvGrpSpPr/>
+        <p:nvPr/>
+      </p:nvGrpSpPr>
+      <p:grpSpPr>
+        <a:xfrm>
+          <a:off x="0" y="0"/>
+          <a:ext cx="0" cy="0"/>
+          <a:chOff x="0" y="0"/>
+          <a:chExt cx="0" cy="0"/>
+        </a:xfrm>
+      </p:grpSpPr>
+      <p:sp>
+        <p:nvSpPr>
+          <p:cNvPr id="2" name="Заголовок 1"/>
+          <p:cNvSpPr>
+            <a:spLocks noGrp="1"/>
+          </p:cNvSpPr>
+          <p:nvPr>
+            <p:ph type="title"/>
+          </p:nvPr>
+        </p:nvSpPr>
+        <p:spPr/>
+        <p:txBody>
+          <a:bodyPr/>
+          <a:lstStyle/>
+          <a:p>
+            <a:r>
+              <a:rPr lang="en-US" dirty="0"/>
+              <a:t>Homework Task 1</a:t>
+            </a:r>
+            <a:endParaRPr lang="ru-RU" dirty="0"/>
+          </a:p>
+        </p:txBody>
+      </p:sp>
+      <p:sp>
+        <p:nvSpPr>
+          <p:cNvPr id="4" name="Rectangle 1"/>
+          <p:cNvSpPr>
+            <a:spLocks noGrp="1" noChangeArrowheads="1"/>
+          </p:cNvSpPr>
+          <p:nvPr>
+            <p:ph idx="1"/>
+          </p:nvPr>
+        </p:nvSpPr>
+        <p:spPr bwMode="auto">
+          <a:xfrm>
+            <a:off x="838200" y="1690688"/>
+            <a:ext cx="10515600" cy="3016210"/>
+          </a:xfrm>
+          <a:prstGeom prst="rect">
+            <a:avLst/>
+          </a:prstGeom>
+          <a:solidFill>
+            <a:srgbClr val="FFFFFF"/>
+          </a:solidFill>
+          <a:ln>
+            <a:noFill/>
+          </a:ln>
+          <a:effectLst/>
+          <a:extLst>
+            <a:ext uri="{91240B29-F687-4F45-9708-019B960494DF}">
+              <a14:hiddenLine xmlns:a14="http://schemas.microsoft.com/office/drawing/2010/main" w="9525">
+                <a:solidFill>
+                  <a:schemeClr val="tx1"/>
+                </a:solidFill>
+                <a:miter lim="800000"/>
+                <a:headEnd/>
+                <a:tailEnd/>
+              </a14:hiddenLine>
+            </a:ext>
+            <a:ext uri="{AF507438-7753-43E0-B8FC-AC1667EBCBE1}">
+              <a14:hiddenEffects xmlns:a14="http://schemas.microsoft.com/office/drawing/2010/main">
+                <a:effectLst>
+                  <a:outerShdw dist="35921" dir="2700000" algn="ctr" rotWithShape="0">
+                    <a:schemeClr val="bg2"/>
+                  </a:outerShdw>
+                </a:effectLst>
+              </a14:hiddenEffects>
+            </a:ext>
+          </a:extLst>
+        </p:spPr>
+        <p:txBody>
+          <a:bodyPr vert="horz" wrap="square" lIns="91440" tIns="45720" rIns="91440" bIns="45720" numCol="1" anchor="ctr" anchorCtr="0" compatLnSpc="1">
+            <a:prstTxWarp prst="textNoShape">
+              <a:avLst/>
+            </a:prstTxWarp>
+            <a:spAutoFit/>
+          </a:bodyPr>
+          <a:lstStyle/>
+          <a:p>
+            <a:pPr marL="0" indent="0" eaLnBrk="0" fontAlgn="base" hangingPunct="0">
+              <a:lnSpc>
+                <a:spcPct val="150000"/>
+              </a:lnSpc>
+              <a:spcBef>
+                <a:spcPct val="0"/>
+              </a:spcBef>
+              <a:spcAft>
+                <a:spcPct val="0"/>
+              </a:spcAft>
+              <a:buNone/>
+            </a:pPr>
+            <a:r>
+              <a:rPr lang="en-US" altLang="en-US" sz="1600" b="1" dirty="0">
+                <a:solidFill>
+                  <a:srgbClr val="000080"/>
+                </a:solidFill>
+                <a:latin typeface="Courier New" panose="02070309020205020404" pitchFamily="49" charset="0"/>
+                <a:cs typeface="Courier New" panose="02070309020205020404" pitchFamily="49" charset="0"/>
+              </a:rPr>
+              <a:t>public interface </a:t>
+            </a:r>
+            <a:r>
+              <a:rPr lang="en-US" altLang="en-US" sz="1600" dirty="0">
+                <a:solidFill>
+                  <a:srgbClr val="000000"/>
+                </a:solidFill>
+                <a:latin typeface="Courier New" panose="02070309020205020404" pitchFamily="49" charset="0"/>
+                <a:cs typeface="Courier New" panose="02070309020205020404" pitchFamily="49" charset="0"/>
+              </a:rPr>
+              <a:t>Garage {</a:t>
+            </a:r>
+            <a:br>
+              <a:rPr lang="en-US" altLang="en-US" sz="1600" dirty="0">
+                <a:solidFill>
+                  <a:srgbClr val="000000"/>
+                </a:solidFill>
+                <a:latin typeface="Courier New" panose="02070309020205020404" pitchFamily="49" charset="0"/>
+                <a:cs typeface="Courier New" panose="02070309020205020404" pitchFamily="49" charset="0"/>
+              </a:rPr>
+            </a:br>
+            <a:r>
+              <a:rPr lang="en-US" altLang="en-US" sz="1600" dirty="0">
+                <a:solidFill>
+                  <a:srgbClr val="000000"/>
+                </a:solidFill>
+                <a:latin typeface="Courier New" panose="02070309020205020404" pitchFamily="49" charset="0"/>
+                <a:cs typeface="Courier New" panose="02070309020205020404" pitchFamily="49" charset="0"/>
+              </a:rPr>
+              <a:t>    </a:t>
+            </a:r>
+            <a:r>
+              <a:rPr lang="en-US" altLang="en-US" sz="1600" i="1" dirty="0">
+                <a:solidFill>
+                  <a:srgbClr val="808080"/>
+                </a:solidFill>
+                <a:latin typeface="Courier New" panose="02070309020205020404" pitchFamily="49" charset="0"/>
+                <a:cs typeface="Courier New" panose="02070309020205020404" pitchFamily="49" charset="0"/>
+              </a:rPr>
+              <a:t>/**</a:t>
+            </a:r>
+            <a:br>
+              <a:rPr lang="en-US" altLang="en-US" sz="1600" i="1" dirty="0">
+                <a:solidFill>
+                  <a:srgbClr val="808080"/>
+                </a:solidFill>
+                <a:latin typeface="Courier New" panose="02070309020205020404" pitchFamily="49" charset="0"/>
+                <a:cs typeface="Courier New" panose="02070309020205020404" pitchFamily="49" charset="0"/>
+              </a:rPr>
+            </a:br>
+            <a:r>
+              <a:rPr lang="en-US" altLang="en-US" sz="1600" i="1" dirty="0">
+                <a:solidFill>
+                  <a:srgbClr val="808080"/>
+                </a:solidFill>
+                <a:latin typeface="Courier New" panose="02070309020205020404" pitchFamily="49" charset="0"/>
+                <a:cs typeface="Courier New" panose="02070309020205020404" pitchFamily="49" charset="0"/>
+              </a:rPr>
+              <a:t>     * Returns cars list sorted by brand in alphabetical natural order, then</a:t>
+            </a:r>
+            <a:br>
+              <a:rPr lang="en-US" altLang="en-US" sz="1600" i="1" dirty="0">
+                <a:solidFill>
+                  <a:srgbClr val="808080"/>
+                </a:solidFill>
+                <a:latin typeface="Courier New" panose="02070309020205020404" pitchFamily="49" charset="0"/>
+                <a:cs typeface="Courier New" panose="02070309020205020404" pitchFamily="49" charset="0"/>
+              </a:rPr>
+            </a:br>
+            <a:r>
+              <a:rPr lang="en-US" altLang="en-US" sz="1600" i="1" dirty="0">
+                <a:solidFill>
+                  <a:srgbClr val="808080"/>
+                </a:solidFill>
+                <a:latin typeface="Courier New" panose="02070309020205020404" pitchFamily="49" charset="0"/>
+                <a:cs typeface="Courier New" panose="02070309020205020404" pitchFamily="49" charset="0"/>
+              </a:rPr>
+              <a:t>     * if brand equals sub-sorts by power descending, then</a:t>
+            </a:r>
+            <a:br>
+              <a:rPr lang="en-US" altLang="en-US" sz="1600" i="1" dirty="0">
+                <a:solidFill>
+                  <a:srgbClr val="808080"/>
+                </a:solidFill>
+                <a:latin typeface="Courier New" panose="02070309020205020404" pitchFamily="49" charset="0"/>
+                <a:cs typeface="Courier New" panose="02070309020205020404" pitchFamily="49" charset="0"/>
+              </a:rPr>
+            </a:br>
+            <a:r>
+              <a:rPr lang="en-US" altLang="en-US" sz="1600" i="1" dirty="0">
+                <a:solidFill>
+                  <a:srgbClr val="808080"/>
+                </a:solidFill>
+                <a:latin typeface="Courier New" panose="02070309020205020404" pitchFamily="49" charset="0"/>
+                <a:cs typeface="Courier New" panose="02070309020205020404" pitchFamily="49" charset="0"/>
+              </a:rPr>
+              <a:t>     * if brand and power the same – sub-sorts by Color luminosity ascending</a:t>
+            </a:r>
+            <a:br>
+              <a:rPr lang="en-US" altLang="en-US" sz="1600" i="1" dirty="0">
+                <a:solidFill>
+                  <a:srgbClr val="808080"/>
+                </a:solidFill>
+                <a:latin typeface="Courier New" panose="02070309020205020404" pitchFamily="49" charset="0"/>
+                <a:cs typeface="Courier New" panose="02070309020205020404" pitchFamily="49" charset="0"/>
+              </a:rPr>
+            </a:br>
+            <a:r>
+              <a:rPr lang="en-US" altLang="en-US" sz="1600" i="1" dirty="0">
+                <a:solidFill>
+                  <a:srgbClr val="808080"/>
+                </a:solidFill>
+                <a:latin typeface="Courier New" panose="02070309020205020404" pitchFamily="49" charset="0"/>
+                <a:cs typeface="Courier New" panose="02070309020205020404" pitchFamily="49" charset="0"/>
+              </a:rPr>
+              <a:t>     */</a:t>
+            </a:r>
+            <a:br>
+              <a:rPr lang="en-US" altLang="en-US" sz="1600" i="1" dirty="0">
+                <a:solidFill>
+                  <a:srgbClr val="808080"/>
+                </a:solidFill>
+                <a:latin typeface="Courier New" panose="02070309020205020404" pitchFamily="49" charset="0"/>
+                <a:cs typeface="Courier New" panose="02070309020205020404" pitchFamily="49" charset="0"/>
+              </a:rPr>
+            </a:br>
+            <a:r>
+              <a:rPr lang="en-US" altLang="en-US" sz="1600" i="1" dirty="0">
+                <a:solidFill>
+                  <a:srgbClr val="808080"/>
+                </a:solidFill>
+                <a:latin typeface="Courier New" panose="02070309020205020404" pitchFamily="49" charset="0"/>
+                <a:cs typeface="Courier New" panose="02070309020205020404" pitchFamily="49" charset="0"/>
+              </a:rPr>
+              <a:t>    </a:t>
+            </a:r>
+            <a:r>
+              <a:rPr lang="en-US" altLang="en-US" sz="1600" dirty="0">
+                <a:solidFill>
+                  <a:srgbClr val="000000"/>
+                </a:solidFill>
+                <a:latin typeface="Courier New" panose="02070309020205020404" pitchFamily="49" charset="0"/>
+                <a:cs typeface="Courier New" panose="02070309020205020404" pitchFamily="49" charset="0"/>
+              </a:rPr>
+              <a:t>List&lt;Car&gt; getCars();</a:t>
+            </a:r>
+            <a:br>
+              <a:rPr lang="en-US" altLang="en-US" sz="1600" dirty="0">
+                <a:solidFill>
+                  <a:srgbClr val="000000"/>
+                </a:solidFill>
+                <a:latin typeface="Courier New" panose="02070309020205020404" pitchFamily="49" charset="0"/>
+                <a:cs typeface="Courier New" panose="02070309020205020404" pitchFamily="49" charset="0"/>
+              </a:rPr>
+            </a:br>
+            <a:r>
+              <a:rPr lang="en-US" altLang="en-US" sz="1600" dirty="0" smtClean="0">
+                <a:solidFill>
+                  <a:srgbClr val="000000"/>
+                </a:solidFill>
+                <a:latin typeface="Courier New" panose="02070309020205020404" pitchFamily="49" charset="0"/>
+                <a:cs typeface="Courier New" panose="02070309020205020404" pitchFamily="49" charset="0"/>
+              </a:rPr>
+              <a:t>}</a:t>
+            </a:r>
+            <a:endParaRPr lang="en-US" altLang="ru-RU" sz="1600" dirty="0">
+              <a:latin typeface="Courier New" panose="02070309020205020404" pitchFamily="49" charset="0"/>
+              <a:cs typeface="Courier New" panose="02070309020205020404" pitchFamily="49" charset="0"/>
+            </a:endParaRPr>
+          </a:p>
+        </p:txBody>
+      </p:sp>
+      <p:sp>
+        <p:nvSpPr>
+          <p:cNvPr id="3" name="Rectangle 1"/>
+          <p:cNvSpPr>
+            <a:spLocks noChangeArrowheads="1"/>
+          </p:cNvSpPr>
+          <p:nvPr/>
+        </p:nvSpPr>
+        <p:spPr bwMode="auto">
+          <a:xfrm>
+            <a:off x="0" y="43934"/>
+            <a:ext cx="184731" cy="369332"/>
+          </a:xfrm>
+          <a:prstGeom prst="rect">
+            <a:avLst/>
+          </a:prstGeom>
+          <a:solidFill>
+            <a:srgbClr val="FFFFFF"/>
+          </a:solidFill>
+          <a:ln>
+            <a:noFill/>
+          </a:ln>
+          <a:effectLst/>
+          <a:extLst>
+            <a:ext uri="{91240B29-F687-4F45-9708-019B960494DF}">
+              <a14:hiddenLine xmlns:a14="http://schemas.microsoft.com/office/drawing/2010/main" w="9525">
+                <a:solidFill>
+                  <a:schemeClr val="tx1"/>
+                </a:solidFill>
+                <a:miter lim="800000"/>
+                <a:headEnd/>
+                <a:tailEnd/>
+              </a14:hiddenLine>
+            </a:ext>
+            <a:ext uri="{AF507438-7753-43E0-B8FC-AC1667EBCBE1}">
+              <a14:hiddenEffects xmlns:a14="http://schemas.microsoft.com/office/drawing/2010/main">
+                <a:effectLst>
+                  <a:outerShdw dist="35921" dir="2700000" algn="ctr" rotWithShape="0">
+                    <a:schemeClr val="bg2"/>
+                  </a:outerShdw>
+                </a:effectLst>
+              </a14:hiddenEffects>
+            </a:ext>
+          </a:extLst>
+        </p:spPr>
+        <p:txBody>
+          <a:bodyPr vert="horz" wrap="none" lIns="91440" tIns="45720" rIns="91440" bIns="45720" numCol="1" anchor="ctr" anchorCtr="0" compatLnSpc="1">
+            <a:prstTxWarp prst="textNoShape">
+              <a:avLst/>
+            </a:prstTxWarp>
+            <a:spAutoFit/>
+          </a:bodyPr>
+          <a:lstStyle/>
+          <a:p>
+            <a:pPr marL="0" marR="0" lvl="0" indent="0" algn="l" defTabSz="914400" rtl="0" eaLnBrk="0" fontAlgn="base" latinLnBrk="0" hangingPunct="0">
+              <a:lnSpc>
+                <a:spcPct val="100000"/>
+              </a:lnSpc>
+              <a:spcBef>
+                <a:spcPct val="0"/>
+              </a:spcBef>
+              <a:spcAft>
+                <a:spcPct val="0"/>
+              </a:spcAft>
+              <a:buClrTx/>
+              <a:buSzTx/>
+              <a:buFontTx/>
+              <a:buNone/>
+              <a:tabLst/>
+            </a:pPr>
+            <a:endParaRPr kumimoji="0" lang="ru-RU" altLang="ru-RU" sz="1800" b="0" i="0" u="none" strike="noStrike" cap="none" normalizeH="0" baseline="0" dirty="0">
+              <a:ln>
+                <a:noFill/>
+              </a:ln>
+              <a:solidFill>
+                <a:schemeClr val="tx1"/>
+              </a:solidFill>
+              <a:effectLst/>
+              <a:latin typeface="Arial" panose="020B0604020202020204" pitchFamily="34" charset="0"/>
+            </a:endParaRPr>
+          </a:p>
+        </p:txBody>
+      </p:sp>
+      <p:sp>
+        <p:nvSpPr>
+          <p:cNvPr id="5" name="Rectangle 1"/>
+          <p:cNvSpPr>
+            <a:spLocks noChangeArrowheads="1"/>
+          </p:cNvSpPr>
+          <p:nvPr/>
+        </p:nvSpPr>
+        <p:spPr bwMode="auto">
+          <a:xfrm>
+            <a:off x="0" y="43934"/>
+            <a:ext cx="184731" cy="369332"/>
+          </a:xfrm>
+          <a:prstGeom prst="rect">
+            <a:avLst/>
+          </a:prstGeom>
+          <a:solidFill>
+            <a:srgbClr val="FFFFFF"/>
+          </a:solidFill>
+          <a:ln>
+            <a:noFill/>
+          </a:ln>
+          <a:effectLst/>
+          <a:extLst>
+            <a:ext uri="{91240B29-F687-4F45-9708-019B960494DF}">
+              <a14:hiddenLine xmlns:a14="http://schemas.microsoft.com/office/drawing/2010/main" w="9525">
+                <a:solidFill>
+                  <a:schemeClr val="tx1"/>
+                </a:solidFill>
+                <a:miter lim="800000"/>
+                <a:headEnd/>
+                <a:tailEnd/>
+              </a14:hiddenLine>
+            </a:ext>
+            <a:ext uri="{AF507438-7753-43E0-B8FC-AC1667EBCBE1}">
+              <a14:hiddenEffects xmlns:a14="http://schemas.microsoft.com/office/drawing/2010/main">
+                <a:effectLst>
+                  <a:outerShdw dist="35921" dir="2700000" algn="ctr" rotWithShape="0">
+                    <a:schemeClr val="bg2"/>
+                  </a:outerShdw>
+                </a:effectLst>
+              </a14:hiddenEffects>
+            </a:ext>
+          </a:extLst>
+        </p:spPr>
+        <p:txBody>
+          <a:bodyPr vert="horz" wrap="none" lIns="91440" tIns="45720" rIns="91440" bIns="45720" numCol="1" anchor="ctr" anchorCtr="0" compatLnSpc="1">
+            <a:prstTxWarp prst="textNoShape">
+              <a:avLst/>
+            </a:prstTxWarp>
+            <a:spAutoFit/>
+          </a:bodyPr>
+          <a:lstStyle/>
+          <a:p>
+            <a:pPr marL="0" marR="0" lvl="0" indent="0" algn="l" defTabSz="914400" rtl="0" eaLnBrk="0" fontAlgn="base" latinLnBrk="0" hangingPunct="0">
+              <a:lnSpc>
+                <a:spcPct val="100000"/>
+              </a:lnSpc>
+              <a:spcBef>
+                <a:spcPct val="0"/>
+              </a:spcBef>
+              <a:spcAft>
+                <a:spcPct val="0"/>
+              </a:spcAft>
+              <a:buClrTx/>
+              <a:buSzTx/>
+              <a:buFontTx/>
+              <a:buNone/>
+              <a:tabLst/>
+            </a:pPr>
+            <a:endParaRPr kumimoji="0" lang="en-US" altLang="en-US" sz="1800" b="0" i="0" u="none" strike="noStrike" cap="none" normalizeH="0" baseline="0" dirty="0" smtClean="0">
+              <a:ln>
+                <a:noFill/>
+              </a:ln>
+              <a:solidFill>
+                <a:schemeClr val="tx1"/>
+              </a:solidFill>
+              <a:effectLst/>
+              <a:latin typeface="Arial" panose="020B0604020202020204" pitchFamily="34" charset="0"/>
+            </a:endParaRPr>
+          </a:p>
+        </p:txBody>
+      </p:sp>
+      <p:sp>
+        <p:nvSpPr>
+          <p:cNvPr id="6" name="Rectangle 2"/>
+          <p:cNvSpPr>
+            <a:spLocks noChangeArrowheads="1"/>
+          </p:cNvSpPr>
+          <p:nvPr/>
+        </p:nvSpPr>
+        <p:spPr bwMode="auto">
+          <a:xfrm>
+            <a:off x="0" y="43934"/>
+            <a:ext cx="184731" cy="369332"/>
+          </a:xfrm>
+          <a:prstGeom prst="rect">
+            <a:avLst/>
+          </a:prstGeom>
+          <a:solidFill>
+            <a:srgbClr val="FFFFFF"/>
+          </a:solidFill>
+          <a:ln>
+            <a:noFill/>
+          </a:ln>
+          <a:effectLst/>
+          <a:extLst>
+            <a:ext uri="{91240B29-F687-4F45-9708-019B960494DF}">
+              <a14:hiddenLine xmlns:a14="http://schemas.microsoft.com/office/drawing/2010/main" w="9525">
+                <a:solidFill>
+                  <a:schemeClr val="tx1"/>
+                </a:solidFill>
+                <a:miter lim="800000"/>
+                <a:headEnd/>
+                <a:tailEnd/>
+              </a14:hiddenLine>
+            </a:ext>
+            <a:ext uri="{AF507438-7753-43E0-B8FC-AC1667EBCBE1}">
+              <a14:hiddenEffects xmlns:a14="http://schemas.microsoft.com/office/drawing/2010/main">
+                <a:effectLst>
+                  <a:outerShdw dist="35921" dir="2700000" algn="ctr" rotWithShape="0">
+                    <a:schemeClr val="bg2"/>
+                  </a:outerShdw>
+                </a:effectLst>
+              </a14:hiddenEffects>
+            </a:ext>
+          </a:extLst>
+        </p:spPr>
+        <p:txBody>
+          <a:bodyPr vert="horz" wrap="none" lIns="91440" tIns="45720" rIns="91440" bIns="45720" numCol="1" anchor="ctr" anchorCtr="0" compatLnSpc="1">
+            <a:prstTxWarp prst="textNoShape">
+              <a:avLst/>
+            </a:prstTxWarp>
+            <a:spAutoFit/>
+          </a:bodyPr>
+          <a:lstStyle/>
+          <a:p>
+            <a:pPr marL="0" marR="0" lvl="0" indent="0" algn="l" defTabSz="914400" rtl="0" eaLnBrk="0" fontAlgn="base" latinLnBrk="0" hangingPunct="0">
+              <a:lnSpc>
+                <a:spcPct val="100000"/>
+              </a:lnSpc>
+              <a:spcBef>
+                <a:spcPct val="0"/>
+              </a:spcBef>
+              <a:spcAft>
+                <a:spcPct val="0"/>
+              </a:spcAft>
+              <a:buClrTx/>
+              <a:buSzTx/>
+              <a:buFontTx/>
+              <a:buNone/>
+              <a:tabLst/>
+            </a:pPr>
+            <a:endParaRPr kumimoji="0" lang="en-US" altLang="en-US" sz="1800" b="0" i="0" u="none" strike="noStrike" cap="none" normalizeH="0" baseline="0" dirty="0" smtClean="0">
+              <a:ln>
+                <a:noFill/>
+              </a:ln>
+              <a:solidFill>
+                <a:schemeClr val="tx1"/>
+              </a:solidFill>
+              <a:effectLst/>
+              <a:latin typeface="Arial" panose="020B0604020202020204" pitchFamily="34" charset="0"/>
+            </a:endParaRPr>
+          </a:p>
+        </p:txBody>
+      </p:sp>
+      <p:sp>
+        <p:nvSpPr>
+          <p:cNvPr id="7" name="Rectangle 6"/>
+          <p:cNvSpPr/>
+          <p:nvPr/>
+        </p:nvSpPr>
+        <p:spPr>
+          <a:xfrm>
+            <a:off x="838200" y="4989719"/>
+            <a:ext cx="6096000" cy="369332"/>
+          </a:xfrm>
+          <a:prstGeom prst="rect">
+            <a:avLst/>
+          </a:prstGeom>
+        </p:spPr>
+        <p:txBody>
+          <a:bodyPr>
+            <a:spAutoFit/>
+          </a:bodyPr>
+          <a:lstStyle/>
+          <a:p>
+            <a:r>
+              <a:rPr lang="en-US" dirty="0" smtClean="0">
+                <a:hlinkClick r:id="rId3"/>
+              </a:rPr>
+              <a:t>https</a:t>
+            </a:r>
+            <a:r>
+              <a:rPr lang="en-US" dirty="0">
+                <a:hlinkClick r:id="rId3"/>
+              </a:rPr>
+              <a:t>://</a:t>
+            </a:r>
+            <a:r>
+              <a:rPr lang="en-US" dirty="0" smtClean="0">
+                <a:hlinkClick r:id="rId3"/>
+              </a:rPr>
+              <a:t>en.wikipedia.org/wiki/Relative_luminance</a:t>
+            </a:r>
+            <a:endParaRPr lang="en-US" dirty="0" smtClean="0"/>
+          </a:p>
+        </p:txBody>
+      </p:sp>
+    </p:spTree>
+    <p:extLst>
+      <p:ext uri="{BB962C8B-B14F-4D97-AF65-F5344CB8AC3E}">
+        <p14:creationId xmlns:p14="http://schemas.microsoft.com/office/powerpoint/2010/main" val="2477898234"/>
+      </p:ext>
+    </p:extLst>
+  </p:cSld>
+  <p:clrMapOvr>
+    <a:masterClrMapping/>
+  </p:clrMapOvr>
 </p:sld>
 </file>
 
@@ -27398,2871 +27274,6 @@
             <p:ph type="title"/>
           </p:nvPr>
         </p:nvSpPr>
-        <p:spPr>
-          <a:xfrm>
-            <a:off x="838199" y="365125"/>
-            <a:ext cx="11036121" cy="1325563"/>
-          </a:xfrm>
-        </p:spPr>
-        <p:txBody>
-          <a:bodyPr/>
-          <a:lstStyle/>
-          <a:p>
-            <a:r>
-              <a:rPr lang="en-US" dirty="0" smtClean="0"/>
-              <a:t>Comparator</a:t>
-            </a:r>
-            <a:endParaRPr lang="ru-RU" dirty="0"/>
-          </a:p>
-        </p:txBody>
-      </p:sp>
-      <p:sp>
-        <p:nvSpPr>
-          <p:cNvPr id="4" name="Rectangle 1"/>
-          <p:cNvSpPr>
-            <a:spLocks noGrp="1" noChangeArrowheads="1"/>
-          </p:cNvSpPr>
-          <p:nvPr>
-            <p:ph idx="1"/>
-          </p:nvPr>
-        </p:nvSpPr>
-        <p:spPr bwMode="auto">
-          <a:xfrm>
-            <a:off x="838199" y="1690688"/>
-            <a:ext cx="10883748" cy="5016758"/>
-          </a:xfrm>
-          <a:prstGeom prst="rect">
-            <a:avLst/>
-          </a:prstGeom>
-          <a:solidFill>
-            <a:srgbClr val="FFFFFF"/>
-          </a:solidFill>
-          <a:ln>
-            <a:noFill/>
-          </a:ln>
-          <a:effectLst/>
-          <a:extLst>
-            <a:ext uri="{91240B29-F687-4F45-9708-019B960494DF}">
-              <a14:hiddenLine xmlns:a14="http://schemas.microsoft.com/office/drawing/2010/main" w="9525">
-                <a:solidFill>
-                  <a:schemeClr val="tx1"/>
-                </a:solidFill>
-                <a:miter lim="800000"/>
-                <a:headEnd/>
-                <a:tailEnd/>
-              </a14:hiddenLine>
-            </a:ext>
-            <a:ext uri="{AF507438-7753-43E0-B8FC-AC1667EBCBE1}">
-              <a14:hiddenEffects xmlns:a14="http://schemas.microsoft.com/office/drawing/2010/main">
-                <a:effectLst>
-                  <a:outerShdw dist="35921" dir="2700000" algn="ctr" rotWithShape="0">
-                    <a:schemeClr val="bg2"/>
-                  </a:outerShdw>
-                </a:effectLst>
-              </a14:hiddenEffects>
-            </a:ext>
-          </a:extLst>
-        </p:spPr>
-        <p:txBody>
-          <a:bodyPr vert="horz" wrap="square" lIns="91440" tIns="45720" rIns="91440" bIns="45720" numCol="1" anchor="ctr" anchorCtr="0" compatLnSpc="1">
-            <a:prstTxWarp prst="textNoShape">
-              <a:avLst/>
-            </a:prstTxWarp>
-            <a:spAutoFit/>
-          </a:bodyPr>
-          <a:lstStyle/>
-          <a:p>
-            <a:pPr marL="0" lvl="0" indent="0" eaLnBrk="0" fontAlgn="base" hangingPunct="0">
-              <a:lnSpc>
-                <a:spcPct val="100000"/>
-              </a:lnSpc>
-              <a:spcBef>
-                <a:spcPct val="0"/>
-              </a:spcBef>
-              <a:spcAft>
-                <a:spcPct val="0"/>
-              </a:spcAft>
-              <a:buNone/>
-            </a:pPr>
-            <a:r>
-              <a:rPr lang="ru-RU" altLang="ru-RU" sz="1600" b="1" dirty="0">
-                <a:solidFill>
-                  <a:srgbClr val="000080"/>
-                </a:solidFill>
-                <a:latin typeface="Courier New" panose="02070309020205020404" pitchFamily="49" charset="0"/>
-                <a:cs typeface="Courier New" panose="02070309020205020404" pitchFamily="49" charset="0"/>
-              </a:rPr>
-              <a:t>class </a:t>
-            </a:r>
-            <a:r>
-              <a:rPr lang="ru-RU" altLang="ru-RU" sz="1600" dirty="0" err="1">
-                <a:solidFill>
-                  <a:srgbClr val="000000"/>
-                </a:solidFill>
-                <a:latin typeface="Courier New" panose="02070309020205020404" pitchFamily="49" charset="0"/>
-                <a:cs typeface="Courier New" panose="02070309020205020404" pitchFamily="49" charset="0"/>
-              </a:rPr>
-              <a:t>Animal</a:t>
-            </a:r>
-            <a:r>
-              <a:rPr lang="ru-RU" altLang="ru-RU" sz="1600" dirty="0">
-                <a:solidFill>
-                  <a:srgbClr val="000000"/>
-                </a:solidFill>
-                <a:latin typeface="Courier New" panose="02070309020205020404" pitchFamily="49" charset="0"/>
-                <a:cs typeface="Courier New" panose="02070309020205020404" pitchFamily="49" charset="0"/>
-              </a:rPr>
-              <a:t> </a:t>
-            </a:r>
-            <a:r>
-              <a:rPr lang="ru-RU" altLang="ru-RU" sz="1600" dirty="0" smtClean="0">
-                <a:solidFill>
-                  <a:srgbClr val="000000"/>
-                </a:solidFill>
-                <a:latin typeface="Courier New" panose="02070309020205020404" pitchFamily="49" charset="0"/>
-                <a:cs typeface="Courier New" panose="02070309020205020404" pitchFamily="49" charset="0"/>
-              </a:rPr>
-              <a:t>{</a:t>
-            </a:r>
-            <a:r>
-              <a:rPr lang="ru-RU" altLang="ru-RU" sz="1600" dirty="0">
-                <a:solidFill>
-                  <a:srgbClr val="000000"/>
-                </a:solidFill>
-                <a:latin typeface="Courier New" panose="02070309020205020404" pitchFamily="49" charset="0"/>
-                <a:cs typeface="Courier New" panose="02070309020205020404" pitchFamily="49" charset="0"/>
-              </a:rPr>
-              <a:t/>
-            </a:r>
-            <a:br>
-              <a:rPr lang="ru-RU" altLang="ru-RU" sz="1600" dirty="0">
-                <a:solidFill>
-                  <a:srgbClr val="000000"/>
-                </a:solidFill>
-                <a:latin typeface="Courier New" panose="02070309020205020404" pitchFamily="49" charset="0"/>
-                <a:cs typeface="Courier New" panose="02070309020205020404" pitchFamily="49" charset="0"/>
-              </a:rPr>
-            </a:br>
-            <a:r>
-              <a:rPr lang="ru-RU" altLang="ru-RU" sz="1600" dirty="0">
-                <a:solidFill>
-                  <a:srgbClr val="000000"/>
-                </a:solidFill>
-                <a:latin typeface="Courier New" panose="02070309020205020404" pitchFamily="49" charset="0"/>
-                <a:cs typeface="Courier New" panose="02070309020205020404" pitchFamily="49" charset="0"/>
-              </a:rPr>
-              <a:t>    String </a:t>
-            </a:r>
-            <a:r>
-              <a:rPr lang="ru-RU" altLang="ru-RU" sz="1600" b="1" dirty="0" err="1">
-                <a:solidFill>
-                  <a:srgbClr val="660E7A"/>
-                </a:solidFill>
-                <a:latin typeface="Courier New" panose="02070309020205020404" pitchFamily="49" charset="0"/>
-                <a:cs typeface="Courier New" panose="02070309020205020404" pitchFamily="49" charset="0"/>
-              </a:rPr>
-              <a:t>name</a:t>
-            </a:r>
-            <a:r>
-              <a:rPr lang="ru-RU" altLang="ru-RU" sz="1600" dirty="0">
-                <a:solidFill>
-                  <a:srgbClr val="000000"/>
-                </a:solidFill>
-                <a:latin typeface="Courier New" panose="02070309020205020404" pitchFamily="49" charset="0"/>
-                <a:cs typeface="Courier New" panose="02070309020205020404" pitchFamily="49" charset="0"/>
-              </a:rPr>
-              <a:t>;</a:t>
-            </a:r>
-            <a:br>
-              <a:rPr lang="ru-RU" altLang="ru-RU" sz="1600" dirty="0">
-                <a:solidFill>
-                  <a:srgbClr val="000000"/>
-                </a:solidFill>
-                <a:latin typeface="Courier New" panose="02070309020205020404" pitchFamily="49" charset="0"/>
-                <a:cs typeface="Courier New" panose="02070309020205020404" pitchFamily="49" charset="0"/>
-              </a:rPr>
-            </a:br>
-            <a:r>
-              <a:rPr lang="ru-RU" altLang="ru-RU" sz="1600" dirty="0">
-                <a:solidFill>
-                  <a:srgbClr val="000000"/>
-                </a:solidFill>
-                <a:latin typeface="Courier New" panose="02070309020205020404" pitchFamily="49" charset="0"/>
-                <a:cs typeface="Courier New" panose="02070309020205020404" pitchFamily="49" charset="0"/>
-              </a:rPr>
-              <a:t>    </a:t>
-            </a:r>
-            <a:r>
-              <a:rPr lang="ru-RU" altLang="ru-RU" sz="1600" dirty="0" err="1">
-                <a:solidFill>
-                  <a:srgbClr val="000000"/>
-                </a:solidFill>
-                <a:latin typeface="Courier New" panose="02070309020205020404" pitchFamily="49" charset="0"/>
-                <a:cs typeface="Courier New" panose="02070309020205020404" pitchFamily="49" charset="0"/>
-              </a:rPr>
-              <a:t>Integer</a:t>
-            </a:r>
-            <a:r>
-              <a:rPr lang="ru-RU" altLang="ru-RU" sz="1600" dirty="0">
-                <a:solidFill>
-                  <a:srgbClr val="000000"/>
-                </a:solidFill>
-                <a:latin typeface="Courier New" panose="02070309020205020404" pitchFamily="49" charset="0"/>
-                <a:cs typeface="Courier New" panose="02070309020205020404" pitchFamily="49" charset="0"/>
-              </a:rPr>
-              <a:t> </a:t>
-            </a:r>
-            <a:r>
-              <a:rPr lang="ru-RU" altLang="ru-RU" sz="1600" b="1" dirty="0" err="1">
-                <a:solidFill>
-                  <a:srgbClr val="660E7A"/>
-                </a:solidFill>
-                <a:latin typeface="Courier New" panose="02070309020205020404" pitchFamily="49" charset="0"/>
-                <a:cs typeface="Courier New" panose="02070309020205020404" pitchFamily="49" charset="0"/>
-              </a:rPr>
-              <a:t>strength</a:t>
-            </a:r>
-            <a:r>
-              <a:rPr lang="ru-RU" altLang="ru-RU" sz="1600" dirty="0">
-                <a:solidFill>
-                  <a:srgbClr val="000000"/>
-                </a:solidFill>
-                <a:latin typeface="Courier New" panose="02070309020205020404" pitchFamily="49" charset="0"/>
-                <a:cs typeface="Courier New" panose="02070309020205020404" pitchFamily="49" charset="0"/>
-              </a:rPr>
-              <a:t>;</a:t>
-            </a:r>
-            <a:br>
-              <a:rPr lang="ru-RU" altLang="ru-RU" sz="1600" dirty="0">
-                <a:solidFill>
-                  <a:srgbClr val="000000"/>
-                </a:solidFill>
-                <a:latin typeface="Courier New" panose="02070309020205020404" pitchFamily="49" charset="0"/>
-                <a:cs typeface="Courier New" panose="02070309020205020404" pitchFamily="49" charset="0"/>
-              </a:rPr>
-            </a:br>
-            <a:r>
-              <a:rPr lang="en-US" altLang="ru-RU" sz="1600" dirty="0" smtClean="0">
-                <a:solidFill>
-                  <a:schemeClr val="accent3"/>
-                </a:solidFill>
-                <a:latin typeface="Courier New" panose="02070309020205020404" pitchFamily="49" charset="0"/>
-                <a:cs typeface="Courier New" panose="02070309020205020404" pitchFamily="49" charset="0"/>
-              </a:rPr>
-              <a:t>   </a:t>
-            </a:r>
-            <a:r>
-              <a:rPr lang="ru-RU" altLang="ru-RU" sz="1600" dirty="0" smtClean="0">
-                <a:solidFill>
-                  <a:schemeClr val="accent3"/>
-                </a:solidFill>
-                <a:latin typeface="Courier New" panose="02070309020205020404" pitchFamily="49" charset="0"/>
-                <a:cs typeface="Courier New" panose="02070309020205020404" pitchFamily="49" charset="0"/>
-              </a:rPr>
-              <a:t> </a:t>
-            </a:r>
-            <a:r>
-              <a:rPr lang="en-US" altLang="ru-RU" sz="1600" dirty="0" smtClean="0">
-                <a:solidFill>
-                  <a:schemeClr val="accent3"/>
-                </a:solidFill>
-                <a:latin typeface="Courier New" panose="02070309020205020404" pitchFamily="49" charset="0"/>
-                <a:cs typeface="Courier New" panose="02070309020205020404" pitchFamily="49" charset="0"/>
-              </a:rPr>
-              <a:t>// constructor</a:t>
-            </a:r>
-            <a:r>
-              <a:rPr lang="ru-RU" altLang="ru-RU" sz="1600" dirty="0">
-                <a:solidFill>
-                  <a:srgbClr val="000000"/>
-                </a:solidFill>
-                <a:latin typeface="Courier New" panose="02070309020205020404" pitchFamily="49" charset="0"/>
-                <a:cs typeface="Courier New" panose="02070309020205020404" pitchFamily="49" charset="0"/>
-              </a:rPr>
-              <a:t/>
-            </a:r>
-            <a:br>
-              <a:rPr lang="ru-RU" altLang="ru-RU" sz="1600" dirty="0">
-                <a:solidFill>
-                  <a:srgbClr val="000000"/>
-                </a:solidFill>
-                <a:latin typeface="Courier New" panose="02070309020205020404" pitchFamily="49" charset="0"/>
-                <a:cs typeface="Courier New" panose="02070309020205020404" pitchFamily="49" charset="0"/>
-              </a:rPr>
-            </a:br>
-            <a:r>
-              <a:rPr lang="ru-RU" altLang="ru-RU" sz="1600" dirty="0" smtClean="0">
-                <a:solidFill>
-                  <a:srgbClr val="000000"/>
-                </a:solidFill>
-                <a:latin typeface="Courier New" panose="02070309020205020404" pitchFamily="49" charset="0"/>
-                <a:cs typeface="Courier New" panose="02070309020205020404" pitchFamily="49" charset="0"/>
-              </a:rPr>
-              <a:t>}</a:t>
-            </a:r>
-            <a:endParaRPr lang="en-US" altLang="ru-RU" sz="1600" dirty="0" smtClean="0">
-              <a:solidFill>
-                <a:srgbClr val="000000"/>
-              </a:solidFill>
-              <a:latin typeface="Courier New" panose="02070309020205020404" pitchFamily="49" charset="0"/>
-              <a:cs typeface="Courier New" panose="02070309020205020404" pitchFamily="49" charset="0"/>
-            </a:endParaRPr>
-          </a:p>
-          <a:p>
-            <a:pPr marL="0" lvl="0" indent="0" eaLnBrk="0" fontAlgn="base" hangingPunct="0">
-              <a:lnSpc>
-                <a:spcPct val="100000"/>
-              </a:lnSpc>
-              <a:spcBef>
-                <a:spcPct val="0"/>
-              </a:spcBef>
-              <a:spcAft>
-                <a:spcPct val="0"/>
-              </a:spcAft>
-              <a:buNone/>
-            </a:pPr>
-            <a:endParaRPr lang="en-US" altLang="ru-RU" sz="1600" dirty="0" smtClean="0">
-              <a:solidFill>
-                <a:srgbClr val="000000"/>
-              </a:solidFill>
-              <a:latin typeface="Courier New" panose="02070309020205020404" pitchFamily="49" charset="0"/>
-              <a:cs typeface="Courier New" panose="02070309020205020404" pitchFamily="49" charset="0"/>
-            </a:endParaRPr>
-          </a:p>
-          <a:p>
-            <a:pPr marL="0" indent="0" eaLnBrk="0" fontAlgn="base" hangingPunct="0">
-              <a:lnSpc>
-                <a:spcPct val="100000"/>
-              </a:lnSpc>
-              <a:spcBef>
-                <a:spcPct val="0"/>
-              </a:spcBef>
-              <a:spcAft>
-                <a:spcPct val="0"/>
-              </a:spcAft>
-              <a:buNone/>
-            </a:pPr>
-            <a:r>
-              <a:rPr lang="ru-RU" altLang="ru-RU" sz="1600" dirty="0" err="1" smtClean="0">
-                <a:solidFill>
-                  <a:srgbClr val="000000"/>
-                </a:solidFill>
-                <a:latin typeface="Courier New" panose="02070309020205020404" pitchFamily="49" charset="0"/>
-                <a:cs typeface="Courier New" panose="02070309020205020404" pitchFamily="49" charset="0"/>
-              </a:rPr>
-              <a:t>Comparator</a:t>
-            </a:r>
-            <a:r>
-              <a:rPr lang="ru-RU" altLang="ru-RU" sz="1600" dirty="0" smtClean="0">
-                <a:solidFill>
-                  <a:srgbClr val="000000"/>
-                </a:solidFill>
-                <a:latin typeface="Courier New" panose="02070309020205020404" pitchFamily="49" charset="0"/>
-                <a:cs typeface="Courier New" panose="02070309020205020404" pitchFamily="49" charset="0"/>
-              </a:rPr>
-              <a:t>&lt;</a:t>
-            </a:r>
-            <a:r>
-              <a:rPr lang="ru-RU" altLang="ru-RU" sz="1600" dirty="0" err="1" smtClean="0">
-                <a:solidFill>
-                  <a:srgbClr val="000000"/>
-                </a:solidFill>
-                <a:latin typeface="Courier New" panose="02070309020205020404" pitchFamily="49" charset="0"/>
-                <a:cs typeface="Courier New" panose="02070309020205020404" pitchFamily="49" charset="0"/>
-              </a:rPr>
-              <a:t>Animal</a:t>
-            </a:r>
-            <a:r>
-              <a:rPr lang="ru-RU" altLang="ru-RU" sz="1600" dirty="0" smtClean="0">
-                <a:solidFill>
-                  <a:srgbClr val="000000"/>
-                </a:solidFill>
-                <a:latin typeface="Courier New" panose="02070309020205020404" pitchFamily="49" charset="0"/>
-                <a:cs typeface="Courier New" panose="02070309020205020404" pitchFamily="49" charset="0"/>
-              </a:rPr>
-              <a:t>&gt; </a:t>
-            </a:r>
-            <a:r>
-              <a:rPr lang="ru-RU" altLang="ru-RU" sz="1600" dirty="0" err="1" smtClean="0">
-                <a:solidFill>
-                  <a:srgbClr val="000000"/>
-                </a:solidFill>
-                <a:latin typeface="Courier New" panose="02070309020205020404" pitchFamily="49" charset="0"/>
-                <a:cs typeface="Courier New" panose="02070309020205020404" pitchFamily="49" charset="0"/>
-              </a:rPr>
-              <a:t>animalComparatorByStrength</a:t>
-            </a:r>
-            <a:r>
-              <a:rPr lang="ru-RU" altLang="ru-RU" sz="1600" dirty="0" smtClean="0">
-                <a:solidFill>
-                  <a:srgbClr val="000000"/>
-                </a:solidFill>
-                <a:latin typeface="Courier New" panose="02070309020205020404" pitchFamily="49" charset="0"/>
-                <a:cs typeface="Courier New" panose="02070309020205020404" pitchFamily="49" charset="0"/>
-              </a:rPr>
-              <a:t> = </a:t>
-            </a:r>
-            <a:r>
-              <a:rPr lang="ru-RU" altLang="ru-RU" sz="1600" b="1" dirty="0" err="1" smtClean="0">
-                <a:solidFill>
-                  <a:srgbClr val="000080"/>
-                </a:solidFill>
-                <a:latin typeface="Courier New" panose="02070309020205020404" pitchFamily="49" charset="0"/>
-                <a:cs typeface="Courier New" panose="02070309020205020404" pitchFamily="49" charset="0"/>
-              </a:rPr>
-              <a:t>new</a:t>
-            </a:r>
-            <a:r>
-              <a:rPr lang="ru-RU" altLang="ru-RU" sz="1600" b="1" dirty="0" smtClean="0">
-                <a:solidFill>
-                  <a:srgbClr val="000080"/>
-                </a:solidFill>
-                <a:latin typeface="Courier New" panose="02070309020205020404" pitchFamily="49" charset="0"/>
-                <a:cs typeface="Courier New" panose="02070309020205020404" pitchFamily="49" charset="0"/>
-              </a:rPr>
-              <a:t> </a:t>
-            </a:r>
-            <a:r>
-              <a:rPr lang="ru-RU" altLang="ru-RU" sz="1600" dirty="0" err="1" smtClean="0">
-                <a:solidFill>
-                  <a:srgbClr val="000000"/>
-                </a:solidFill>
-                <a:latin typeface="Courier New" panose="02070309020205020404" pitchFamily="49" charset="0"/>
-                <a:cs typeface="Courier New" panose="02070309020205020404" pitchFamily="49" charset="0"/>
-              </a:rPr>
-              <a:t>Comparator</a:t>
-            </a:r>
-            <a:r>
-              <a:rPr lang="ru-RU" altLang="ru-RU" sz="1600" dirty="0" smtClean="0">
-                <a:solidFill>
-                  <a:srgbClr val="000000"/>
-                </a:solidFill>
-                <a:latin typeface="Courier New" panose="02070309020205020404" pitchFamily="49" charset="0"/>
-                <a:cs typeface="Courier New" panose="02070309020205020404" pitchFamily="49" charset="0"/>
-              </a:rPr>
-              <a:t>&lt;&gt;() {</a:t>
-            </a:r>
-            <a:br>
-              <a:rPr lang="ru-RU" altLang="ru-RU" sz="1600" dirty="0" smtClean="0">
-                <a:solidFill>
-                  <a:srgbClr val="000000"/>
-                </a:solidFill>
-                <a:latin typeface="Courier New" panose="02070309020205020404" pitchFamily="49" charset="0"/>
-                <a:cs typeface="Courier New" panose="02070309020205020404" pitchFamily="49" charset="0"/>
-              </a:rPr>
-            </a:br>
-            <a:r>
-              <a:rPr lang="ru-RU" altLang="ru-RU" sz="1600" dirty="0" smtClean="0">
-                <a:solidFill>
-                  <a:srgbClr val="000000"/>
-                </a:solidFill>
-                <a:latin typeface="Courier New" panose="02070309020205020404" pitchFamily="49" charset="0"/>
-                <a:cs typeface="Courier New" panose="02070309020205020404" pitchFamily="49" charset="0"/>
-              </a:rPr>
-              <a:t>    </a:t>
-            </a:r>
-            <a:r>
-              <a:rPr lang="ru-RU" altLang="ru-RU" sz="1600" dirty="0" smtClean="0">
-                <a:solidFill>
-                  <a:srgbClr val="808000"/>
-                </a:solidFill>
-                <a:latin typeface="Courier New" panose="02070309020205020404" pitchFamily="49" charset="0"/>
-                <a:cs typeface="Courier New" panose="02070309020205020404" pitchFamily="49" charset="0"/>
-              </a:rPr>
-              <a:t>@</a:t>
-            </a:r>
-            <a:r>
-              <a:rPr lang="ru-RU" altLang="ru-RU" sz="1600" dirty="0" err="1" smtClean="0">
-                <a:solidFill>
-                  <a:srgbClr val="808000"/>
-                </a:solidFill>
-                <a:latin typeface="Courier New" panose="02070309020205020404" pitchFamily="49" charset="0"/>
-                <a:cs typeface="Courier New" panose="02070309020205020404" pitchFamily="49" charset="0"/>
-              </a:rPr>
-              <a:t>Override</a:t>
-            </a:r>
-            <a:r>
-              <a:rPr lang="ru-RU" altLang="ru-RU" sz="1600" dirty="0" smtClean="0">
-                <a:solidFill>
-                  <a:srgbClr val="808000"/>
-                </a:solidFill>
-                <a:latin typeface="Courier New" panose="02070309020205020404" pitchFamily="49" charset="0"/>
-                <a:cs typeface="Courier New" panose="02070309020205020404" pitchFamily="49" charset="0"/>
-              </a:rPr>
-              <a:t/>
-            </a:r>
-            <a:br>
-              <a:rPr lang="ru-RU" altLang="ru-RU" sz="1600" dirty="0" smtClean="0">
-                <a:solidFill>
-                  <a:srgbClr val="808000"/>
-                </a:solidFill>
-                <a:latin typeface="Courier New" panose="02070309020205020404" pitchFamily="49" charset="0"/>
-                <a:cs typeface="Courier New" panose="02070309020205020404" pitchFamily="49" charset="0"/>
-              </a:rPr>
-            </a:br>
-            <a:r>
-              <a:rPr lang="ru-RU" altLang="ru-RU" sz="1600" dirty="0" smtClean="0">
-                <a:solidFill>
-                  <a:srgbClr val="808000"/>
-                </a:solidFill>
-                <a:latin typeface="Courier New" panose="02070309020205020404" pitchFamily="49" charset="0"/>
-                <a:cs typeface="Courier New" panose="02070309020205020404" pitchFamily="49" charset="0"/>
-              </a:rPr>
-              <a:t>    </a:t>
-            </a:r>
-            <a:r>
-              <a:rPr lang="ru-RU" altLang="ru-RU" sz="1600" b="1" dirty="0" smtClean="0">
-                <a:solidFill>
-                  <a:srgbClr val="000080"/>
-                </a:solidFill>
-                <a:latin typeface="Courier New" panose="02070309020205020404" pitchFamily="49" charset="0"/>
-                <a:cs typeface="Courier New" panose="02070309020205020404" pitchFamily="49" charset="0"/>
-              </a:rPr>
-              <a:t>public </a:t>
-            </a:r>
-            <a:r>
-              <a:rPr lang="ru-RU" altLang="ru-RU" sz="1600" b="1" dirty="0" err="1" smtClean="0">
-                <a:solidFill>
-                  <a:srgbClr val="000080"/>
-                </a:solidFill>
-                <a:latin typeface="Courier New" panose="02070309020205020404" pitchFamily="49" charset="0"/>
-                <a:cs typeface="Courier New" panose="02070309020205020404" pitchFamily="49" charset="0"/>
-              </a:rPr>
-              <a:t>int</a:t>
-            </a:r>
-            <a:r>
-              <a:rPr lang="ru-RU" altLang="ru-RU" sz="1600" b="1" dirty="0" smtClean="0">
-                <a:solidFill>
-                  <a:srgbClr val="000080"/>
-                </a:solidFill>
-                <a:latin typeface="Courier New" panose="02070309020205020404" pitchFamily="49" charset="0"/>
-                <a:cs typeface="Courier New" panose="02070309020205020404" pitchFamily="49" charset="0"/>
-              </a:rPr>
-              <a:t> </a:t>
-            </a:r>
-            <a:r>
-              <a:rPr lang="ru-RU" altLang="ru-RU" sz="1600" dirty="0" err="1" smtClean="0">
-                <a:solidFill>
-                  <a:srgbClr val="000000"/>
-                </a:solidFill>
-                <a:latin typeface="Courier New" panose="02070309020205020404" pitchFamily="49" charset="0"/>
-                <a:cs typeface="Courier New" panose="02070309020205020404" pitchFamily="49" charset="0"/>
-              </a:rPr>
-              <a:t>compare</a:t>
-            </a:r>
-            <a:r>
-              <a:rPr lang="ru-RU" altLang="ru-RU" sz="1600" dirty="0" smtClean="0">
-                <a:solidFill>
-                  <a:srgbClr val="000000"/>
-                </a:solidFill>
-                <a:latin typeface="Courier New" panose="02070309020205020404" pitchFamily="49" charset="0"/>
-                <a:cs typeface="Courier New" panose="02070309020205020404" pitchFamily="49" charset="0"/>
-              </a:rPr>
-              <a:t>(</a:t>
-            </a:r>
-            <a:r>
-              <a:rPr lang="ru-RU" altLang="ru-RU" sz="1600" dirty="0" err="1" smtClean="0">
-                <a:solidFill>
-                  <a:srgbClr val="000000"/>
-                </a:solidFill>
-                <a:latin typeface="Courier New" panose="02070309020205020404" pitchFamily="49" charset="0"/>
-                <a:cs typeface="Courier New" panose="02070309020205020404" pitchFamily="49" charset="0"/>
-              </a:rPr>
-              <a:t>Animal</a:t>
-            </a:r>
-            <a:r>
-              <a:rPr lang="ru-RU" altLang="ru-RU" sz="1600" dirty="0" smtClean="0">
-                <a:solidFill>
-                  <a:srgbClr val="000000"/>
-                </a:solidFill>
-                <a:latin typeface="Courier New" panose="02070309020205020404" pitchFamily="49" charset="0"/>
-                <a:cs typeface="Courier New" panose="02070309020205020404" pitchFamily="49" charset="0"/>
-              </a:rPr>
-              <a:t> o1, </a:t>
-            </a:r>
-            <a:r>
-              <a:rPr lang="ru-RU" altLang="ru-RU" sz="1600" dirty="0" err="1" smtClean="0">
-                <a:solidFill>
-                  <a:srgbClr val="000000"/>
-                </a:solidFill>
-                <a:latin typeface="Courier New" panose="02070309020205020404" pitchFamily="49" charset="0"/>
-                <a:cs typeface="Courier New" panose="02070309020205020404" pitchFamily="49" charset="0"/>
-              </a:rPr>
-              <a:t>Animal</a:t>
-            </a:r>
-            <a:r>
-              <a:rPr lang="ru-RU" altLang="ru-RU" sz="1600" dirty="0" smtClean="0">
-                <a:solidFill>
-                  <a:srgbClr val="000000"/>
-                </a:solidFill>
-                <a:latin typeface="Courier New" panose="02070309020205020404" pitchFamily="49" charset="0"/>
-                <a:cs typeface="Courier New" panose="02070309020205020404" pitchFamily="49" charset="0"/>
-              </a:rPr>
-              <a:t> o2) {</a:t>
-            </a:r>
-            <a:br>
-              <a:rPr lang="ru-RU" altLang="ru-RU" sz="1600" dirty="0" smtClean="0">
-                <a:solidFill>
-                  <a:srgbClr val="000000"/>
-                </a:solidFill>
-                <a:latin typeface="Courier New" panose="02070309020205020404" pitchFamily="49" charset="0"/>
-                <a:cs typeface="Courier New" panose="02070309020205020404" pitchFamily="49" charset="0"/>
-              </a:rPr>
-            </a:br>
-            <a:r>
-              <a:rPr lang="ru-RU" altLang="ru-RU" sz="1600" dirty="0" smtClean="0">
-                <a:solidFill>
-                  <a:srgbClr val="000000"/>
-                </a:solidFill>
-                <a:latin typeface="Courier New" panose="02070309020205020404" pitchFamily="49" charset="0"/>
-                <a:cs typeface="Courier New" panose="02070309020205020404" pitchFamily="49" charset="0"/>
-              </a:rPr>
-              <a:t>        </a:t>
-            </a:r>
-            <a:r>
-              <a:rPr lang="ru-RU" altLang="ru-RU" sz="1600" b="1" dirty="0" err="1" smtClean="0">
-                <a:solidFill>
-                  <a:srgbClr val="000080"/>
-                </a:solidFill>
-                <a:latin typeface="Courier New" panose="02070309020205020404" pitchFamily="49" charset="0"/>
-                <a:cs typeface="Courier New" panose="02070309020205020404" pitchFamily="49" charset="0"/>
-              </a:rPr>
-              <a:t>return</a:t>
-            </a:r>
-            <a:r>
-              <a:rPr lang="ru-RU" altLang="ru-RU" sz="1600" b="1" dirty="0" smtClean="0">
-                <a:solidFill>
-                  <a:srgbClr val="000080"/>
-                </a:solidFill>
-                <a:latin typeface="Courier New" panose="02070309020205020404" pitchFamily="49" charset="0"/>
-                <a:cs typeface="Courier New" panose="02070309020205020404" pitchFamily="49" charset="0"/>
-              </a:rPr>
-              <a:t> </a:t>
-            </a:r>
-            <a:r>
-              <a:rPr lang="ru-RU" altLang="ru-RU" sz="1600" dirty="0" smtClean="0">
-                <a:solidFill>
-                  <a:srgbClr val="000000"/>
-                </a:solidFill>
-                <a:latin typeface="Courier New" panose="02070309020205020404" pitchFamily="49" charset="0"/>
-                <a:cs typeface="Courier New" panose="02070309020205020404" pitchFamily="49" charset="0"/>
-              </a:rPr>
-              <a:t>o1.</a:t>
-            </a:r>
-            <a:r>
-              <a:rPr lang="ru-RU" altLang="ru-RU" sz="1600" b="1" dirty="0" smtClean="0">
-                <a:solidFill>
-                  <a:srgbClr val="660E7A"/>
-                </a:solidFill>
-                <a:latin typeface="Courier New" panose="02070309020205020404" pitchFamily="49" charset="0"/>
-                <a:cs typeface="Courier New" panose="02070309020205020404" pitchFamily="49" charset="0"/>
-              </a:rPr>
-              <a:t>strength</a:t>
-            </a:r>
-            <a:r>
-              <a:rPr lang="ru-RU" altLang="ru-RU" sz="1600" dirty="0" smtClean="0">
-                <a:solidFill>
-                  <a:srgbClr val="000000"/>
-                </a:solidFill>
-                <a:latin typeface="Courier New" panose="02070309020205020404" pitchFamily="49" charset="0"/>
-                <a:cs typeface="Courier New" panose="02070309020205020404" pitchFamily="49" charset="0"/>
-              </a:rPr>
-              <a:t>.compareTo(o2.</a:t>
-            </a:r>
-            <a:r>
-              <a:rPr lang="ru-RU" altLang="ru-RU" sz="1600" b="1" dirty="0" smtClean="0">
-                <a:solidFill>
-                  <a:srgbClr val="660E7A"/>
-                </a:solidFill>
-                <a:latin typeface="Courier New" panose="02070309020205020404" pitchFamily="49" charset="0"/>
-                <a:cs typeface="Courier New" panose="02070309020205020404" pitchFamily="49" charset="0"/>
-              </a:rPr>
-              <a:t>strength</a:t>
-            </a:r>
-            <a:r>
-              <a:rPr lang="ru-RU" altLang="ru-RU" sz="1600" dirty="0" smtClean="0">
-                <a:solidFill>
-                  <a:srgbClr val="000000"/>
-                </a:solidFill>
-                <a:latin typeface="Courier New" panose="02070309020205020404" pitchFamily="49" charset="0"/>
-                <a:cs typeface="Courier New" panose="02070309020205020404" pitchFamily="49" charset="0"/>
-              </a:rPr>
-              <a:t>);</a:t>
-            </a:r>
-            <a:br>
-              <a:rPr lang="ru-RU" altLang="ru-RU" sz="1600" dirty="0" smtClean="0">
-                <a:solidFill>
-                  <a:srgbClr val="000000"/>
-                </a:solidFill>
-                <a:latin typeface="Courier New" panose="02070309020205020404" pitchFamily="49" charset="0"/>
-                <a:cs typeface="Courier New" panose="02070309020205020404" pitchFamily="49" charset="0"/>
-              </a:rPr>
-            </a:br>
-            <a:r>
-              <a:rPr lang="ru-RU" altLang="ru-RU" sz="1600" dirty="0" smtClean="0">
-                <a:solidFill>
-                  <a:srgbClr val="000000"/>
-                </a:solidFill>
-                <a:latin typeface="Courier New" panose="02070309020205020404" pitchFamily="49" charset="0"/>
-                <a:cs typeface="Courier New" panose="02070309020205020404" pitchFamily="49" charset="0"/>
-              </a:rPr>
-              <a:t>    }</a:t>
-            </a:r>
-            <a:br>
-              <a:rPr lang="ru-RU" altLang="ru-RU" sz="1600" dirty="0" smtClean="0">
-                <a:solidFill>
-                  <a:srgbClr val="000000"/>
-                </a:solidFill>
-                <a:latin typeface="Courier New" panose="02070309020205020404" pitchFamily="49" charset="0"/>
-                <a:cs typeface="Courier New" panose="02070309020205020404" pitchFamily="49" charset="0"/>
-              </a:rPr>
-            </a:br>
-            <a:r>
-              <a:rPr lang="ru-RU" altLang="ru-RU" sz="1600" dirty="0" smtClean="0">
-                <a:solidFill>
-                  <a:srgbClr val="000000"/>
-                </a:solidFill>
-                <a:latin typeface="Courier New" panose="02070309020205020404" pitchFamily="49" charset="0"/>
-                <a:cs typeface="Courier New" panose="02070309020205020404" pitchFamily="49" charset="0"/>
-              </a:rPr>
-              <a:t>}</a:t>
-            </a:r>
-            <a:endParaRPr lang="ru-RU" altLang="ru-RU" sz="3600" dirty="0" smtClean="0">
-              <a:latin typeface="Courier New" panose="02070309020205020404" pitchFamily="49" charset="0"/>
-              <a:cs typeface="Courier New" panose="02070309020205020404" pitchFamily="49" charset="0"/>
-            </a:endParaRPr>
-          </a:p>
-          <a:p>
-            <a:pPr marL="0" lvl="0" indent="0" eaLnBrk="0" fontAlgn="base" hangingPunct="0">
-              <a:lnSpc>
-                <a:spcPct val="100000"/>
-              </a:lnSpc>
-              <a:spcBef>
-                <a:spcPct val="0"/>
-              </a:spcBef>
-              <a:spcAft>
-                <a:spcPct val="0"/>
-              </a:spcAft>
-              <a:buNone/>
-            </a:pPr>
-            <a:r>
-              <a:rPr kumimoji="0" lang="ru-RU" altLang="ru-RU" sz="1600" b="0" i="0" u="none" strike="noStrike" cap="none" normalizeH="0" baseline="0" dirty="0" err="1" smtClean="0">
-                <a:ln>
-                  <a:noFill/>
-                </a:ln>
-                <a:solidFill>
-                  <a:srgbClr val="000000"/>
-                </a:solidFill>
-                <a:effectLst/>
-                <a:latin typeface="Courier New" panose="02070309020205020404" pitchFamily="49" charset="0"/>
-                <a:cs typeface="Courier New" panose="02070309020205020404" pitchFamily="49" charset="0"/>
-              </a:rPr>
-              <a:t>List</a:t>
-            </a:r>
-            <a:r>
-              <a:rPr kumimoji="0" lang="ru-RU" altLang="ru-RU" sz="1600" b="0" i="0" u="none" strike="noStrike" cap="none" normalizeH="0" baseline="0" dirty="0" smtClean="0">
-                <a:ln>
-                  <a:noFill/>
-                </a:ln>
-                <a:solidFill>
-                  <a:srgbClr val="000000"/>
-                </a:solidFill>
-                <a:effectLst/>
-                <a:latin typeface="Courier New" panose="02070309020205020404" pitchFamily="49" charset="0"/>
-                <a:cs typeface="Courier New" panose="02070309020205020404" pitchFamily="49" charset="0"/>
-              </a:rPr>
-              <a:t>&lt;</a:t>
-            </a:r>
-            <a:r>
-              <a:rPr kumimoji="0" lang="ru-RU" altLang="ru-RU" sz="1600" b="0" i="0" u="none" strike="noStrike" cap="none" normalizeH="0" baseline="0" dirty="0" err="1" smtClean="0">
-                <a:ln>
-                  <a:noFill/>
-                </a:ln>
-                <a:solidFill>
-                  <a:srgbClr val="000000"/>
-                </a:solidFill>
-                <a:effectLst/>
-                <a:latin typeface="Courier New" panose="02070309020205020404" pitchFamily="49" charset="0"/>
-                <a:cs typeface="Courier New" panose="02070309020205020404" pitchFamily="49" charset="0"/>
-              </a:rPr>
-              <a:t>Animal</a:t>
-            </a:r>
-            <a:r>
-              <a:rPr kumimoji="0" lang="ru-RU" altLang="ru-RU" sz="1600" b="0" i="0" u="none" strike="noStrike" cap="none" normalizeH="0" baseline="0" dirty="0" smtClean="0">
-                <a:ln>
-                  <a:noFill/>
-                </a:ln>
-                <a:solidFill>
-                  <a:srgbClr val="000000"/>
-                </a:solidFill>
-                <a:effectLst/>
-                <a:latin typeface="Courier New" panose="02070309020205020404" pitchFamily="49" charset="0"/>
-                <a:cs typeface="Courier New" panose="02070309020205020404" pitchFamily="49" charset="0"/>
-              </a:rPr>
-              <a:t>&gt; </a:t>
-            </a:r>
-            <a:r>
-              <a:rPr kumimoji="0" lang="ru-RU" altLang="ru-RU" sz="1600" b="0" i="0" u="none" strike="noStrike" cap="none" normalizeH="0" baseline="0" dirty="0" err="1" smtClean="0">
-                <a:ln>
-                  <a:noFill/>
-                </a:ln>
-                <a:solidFill>
-                  <a:srgbClr val="000000"/>
-                </a:solidFill>
-                <a:effectLst/>
-                <a:latin typeface="Courier New" panose="02070309020205020404" pitchFamily="49" charset="0"/>
-                <a:cs typeface="Courier New" panose="02070309020205020404" pitchFamily="49" charset="0"/>
-              </a:rPr>
-              <a:t>animals</a:t>
-            </a:r>
-            <a:r>
-              <a:rPr kumimoji="0" lang="ru-RU" altLang="ru-RU" sz="1600" b="0" i="0" u="none" strike="noStrike" cap="none" normalizeH="0" baseline="0" dirty="0" smtClean="0">
-                <a:ln>
-                  <a:noFill/>
-                </a:ln>
-                <a:solidFill>
-                  <a:srgbClr val="000000"/>
-                </a:solidFill>
-                <a:effectLst/>
-                <a:latin typeface="Courier New" panose="02070309020205020404" pitchFamily="49" charset="0"/>
-                <a:cs typeface="Courier New" panose="02070309020205020404" pitchFamily="49" charset="0"/>
-              </a:rPr>
-              <a:t> = </a:t>
-            </a:r>
-            <a:r>
-              <a:rPr kumimoji="0" lang="ru-RU" altLang="ru-RU" sz="1600" b="1" i="0" u="none" strike="noStrike" cap="none" normalizeH="0" baseline="0" dirty="0" err="1" smtClean="0">
-                <a:ln>
-                  <a:noFill/>
-                </a:ln>
-                <a:solidFill>
-                  <a:srgbClr val="000080"/>
-                </a:solidFill>
-                <a:effectLst/>
-                <a:latin typeface="Courier New" panose="02070309020205020404" pitchFamily="49" charset="0"/>
-                <a:cs typeface="Courier New" panose="02070309020205020404" pitchFamily="49" charset="0"/>
-              </a:rPr>
-              <a:t>new</a:t>
-            </a:r>
-            <a:r>
-              <a:rPr kumimoji="0" lang="ru-RU" altLang="ru-RU" sz="1600" b="1" i="0" u="none" strike="noStrike" cap="none" normalizeH="0" baseline="0" dirty="0" smtClean="0">
-                <a:ln>
-                  <a:noFill/>
-                </a:ln>
-                <a:solidFill>
-                  <a:srgbClr val="000080"/>
-                </a:solidFill>
-                <a:effectLst/>
-                <a:latin typeface="Courier New" panose="02070309020205020404" pitchFamily="49" charset="0"/>
-                <a:cs typeface="Courier New" panose="02070309020205020404" pitchFamily="49" charset="0"/>
-              </a:rPr>
-              <a:t> </a:t>
-            </a:r>
-            <a:r>
-              <a:rPr kumimoji="0" lang="ru-RU" altLang="ru-RU" sz="1600" b="0" i="0" u="none" strike="noStrike" cap="none" normalizeH="0" baseline="0" dirty="0" err="1" smtClean="0">
-                <a:ln>
-                  <a:noFill/>
-                </a:ln>
-                <a:solidFill>
-                  <a:srgbClr val="000000"/>
-                </a:solidFill>
-                <a:effectLst/>
-                <a:latin typeface="Courier New" panose="02070309020205020404" pitchFamily="49" charset="0"/>
-                <a:cs typeface="Courier New" panose="02070309020205020404" pitchFamily="49" charset="0"/>
-              </a:rPr>
-              <a:t>ArrayList</a:t>
-            </a:r>
-            <a:r>
-              <a:rPr kumimoji="0" lang="ru-RU" altLang="ru-RU" sz="1600" b="0" i="0" u="none" strike="noStrike" cap="none" normalizeH="0" baseline="0" dirty="0" smtClean="0">
-                <a:ln>
-                  <a:noFill/>
-                </a:ln>
-                <a:solidFill>
-                  <a:srgbClr val="000000"/>
-                </a:solidFill>
-                <a:effectLst/>
-                <a:latin typeface="Courier New" panose="02070309020205020404" pitchFamily="49" charset="0"/>
-                <a:cs typeface="Courier New" panose="02070309020205020404" pitchFamily="49" charset="0"/>
-              </a:rPr>
-              <a:t>&lt;&gt;();</a:t>
-            </a:r>
-            <a:br>
-              <a:rPr kumimoji="0" lang="ru-RU" altLang="ru-RU" sz="1600" b="0" i="0" u="none" strike="noStrike" cap="none" normalizeH="0" baseline="0" dirty="0" smtClean="0">
-                <a:ln>
-                  <a:noFill/>
-                </a:ln>
-                <a:solidFill>
-                  <a:srgbClr val="000000"/>
-                </a:solidFill>
-                <a:effectLst/>
-                <a:latin typeface="Courier New" panose="02070309020205020404" pitchFamily="49" charset="0"/>
-                <a:cs typeface="Courier New" panose="02070309020205020404" pitchFamily="49" charset="0"/>
-              </a:rPr>
-            </a:br>
-            <a:r>
-              <a:rPr kumimoji="0" lang="ru-RU" altLang="ru-RU" sz="1600" b="0" i="0" u="none" strike="noStrike" cap="none" normalizeH="0" baseline="0" dirty="0" err="1" smtClean="0">
-                <a:ln>
-                  <a:noFill/>
-                </a:ln>
-                <a:solidFill>
-                  <a:srgbClr val="000000"/>
-                </a:solidFill>
-                <a:effectLst/>
-                <a:latin typeface="Courier New" panose="02070309020205020404" pitchFamily="49" charset="0"/>
-                <a:cs typeface="Courier New" panose="02070309020205020404" pitchFamily="49" charset="0"/>
-              </a:rPr>
-              <a:t>animals.add</a:t>
-            </a:r>
-            <a:r>
-              <a:rPr kumimoji="0" lang="ru-RU" altLang="ru-RU" sz="1600" b="0" i="0" u="none" strike="noStrike" cap="none" normalizeH="0" baseline="0" dirty="0" smtClean="0">
-                <a:ln>
-                  <a:noFill/>
-                </a:ln>
-                <a:solidFill>
-                  <a:srgbClr val="000000"/>
-                </a:solidFill>
-                <a:effectLst/>
-                <a:latin typeface="Courier New" panose="02070309020205020404" pitchFamily="49" charset="0"/>
-                <a:cs typeface="Courier New" panose="02070309020205020404" pitchFamily="49" charset="0"/>
-              </a:rPr>
-              <a:t>(</a:t>
-            </a:r>
-            <a:r>
-              <a:rPr kumimoji="0" lang="ru-RU" altLang="ru-RU" sz="1600" b="1" i="0" u="none" strike="noStrike" cap="none" normalizeH="0" baseline="0" dirty="0" err="1" smtClean="0">
-                <a:ln>
-                  <a:noFill/>
-                </a:ln>
-                <a:solidFill>
-                  <a:srgbClr val="000080"/>
-                </a:solidFill>
-                <a:effectLst/>
-                <a:latin typeface="Courier New" panose="02070309020205020404" pitchFamily="49" charset="0"/>
-                <a:cs typeface="Courier New" panose="02070309020205020404" pitchFamily="49" charset="0"/>
-              </a:rPr>
-              <a:t>new</a:t>
-            </a:r>
-            <a:r>
-              <a:rPr kumimoji="0" lang="ru-RU" altLang="ru-RU" sz="1600" b="1" i="0" u="none" strike="noStrike" cap="none" normalizeH="0" baseline="0" dirty="0" smtClean="0">
-                <a:ln>
-                  <a:noFill/>
-                </a:ln>
-                <a:solidFill>
-                  <a:srgbClr val="000080"/>
-                </a:solidFill>
-                <a:effectLst/>
-                <a:latin typeface="Courier New" panose="02070309020205020404" pitchFamily="49" charset="0"/>
-                <a:cs typeface="Courier New" panose="02070309020205020404" pitchFamily="49" charset="0"/>
-              </a:rPr>
-              <a:t> </a:t>
-            </a:r>
-            <a:r>
-              <a:rPr kumimoji="0" lang="ru-RU" altLang="ru-RU" sz="1600" b="0" i="0" u="none" strike="noStrike" cap="none" normalizeH="0" baseline="0" dirty="0" err="1" smtClean="0">
-                <a:ln>
-                  <a:noFill/>
-                </a:ln>
-                <a:solidFill>
-                  <a:srgbClr val="000000"/>
-                </a:solidFill>
-                <a:effectLst/>
-                <a:latin typeface="Courier New" panose="02070309020205020404" pitchFamily="49" charset="0"/>
-                <a:cs typeface="Courier New" panose="02070309020205020404" pitchFamily="49" charset="0"/>
-              </a:rPr>
-              <a:t>Animal</a:t>
-            </a:r>
-            <a:r>
-              <a:rPr kumimoji="0" lang="ru-RU" altLang="ru-RU" sz="1600" b="0" i="0" u="none" strike="noStrike" cap="none" normalizeH="0" baseline="0" dirty="0" smtClean="0">
-                <a:ln>
-                  <a:noFill/>
-                </a:ln>
-                <a:solidFill>
-                  <a:srgbClr val="000000"/>
-                </a:solidFill>
-                <a:effectLst/>
-                <a:latin typeface="Courier New" panose="02070309020205020404" pitchFamily="49" charset="0"/>
-                <a:cs typeface="Courier New" panose="02070309020205020404" pitchFamily="49" charset="0"/>
-              </a:rPr>
-              <a:t>(</a:t>
-            </a:r>
-            <a:r>
-              <a:rPr kumimoji="0" lang="ru-RU" altLang="ru-RU" sz="1600" b="1" i="0" u="none" strike="noStrike" cap="none" normalizeH="0" baseline="0" dirty="0" smtClean="0">
-                <a:ln>
-                  <a:noFill/>
-                </a:ln>
-                <a:solidFill>
-                  <a:srgbClr val="008000"/>
-                </a:solidFill>
-                <a:effectLst/>
-                <a:latin typeface="Courier New" panose="02070309020205020404" pitchFamily="49" charset="0"/>
-                <a:cs typeface="Courier New" panose="02070309020205020404" pitchFamily="49" charset="0"/>
-              </a:rPr>
-              <a:t>"</a:t>
-            </a:r>
-            <a:r>
-              <a:rPr kumimoji="0" lang="ru-RU" altLang="ru-RU" sz="1600" b="1" i="0" u="none" strike="noStrike" cap="none" normalizeH="0" baseline="0" dirty="0" err="1" smtClean="0">
-                <a:ln>
-                  <a:noFill/>
-                </a:ln>
-                <a:solidFill>
-                  <a:srgbClr val="008000"/>
-                </a:solidFill>
-                <a:effectLst/>
-                <a:latin typeface="Courier New" panose="02070309020205020404" pitchFamily="49" charset="0"/>
-                <a:cs typeface="Courier New" panose="02070309020205020404" pitchFamily="49" charset="0"/>
-              </a:rPr>
-              <a:t>cat</a:t>
-            </a:r>
-            <a:r>
-              <a:rPr kumimoji="0" lang="ru-RU" altLang="ru-RU" sz="1600" b="1" i="0" u="none" strike="noStrike" cap="none" normalizeH="0" baseline="0" dirty="0" smtClean="0">
-                <a:ln>
-                  <a:noFill/>
-                </a:ln>
-                <a:solidFill>
-                  <a:srgbClr val="008000"/>
-                </a:solidFill>
-                <a:effectLst/>
-                <a:latin typeface="Courier New" panose="02070309020205020404" pitchFamily="49" charset="0"/>
-                <a:cs typeface="Courier New" panose="02070309020205020404" pitchFamily="49" charset="0"/>
-              </a:rPr>
-              <a:t>"</a:t>
-            </a:r>
-            <a:r>
-              <a:rPr kumimoji="0" lang="ru-RU" altLang="ru-RU" sz="1600" b="0" i="0" u="none" strike="noStrike" cap="none" normalizeH="0" baseline="0" dirty="0" smtClean="0">
-                <a:ln>
-                  <a:noFill/>
-                </a:ln>
-                <a:solidFill>
-                  <a:srgbClr val="000000"/>
-                </a:solidFill>
-                <a:effectLst/>
-                <a:latin typeface="Courier New" panose="02070309020205020404" pitchFamily="49" charset="0"/>
-                <a:cs typeface="Courier New" panose="02070309020205020404" pitchFamily="49" charset="0"/>
-              </a:rPr>
-              <a:t>, </a:t>
-            </a:r>
-            <a:r>
-              <a:rPr kumimoji="0" lang="ru-RU" altLang="ru-RU" sz="1600" b="0" i="0" u="none" strike="noStrike" cap="none" normalizeH="0" baseline="0" dirty="0" smtClean="0">
-                <a:ln>
-                  <a:noFill/>
-                </a:ln>
-                <a:solidFill>
-                  <a:srgbClr val="0000FF"/>
-                </a:solidFill>
-                <a:effectLst/>
-                <a:latin typeface="Courier New" panose="02070309020205020404" pitchFamily="49" charset="0"/>
-                <a:cs typeface="Courier New" panose="02070309020205020404" pitchFamily="49" charset="0"/>
-              </a:rPr>
-              <a:t>3</a:t>
-            </a:r>
-            <a:r>
-              <a:rPr kumimoji="0" lang="ru-RU" altLang="ru-RU" sz="1600" b="0" i="0" u="none" strike="noStrike" cap="none" normalizeH="0" baseline="0" dirty="0" smtClean="0">
-                <a:ln>
-                  <a:noFill/>
-                </a:ln>
-                <a:solidFill>
-                  <a:srgbClr val="000000"/>
-                </a:solidFill>
-                <a:effectLst/>
-                <a:latin typeface="Courier New" panose="02070309020205020404" pitchFamily="49" charset="0"/>
-                <a:cs typeface="Courier New" panose="02070309020205020404" pitchFamily="49" charset="0"/>
-              </a:rPr>
-              <a:t>));</a:t>
-            </a:r>
-            <a:br>
-              <a:rPr kumimoji="0" lang="ru-RU" altLang="ru-RU" sz="1600" b="0" i="0" u="none" strike="noStrike" cap="none" normalizeH="0" baseline="0" dirty="0" smtClean="0">
-                <a:ln>
-                  <a:noFill/>
-                </a:ln>
-                <a:solidFill>
-                  <a:srgbClr val="000000"/>
-                </a:solidFill>
-                <a:effectLst/>
-                <a:latin typeface="Courier New" panose="02070309020205020404" pitchFamily="49" charset="0"/>
-                <a:cs typeface="Courier New" panose="02070309020205020404" pitchFamily="49" charset="0"/>
-              </a:rPr>
-            </a:br>
-            <a:r>
-              <a:rPr kumimoji="0" lang="ru-RU" altLang="ru-RU" sz="1600" b="0" i="0" u="none" strike="noStrike" cap="none" normalizeH="0" baseline="0" dirty="0" err="1" smtClean="0">
-                <a:ln>
-                  <a:noFill/>
-                </a:ln>
-                <a:solidFill>
-                  <a:srgbClr val="000000"/>
-                </a:solidFill>
-                <a:effectLst/>
-                <a:latin typeface="Courier New" panose="02070309020205020404" pitchFamily="49" charset="0"/>
-                <a:cs typeface="Courier New" panose="02070309020205020404" pitchFamily="49" charset="0"/>
-              </a:rPr>
-              <a:t>animals.add</a:t>
-            </a:r>
-            <a:r>
-              <a:rPr kumimoji="0" lang="ru-RU" altLang="ru-RU" sz="1600" b="0" i="0" u="none" strike="noStrike" cap="none" normalizeH="0" baseline="0" dirty="0" smtClean="0">
-                <a:ln>
-                  <a:noFill/>
-                </a:ln>
-                <a:solidFill>
-                  <a:srgbClr val="000000"/>
-                </a:solidFill>
-                <a:effectLst/>
-                <a:latin typeface="Courier New" panose="02070309020205020404" pitchFamily="49" charset="0"/>
-                <a:cs typeface="Courier New" panose="02070309020205020404" pitchFamily="49" charset="0"/>
-              </a:rPr>
-              <a:t>(</a:t>
-            </a:r>
-            <a:r>
-              <a:rPr kumimoji="0" lang="ru-RU" altLang="ru-RU" sz="1600" b="1" i="0" u="none" strike="noStrike" cap="none" normalizeH="0" baseline="0" dirty="0" err="1" smtClean="0">
-                <a:ln>
-                  <a:noFill/>
-                </a:ln>
-                <a:solidFill>
-                  <a:srgbClr val="000080"/>
-                </a:solidFill>
-                <a:effectLst/>
-                <a:latin typeface="Courier New" panose="02070309020205020404" pitchFamily="49" charset="0"/>
-                <a:cs typeface="Courier New" panose="02070309020205020404" pitchFamily="49" charset="0"/>
-              </a:rPr>
-              <a:t>new</a:t>
-            </a:r>
-            <a:r>
-              <a:rPr kumimoji="0" lang="ru-RU" altLang="ru-RU" sz="1600" b="1" i="0" u="none" strike="noStrike" cap="none" normalizeH="0" baseline="0" dirty="0" smtClean="0">
-                <a:ln>
-                  <a:noFill/>
-                </a:ln>
-                <a:solidFill>
-                  <a:srgbClr val="000080"/>
-                </a:solidFill>
-                <a:effectLst/>
-                <a:latin typeface="Courier New" panose="02070309020205020404" pitchFamily="49" charset="0"/>
-                <a:cs typeface="Courier New" panose="02070309020205020404" pitchFamily="49" charset="0"/>
-              </a:rPr>
-              <a:t> </a:t>
-            </a:r>
-            <a:r>
-              <a:rPr kumimoji="0" lang="ru-RU" altLang="ru-RU" sz="1600" b="0" i="0" u="none" strike="noStrike" cap="none" normalizeH="0" baseline="0" dirty="0" err="1" smtClean="0">
-                <a:ln>
-                  <a:noFill/>
-                </a:ln>
-                <a:solidFill>
-                  <a:srgbClr val="000000"/>
-                </a:solidFill>
-                <a:effectLst/>
-                <a:latin typeface="Courier New" panose="02070309020205020404" pitchFamily="49" charset="0"/>
-                <a:cs typeface="Courier New" panose="02070309020205020404" pitchFamily="49" charset="0"/>
-              </a:rPr>
-              <a:t>Animal</a:t>
-            </a:r>
-            <a:r>
-              <a:rPr kumimoji="0" lang="ru-RU" altLang="ru-RU" sz="1600" b="0" i="0" u="none" strike="noStrike" cap="none" normalizeH="0" baseline="0" dirty="0" smtClean="0">
-                <a:ln>
-                  <a:noFill/>
-                </a:ln>
-                <a:solidFill>
-                  <a:srgbClr val="000000"/>
-                </a:solidFill>
-                <a:effectLst/>
-                <a:latin typeface="Courier New" panose="02070309020205020404" pitchFamily="49" charset="0"/>
-                <a:cs typeface="Courier New" panose="02070309020205020404" pitchFamily="49" charset="0"/>
-              </a:rPr>
-              <a:t>(</a:t>
-            </a:r>
-            <a:r>
-              <a:rPr kumimoji="0" lang="ru-RU" altLang="ru-RU" sz="1600" b="1" i="0" u="none" strike="noStrike" cap="none" normalizeH="0" baseline="0" dirty="0" smtClean="0">
-                <a:ln>
-                  <a:noFill/>
-                </a:ln>
-                <a:solidFill>
-                  <a:srgbClr val="008000"/>
-                </a:solidFill>
-                <a:effectLst/>
-                <a:latin typeface="Courier New" panose="02070309020205020404" pitchFamily="49" charset="0"/>
-                <a:cs typeface="Courier New" panose="02070309020205020404" pitchFamily="49" charset="0"/>
-              </a:rPr>
-              <a:t>"</a:t>
-            </a:r>
-            <a:r>
-              <a:rPr kumimoji="0" lang="ru-RU" altLang="ru-RU" sz="1600" b="1" i="0" u="none" strike="noStrike" cap="none" normalizeH="0" baseline="0" dirty="0" err="1" smtClean="0">
-                <a:ln>
-                  <a:noFill/>
-                </a:ln>
-                <a:solidFill>
-                  <a:srgbClr val="008000"/>
-                </a:solidFill>
-                <a:effectLst/>
-                <a:latin typeface="Courier New" panose="02070309020205020404" pitchFamily="49" charset="0"/>
-                <a:cs typeface="Courier New" panose="02070309020205020404" pitchFamily="49" charset="0"/>
-              </a:rPr>
-              <a:t>dog</a:t>
-            </a:r>
-            <a:r>
-              <a:rPr kumimoji="0" lang="ru-RU" altLang="ru-RU" sz="1600" b="1" i="0" u="none" strike="noStrike" cap="none" normalizeH="0" baseline="0" dirty="0" smtClean="0">
-                <a:ln>
-                  <a:noFill/>
-                </a:ln>
-                <a:solidFill>
-                  <a:srgbClr val="008000"/>
-                </a:solidFill>
-                <a:effectLst/>
-                <a:latin typeface="Courier New" panose="02070309020205020404" pitchFamily="49" charset="0"/>
-                <a:cs typeface="Courier New" panose="02070309020205020404" pitchFamily="49" charset="0"/>
-              </a:rPr>
-              <a:t>"</a:t>
-            </a:r>
-            <a:r>
-              <a:rPr kumimoji="0" lang="ru-RU" altLang="ru-RU" sz="1600" b="0" i="0" u="none" strike="noStrike" cap="none" normalizeH="0" baseline="0" dirty="0" smtClean="0">
-                <a:ln>
-                  <a:noFill/>
-                </a:ln>
-                <a:solidFill>
-                  <a:srgbClr val="000000"/>
-                </a:solidFill>
-                <a:effectLst/>
-                <a:latin typeface="Courier New" panose="02070309020205020404" pitchFamily="49" charset="0"/>
-                <a:cs typeface="Courier New" panose="02070309020205020404" pitchFamily="49" charset="0"/>
-              </a:rPr>
-              <a:t>, </a:t>
-            </a:r>
-            <a:r>
-              <a:rPr kumimoji="0" lang="ru-RU" altLang="ru-RU" sz="1600" b="0" i="0" u="none" strike="noStrike" cap="none" normalizeH="0" baseline="0" dirty="0" smtClean="0">
-                <a:ln>
-                  <a:noFill/>
-                </a:ln>
-                <a:solidFill>
-                  <a:srgbClr val="0000FF"/>
-                </a:solidFill>
-                <a:effectLst/>
-                <a:latin typeface="Courier New" panose="02070309020205020404" pitchFamily="49" charset="0"/>
-                <a:cs typeface="Courier New" panose="02070309020205020404" pitchFamily="49" charset="0"/>
-              </a:rPr>
-              <a:t>2</a:t>
-            </a:r>
-            <a:r>
-              <a:rPr kumimoji="0" lang="ru-RU" altLang="ru-RU" sz="1600" b="0" i="0" u="none" strike="noStrike" cap="none" normalizeH="0" baseline="0" dirty="0" smtClean="0">
-                <a:ln>
-                  <a:noFill/>
-                </a:ln>
-                <a:solidFill>
-                  <a:srgbClr val="000000"/>
-                </a:solidFill>
-                <a:effectLst/>
-                <a:latin typeface="Courier New" panose="02070309020205020404" pitchFamily="49" charset="0"/>
-                <a:cs typeface="Courier New" panose="02070309020205020404" pitchFamily="49" charset="0"/>
-              </a:rPr>
-              <a:t>));</a:t>
-            </a:r>
-            <a:br>
-              <a:rPr kumimoji="0" lang="ru-RU" altLang="ru-RU" sz="1600" b="0" i="0" u="none" strike="noStrike" cap="none" normalizeH="0" baseline="0" dirty="0" smtClean="0">
-                <a:ln>
-                  <a:noFill/>
-                </a:ln>
-                <a:solidFill>
-                  <a:srgbClr val="000000"/>
-                </a:solidFill>
-                <a:effectLst/>
-                <a:latin typeface="Courier New" panose="02070309020205020404" pitchFamily="49" charset="0"/>
-                <a:cs typeface="Courier New" panose="02070309020205020404" pitchFamily="49" charset="0"/>
-              </a:rPr>
-            </a:br>
-            <a:r>
-              <a:rPr kumimoji="0" lang="ru-RU" altLang="ru-RU" sz="1600" b="0" i="0" u="none" strike="noStrike" cap="none" normalizeH="0" baseline="0" dirty="0" err="1" smtClean="0">
-                <a:ln>
-                  <a:noFill/>
-                </a:ln>
-                <a:solidFill>
-                  <a:srgbClr val="000000"/>
-                </a:solidFill>
-                <a:effectLst/>
-                <a:latin typeface="Courier New" panose="02070309020205020404" pitchFamily="49" charset="0"/>
-                <a:cs typeface="Courier New" panose="02070309020205020404" pitchFamily="49" charset="0"/>
-              </a:rPr>
-              <a:t>animals.add</a:t>
-            </a:r>
-            <a:r>
-              <a:rPr kumimoji="0" lang="ru-RU" altLang="ru-RU" sz="1600" b="0" i="0" u="none" strike="noStrike" cap="none" normalizeH="0" baseline="0" dirty="0" smtClean="0">
-                <a:ln>
-                  <a:noFill/>
-                </a:ln>
-                <a:solidFill>
-                  <a:srgbClr val="000000"/>
-                </a:solidFill>
-                <a:effectLst/>
-                <a:latin typeface="Courier New" panose="02070309020205020404" pitchFamily="49" charset="0"/>
-                <a:cs typeface="Courier New" panose="02070309020205020404" pitchFamily="49" charset="0"/>
-              </a:rPr>
-              <a:t>(</a:t>
-            </a:r>
-            <a:r>
-              <a:rPr kumimoji="0" lang="ru-RU" altLang="ru-RU" sz="1600" b="1" i="0" u="none" strike="noStrike" cap="none" normalizeH="0" baseline="0" dirty="0" err="1" smtClean="0">
-                <a:ln>
-                  <a:noFill/>
-                </a:ln>
-                <a:solidFill>
-                  <a:srgbClr val="000080"/>
-                </a:solidFill>
-                <a:effectLst/>
-                <a:latin typeface="Courier New" panose="02070309020205020404" pitchFamily="49" charset="0"/>
-                <a:cs typeface="Courier New" panose="02070309020205020404" pitchFamily="49" charset="0"/>
-              </a:rPr>
-              <a:t>new</a:t>
-            </a:r>
-            <a:r>
-              <a:rPr kumimoji="0" lang="ru-RU" altLang="ru-RU" sz="1600" b="1" i="0" u="none" strike="noStrike" cap="none" normalizeH="0" baseline="0" dirty="0" smtClean="0">
-                <a:ln>
-                  <a:noFill/>
-                </a:ln>
-                <a:solidFill>
-                  <a:srgbClr val="000080"/>
-                </a:solidFill>
-                <a:effectLst/>
-                <a:latin typeface="Courier New" panose="02070309020205020404" pitchFamily="49" charset="0"/>
-                <a:cs typeface="Courier New" panose="02070309020205020404" pitchFamily="49" charset="0"/>
-              </a:rPr>
-              <a:t> </a:t>
-            </a:r>
-            <a:r>
-              <a:rPr kumimoji="0" lang="ru-RU" altLang="ru-RU" sz="1600" b="0" i="0" u="none" strike="noStrike" cap="none" normalizeH="0" baseline="0" dirty="0" err="1" smtClean="0">
-                <a:ln>
-                  <a:noFill/>
-                </a:ln>
-                <a:solidFill>
-                  <a:srgbClr val="000000"/>
-                </a:solidFill>
-                <a:effectLst/>
-                <a:latin typeface="Courier New" panose="02070309020205020404" pitchFamily="49" charset="0"/>
-                <a:cs typeface="Courier New" panose="02070309020205020404" pitchFamily="49" charset="0"/>
-              </a:rPr>
-              <a:t>Animal</a:t>
-            </a:r>
-            <a:r>
-              <a:rPr kumimoji="0" lang="ru-RU" altLang="ru-RU" sz="1600" b="0" i="0" u="none" strike="noStrike" cap="none" normalizeH="0" baseline="0" dirty="0" smtClean="0">
-                <a:ln>
-                  <a:noFill/>
-                </a:ln>
-                <a:solidFill>
-                  <a:srgbClr val="000000"/>
-                </a:solidFill>
-                <a:effectLst/>
-                <a:latin typeface="Courier New" panose="02070309020205020404" pitchFamily="49" charset="0"/>
-                <a:cs typeface="Courier New" panose="02070309020205020404" pitchFamily="49" charset="0"/>
-              </a:rPr>
-              <a:t>(</a:t>
-            </a:r>
-            <a:r>
-              <a:rPr kumimoji="0" lang="ru-RU" altLang="ru-RU" sz="1600" b="1" i="0" u="none" strike="noStrike" cap="none" normalizeH="0" baseline="0" dirty="0" smtClean="0">
-                <a:ln>
-                  <a:noFill/>
-                </a:ln>
-                <a:solidFill>
-                  <a:srgbClr val="008000"/>
-                </a:solidFill>
-                <a:effectLst/>
-                <a:latin typeface="Courier New" panose="02070309020205020404" pitchFamily="49" charset="0"/>
-                <a:cs typeface="Courier New" panose="02070309020205020404" pitchFamily="49" charset="0"/>
-              </a:rPr>
-              <a:t>"</a:t>
-            </a:r>
-            <a:r>
-              <a:rPr kumimoji="0" lang="ru-RU" altLang="ru-RU" sz="1600" b="1" i="0" u="none" strike="noStrike" cap="none" normalizeH="0" baseline="0" dirty="0" err="1" smtClean="0">
-                <a:ln>
-                  <a:noFill/>
-                </a:ln>
-                <a:solidFill>
-                  <a:srgbClr val="008000"/>
-                </a:solidFill>
-                <a:effectLst/>
-                <a:latin typeface="Courier New" panose="02070309020205020404" pitchFamily="49" charset="0"/>
-                <a:cs typeface="Courier New" panose="02070309020205020404" pitchFamily="49" charset="0"/>
-              </a:rPr>
-              <a:t>elephant</a:t>
-            </a:r>
-            <a:r>
-              <a:rPr kumimoji="0" lang="ru-RU" altLang="ru-RU" sz="1600" b="1" i="0" u="none" strike="noStrike" cap="none" normalizeH="0" baseline="0" dirty="0" smtClean="0">
-                <a:ln>
-                  <a:noFill/>
-                </a:ln>
-                <a:solidFill>
-                  <a:srgbClr val="008000"/>
-                </a:solidFill>
-                <a:effectLst/>
-                <a:latin typeface="Courier New" panose="02070309020205020404" pitchFamily="49" charset="0"/>
-                <a:cs typeface="Courier New" panose="02070309020205020404" pitchFamily="49" charset="0"/>
-              </a:rPr>
-              <a:t>"</a:t>
-            </a:r>
-            <a:r>
-              <a:rPr kumimoji="0" lang="ru-RU" altLang="ru-RU" sz="1600" b="0" i="0" u="none" strike="noStrike" cap="none" normalizeH="0" baseline="0" dirty="0" smtClean="0">
-                <a:ln>
-                  <a:noFill/>
-                </a:ln>
-                <a:solidFill>
-                  <a:srgbClr val="000000"/>
-                </a:solidFill>
-                <a:effectLst/>
-                <a:latin typeface="Courier New" panose="02070309020205020404" pitchFamily="49" charset="0"/>
-                <a:cs typeface="Courier New" panose="02070309020205020404" pitchFamily="49" charset="0"/>
-              </a:rPr>
-              <a:t>, </a:t>
-            </a:r>
-            <a:r>
-              <a:rPr kumimoji="0" lang="ru-RU" altLang="ru-RU" sz="1600" b="0" i="0" u="none" strike="noStrike" cap="none" normalizeH="0" baseline="0" dirty="0" smtClean="0">
-                <a:ln>
-                  <a:noFill/>
-                </a:ln>
-                <a:solidFill>
-                  <a:srgbClr val="0000FF"/>
-                </a:solidFill>
-                <a:effectLst/>
-                <a:latin typeface="Courier New" panose="02070309020205020404" pitchFamily="49" charset="0"/>
-                <a:cs typeface="Courier New" panose="02070309020205020404" pitchFamily="49" charset="0"/>
-              </a:rPr>
-              <a:t>45</a:t>
-            </a:r>
-            <a:r>
-              <a:rPr kumimoji="0" lang="ru-RU" altLang="ru-RU" sz="1600" b="0" i="0" u="none" strike="noStrike" cap="none" normalizeH="0" baseline="0" dirty="0" smtClean="0">
-                <a:ln>
-                  <a:noFill/>
-                </a:ln>
-                <a:solidFill>
-                  <a:srgbClr val="000000"/>
-                </a:solidFill>
-                <a:effectLst/>
-                <a:latin typeface="Courier New" panose="02070309020205020404" pitchFamily="49" charset="0"/>
-                <a:cs typeface="Courier New" panose="02070309020205020404" pitchFamily="49" charset="0"/>
-              </a:rPr>
-              <a:t>));</a:t>
-            </a:r>
-            <a:br>
-              <a:rPr kumimoji="0" lang="ru-RU" altLang="ru-RU" sz="1600" b="0" i="0" u="none" strike="noStrike" cap="none" normalizeH="0" baseline="0" dirty="0" smtClean="0">
-                <a:ln>
-                  <a:noFill/>
-                </a:ln>
-                <a:solidFill>
-                  <a:srgbClr val="000000"/>
-                </a:solidFill>
-                <a:effectLst/>
-                <a:latin typeface="Courier New" panose="02070309020205020404" pitchFamily="49" charset="0"/>
-                <a:cs typeface="Courier New" panose="02070309020205020404" pitchFamily="49" charset="0"/>
-              </a:rPr>
-            </a:br>
-            <a:endParaRPr kumimoji="0" lang="en-US" altLang="ru-RU" sz="1600" b="0" i="0" u="none" strike="noStrike" cap="none" normalizeH="0" baseline="0" dirty="0" smtClean="0">
-              <a:ln>
-                <a:noFill/>
-              </a:ln>
-              <a:solidFill>
-                <a:srgbClr val="000000"/>
-              </a:solidFill>
-              <a:effectLst/>
-              <a:latin typeface="Courier New" panose="02070309020205020404" pitchFamily="49" charset="0"/>
-              <a:cs typeface="Courier New" panose="02070309020205020404" pitchFamily="49" charset="0"/>
-            </a:endParaRPr>
-          </a:p>
-          <a:p>
-            <a:pPr marL="0" indent="0" eaLnBrk="0" fontAlgn="base" hangingPunct="0">
-              <a:lnSpc>
-                <a:spcPct val="100000"/>
-              </a:lnSpc>
-              <a:spcBef>
-                <a:spcPct val="0"/>
-              </a:spcBef>
-              <a:spcAft>
-                <a:spcPct val="0"/>
-              </a:spcAft>
-              <a:buNone/>
-            </a:pPr>
-            <a:r>
-              <a:rPr kumimoji="0" lang="en-US" altLang="en-US" sz="1600" b="0" i="0" u="none" strike="noStrike" cap="none" normalizeH="0" baseline="0" dirty="0" err="1" smtClean="0">
-                <a:ln>
-                  <a:noFill/>
-                </a:ln>
-                <a:solidFill>
-                  <a:srgbClr val="000000"/>
-                </a:solidFill>
-                <a:effectLst/>
-                <a:latin typeface="Courier New" panose="02070309020205020404" pitchFamily="49" charset="0"/>
-                <a:cs typeface="Courier New" panose="02070309020205020404" pitchFamily="49" charset="0"/>
-              </a:rPr>
-              <a:t>Collections.</a:t>
-            </a:r>
-            <a:r>
-              <a:rPr kumimoji="0" lang="en-US" altLang="en-US" sz="1600" b="0" i="1" u="none" strike="noStrike" cap="none" normalizeH="0" baseline="0" dirty="0" err="1" smtClean="0">
-                <a:ln>
-                  <a:noFill/>
-                </a:ln>
-                <a:solidFill>
-                  <a:srgbClr val="000000"/>
-                </a:solidFill>
-                <a:effectLst/>
-                <a:latin typeface="Courier New" panose="02070309020205020404" pitchFamily="49" charset="0"/>
-                <a:cs typeface="Courier New" panose="02070309020205020404" pitchFamily="49" charset="0"/>
-              </a:rPr>
-              <a:t>sort</a:t>
-            </a:r>
-            <a:r>
-              <a:rPr kumimoji="0" lang="en-US" altLang="en-US" sz="1600" b="0" i="0" u="none" strike="noStrike" cap="none" normalizeH="0" baseline="0" dirty="0" smtClean="0">
-                <a:ln>
-                  <a:noFill/>
-                </a:ln>
-                <a:solidFill>
-                  <a:srgbClr val="000000"/>
-                </a:solidFill>
-                <a:effectLst/>
-                <a:latin typeface="Courier New" panose="02070309020205020404" pitchFamily="49" charset="0"/>
-                <a:cs typeface="Courier New" panose="02070309020205020404" pitchFamily="49" charset="0"/>
-              </a:rPr>
-              <a:t>(animals, </a:t>
-            </a:r>
-            <a:r>
-              <a:rPr kumimoji="0" lang="en-US" altLang="en-US" sz="1600" b="0" i="0" u="none" strike="noStrike" cap="none" normalizeH="0" baseline="0" dirty="0" err="1" smtClean="0">
-                <a:ln>
-                  <a:noFill/>
-                </a:ln>
-                <a:solidFill>
-                  <a:srgbClr val="000000"/>
-                </a:solidFill>
-                <a:effectLst/>
-                <a:latin typeface="Courier New" panose="02070309020205020404" pitchFamily="49" charset="0"/>
-                <a:cs typeface="Courier New" panose="02070309020205020404" pitchFamily="49" charset="0"/>
-              </a:rPr>
-              <a:t>animalComparatorByStrength</a:t>
-            </a:r>
-            <a:r>
-              <a:rPr kumimoji="0" lang="en-US" altLang="en-US" sz="1600" b="0" i="0" u="none" strike="noStrike" cap="none" normalizeH="0" baseline="0" dirty="0" smtClean="0">
-                <a:ln>
-                  <a:noFill/>
-                </a:ln>
-                <a:solidFill>
-                  <a:srgbClr val="000000"/>
-                </a:solidFill>
-                <a:effectLst/>
-                <a:latin typeface="Courier New" panose="02070309020205020404" pitchFamily="49" charset="0"/>
-                <a:cs typeface="Courier New" panose="02070309020205020404" pitchFamily="49" charset="0"/>
-              </a:rPr>
-              <a:t>);</a:t>
-            </a:r>
-            <a:endParaRPr kumimoji="0" lang="en-US" altLang="en-US" sz="4000" b="0" i="0" u="none" strike="noStrike" cap="none" normalizeH="0" baseline="0" dirty="0" smtClean="0">
-              <a:ln>
-                <a:noFill/>
-              </a:ln>
-              <a:solidFill>
-                <a:schemeClr val="tx1"/>
-              </a:solidFill>
-              <a:effectLst/>
-              <a:latin typeface="Arial" panose="020B0604020202020204" pitchFamily="34" charset="0"/>
-            </a:endParaRPr>
-          </a:p>
-          <a:p>
-            <a:pPr marL="0" lvl="0" indent="0" eaLnBrk="0" fontAlgn="base" hangingPunct="0">
-              <a:lnSpc>
-                <a:spcPct val="100000"/>
-              </a:lnSpc>
-              <a:spcBef>
-                <a:spcPct val="0"/>
-              </a:spcBef>
-              <a:spcAft>
-                <a:spcPct val="0"/>
-              </a:spcAft>
-              <a:buNone/>
-            </a:pPr>
-            <a:endParaRPr kumimoji="0" lang="en-US" altLang="ru-RU" sz="1600" b="0" i="0" u="none" strike="noStrike" cap="none" normalizeH="0" baseline="0" dirty="0" smtClean="0">
-              <a:ln>
-                <a:noFill/>
-              </a:ln>
-              <a:solidFill>
-                <a:srgbClr val="000000"/>
-              </a:solidFill>
-              <a:effectLst/>
-              <a:latin typeface="Courier New" panose="02070309020205020404" pitchFamily="49" charset="0"/>
-              <a:cs typeface="Courier New" panose="02070309020205020404" pitchFamily="49" charset="0"/>
-            </a:endParaRPr>
-          </a:p>
-          <a:p>
-            <a:pPr marL="0" lvl="0" indent="0" eaLnBrk="0" fontAlgn="base" hangingPunct="0">
-              <a:lnSpc>
-                <a:spcPct val="100000"/>
-              </a:lnSpc>
-              <a:spcBef>
-                <a:spcPct val="0"/>
-              </a:spcBef>
-              <a:spcAft>
-                <a:spcPct val="0"/>
-              </a:spcAft>
-              <a:buNone/>
-            </a:pPr>
-            <a:r>
-              <a:rPr kumimoji="0" lang="en-US" altLang="en-US" sz="1600" b="0" i="0" u="none" strike="noStrike" cap="none" normalizeH="0" baseline="0" dirty="0" err="1" smtClean="0">
-                <a:ln>
-                  <a:noFill/>
-                </a:ln>
-                <a:solidFill>
-                  <a:srgbClr val="000000"/>
-                </a:solidFill>
-                <a:effectLst/>
-                <a:latin typeface="Courier New" panose="02070309020205020404" pitchFamily="49" charset="0"/>
-                <a:cs typeface="Courier New" panose="02070309020205020404" pitchFamily="49" charset="0"/>
-              </a:rPr>
-              <a:t>animals.forEach</a:t>
-            </a:r>
-            <a:r>
-              <a:rPr kumimoji="0" lang="en-US" altLang="en-US" sz="1600" b="0" i="0" u="none" strike="noStrike" cap="none" normalizeH="0" baseline="0" dirty="0" smtClean="0">
-                <a:ln>
-                  <a:noFill/>
-                </a:ln>
-                <a:solidFill>
-                  <a:srgbClr val="000000"/>
-                </a:solidFill>
-                <a:effectLst/>
-                <a:latin typeface="Courier New" panose="02070309020205020404" pitchFamily="49" charset="0"/>
-                <a:cs typeface="Courier New" panose="02070309020205020404" pitchFamily="49" charset="0"/>
-              </a:rPr>
-              <a:t>(</a:t>
-            </a:r>
-            <a:r>
-              <a:rPr kumimoji="0" lang="en-US" altLang="en-US" sz="1600" b="0" i="0" u="none" strike="noStrike" cap="none" normalizeH="0" baseline="0" dirty="0" err="1" smtClean="0">
-                <a:ln>
-                  <a:noFill/>
-                </a:ln>
-                <a:solidFill>
-                  <a:srgbClr val="000000"/>
-                </a:solidFill>
-                <a:effectLst/>
-                <a:latin typeface="Courier New" panose="02070309020205020404" pitchFamily="49" charset="0"/>
-                <a:cs typeface="Courier New" panose="02070309020205020404" pitchFamily="49" charset="0"/>
-              </a:rPr>
-              <a:t>System.</a:t>
-            </a:r>
-            <a:r>
-              <a:rPr kumimoji="0" lang="en-US" altLang="en-US" sz="1600" b="1" i="1" u="none" strike="noStrike" cap="none" normalizeH="0" baseline="0" dirty="0" err="1" smtClean="0">
-                <a:ln>
-                  <a:noFill/>
-                </a:ln>
-                <a:solidFill>
-                  <a:srgbClr val="660E7A"/>
-                </a:solidFill>
-                <a:effectLst/>
-                <a:latin typeface="Courier New" panose="02070309020205020404" pitchFamily="49" charset="0"/>
-                <a:cs typeface="Courier New" panose="02070309020205020404" pitchFamily="49" charset="0"/>
-              </a:rPr>
-              <a:t>out</a:t>
-            </a:r>
-            <a:r>
-              <a:rPr kumimoji="0" lang="en-US" altLang="en-US" sz="1600" b="0" i="0" u="none" strike="noStrike" cap="none" normalizeH="0" baseline="0" dirty="0" smtClean="0">
-                <a:ln>
-                  <a:noFill/>
-                </a:ln>
-                <a:solidFill>
-                  <a:srgbClr val="000000"/>
-                </a:solidFill>
-                <a:effectLst/>
-                <a:latin typeface="Courier New" panose="02070309020205020404" pitchFamily="49" charset="0"/>
-                <a:cs typeface="Courier New" panose="02070309020205020404" pitchFamily="49" charset="0"/>
-              </a:rPr>
-              <a:t>::print);</a:t>
-            </a:r>
-            <a:r>
-              <a:rPr kumimoji="0" lang="en-US" altLang="en-US" sz="1600" b="0" i="0" u="none" strike="noStrike" cap="none" normalizeH="0" baseline="0" dirty="0" smtClean="0">
-                <a:ln>
-                  <a:noFill/>
-                </a:ln>
-                <a:solidFill>
-                  <a:schemeClr val="accent3"/>
-                </a:solidFill>
-                <a:effectLst/>
-                <a:latin typeface="Courier New" panose="02070309020205020404" pitchFamily="49" charset="0"/>
-                <a:cs typeface="Courier New" panose="02070309020205020404" pitchFamily="49" charset="0"/>
-              </a:rPr>
-              <a:t> // dog cat elephant</a:t>
-            </a:r>
-            <a:endParaRPr kumimoji="0" lang="en-US" altLang="en-US" sz="4000" b="0" i="0" u="none" strike="noStrike" cap="none" normalizeH="0" baseline="0" dirty="0" smtClean="0">
-              <a:ln>
-                <a:noFill/>
-              </a:ln>
-              <a:solidFill>
-                <a:schemeClr val="accent3"/>
-              </a:solidFill>
-              <a:effectLst/>
-              <a:latin typeface="Courier New" panose="02070309020205020404" pitchFamily="49" charset="0"/>
-              <a:cs typeface="Courier New" panose="02070309020205020404" pitchFamily="49" charset="0"/>
-            </a:endParaRPr>
-          </a:p>
-        </p:txBody>
-      </p:sp>
-      <p:sp>
-        <p:nvSpPr>
-          <p:cNvPr id="3" name="Rectangle 1"/>
-          <p:cNvSpPr>
-            <a:spLocks noChangeArrowheads="1"/>
-          </p:cNvSpPr>
-          <p:nvPr/>
-        </p:nvSpPr>
-        <p:spPr bwMode="auto">
-          <a:xfrm>
-            <a:off x="0" y="43934"/>
-            <a:ext cx="184731" cy="369332"/>
-          </a:xfrm>
-          <a:prstGeom prst="rect">
-            <a:avLst/>
-          </a:prstGeom>
-          <a:solidFill>
-            <a:srgbClr val="FFFFFF"/>
-          </a:solidFill>
-          <a:ln>
-            <a:noFill/>
-          </a:ln>
-          <a:effectLst/>
-          <a:extLst>
-            <a:ext uri="{91240B29-F687-4F45-9708-019B960494DF}">
-              <a14:hiddenLine xmlns:a14="http://schemas.microsoft.com/office/drawing/2010/main" w="9525">
-                <a:solidFill>
-                  <a:schemeClr val="tx1"/>
-                </a:solidFill>
-                <a:miter lim="800000"/>
-                <a:headEnd/>
-                <a:tailEnd/>
-              </a14:hiddenLine>
-            </a:ext>
-            <a:ext uri="{AF507438-7753-43E0-B8FC-AC1667EBCBE1}">
-              <a14:hiddenEffects xmlns:a14="http://schemas.microsoft.com/office/drawing/2010/main">
-                <a:effectLst>
-                  <a:outerShdw dist="35921" dir="2700000" algn="ctr" rotWithShape="0">
-                    <a:schemeClr val="bg2"/>
-                  </a:outerShdw>
-                </a:effectLst>
-              </a14:hiddenEffects>
-            </a:ext>
-          </a:extLst>
-        </p:spPr>
-        <p:txBody>
-          <a:bodyPr vert="horz" wrap="none" lIns="91440" tIns="45720" rIns="91440" bIns="45720" numCol="1" anchor="ctr" anchorCtr="0" compatLnSpc="1">
-            <a:prstTxWarp prst="textNoShape">
-              <a:avLst/>
-            </a:prstTxWarp>
-            <a:spAutoFit/>
-          </a:bodyPr>
-          <a:lstStyle/>
-          <a:p>
-            <a:pPr marL="0" marR="0" lvl="0" indent="0" algn="l" defTabSz="914400" rtl="0" eaLnBrk="0" fontAlgn="base" latinLnBrk="0" hangingPunct="0">
-              <a:lnSpc>
-                <a:spcPct val="100000"/>
-              </a:lnSpc>
-              <a:spcBef>
-                <a:spcPct val="0"/>
-              </a:spcBef>
-              <a:spcAft>
-                <a:spcPct val="0"/>
-              </a:spcAft>
-              <a:buClrTx/>
-              <a:buSzTx/>
-              <a:buFontTx/>
-              <a:buNone/>
-              <a:tabLst/>
-            </a:pPr>
-            <a:endParaRPr kumimoji="0" lang="ru-RU" altLang="ru-RU" sz="1800" b="0" i="0" u="none" strike="noStrike" cap="none" normalizeH="0" baseline="0" dirty="0" smtClean="0">
-              <a:ln>
-                <a:noFill/>
-              </a:ln>
-              <a:solidFill>
-                <a:schemeClr val="tx1"/>
-              </a:solidFill>
-              <a:effectLst/>
-              <a:latin typeface="Arial" panose="020B0604020202020204" pitchFamily="34" charset="0"/>
-            </a:endParaRPr>
-          </a:p>
-        </p:txBody>
-      </p:sp>
-      <p:sp>
-        <p:nvSpPr>
-          <p:cNvPr id="5" name="Rectangle 1"/>
-          <p:cNvSpPr>
-            <a:spLocks noChangeArrowheads="1"/>
-          </p:cNvSpPr>
-          <p:nvPr/>
-        </p:nvSpPr>
-        <p:spPr bwMode="auto">
-          <a:xfrm>
-            <a:off x="0" y="43934"/>
-            <a:ext cx="184731" cy="369332"/>
-          </a:xfrm>
-          <a:prstGeom prst="rect">
-            <a:avLst/>
-          </a:prstGeom>
-          <a:solidFill>
-            <a:srgbClr val="FFFFFF"/>
-          </a:solidFill>
-          <a:ln>
-            <a:noFill/>
-          </a:ln>
-          <a:effectLst/>
-          <a:extLst>
-            <a:ext uri="{91240B29-F687-4F45-9708-019B960494DF}">
-              <a14:hiddenLine xmlns:a14="http://schemas.microsoft.com/office/drawing/2010/main" w="9525">
-                <a:solidFill>
-                  <a:schemeClr val="tx1"/>
-                </a:solidFill>
-                <a:miter lim="800000"/>
-                <a:headEnd/>
-                <a:tailEnd/>
-              </a14:hiddenLine>
-            </a:ext>
-            <a:ext uri="{AF507438-7753-43E0-B8FC-AC1667EBCBE1}">
-              <a14:hiddenEffects xmlns:a14="http://schemas.microsoft.com/office/drawing/2010/main">
-                <a:effectLst>
-                  <a:outerShdw dist="35921" dir="2700000" algn="ctr" rotWithShape="0">
-                    <a:schemeClr val="bg2"/>
-                  </a:outerShdw>
-                </a:effectLst>
-              </a14:hiddenEffects>
-            </a:ext>
-          </a:extLst>
-        </p:spPr>
-        <p:txBody>
-          <a:bodyPr vert="horz" wrap="none" lIns="91440" tIns="45720" rIns="91440" bIns="45720" numCol="1" anchor="ctr" anchorCtr="0" compatLnSpc="1">
-            <a:prstTxWarp prst="textNoShape">
-              <a:avLst/>
-            </a:prstTxWarp>
-            <a:spAutoFit/>
-          </a:bodyPr>
-          <a:lstStyle/>
-          <a:p>
-            <a:pPr marL="0" marR="0" lvl="0" indent="0" algn="l" defTabSz="914400" rtl="0" eaLnBrk="0" fontAlgn="base" latinLnBrk="0" hangingPunct="0">
-              <a:lnSpc>
-                <a:spcPct val="100000"/>
-              </a:lnSpc>
-              <a:spcBef>
-                <a:spcPct val="0"/>
-              </a:spcBef>
-              <a:spcAft>
-                <a:spcPct val="0"/>
-              </a:spcAft>
-              <a:buClrTx/>
-              <a:buSzTx/>
-              <a:buFontTx/>
-              <a:buNone/>
-              <a:tabLst/>
-            </a:pPr>
-            <a:endParaRPr kumimoji="0" lang="ru-RU" altLang="ru-RU" sz="1800" b="0" i="0" u="none" strike="noStrike" cap="none" normalizeH="0" baseline="0" dirty="0" smtClean="0">
-              <a:ln>
-                <a:noFill/>
-              </a:ln>
-              <a:solidFill>
-                <a:schemeClr val="tx1"/>
-              </a:solidFill>
-              <a:effectLst/>
-              <a:latin typeface="Arial" panose="020B0604020202020204" pitchFamily="34" charset="0"/>
-            </a:endParaRPr>
-          </a:p>
-        </p:txBody>
-      </p:sp>
-      <p:sp>
-        <p:nvSpPr>
-          <p:cNvPr id="6" name="Rectangle 1"/>
-          <p:cNvSpPr>
-            <a:spLocks noChangeArrowheads="1"/>
-          </p:cNvSpPr>
-          <p:nvPr/>
-        </p:nvSpPr>
-        <p:spPr bwMode="auto">
-          <a:xfrm>
-            <a:off x="0" y="43934"/>
-            <a:ext cx="184731" cy="369332"/>
-          </a:xfrm>
-          <a:prstGeom prst="rect">
-            <a:avLst/>
-          </a:prstGeom>
-          <a:solidFill>
-            <a:srgbClr val="FFFFFF"/>
-          </a:solidFill>
-          <a:ln>
-            <a:noFill/>
-          </a:ln>
-          <a:effectLst/>
-          <a:extLst>
-            <a:ext uri="{91240B29-F687-4F45-9708-019B960494DF}">
-              <a14:hiddenLine xmlns:a14="http://schemas.microsoft.com/office/drawing/2010/main" w="9525">
-                <a:solidFill>
-                  <a:schemeClr val="tx1"/>
-                </a:solidFill>
-                <a:miter lim="800000"/>
-                <a:headEnd/>
-                <a:tailEnd/>
-              </a14:hiddenLine>
-            </a:ext>
-            <a:ext uri="{AF507438-7753-43E0-B8FC-AC1667EBCBE1}">
-              <a14:hiddenEffects xmlns:a14="http://schemas.microsoft.com/office/drawing/2010/main">
-                <a:effectLst>
-                  <a:outerShdw dist="35921" dir="2700000" algn="ctr" rotWithShape="0">
-                    <a:schemeClr val="bg2"/>
-                  </a:outerShdw>
-                </a:effectLst>
-              </a14:hiddenEffects>
-            </a:ext>
-          </a:extLst>
-        </p:spPr>
-        <p:txBody>
-          <a:bodyPr vert="horz" wrap="none" lIns="91440" tIns="45720" rIns="91440" bIns="45720" numCol="1" anchor="ctr" anchorCtr="0" compatLnSpc="1">
-            <a:prstTxWarp prst="textNoShape">
-              <a:avLst/>
-            </a:prstTxWarp>
-            <a:spAutoFit/>
-          </a:bodyPr>
-          <a:lstStyle/>
-          <a:p>
-            <a:pPr marL="0" marR="0" lvl="0" indent="0" algn="l" defTabSz="914400" rtl="0" eaLnBrk="0" fontAlgn="base" latinLnBrk="0" hangingPunct="0">
-              <a:lnSpc>
-                <a:spcPct val="100000"/>
-              </a:lnSpc>
-              <a:spcBef>
-                <a:spcPct val="0"/>
-              </a:spcBef>
-              <a:spcAft>
-                <a:spcPct val="0"/>
-              </a:spcAft>
-              <a:buClrTx/>
-              <a:buSzTx/>
-              <a:buFontTx/>
-              <a:buNone/>
-              <a:tabLst/>
-            </a:pPr>
-            <a:endParaRPr kumimoji="0" lang="ru-RU" altLang="ru-RU" sz="1800" b="0" i="0" u="none" strike="noStrike" cap="none" normalizeH="0" baseline="0" dirty="0" smtClean="0">
-              <a:ln>
-                <a:noFill/>
-              </a:ln>
-              <a:solidFill>
-                <a:schemeClr val="tx1"/>
-              </a:solidFill>
-              <a:effectLst/>
-              <a:latin typeface="Arial" panose="020B0604020202020204" pitchFamily="34" charset="0"/>
-            </a:endParaRPr>
-          </a:p>
-        </p:txBody>
-      </p:sp>
-      <p:sp>
-        <p:nvSpPr>
-          <p:cNvPr id="8" name="Rectangle 1"/>
-          <p:cNvSpPr>
-            <a:spLocks noChangeArrowheads="1"/>
-          </p:cNvSpPr>
-          <p:nvPr/>
-        </p:nvSpPr>
-        <p:spPr bwMode="auto">
-          <a:xfrm>
-            <a:off x="0" y="43934"/>
-            <a:ext cx="184731" cy="369332"/>
-          </a:xfrm>
-          <a:prstGeom prst="rect">
-            <a:avLst/>
-          </a:prstGeom>
-          <a:solidFill>
-            <a:srgbClr val="FFFFFF"/>
-          </a:solidFill>
-          <a:ln>
-            <a:noFill/>
-          </a:ln>
-          <a:effectLst/>
-          <a:extLst>
-            <a:ext uri="{91240B29-F687-4F45-9708-019B960494DF}">
-              <a14:hiddenLine xmlns:a14="http://schemas.microsoft.com/office/drawing/2010/main" w="9525">
-                <a:solidFill>
-                  <a:schemeClr val="tx1"/>
-                </a:solidFill>
-                <a:miter lim="800000"/>
-                <a:headEnd/>
-                <a:tailEnd/>
-              </a14:hiddenLine>
-            </a:ext>
-            <a:ext uri="{AF507438-7753-43E0-B8FC-AC1667EBCBE1}">
-              <a14:hiddenEffects xmlns:a14="http://schemas.microsoft.com/office/drawing/2010/main">
-                <a:effectLst>
-                  <a:outerShdw dist="35921" dir="2700000" algn="ctr" rotWithShape="0">
-                    <a:schemeClr val="bg2"/>
-                  </a:outerShdw>
-                </a:effectLst>
-              </a14:hiddenEffects>
-            </a:ext>
-          </a:extLst>
-        </p:spPr>
-        <p:txBody>
-          <a:bodyPr vert="horz" wrap="none" lIns="91440" tIns="45720" rIns="91440" bIns="45720" numCol="1" anchor="ctr" anchorCtr="0" compatLnSpc="1">
-            <a:prstTxWarp prst="textNoShape">
-              <a:avLst/>
-            </a:prstTxWarp>
-            <a:spAutoFit/>
-          </a:bodyPr>
-          <a:lstStyle/>
-          <a:p>
-            <a:pPr marL="0" marR="0" lvl="0" indent="0" algn="l" defTabSz="914400" rtl="0" eaLnBrk="0" fontAlgn="base" latinLnBrk="0" hangingPunct="0">
-              <a:lnSpc>
-                <a:spcPct val="100000"/>
-              </a:lnSpc>
-              <a:spcBef>
-                <a:spcPct val="0"/>
-              </a:spcBef>
-              <a:spcAft>
-                <a:spcPct val="0"/>
-              </a:spcAft>
-              <a:buClrTx/>
-              <a:buSzTx/>
-              <a:buFontTx/>
-              <a:buNone/>
-              <a:tabLst/>
-            </a:pPr>
-            <a:endParaRPr kumimoji="0" lang="ru-RU" altLang="ru-RU" sz="1800" b="0" i="0" u="none" strike="noStrike" cap="none" normalizeH="0" baseline="0" dirty="0" smtClean="0">
-              <a:ln>
-                <a:noFill/>
-              </a:ln>
-              <a:solidFill>
-                <a:schemeClr val="tx1"/>
-              </a:solidFill>
-              <a:effectLst/>
-              <a:latin typeface="Arial" panose="020B0604020202020204" pitchFamily="34" charset="0"/>
-            </a:endParaRPr>
-          </a:p>
-        </p:txBody>
-      </p:sp>
-      <p:sp>
-        <p:nvSpPr>
-          <p:cNvPr id="9" name="Rectangle 1"/>
-          <p:cNvSpPr>
-            <a:spLocks noChangeArrowheads="1"/>
-          </p:cNvSpPr>
-          <p:nvPr/>
-        </p:nvSpPr>
-        <p:spPr bwMode="auto">
-          <a:xfrm>
-            <a:off x="0" y="43934"/>
-            <a:ext cx="184731" cy="369332"/>
-          </a:xfrm>
-          <a:prstGeom prst="rect">
-            <a:avLst/>
-          </a:prstGeom>
-          <a:solidFill>
-            <a:srgbClr val="FFFFFF"/>
-          </a:solidFill>
-          <a:ln>
-            <a:noFill/>
-          </a:ln>
-          <a:effectLst/>
-          <a:extLst>
-            <a:ext uri="{91240B29-F687-4F45-9708-019B960494DF}">
-              <a14:hiddenLine xmlns:a14="http://schemas.microsoft.com/office/drawing/2010/main" w="9525">
-                <a:solidFill>
-                  <a:schemeClr val="tx1"/>
-                </a:solidFill>
-                <a:miter lim="800000"/>
-                <a:headEnd/>
-                <a:tailEnd/>
-              </a14:hiddenLine>
-            </a:ext>
-            <a:ext uri="{AF507438-7753-43E0-B8FC-AC1667EBCBE1}">
-              <a14:hiddenEffects xmlns:a14="http://schemas.microsoft.com/office/drawing/2010/main">
-                <a:effectLst>
-                  <a:outerShdw dist="35921" dir="2700000" algn="ctr" rotWithShape="0">
-                    <a:schemeClr val="bg2"/>
-                  </a:outerShdw>
-                </a:effectLst>
-              </a14:hiddenEffects>
-            </a:ext>
-          </a:extLst>
-        </p:spPr>
-        <p:txBody>
-          <a:bodyPr vert="horz" wrap="none" lIns="91440" tIns="45720" rIns="91440" bIns="45720" numCol="1" anchor="ctr" anchorCtr="0" compatLnSpc="1">
-            <a:prstTxWarp prst="textNoShape">
-              <a:avLst/>
-            </a:prstTxWarp>
-            <a:spAutoFit/>
-          </a:bodyPr>
-          <a:lstStyle/>
-          <a:p>
-            <a:pPr marL="0" marR="0" lvl="0" indent="0" algn="l" defTabSz="914400" rtl="0" eaLnBrk="0" fontAlgn="base" latinLnBrk="0" hangingPunct="0">
-              <a:lnSpc>
-                <a:spcPct val="100000"/>
-              </a:lnSpc>
-              <a:spcBef>
-                <a:spcPct val="0"/>
-              </a:spcBef>
-              <a:spcAft>
-                <a:spcPct val="0"/>
-              </a:spcAft>
-              <a:buClrTx/>
-              <a:buSzTx/>
-              <a:buFontTx/>
-              <a:buNone/>
-              <a:tabLst/>
-            </a:pPr>
-            <a:endParaRPr kumimoji="0" lang="ru-RU" altLang="ru-RU" sz="1800" b="0" i="0" u="none" strike="noStrike" cap="none" normalizeH="0" baseline="0" dirty="0" smtClean="0">
-              <a:ln>
-                <a:noFill/>
-              </a:ln>
-              <a:solidFill>
-                <a:schemeClr val="tx1"/>
-              </a:solidFill>
-              <a:effectLst/>
-              <a:latin typeface="Arial" panose="020B0604020202020204" pitchFamily="34" charset="0"/>
-            </a:endParaRPr>
-          </a:p>
-        </p:txBody>
-      </p:sp>
-    </p:spTree>
-    <p:extLst>
-      <p:ext uri="{BB962C8B-B14F-4D97-AF65-F5344CB8AC3E}">
-        <p14:creationId xmlns:p14="http://schemas.microsoft.com/office/powerpoint/2010/main" val="2304686602"/>
-      </p:ext>
-    </p:extLst>
-  </p:cSld>
-  <p:clrMapOvr>
-    <a:masterClrMapping/>
-  </p:clrMapOvr>
-  <p:timing>
-    <p:tnLst>
-      <p:par>
-        <p:cTn id="1" dur="indefinite" restart="never" nodeType="tmRoot"/>
-      </p:par>
-    </p:tnLst>
-  </p:timing>
-</p:sld>
-</file>
-
-<file path=ppt/slides/slide31.xml><?xml version="1.0" encoding="utf-8"?>
-<p:sld xmlns:a="http://schemas.openxmlformats.org/drawingml/2006/main" xmlns:r="http://schemas.openxmlformats.org/officeDocument/2006/relationships" xmlns:p="http://schemas.openxmlformats.org/presentationml/2006/main">
-  <p:cSld>
-    <p:spTree>
-      <p:nvGrpSpPr>
-        <p:cNvPr id="1" name=""/>
-        <p:cNvGrpSpPr/>
-        <p:nvPr/>
-      </p:nvGrpSpPr>
-      <p:grpSpPr>
-        <a:xfrm>
-          <a:off x="0" y="0"/>
-          <a:ext cx="0" cy="0"/>
-          <a:chOff x="0" y="0"/>
-          <a:chExt cx="0" cy="0"/>
-        </a:xfrm>
-      </p:grpSpPr>
-      <p:sp>
-        <p:nvSpPr>
-          <p:cNvPr id="2" name="Заголовок 1"/>
-          <p:cNvSpPr>
-            <a:spLocks noGrp="1"/>
-          </p:cNvSpPr>
-          <p:nvPr>
-            <p:ph type="title"/>
-          </p:nvPr>
-        </p:nvSpPr>
-        <p:spPr/>
-        <p:txBody>
-          <a:bodyPr/>
-          <a:lstStyle/>
-          <a:p>
-            <a:r>
-              <a:rPr lang="en-US" dirty="0"/>
-              <a:t>Literature</a:t>
-            </a:r>
-            <a:endParaRPr lang="ru-RU" dirty="0"/>
-          </a:p>
-        </p:txBody>
-      </p:sp>
-      <p:sp>
-        <p:nvSpPr>
-          <p:cNvPr id="3" name="Объект 2"/>
-          <p:cNvSpPr>
-            <a:spLocks noGrp="1"/>
-          </p:cNvSpPr>
-          <p:nvPr>
-            <p:ph idx="1"/>
-          </p:nvPr>
-        </p:nvSpPr>
-        <p:spPr/>
-        <p:txBody>
-          <a:bodyPr>
-            <a:normAutofit/>
-          </a:bodyPr>
-          <a:lstStyle/>
-          <a:p>
-            <a:r>
-              <a:rPr lang="en-US" dirty="0" smtClean="0">
-                <a:hlinkClick r:id="rId3"/>
-              </a:rPr>
-              <a:t>Generics</a:t>
-            </a:r>
-            <a:endParaRPr lang="en-US" dirty="0"/>
-          </a:p>
-          <a:p>
-            <a:r>
-              <a:rPr lang="en-US" dirty="0" smtClean="0">
-                <a:hlinkClick r:id="rId4"/>
-              </a:rPr>
-              <a:t>Collections Cheat </a:t>
-            </a:r>
-            <a:r>
-              <a:rPr lang="en-US" dirty="0" smtClean="0">
-                <a:hlinkClick r:id="rId4"/>
-              </a:rPr>
-              <a:t>sheet</a:t>
-            </a:r>
-            <a:endParaRPr lang="en-US" dirty="0" smtClean="0"/>
-          </a:p>
-          <a:p>
-            <a:r>
-              <a:rPr lang="en-US" b="1" dirty="0"/>
-              <a:t>Clean Code: A Handbook of Agile Software </a:t>
-            </a:r>
-            <a:r>
-              <a:rPr lang="en-US" b="1" dirty="0" smtClean="0"/>
-              <a:t>Craftsmanship</a:t>
-            </a:r>
-            <a:r>
-              <a:rPr lang="en-US" dirty="0" smtClean="0"/>
-              <a:t> by</a:t>
-            </a:r>
-            <a:r>
-              <a:rPr lang="en-US" dirty="0"/>
-              <a:t> Robert C. </a:t>
-            </a:r>
-            <a:r>
-              <a:rPr lang="en-US" dirty="0" smtClean="0"/>
-              <a:t>Martin : Chapter 1-3</a:t>
-            </a:r>
-            <a:endParaRPr lang="en-US" dirty="0"/>
-          </a:p>
-        </p:txBody>
-      </p:sp>
-    </p:spTree>
-    <p:extLst>
-      <p:ext uri="{BB962C8B-B14F-4D97-AF65-F5344CB8AC3E}">
-        <p14:creationId xmlns:p14="http://schemas.microsoft.com/office/powerpoint/2010/main" val="182556696"/>
-      </p:ext>
-    </p:extLst>
-  </p:cSld>
-  <p:clrMapOvr>
-    <a:masterClrMapping/>
-  </p:clrMapOvr>
-  <p:timing>
-    <p:tnLst>
-      <p:par>
-        <p:cTn id="1" dur="indefinite" restart="never" nodeType="tmRoot"/>
-      </p:par>
-    </p:tnLst>
-  </p:timing>
-</p:sld>
-</file>
-
-<file path=ppt/slides/slide32.xml><?xml version="1.0" encoding="utf-8"?>
-<p:sld xmlns:a="http://schemas.openxmlformats.org/drawingml/2006/main" xmlns:r="http://schemas.openxmlformats.org/officeDocument/2006/relationships" xmlns:p="http://schemas.openxmlformats.org/presentationml/2006/main">
-  <p:cSld>
-    <p:spTree>
-      <p:nvGrpSpPr>
-        <p:cNvPr id="1" name=""/>
-        <p:cNvGrpSpPr/>
-        <p:nvPr/>
-      </p:nvGrpSpPr>
-      <p:grpSpPr>
-        <a:xfrm>
-          <a:off x="0" y="0"/>
-          <a:ext cx="0" cy="0"/>
-          <a:chOff x="0" y="0"/>
-          <a:chExt cx="0" cy="0"/>
-        </a:xfrm>
-      </p:grpSpPr>
-      <p:sp>
-        <p:nvSpPr>
-          <p:cNvPr id="2" name="Заголовок 1"/>
-          <p:cNvSpPr>
-            <a:spLocks noGrp="1"/>
-          </p:cNvSpPr>
-          <p:nvPr>
-            <p:ph type="title"/>
-          </p:nvPr>
-        </p:nvSpPr>
-        <p:spPr/>
-        <p:txBody>
-          <a:bodyPr/>
-          <a:lstStyle/>
-          <a:p>
-            <a:r>
-              <a:rPr lang="en-US" dirty="0"/>
-              <a:t>Homework Task 1</a:t>
-            </a:r>
-            <a:endParaRPr lang="ru-RU" dirty="0"/>
-          </a:p>
-        </p:txBody>
-      </p:sp>
-      <p:sp>
-        <p:nvSpPr>
-          <p:cNvPr id="4" name="Rectangle 1"/>
-          <p:cNvSpPr>
-            <a:spLocks noGrp="1" noChangeArrowheads="1"/>
-          </p:cNvSpPr>
-          <p:nvPr>
-            <p:ph idx="1"/>
-          </p:nvPr>
-        </p:nvSpPr>
-        <p:spPr bwMode="auto">
-          <a:xfrm>
-            <a:off x="838200" y="1690688"/>
-            <a:ext cx="10515600" cy="3016210"/>
-          </a:xfrm>
-          <a:prstGeom prst="rect">
-            <a:avLst/>
-          </a:prstGeom>
-          <a:solidFill>
-            <a:srgbClr val="FFFFFF"/>
-          </a:solidFill>
-          <a:ln>
-            <a:noFill/>
-          </a:ln>
-          <a:effectLst/>
-          <a:extLst>
-            <a:ext uri="{91240B29-F687-4F45-9708-019B960494DF}">
-              <a14:hiddenLine xmlns:a14="http://schemas.microsoft.com/office/drawing/2010/main" w="9525">
-                <a:solidFill>
-                  <a:schemeClr val="tx1"/>
-                </a:solidFill>
-                <a:miter lim="800000"/>
-                <a:headEnd/>
-                <a:tailEnd/>
-              </a14:hiddenLine>
-            </a:ext>
-            <a:ext uri="{AF507438-7753-43E0-B8FC-AC1667EBCBE1}">
-              <a14:hiddenEffects xmlns:a14="http://schemas.microsoft.com/office/drawing/2010/main">
-                <a:effectLst>
-                  <a:outerShdw dist="35921" dir="2700000" algn="ctr" rotWithShape="0">
-                    <a:schemeClr val="bg2"/>
-                  </a:outerShdw>
-                </a:effectLst>
-              </a14:hiddenEffects>
-            </a:ext>
-          </a:extLst>
-        </p:spPr>
-        <p:txBody>
-          <a:bodyPr vert="horz" wrap="square" lIns="91440" tIns="45720" rIns="91440" bIns="45720" numCol="1" anchor="ctr" anchorCtr="0" compatLnSpc="1">
-            <a:prstTxWarp prst="textNoShape">
-              <a:avLst/>
-            </a:prstTxWarp>
-            <a:spAutoFit/>
-          </a:bodyPr>
-          <a:lstStyle/>
-          <a:p>
-            <a:pPr marL="0" indent="0" eaLnBrk="0" fontAlgn="base" hangingPunct="0">
-              <a:lnSpc>
-                <a:spcPct val="150000"/>
-              </a:lnSpc>
-              <a:spcBef>
-                <a:spcPct val="0"/>
-              </a:spcBef>
-              <a:spcAft>
-                <a:spcPct val="0"/>
-              </a:spcAft>
-              <a:buNone/>
-            </a:pPr>
-            <a:r>
-              <a:rPr lang="en-US" altLang="en-US" sz="1600" b="1" dirty="0">
-                <a:solidFill>
-                  <a:srgbClr val="000080"/>
-                </a:solidFill>
-                <a:latin typeface="Courier New" panose="02070309020205020404" pitchFamily="49" charset="0"/>
-                <a:cs typeface="Courier New" panose="02070309020205020404" pitchFamily="49" charset="0"/>
-              </a:rPr>
-              <a:t>public interface </a:t>
-            </a:r>
-            <a:r>
-              <a:rPr lang="en-US" altLang="en-US" sz="1600" dirty="0">
-                <a:solidFill>
-                  <a:srgbClr val="000000"/>
-                </a:solidFill>
-                <a:latin typeface="Courier New" panose="02070309020205020404" pitchFamily="49" charset="0"/>
-                <a:cs typeface="Courier New" panose="02070309020205020404" pitchFamily="49" charset="0"/>
-              </a:rPr>
-              <a:t>Garage {</a:t>
-            </a:r>
-            <a:br>
-              <a:rPr lang="en-US" altLang="en-US" sz="1600" dirty="0">
-                <a:solidFill>
-                  <a:srgbClr val="000000"/>
-                </a:solidFill>
-                <a:latin typeface="Courier New" panose="02070309020205020404" pitchFamily="49" charset="0"/>
-                <a:cs typeface="Courier New" panose="02070309020205020404" pitchFamily="49" charset="0"/>
-              </a:rPr>
-            </a:br>
-            <a:r>
-              <a:rPr lang="en-US" altLang="en-US" sz="1600" dirty="0">
-                <a:solidFill>
-                  <a:srgbClr val="000000"/>
-                </a:solidFill>
-                <a:latin typeface="Courier New" panose="02070309020205020404" pitchFamily="49" charset="0"/>
-                <a:cs typeface="Courier New" panose="02070309020205020404" pitchFamily="49" charset="0"/>
-              </a:rPr>
-              <a:t>    </a:t>
-            </a:r>
-            <a:r>
-              <a:rPr lang="en-US" altLang="en-US" sz="1600" i="1" dirty="0">
-                <a:solidFill>
-                  <a:srgbClr val="808080"/>
-                </a:solidFill>
-                <a:latin typeface="Courier New" panose="02070309020205020404" pitchFamily="49" charset="0"/>
-                <a:cs typeface="Courier New" panose="02070309020205020404" pitchFamily="49" charset="0"/>
-              </a:rPr>
-              <a:t>/**</a:t>
-            </a:r>
-            <a:br>
-              <a:rPr lang="en-US" altLang="en-US" sz="1600" i="1" dirty="0">
-                <a:solidFill>
-                  <a:srgbClr val="808080"/>
-                </a:solidFill>
-                <a:latin typeface="Courier New" panose="02070309020205020404" pitchFamily="49" charset="0"/>
-                <a:cs typeface="Courier New" panose="02070309020205020404" pitchFamily="49" charset="0"/>
-              </a:rPr>
-            </a:br>
-            <a:r>
-              <a:rPr lang="en-US" altLang="en-US" sz="1600" i="1" dirty="0">
-                <a:solidFill>
-                  <a:srgbClr val="808080"/>
-                </a:solidFill>
-                <a:latin typeface="Courier New" panose="02070309020205020404" pitchFamily="49" charset="0"/>
-                <a:cs typeface="Courier New" panose="02070309020205020404" pitchFamily="49" charset="0"/>
-              </a:rPr>
-              <a:t>     * Returns cars list sorted by brand in alphabetical natural order, then</a:t>
-            </a:r>
-            <a:br>
-              <a:rPr lang="en-US" altLang="en-US" sz="1600" i="1" dirty="0">
-                <a:solidFill>
-                  <a:srgbClr val="808080"/>
-                </a:solidFill>
-                <a:latin typeface="Courier New" panose="02070309020205020404" pitchFamily="49" charset="0"/>
-                <a:cs typeface="Courier New" panose="02070309020205020404" pitchFamily="49" charset="0"/>
-              </a:rPr>
-            </a:br>
-            <a:r>
-              <a:rPr lang="en-US" altLang="en-US" sz="1600" i="1" dirty="0">
-                <a:solidFill>
-                  <a:srgbClr val="808080"/>
-                </a:solidFill>
-                <a:latin typeface="Courier New" panose="02070309020205020404" pitchFamily="49" charset="0"/>
-                <a:cs typeface="Courier New" panose="02070309020205020404" pitchFamily="49" charset="0"/>
-              </a:rPr>
-              <a:t>     * if brand equals sub-sorts by power descending, then</a:t>
-            </a:r>
-            <a:br>
-              <a:rPr lang="en-US" altLang="en-US" sz="1600" i="1" dirty="0">
-                <a:solidFill>
-                  <a:srgbClr val="808080"/>
-                </a:solidFill>
-                <a:latin typeface="Courier New" panose="02070309020205020404" pitchFamily="49" charset="0"/>
-                <a:cs typeface="Courier New" panose="02070309020205020404" pitchFamily="49" charset="0"/>
-              </a:rPr>
-            </a:br>
-            <a:r>
-              <a:rPr lang="en-US" altLang="en-US" sz="1600" i="1" dirty="0">
-                <a:solidFill>
-                  <a:srgbClr val="808080"/>
-                </a:solidFill>
-                <a:latin typeface="Courier New" panose="02070309020205020404" pitchFamily="49" charset="0"/>
-                <a:cs typeface="Courier New" panose="02070309020205020404" pitchFamily="49" charset="0"/>
-              </a:rPr>
-              <a:t>     * if brand and power the same – sub-sorts by Color luminosity ascending</a:t>
-            </a:r>
-            <a:br>
-              <a:rPr lang="en-US" altLang="en-US" sz="1600" i="1" dirty="0">
-                <a:solidFill>
-                  <a:srgbClr val="808080"/>
-                </a:solidFill>
-                <a:latin typeface="Courier New" panose="02070309020205020404" pitchFamily="49" charset="0"/>
-                <a:cs typeface="Courier New" panose="02070309020205020404" pitchFamily="49" charset="0"/>
-              </a:rPr>
-            </a:br>
-            <a:r>
-              <a:rPr lang="en-US" altLang="en-US" sz="1600" i="1" dirty="0">
-                <a:solidFill>
-                  <a:srgbClr val="808080"/>
-                </a:solidFill>
-                <a:latin typeface="Courier New" panose="02070309020205020404" pitchFamily="49" charset="0"/>
-                <a:cs typeface="Courier New" panose="02070309020205020404" pitchFamily="49" charset="0"/>
-              </a:rPr>
-              <a:t>     */</a:t>
-            </a:r>
-            <a:br>
-              <a:rPr lang="en-US" altLang="en-US" sz="1600" i="1" dirty="0">
-                <a:solidFill>
-                  <a:srgbClr val="808080"/>
-                </a:solidFill>
-                <a:latin typeface="Courier New" panose="02070309020205020404" pitchFamily="49" charset="0"/>
-                <a:cs typeface="Courier New" panose="02070309020205020404" pitchFamily="49" charset="0"/>
-              </a:rPr>
-            </a:br>
-            <a:r>
-              <a:rPr lang="en-US" altLang="en-US" sz="1600" i="1" dirty="0">
-                <a:solidFill>
-                  <a:srgbClr val="808080"/>
-                </a:solidFill>
-                <a:latin typeface="Courier New" panose="02070309020205020404" pitchFamily="49" charset="0"/>
-                <a:cs typeface="Courier New" panose="02070309020205020404" pitchFamily="49" charset="0"/>
-              </a:rPr>
-              <a:t>    </a:t>
-            </a:r>
-            <a:r>
-              <a:rPr lang="en-US" altLang="en-US" sz="1600" dirty="0">
-                <a:solidFill>
-                  <a:srgbClr val="000000"/>
-                </a:solidFill>
-                <a:latin typeface="Courier New" panose="02070309020205020404" pitchFamily="49" charset="0"/>
-                <a:cs typeface="Courier New" panose="02070309020205020404" pitchFamily="49" charset="0"/>
-              </a:rPr>
-              <a:t>List&lt;Car&gt; getCars();</a:t>
-            </a:r>
-            <a:br>
-              <a:rPr lang="en-US" altLang="en-US" sz="1600" dirty="0">
-                <a:solidFill>
-                  <a:srgbClr val="000000"/>
-                </a:solidFill>
-                <a:latin typeface="Courier New" panose="02070309020205020404" pitchFamily="49" charset="0"/>
-                <a:cs typeface="Courier New" panose="02070309020205020404" pitchFamily="49" charset="0"/>
-              </a:rPr>
-            </a:br>
-            <a:r>
-              <a:rPr lang="en-US" altLang="en-US" sz="1600" dirty="0" smtClean="0">
-                <a:solidFill>
-                  <a:srgbClr val="000000"/>
-                </a:solidFill>
-                <a:latin typeface="Courier New" panose="02070309020205020404" pitchFamily="49" charset="0"/>
-                <a:cs typeface="Courier New" panose="02070309020205020404" pitchFamily="49" charset="0"/>
-              </a:rPr>
-              <a:t>}</a:t>
-            </a:r>
-            <a:endParaRPr lang="en-US" altLang="ru-RU" sz="1600" dirty="0">
-              <a:latin typeface="Courier New" panose="02070309020205020404" pitchFamily="49" charset="0"/>
-              <a:cs typeface="Courier New" panose="02070309020205020404" pitchFamily="49" charset="0"/>
-            </a:endParaRPr>
-          </a:p>
-        </p:txBody>
-      </p:sp>
-      <p:sp>
-        <p:nvSpPr>
-          <p:cNvPr id="3" name="Rectangle 1"/>
-          <p:cNvSpPr>
-            <a:spLocks noChangeArrowheads="1"/>
-          </p:cNvSpPr>
-          <p:nvPr/>
-        </p:nvSpPr>
-        <p:spPr bwMode="auto">
-          <a:xfrm>
-            <a:off x="0" y="43934"/>
-            <a:ext cx="184731" cy="369332"/>
-          </a:xfrm>
-          <a:prstGeom prst="rect">
-            <a:avLst/>
-          </a:prstGeom>
-          <a:solidFill>
-            <a:srgbClr val="FFFFFF"/>
-          </a:solidFill>
-          <a:ln>
-            <a:noFill/>
-          </a:ln>
-          <a:effectLst/>
-          <a:extLst>
-            <a:ext uri="{91240B29-F687-4F45-9708-019B960494DF}">
-              <a14:hiddenLine xmlns:a14="http://schemas.microsoft.com/office/drawing/2010/main" w="9525">
-                <a:solidFill>
-                  <a:schemeClr val="tx1"/>
-                </a:solidFill>
-                <a:miter lim="800000"/>
-                <a:headEnd/>
-                <a:tailEnd/>
-              </a14:hiddenLine>
-            </a:ext>
-            <a:ext uri="{AF507438-7753-43E0-B8FC-AC1667EBCBE1}">
-              <a14:hiddenEffects xmlns:a14="http://schemas.microsoft.com/office/drawing/2010/main">
-                <a:effectLst>
-                  <a:outerShdw dist="35921" dir="2700000" algn="ctr" rotWithShape="0">
-                    <a:schemeClr val="bg2"/>
-                  </a:outerShdw>
-                </a:effectLst>
-              </a14:hiddenEffects>
-            </a:ext>
-          </a:extLst>
-        </p:spPr>
-        <p:txBody>
-          <a:bodyPr vert="horz" wrap="none" lIns="91440" tIns="45720" rIns="91440" bIns="45720" numCol="1" anchor="ctr" anchorCtr="0" compatLnSpc="1">
-            <a:prstTxWarp prst="textNoShape">
-              <a:avLst/>
-            </a:prstTxWarp>
-            <a:spAutoFit/>
-          </a:bodyPr>
-          <a:lstStyle/>
-          <a:p>
-            <a:pPr marL="0" marR="0" lvl="0" indent="0" algn="l" defTabSz="914400" rtl="0" eaLnBrk="0" fontAlgn="base" latinLnBrk="0" hangingPunct="0">
-              <a:lnSpc>
-                <a:spcPct val="100000"/>
-              </a:lnSpc>
-              <a:spcBef>
-                <a:spcPct val="0"/>
-              </a:spcBef>
-              <a:spcAft>
-                <a:spcPct val="0"/>
-              </a:spcAft>
-              <a:buClrTx/>
-              <a:buSzTx/>
-              <a:buFontTx/>
-              <a:buNone/>
-              <a:tabLst/>
-            </a:pPr>
-            <a:endParaRPr kumimoji="0" lang="ru-RU" altLang="ru-RU" sz="1800" b="0" i="0" u="none" strike="noStrike" cap="none" normalizeH="0" baseline="0" dirty="0">
-              <a:ln>
-                <a:noFill/>
-              </a:ln>
-              <a:solidFill>
-                <a:schemeClr val="tx1"/>
-              </a:solidFill>
-              <a:effectLst/>
-              <a:latin typeface="Arial" panose="020B0604020202020204" pitchFamily="34" charset="0"/>
-            </a:endParaRPr>
-          </a:p>
-        </p:txBody>
-      </p:sp>
-      <p:sp>
-        <p:nvSpPr>
-          <p:cNvPr id="5" name="Rectangle 1"/>
-          <p:cNvSpPr>
-            <a:spLocks noChangeArrowheads="1"/>
-          </p:cNvSpPr>
-          <p:nvPr/>
-        </p:nvSpPr>
-        <p:spPr bwMode="auto">
-          <a:xfrm>
-            <a:off x="0" y="43934"/>
-            <a:ext cx="184731" cy="369332"/>
-          </a:xfrm>
-          <a:prstGeom prst="rect">
-            <a:avLst/>
-          </a:prstGeom>
-          <a:solidFill>
-            <a:srgbClr val="FFFFFF"/>
-          </a:solidFill>
-          <a:ln>
-            <a:noFill/>
-          </a:ln>
-          <a:effectLst/>
-          <a:extLst>
-            <a:ext uri="{91240B29-F687-4F45-9708-019B960494DF}">
-              <a14:hiddenLine xmlns:a14="http://schemas.microsoft.com/office/drawing/2010/main" w="9525">
-                <a:solidFill>
-                  <a:schemeClr val="tx1"/>
-                </a:solidFill>
-                <a:miter lim="800000"/>
-                <a:headEnd/>
-                <a:tailEnd/>
-              </a14:hiddenLine>
-            </a:ext>
-            <a:ext uri="{AF507438-7753-43E0-B8FC-AC1667EBCBE1}">
-              <a14:hiddenEffects xmlns:a14="http://schemas.microsoft.com/office/drawing/2010/main">
-                <a:effectLst>
-                  <a:outerShdw dist="35921" dir="2700000" algn="ctr" rotWithShape="0">
-                    <a:schemeClr val="bg2"/>
-                  </a:outerShdw>
-                </a:effectLst>
-              </a14:hiddenEffects>
-            </a:ext>
-          </a:extLst>
-        </p:spPr>
-        <p:txBody>
-          <a:bodyPr vert="horz" wrap="none" lIns="91440" tIns="45720" rIns="91440" bIns="45720" numCol="1" anchor="ctr" anchorCtr="0" compatLnSpc="1">
-            <a:prstTxWarp prst="textNoShape">
-              <a:avLst/>
-            </a:prstTxWarp>
-            <a:spAutoFit/>
-          </a:bodyPr>
-          <a:lstStyle/>
-          <a:p>
-            <a:pPr marL="0" marR="0" lvl="0" indent="0" algn="l" defTabSz="914400" rtl="0" eaLnBrk="0" fontAlgn="base" latinLnBrk="0" hangingPunct="0">
-              <a:lnSpc>
-                <a:spcPct val="100000"/>
-              </a:lnSpc>
-              <a:spcBef>
-                <a:spcPct val="0"/>
-              </a:spcBef>
-              <a:spcAft>
-                <a:spcPct val="0"/>
-              </a:spcAft>
-              <a:buClrTx/>
-              <a:buSzTx/>
-              <a:buFontTx/>
-              <a:buNone/>
-              <a:tabLst/>
-            </a:pPr>
-            <a:endParaRPr kumimoji="0" lang="en-US" altLang="en-US" sz="1800" b="0" i="0" u="none" strike="noStrike" cap="none" normalizeH="0" baseline="0" dirty="0" smtClean="0">
-              <a:ln>
-                <a:noFill/>
-              </a:ln>
-              <a:solidFill>
-                <a:schemeClr val="tx1"/>
-              </a:solidFill>
-              <a:effectLst/>
-              <a:latin typeface="Arial" panose="020B0604020202020204" pitchFamily="34" charset="0"/>
-            </a:endParaRPr>
-          </a:p>
-        </p:txBody>
-      </p:sp>
-      <p:sp>
-        <p:nvSpPr>
-          <p:cNvPr id="6" name="Rectangle 2"/>
-          <p:cNvSpPr>
-            <a:spLocks noChangeArrowheads="1"/>
-          </p:cNvSpPr>
-          <p:nvPr/>
-        </p:nvSpPr>
-        <p:spPr bwMode="auto">
-          <a:xfrm>
-            <a:off x="0" y="43934"/>
-            <a:ext cx="184731" cy="369332"/>
-          </a:xfrm>
-          <a:prstGeom prst="rect">
-            <a:avLst/>
-          </a:prstGeom>
-          <a:solidFill>
-            <a:srgbClr val="FFFFFF"/>
-          </a:solidFill>
-          <a:ln>
-            <a:noFill/>
-          </a:ln>
-          <a:effectLst/>
-          <a:extLst>
-            <a:ext uri="{91240B29-F687-4F45-9708-019B960494DF}">
-              <a14:hiddenLine xmlns:a14="http://schemas.microsoft.com/office/drawing/2010/main" w="9525">
-                <a:solidFill>
-                  <a:schemeClr val="tx1"/>
-                </a:solidFill>
-                <a:miter lim="800000"/>
-                <a:headEnd/>
-                <a:tailEnd/>
-              </a14:hiddenLine>
-            </a:ext>
-            <a:ext uri="{AF507438-7753-43E0-B8FC-AC1667EBCBE1}">
-              <a14:hiddenEffects xmlns:a14="http://schemas.microsoft.com/office/drawing/2010/main">
-                <a:effectLst>
-                  <a:outerShdw dist="35921" dir="2700000" algn="ctr" rotWithShape="0">
-                    <a:schemeClr val="bg2"/>
-                  </a:outerShdw>
-                </a:effectLst>
-              </a14:hiddenEffects>
-            </a:ext>
-          </a:extLst>
-        </p:spPr>
-        <p:txBody>
-          <a:bodyPr vert="horz" wrap="none" lIns="91440" tIns="45720" rIns="91440" bIns="45720" numCol="1" anchor="ctr" anchorCtr="0" compatLnSpc="1">
-            <a:prstTxWarp prst="textNoShape">
-              <a:avLst/>
-            </a:prstTxWarp>
-            <a:spAutoFit/>
-          </a:bodyPr>
-          <a:lstStyle/>
-          <a:p>
-            <a:pPr marL="0" marR="0" lvl="0" indent="0" algn="l" defTabSz="914400" rtl="0" eaLnBrk="0" fontAlgn="base" latinLnBrk="0" hangingPunct="0">
-              <a:lnSpc>
-                <a:spcPct val="100000"/>
-              </a:lnSpc>
-              <a:spcBef>
-                <a:spcPct val="0"/>
-              </a:spcBef>
-              <a:spcAft>
-                <a:spcPct val="0"/>
-              </a:spcAft>
-              <a:buClrTx/>
-              <a:buSzTx/>
-              <a:buFontTx/>
-              <a:buNone/>
-              <a:tabLst/>
-            </a:pPr>
-            <a:endParaRPr kumimoji="0" lang="en-US" altLang="en-US" sz="1800" b="0" i="0" u="none" strike="noStrike" cap="none" normalizeH="0" baseline="0" dirty="0" smtClean="0">
-              <a:ln>
-                <a:noFill/>
-              </a:ln>
-              <a:solidFill>
-                <a:schemeClr val="tx1"/>
-              </a:solidFill>
-              <a:effectLst/>
-              <a:latin typeface="Arial" panose="020B0604020202020204" pitchFamily="34" charset="0"/>
-            </a:endParaRPr>
-          </a:p>
-        </p:txBody>
-      </p:sp>
-      <p:sp>
-        <p:nvSpPr>
-          <p:cNvPr id="7" name="Rectangle 6"/>
-          <p:cNvSpPr/>
-          <p:nvPr/>
-        </p:nvSpPr>
-        <p:spPr>
-          <a:xfrm>
-            <a:off x="838200" y="4989719"/>
-            <a:ext cx="6096000" cy="369332"/>
-          </a:xfrm>
-          <a:prstGeom prst="rect">
-            <a:avLst/>
-          </a:prstGeom>
-        </p:spPr>
-        <p:txBody>
-          <a:bodyPr>
-            <a:spAutoFit/>
-          </a:bodyPr>
-          <a:lstStyle/>
-          <a:p>
-            <a:r>
-              <a:rPr lang="en-US" dirty="0" smtClean="0">
-                <a:hlinkClick r:id="rId3"/>
-              </a:rPr>
-              <a:t>https</a:t>
-            </a:r>
-            <a:r>
-              <a:rPr lang="en-US" dirty="0">
-                <a:hlinkClick r:id="rId3"/>
-              </a:rPr>
-              <a:t>://</a:t>
-            </a:r>
-            <a:r>
-              <a:rPr lang="en-US" dirty="0" smtClean="0">
-                <a:hlinkClick r:id="rId3"/>
-              </a:rPr>
-              <a:t>en.wikipedia.org/wiki/Relative_luminance</a:t>
-            </a:r>
-            <a:endParaRPr lang="en-US" dirty="0" smtClean="0"/>
-          </a:p>
-        </p:txBody>
-      </p:sp>
-    </p:spTree>
-    <p:extLst>
-      <p:ext uri="{BB962C8B-B14F-4D97-AF65-F5344CB8AC3E}">
-        <p14:creationId xmlns:p14="http://schemas.microsoft.com/office/powerpoint/2010/main" val="2477898234"/>
-      </p:ext>
-    </p:extLst>
-  </p:cSld>
-  <p:clrMapOvr>
-    <a:masterClrMapping/>
-  </p:clrMapOvr>
-</p:sld>
-</file>
-
-<file path=ppt/slides/slide33.xml><?xml version="1.0" encoding="utf-8"?>
-<p:sld xmlns:a="http://schemas.openxmlformats.org/drawingml/2006/main" xmlns:r="http://schemas.openxmlformats.org/officeDocument/2006/relationships" xmlns:p="http://schemas.openxmlformats.org/presentationml/2006/main">
-  <p:cSld>
-    <p:spTree>
-      <p:nvGrpSpPr>
-        <p:cNvPr id="1" name=""/>
-        <p:cNvGrpSpPr/>
-        <p:nvPr/>
-      </p:nvGrpSpPr>
-      <p:grpSpPr>
-        <a:xfrm>
-          <a:off x="0" y="0"/>
-          <a:ext cx="0" cy="0"/>
-          <a:chOff x="0" y="0"/>
-          <a:chExt cx="0" cy="0"/>
-        </a:xfrm>
-      </p:grpSpPr>
-      <p:sp>
-        <p:nvSpPr>
-          <p:cNvPr id="2" name="Заголовок 1"/>
-          <p:cNvSpPr>
-            <a:spLocks noGrp="1"/>
-          </p:cNvSpPr>
-          <p:nvPr>
-            <p:ph type="title"/>
-          </p:nvPr>
-        </p:nvSpPr>
         <p:spPr/>
         <p:txBody>
           <a:bodyPr/>
@@ -30471,17 +27482,7 @@
                 <a:latin typeface="Courier New" panose="02070309020205020404" pitchFamily="49" charset="0"/>
                 <a:cs typeface="Courier New" panose="02070309020205020404" pitchFamily="49" charset="0"/>
               </a:rPr>
-              <a:t>tasks </a:t>
-            </a:r>
-            <a:r>
-              <a:rPr lang="en-US" altLang="ru-RU" sz="1400" i="1" dirty="0" smtClean="0">
-                <a:solidFill>
-                  <a:schemeClr val="accent3"/>
-                </a:solidFill>
-                <a:latin typeface="Courier New" panose="02070309020205020404" pitchFamily="49" charset="0"/>
-                <a:cs typeface="Courier New" panose="02070309020205020404" pitchFamily="49" charset="0"/>
-              </a:rPr>
-              <a:t>count after insertion</a:t>
+              <a:t>tasks count after insertion</a:t>
             </a:r>
             <a:r>
               <a:rPr lang="en-US" altLang="en-US" sz="1400" dirty="0">
@@ -30570,17 +27571,7 @@
                 <a:latin typeface="Courier New" panose="02070309020205020404" pitchFamily="49" charset="0"/>
                 <a:cs typeface="Courier New" panose="02070309020205020404" pitchFamily="49" charset="0"/>
               </a:rPr>
-              <a:t>// </a:t>
-            </a:r>
-            <a:r>
-              <a:rPr lang="en-US" altLang="ru-RU" sz="1400" dirty="0">
-                <a:solidFill>
-                  <a:schemeClr val="accent3"/>
-                </a:solidFill>
-                <a:latin typeface="Courier New" panose="02070309020205020404" pitchFamily="49" charset="0"/>
-                <a:cs typeface="Courier New" panose="02070309020205020404" pitchFamily="49" charset="0"/>
-              </a:rPr>
-              <a:t>returns was </a:t>
+              <a:t>// returns was </a:t>
             </a:r>
             <a:r>
               <a:rPr lang="en-US" altLang="ru-RU" sz="1400" i="1" dirty="0" smtClean="0">
@@ -30649,37 +27640,17 @@
                 <a:latin typeface="Courier New" panose="02070309020205020404" pitchFamily="49" charset="0"/>
                 <a:cs typeface="Courier New" panose="02070309020205020404" pitchFamily="49" charset="0"/>
               </a:rPr>
-              <a:t>// </a:t>
-            </a:r>
-            <a:r>
-              <a:rPr lang="en-US" altLang="ru-RU" sz="1400" dirty="0">
+              <a:t>// returns </a:t>
+            </a:r>
+            <a:r>
+              <a:rPr lang="en-US" altLang="ru-RU" sz="1400" i="1" dirty="0" smtClean="0">
                 <a:solidFill>
                   <a:schemeClr val="accent3"/>
                 </a:solidFill>
                 <a:latin typeface="Courier New" panose="02070309020205020404" pitchFamily="49" charset="0"/>
                 <a:cs typeface="Courier New" panose="02070309020205020404" pitchFamily="49" charset="0"/>
               </a:rPr>
-              <a:t>returns </a:t>
-            </a:r>
-            <a:r>
-              <a:rPr lang="en-US" altLang="ru-RU" sz="1400" i="1" dirty="0" smtClean="0">
-                <a:solidFill>
-                  <a:schemeClr val="accent3"/>
-                </a:solidFill>
-                <a:latin typeface="Courier New" panose="02070309020205020404" pitchFamily="49" charset="0"/>
-                <a:cs typeface="Courier New" panose="02070309020205020404" pitchFamily="49" charset="0"/>
-              </a:rPr>
-              <a:t>unique </a:t>
-            </a:r>
-            <a:r>
-              <a:rPr lang="en-US" altLang="ru-RU" sz="1400" i="1" dirty="0" smtClean="0">
-                <a:solidFill>
-                  <a:schemeClr val="accent3"/>
-                </a:solidFill>
-                <a:latin typeface="Courier New" panose="02070309020205020404" pitchFamily="49" charset="0"/>
-                <a:cs typeface="Courier New" panose="02070309020205020404" pitchFamily="49" charset="0"/>
-              </a:rPr>
-              <a:t>tasks categories</a:t>
+              <a:t>unique tasks categories</a:t>
             </a:r>
             <a:r>
               <a:rPr lang="en-US" altLang="en-US" sz="1400" dirty="0">
@@ -30996,17 +27967,7 @@
                 <a:latin typeface="Courier New" panose="02070309020205020404" pitchFamily="49" charset="0"/>
                 <a:cs typeface="Courier New" panose="02070309020205020404" pitchFamily="49" charset="0"/>
               </a:rPr>
-              <a:t> // </a:t>
-            </a:r>
-            <a:r>
-              <a:rPr lang="en-US" altLang="ru-RU" sz="1400" dirty="0">
-                <a:solidFill>
-                  <a:schemeClr val="accent3"/>
-                </a:solidFill>
-                <a:latin typeface="Courier New" panose="02070309020205020404" pitchFamily="49" charset="0"/>
-                <a:cs typeface="Courier New" panose="02070309020205020404" pitchFamily="49" charset="0"/>
-              </a:rPr>
-              <a:t>returns tasks </a:t>
+              <a:t> // returns tasks </a:t>
             </a:r>
             <a:r>
               <a:rPr lang="ru-RU" altLang="ru-RU" sz="1400" i="1" dirty="0" err="1" smtClean="0">
@@ -31572,7 +28533,7 @@
 </p:sld>
 </file>
 
-<file path=ppt/slides/slide34.xml><?xml version="1.0" encoding="utf-8"?>
+<file path=ppt/slides/slide31.xml><?xml version="1.0" encoding="utf-8"?>
 <p:sld xmlns:a="http://schemas.openxmlformats.org/drawingml/2006/main" xmlns:r="http://schemas.openxmlformats.org/officeDocument/2006/relationships" xmlns:p="http://schemas.openxmlformats.org/presentationml/2006/main">
   <p:cSld>
     <p:spTree>
@@ -35335,20 +32296,6 @@
                 <a:cs typeface="Courier New" panose="02070309020205020404" pitchFamily="49" charset="0"/>
               </a:rPr>
               <a:t>);</a:t>
-            </a:r>
-            <a:r>
-              <a:rPr kumimoji="0" lang="ru-RU" altLang="ru-RU" sz="2000" b="0" i="0" u="none" strike="noStrike" cap="none" normalizeH="0" baseline="0" dirty="0" smtClean="0">
-                <a:ln>
-                  <a:noFill/>
-                </a:ln>
-                <a:solidFill>
-                  <a:srgbClr val="000000"/>
-                </a:solidFill>
-                <a:effectLst/>
-                <a:latin typeface="Courier New" panose="02070309020205020404" pitchFamily="49" charset="0"/>
-                <a:cs typeface="Courier New" panose="02070309020205020404" pitchFamily="49" charset="0"/>
-              </a:rPr>
-              <a:t/>
             </a:r>
             <a:br>
               <a:rPr kumimoji="0" lang="ru-RU" altLang="ru-RU" sz="2000" b="0" i="0" u="none" strike="noStrike" cap="none" normalizeH="0" baseline="0" dirty="0" smtClean="0">
